--- a/memo/model_checking_exercise.pptx
+++ b/memo/model_checking_exercise.pptx
@@ -16,6 +16,7 @@
     <p:sldId id="261" r:id="rId13"/>
     <p:sldId id="262" r:id="rId14"/>
     <p:sldId id="263" r:id="rId15"/>
+    <p:sldId id="264" r:id="rId16"/>
   </p:sldIdLst>
   <p:sldSz cx="13004800" cy="9753600"/>
   <p:notesSz cx="6858000" cy="9144000"/>
@@ -3807,37 +3808,78 @@
           <a:bodyPr/>
           <a:lstStyle/>
           <a:p>
-            <a:pPr/>
+            <a:pPr marL="437006" indent="-437006" defTabSz="543305">
+              <a:spcBef>
+                <a:spcPts val="2200"/>
+              </a:spcBef>
+              <a:defRPr sz="3348"/>
+            </a:pPr>
             <a:r>
               <a:t>演習更新の目的</a:t>
             </a:r>
           </a:p>
           <a:p>
-            <a:pPr/>
+            <a:pPr marL="437006" indent="-437006" defTabSz="543305">
+              <a:spcBef>
+                <a:spcPts val="2200"/>
+              </a:spcBef>
+              <a:defRPr sz="3348"/>
+            </a:pPr>
             <a:r>
               <a:t>演習の制約事項</a:t>
             </a:r>
           </a:p>
           <a:p>
-            <a:pPr/>
-            <a:r>
-              <a:t>演習内容（案）</a:t>
-            </a:r>
-          </a:p>
-          <a:p>
-            <a:pPr/>
+            <a:pPr marL="437006" indent="-437006" defTabSz="543305">
+              <a:spcBef>
+                <a:spcPts val="2200"/>
+              </a:spcBef>
+              <a:defRPr sz="3348"/>
+            </a:pPr>
+            <a:r>
+              <a:t>演習環境（案）</a:t>
+            </a:r>
+          </a:p>
+          <a:p>
+            <a:pPr marL="437006" indent="-437006" defTabSz="543305">
+              <a:spcBef>
+                <a:spcPts val="2200"/>
+              </a:spcBef>
+              <a:defRPr sz="3348"/>
+            </a:pPr>
+            <a:r>
+              <a:t>必要な作業</a:t>
+            </a:r>
+          </a:p>
+          <a:p>
+            <a:pPr marL="437006" indent="-437006" defTabSz="543305">
+              <a:spcBef>
+                <a:spcPts val="2200"/>
+              </a:spcBef>
+              <a:defRPr sz="3348"/>
+            </a:pPr>
             <a:r>
               <a:t>今後のスケジュール</a:t>
             </a:r>
           </a:p>
           <a:p>
-            <a:pPr/>
+            <a:pPr marL="437006" indent="-437006" defTabSz="543305">
+              <a:spcBef>
+                <a:spcPts val="2200"/>
+              </a:spcBef>
+              <a:defRPr sz="3348"/>
+            </a:pPr>
             <a:r>
               <a:t>依頼事項</a:t>
             </a:r>
           </a:p>
           <a:p>
-            <a:pPr/>
+            <a:pPr marL="437006" indent="-437006" defTabSz="543305">
+              <a:spcBef>
+                <a:spcPts val="2200"/>
+              </a:spcBef>
+              <a:defRPr sz="3348"/>
+            </a:pPr>
             <a:r>
               <a:t>リソース</a:t>
             </a:r>
@@ -4168,50 +4210,429 @@
           <a:p>
             <a:pPr/>
             <a:r>
-              <a:t>演習内容（案）</a:t>
+              <a:t>演習環境（案）</a:t>
             </a:r>
           </a:p>
         </p:txBody>
       </p:sp>
+      <p:grpSp>
+        <p:nvGrpSpPr>
+          <p:cNvPr id="156" name="Group 156"/>
+          <p:cNvGrpSpPr/>
+          <p:nvPr/>
+        </p:nvGrpSpPr>
+        <p:grpSpPr>
+          <a:xfrm>
+            <a:off x="5812367" y="2400300"/>
+            <a:ext cx="5345261" cy="3487068"/>
+            <a:chOff x="0" y="0"/>
+            <a:chExt cx="5345260" cy="3487067"/>
+          </a:xfrm>
+        </p:grpSpPr>
+        <p:sp>
+          <p:nvSpPr>
+            <p:cNvPr id="147" name="Shape 147"/>
+            <p:cNvSpPr/>
+            <p:nvPr/>
+          </p:nvSpPr>
+          <p:spPr>
+            <a:xfrm>
+              <a:off x="143933" y="521683"/>
+              <a:ext cx="1617134" cy="1219201"/>
+            </a:xfrm>
+            <a:prstGeom prst="ellipse">
+              <a:avLst/>
+            </a:prstGeom>
+            <a:solidFill>
+              <a:srgbClr val="C9C3BA"/>
+            </a:solidFill>
+            <a:ln w="12700" cap="flat">
+              <a:noFill/>
+              <a:miter lim="400000"/>
+            </a:ln>
+            <a:effectLst/>
+          </p:spPr>
+          <p:txBody>
+            <a:bodyPr wrap="square" lIns="50800" tIns="50800" rIns="50800" bIns="50800" numCol="1" anchor="ctr">
+              <a:noAutofit/>
+            </a:bodyPr>
+            <a:lstStyle/>
+            <a:p>
+              <a:pPr>
+                <a:defRPr sz="3200"/>
+              </a:pPr>
+            </a:p>
+          </p:txBody>
+        </p:sp>
+        <p:sp>
+          <p:nvSpPr>
+            <p:cNvPr id="148" name="Shape 148"/>
+            <p:cNvSpPr/>
+            <p:nvPr/>
+          </p:nvSpPr>
+          <p:spPr>
+            <a:xfrm>
+              <a:off x="1397000" y="419025"/>
+              <a:ext cx="3048331" cy="2319471"/>
+            </a:xfrm>
+            <a:prstGeom prst="ellipse">
+              <a:avLst/>
+            </a:prstGeom>
+            <a:solidFill>
+              <a:srgbClr val="C9C3BA"/>
+            </a:solidFill>
+            <a:ln w="12700" cap="flat">
+              <a:noFill/>
+              <a:miter lim="400000"/>
+            </a:ln>
+            <a:effectLst/>
+          </p:spPr>
+          <p:txBody>
+            <a:bodyPr wrap="square" lIns="50800" tIns="50800" rIns="50800" bIns="50800" numCol="1" anchor="ctr">
+              <a:noAutofit/>
+            </a:bodyPr>
+            <a:lstStyle/>
+            <a:p>
+              <a:pPr>
+                <a:defRPr sz="3200"/>
+              </a:pPr>
+            </a:p>
+          </p:txBody>
+        </p:sp>
+        <p:sp>
+          <p:nvSpPr>
+            <p:cNvPr id="149" name="Shape 149"/>
+            <p:cNvSpPr/>
+            <p:nvPr/>
+          </p:nvSpPr>
+          <p:spPr>
+            <a:xfrm>
+              <a:off x="1134533" y="56017"/>
+              <a:ext cx="2032331" cy="1760141"/>
+            </a:xfrm>
+            <a:prstGeom prst="ellipse">
+              <a:avLst/>
+            </a:prstGeom>
+            <a:solidFill>
+              <a:srgbClr val="C9C3BA"/>
+            </a:solidFill>
+            <a:ln w="12700" cap="flat">
+              <a:noFill/>
+              <a:miter lim="400000"/>
+            </a:ln>
+            <a:effectLst/>
+          </p:spPr>
+          <p:txBody>
+            <a:bodyPr wrap="square" lIns="50800" tIns="50800" rIns="50800" bIns="50800" numCol="1" anchor="ctr">
+              <a:noAutofit/>
+            </a:bodyPr>
+            <a:lstStyle/>
+            <a:p>
+              <a:pPr>
+                <a:defRPr sz="3200"/>
+              </a:pPr>
+            </a:p>
+          </p:txBody>
+        </p:sp>
+        <p:sp>
+          <p:nvSpPr>
+            <p:cNvPr id="150" name="Shape 150"/>
+            <p:cNvSpPr/>
+            <p:nvPr/>
+          </p:nvSpPr>
+          <p:spPr>
+            <a:xfrm>
+              <a:off x="2895600" y="1328993"/>
+              <a:ext cx="2032331" cy="1760142"/>
+            </a:xfrm>
+            <a:prstGeom prst="ellipse">
+              <a:avLst/>
+            </a:prstGeom>
+            <a:solidFill>
+              <a:srgbClr val="C9C3BA"/>
+            </a:solidFill>
+            <a:ln w="12700" cap="flat">
+              <a:noFill/>
+              <a:miter lim="400000"/>
+            </a:ln>
+            <a:effectLst/>
+          </p:spPr>
+          <p:txBody>
+            <a:bodyPr wrap="square" lIns="50800" tIns="50800" rIns="50800" bIns="50800" numCol="1" anchor="ctr">
+              <a:noAutofit/>
+            </a:bodyPr>
+            <a:lstStyle/>
+            <a:p>
+              <a:pPr>
+                <a:defRPr sz="3200"/>
+              </a:pPr>
+            </a:p>
+          </p:txBody>
+        </p:sp>
+        <p:sp>
+          <p:nvSpPr>
+            <p:cNvPr id="151" name="Shape 151"/>
+            <p:cNvSpPr/>
+            <p:nvPr/>
+          </p:nvSpPr>
+          <p:spPr>
+            <a:xfrm>
+              <a:off x="2040466" y="1726927"/>
+              <a:ext cx="2032332" cy="1760141"/>
+            </a:xfrm>
+            <a:prstGeom prst="ellipse">
+              <a:avLst/>
+            </a:prstGeom>
+            <a:solidFill>
+              <a:srgbClr val="C9C3BA"/>
+            </a:solidFill>
+            <a:ln w="12700" cap="flat">
+              <a:noFill/>
+              <a:miter lim="400000"/>
+            </a:ln>
+            <a:effectLst/>
+          </p:spPr>
+          <p:txBody>
+            <a:bodyPr wrap="square" lIns="50800" tIns="50800" rIns="50800" bIns="50800" numCol="1" anchor="ctr">
+              <a:noAutofit/>
+            </a:bodyPr>
+            <a:lstStyle/>
+            <a:p>
+              <a:pPr>
+                <a:defRPr sz="3200"/>
+              </a:pPr>
+            </a:p>
+          </p:txBody>
+        </p:sp>
+        <p:sp>
+          <p:nvSpPr>
+            <p:cNvPr id="152" name="Shape 152"/>
+            <p:cNvSpPr/>
+            <p:nvPr/>
+          </p:nvSpPr>
+          <p:spPr>
+            <a:xfrm>
+              <a:off x="0" y="1429022"/>
+              <a:ext cx="1617134" cy="1219201"/>
+            </a:xfrm>
+            <a:prstGeom prst="ellipse">
+              <a:avLst/>
+            </a:prstGeom>
+            <a:solidFill>
+              <a:srgbClr val="C9C3BA"/>
+            </a:solidFill>
+            <a:ln w="12700" cap="flat">
+              <a:noFill/>
+              <a:miter lim="400000"/>
+            </a:ln>
+            <a:effectLst/>
+          </p:spPr>
+          <p:txBody>
+            <a:bodyPr wrap="square" lIns="50800" tIns="50800" rIns="50800" bIns="50800" numCol="1" anchor="ctr">
+              <a:noAutofit/>
+            </a:bodyPr>
+            <a:lstStyle/>
+            <a:p>
+              <a:pPr>
+                <a:defRPr sz="3200"/>
+              </a:pPr>
+            </a:p>
+          </p:txBody>
+        </p:sp>
+        <p:sp>
+          <p:nvSpPr>
+            <p:cNvPr id="153" name="Shape 153"/>
+            <p:cNvSpPr/>
+            <p:nvPr/>
+          </p:nvSpPr>
+          <p:spPr>
+            <a:xfrm>
+              <a:off x="2576660" y="0"/>
+              <a:ext cx="1617134" cy="1219200"/>
+            </a:xfrm>
+            <a:prstGeom prst="ellipse">
+              <a:avLst/>
+            </a:prstGeom>
+            <a:solidFill>
+              <a:srgbClr val="C9C3BA"/>
+            </a:solidFill>
+            <a:ln w="12700" cap="flat">
+              <a:noFill/>
+              <a:miter lim="400000"/>
+            </a:ln>
+            <a:effectLst/>
+          </p:spPr>
+          <p:txBody>
+            <a:bodyPr wrap="square" lIns="50800" tIns="50800" rIns="50800" bIns="50800" numCol="1" anchor="ctr">
+              <a:noAutofit/>
+            </a:bodyPr>
+            <a:lstStyle/>
+            <a:p>
+              <a:pPr>
+                <a:defRPr sz="3200"/>
+              </a:pPr>
+            </a:p>
+          </p:txBody>
+        </p:sp>
+        <p:sp>
+          <p:nvSpPr>
+            <p:cNvPr id="154" name="Shape 154"/>
+            <p:cNvSpPr/>
+            <p:nvPr/>
+          </p:nvSpPr>
+          <p:spPr>
+            <a:xfrm>
+              <a:off x="942593" y="1997397"/>
+              <a:ext cx="1617134" cy="1219201"/>
+            </a:xfrm>
+            <a:prstGeom prst="ellipse">
+              <a:avLst/>
+            </a:prstGeom>
+            <a:solidFill>
+              <a:srgbClr val="C9C3BA"/>
+            </a:solidFill>
+            <a:ln w="12700" cap="flat">
+              <a:noFill/>
+              <a:miter lim="400000"/>
+            </a:ln>
+            <a:effectLst/>
+          </p:spPr>
+          <p:txBody>
+            <a:bodyPr wrap="square" lIns="50800" tIns="50800" rIns="50800" bIns="50800" numCol="1" anchor="ctr">
+              <a:noAutofit/>
+            </a:bodyPr>
+            <a:lstStyle/>
+            <a:p>
+              <a:pPr>
+                <a:defRPr sz="3200"/>
+              </a:pPr>
+            </a:p>
+          </p:txBody>
+        </p:sp>
+        <p:sp>
+          <p:nvSpPr>
+            <p:cNvPr id="155" name="Shape 155"/>
+            <p:cNvSpPr/>
+            <p:nvPr/>
+          </p:nvSpPr>
+          <p:spPr>
+            <a:xfrm>
+              <a:off x="3728126" y="521683"/>
+              <a:ext cx="1617135" cy="1219201"/>
+            </a:xfrm>
+            <a:prstGeom prst="ellipse">
+              <a:avLst/>
+            </a:prstGeom>
+            <a:solidFill>
+              <a:srgbClr val="C9C3BA"/>
+            </a:solidFill>
+            <a:ln w="12700" cap="flat">
+              <a:noFill/>
+              <a:miter lim="400000"/>
+            </a:ln>
+            <a:effectLst/>
+          </p:spPr>
+          <p:txBody>
+            <a:bodyPr wrap="square" lIns="50800" tIns="50800" rIns="50800" bIns="50800" numCol="1" anchor="ctr">
+              <a:noAutofit/>
+            </a:bodyPr>
+            <a:lstStyle/>
+            <a:p>
+              <a:pPr>
+                <a:defRPr sz="3200"/>
+              </a:pPr>
+            </a:p>
+          </p:txBody>
+        </p:sp>
+      </p:grpSp>
       <p:sp>
         <p:nvSpPr>
-          <p:cNvPr id="147" name="Shape 147"/>
-          <p:cNvSpPr/>
-          <p:nvPr>
-            <p:ph type="body" idx="1"/>
-          </p:nvPr>
-        </p:nvSpPr>
-        <p:spPr>
-          <a:prstGeom prst="rect">
-            <a:avLst/>
-          </a:prstGeom>
-        </p:spPr>
-        <p:txBody>
-          <a:bodyPr/>
-          <a:lstStyle/>
-          <a:p>
-            <a:pPr/>
-          </a:p>
-        </p:txBody>
-      </p:sp>
-      <p:sp>
-        <p:nvSpPr>
-          <p:cNvPr id="148" name="Shape 148"/>
+          <p:cNvPr id="157" name="Shape 157"/>
           <p:cNvSpPr/>
           <p:nvPr/>
         </p:nvSpPr>
         <p:spPr>
           <a:xfrm>
-            <a:off x="3191933" y="5511800"/>
-            <a:ext cx="1480808" cy="1552245"/>
+            <a:off x="1805520" y="8041418"/>
+            <a:ext cx="3892782" cy="971114"/>
           </a:xfrm>
-          <a:prstGeom prst="rect">
+          <a:custGeom>
             <a:avLst/>
-          </a:prstGeom>
-          <a:blipFill>
-            <a:blip r:embed="rId2"/>
-          </a:blipFill>
-          <a:ln w="12700">
+            <a:gdLst/>
+            <a:ahLst/>
+            <a:cxnLst>
+              <a:cxn ang="0">
+                <a:pos x="wd2" y="hd2"/>
+              </a:cxn>
+              <a:cxn ang="5400000">
+                <a:pos x="wd2" y="hd2"/>
+              </a:cxn>
+              <a:cxn ang="10800000">
+                <a:pos x="wd2" y="hd2"/>
+              </a:cxn>
+              <a:cxn ang="16200000">
+                <a:pos x="wd2" y="hd2"/>
+              </a:cxn>
+            </a:cxnLst>
+            <a:rect l="0" t="0" r="r" b="b"/>
+            <a:pathLst>
+              <a:path w="21280" h="20573" fill="norm" stroke="1" extrusionOk="0">
+                <a:moveTo>
+                  <a:pt x="20799" y="3980"/>
+                </a:moveTo>
+                <a:cubicBezTo>
+                  <a:pt x="18981" y="555"/>
+                  <a:pt x="16943" y="-700"/>
+                  <a:pt x="14941" y="373"/>
+                </a:cubicBezTo>
+                <a:cubicBezTo>
+                  <a:pt x="12996" y="1415"/>
+                  <a:pt x="11155" y="4639"/>
+                  <a:pt x="9191" y="4978"/>
+                </a:cubicBezTo>
+                <a:cubicBezTo>
+                  <a:pt x="7366" y="5294"/>
+                  <a:pt x="5583" y="3087"/>
+                  <a:pt x="3759" y="2798"/>
+                </a:cubicBezTo>
+                <a:cubicBezTo>
+                  <a:pt x="1716" y="2475"/>
+                  <a:pt x="-223" y="6558"/>
+                  <a:pt x="21" y="13148"/>
+                </a:cubicBezTo>
+                <a:cubicBezTo>
+                  <a:pt x="256" y="19469"/>
+                  <a:pt x="2256" y="20900"/>
+                  <a:pt x="4101" y="20515"/>
+                </a:cubicBezTo>
+                <a:cubicBezTo>
+                  <a:pt x="6085" y="20100"/>
+                  <a:pt x="8072" y="19810"/>
+                  <a:pt x="10054" y="19298"/>
+                </a:cubicBezTo>
+                <a:cubicBezTo>
+                  <a:pt x="13058" y="18522"/>
+                  <a:pt x="16055" y="17235"/>
+                  <a:pt x="19006" y="14911"/>
+                </a:cubicBezTo>
+                <a:cubicBezTo>
+                  <a:pt x="19952" y="14166"/>
+                  <a:pt x="20958" y="12890"/>
+                  <a:pt x="21225" y="9401"/>
+                </a:cubicBezTo>
+                <a:cubicBezTo>
+                  <a:pt x="21377" y="7426"/>
+                  <a:pt x="21209" y="5290"/>
+                  <a:pt x="20799" y="3980"/>
+                </a:cubicBezTo>
+                <a:close/>
+              </a:path>
+            </a:pathLst>
+          </a:custGeom>
+          <a:ln w="50800">
+            <a:solidFill>
+              <a:srgbClr val="66635F"/>
+            </a:solidFill>
             <a:miter lim="400000"/>
           </a:ln>
         </p:spPr>
@@ -4220,58 +4641,782 @@
           <a:lstStyle/>
           <a:p>
             <a:pPr>
-              <a:defRPr sz="3200">
-                <a:solidFill>
-                  <a:srgbClr val="FFFFFF"/>
-                </a:solidFill>
-                <a:effectLst>
-                  <a:outerShdw sx="100000" sy="100000" kx="0" ky="0" algn="b" rotWithShape="0" blurRad="25400" dist="33948" dir="2700000">
-                    <a:srgbClr val="3B3936"/>
-                  </a:outerShdw>
-                </a:effectLst>
-              </a:defRPr>
+              <a:defRPr sz="3200"/>
             </a:pPr>
           </a:p>
         </p:txBody>
       </p:sp>
+      <p:grpSp>
+        <p:nvGrpSpPr>
+          <p:cNvPr id="164" name="Group 164"/>
+          <p:cNvGrpSpPr/>
+          <p:nvPr/>
+        </p:nvGrpSpPr>
+        <p:grpSpPr>
+          <a:xfrm>
+            <a:off x="1629953" y="5302249"/>
+            <a:ext cx="2331390" cy="3169181"/>
+            <a:chOff x="0" y="0"/>
+            <a:chExt cx="2331388" cy="3169179"/>
+          </a:xfrm>
+        </p:grpSpPr>
+        <p:sp>
+          <p:nvSpPr>
+            <p:cNvPr id="158" name="Shape 158"/>
+            <p:cNvSpPr/>
+            <p:nvPr/>
+          </p:nvSpPr>
+          <p:spPr>
+            <a:xfrm rot="20387897">
+              <a:off x="607303" y="138618"/>
+              <a:ext cx="964725" cy="908800"/>
+            </a:xfrm>
+            <a:prstGeom prst="rect">
+              <a:avLst/>
+            </a:prstGeom>
+            <a:solidFill>
+              <a:srgbClr val="89847F"/>
+            </a:solidFill>
+            <a:ln w="12700" cap="flat">
+              <a:noFill/>
+              <a:miter lim="400000"/>
+            </a:ln>
+            <a:effectLst/>
+          </p:spPr>
+          <p:txBody>
+            <a:bodyPr wrap="square" lIns="50800" tIns="50800" rIns="50800" bIns="50800" numCol="1" anchor="ctr">
+              <a:noAutofit/>
+            </a:bodyPr>
+            <a:lstStyle/>
+            <a:p>
+              <a:pPr>
+                <a:defRPr sz="3200"/>
+              </a:pPr>
+            </a:p>
+          </p:txBody>
+        </p:sp>
+        <p:sp>
+          <p:nvSpPr>
+            <p:cNvPr id="159" name="Shape 159"/>
+            <p:cNvSpPr/>
+            <p:nvPr/>
+          </p:nvSpPr>
+          <p:spPr>
+            <a:xfrm>
+              <a:off x="573198" y="1048465"/>
+              <a:ext cx="1270001" cy="1270001"/>
+            </a:xfrm>
+            <a:prstGeom prst="rect">
+              <a:avLst/>
+            </a:prstGeom>
+            <a:solidFill>
+              <a:srgbClr val="89847F"/>
+            </a:solidFill>
+            <a:ln w="12700" cap="flat">
+              <a:noFill/>
+              <a:miter lim="400000"/>
+            </a:ln>
+            <a:effectLst/>
+          </p:spPr>
+          <p:txBody>
+            <a:bodyPr wrap="square" lIns="50800" tIns="50800" rIns="50800" bIns="50800" numCol="1" anchor="ctr">
+              <a:noAutofit/>
+            </a:bodyPr>
+            <a:lstStyle/>
+            <a:p>
+              <a:pPr>
+                <a:defRPr sz="3200"/>
+              </a:pPr>
+            </a:p>
+          </p:txBody>
+        </p:sp>
+        <p:sp>
+          <p:nvSpPr>
+            <p:cNvPr id="160" name="Shape 160"/>
+            <p:cNvSpPr/>
+            <p:nvPr/>
+          </p:nvSpPr>
+          <p:spPr>
+            <a:xfrm rot="20387897">
+              <a:off x="1438556" y="2226276"/>
+              <a:ext cx="499722" cy="883805"/>
+            </a:xfrm>
+            <a:prstGeom prst="rect">
+              <a:avLst/>
+            </a:prstGeom>
+            <a:solidFill>
+              <a:srgbClr val="89847F"/>
+            </a:solidFill>
+            <a:ln w="12700" cap="flat">
+              <a:noFill/>
+              <a:miter lim="400000"/>
+            </a:ln>
+            <a:effectLst/>
+          </p:spPr>
+          <p:txBody>
+            <a:bodyPr wrap="square" lIns="50800" tIns="50800" rIns="50800" bIns="50800" numCol="1" anchor="ctr">
+              <a:noAutofit/>
+            </a:bodyPr>
+            <a:lstStyle/>
+            <a:p>
+              <a:pPr>
+                <a:defRPr sz="3200"/>
+              </a:pPr>
+            </a:p>
+          </p:txBody>
+        </p:sp>
+        <p:sp>
+          <p:nvSpPr>
+            <p:cNvPr id="161" name="Shape 161"/>
+            <p:cNvSpPr/>
+            <p:nvPr/>
+          </p:nvSpPr>
+          <p:spPr>
+            <a:xfrm flipH="1" rot="1200000">
+              <a:off x="532623" y="2226276"/>
+              <a:ext cx="499722" cy="883805"/>
+            </a:xfrm>
+            <a:prstGeom prst="rect">
+              <a:avLst/>
+            </a:prstGeom>
+            <a:solidFill>
+              <a:srgbClr val="89847F"/>
+            </a:solidFill>
+            <a:ln w="12700" cap="flat">
+              <a:noFill/>
+              <a:miter lim="400000"/>
+            </a:ln>
+            <a:effectLst/>
+          </p:spPr>
+          <p:txBody>
+            <a:bodyPr wrap="square" lIns="50800" tIns="50800" rIns="50800" bIns="50800" numCol="1" anchor="ctr">
+              <a:noAutofit/>
+            </a:bodyPr>
+            <a:lstStyle/>
+            <a:p>
+              <a:pPr>
+                <a:defRPr sz="3200"/>
+              </a:pPr>
+            </a:p>
+          </p:txBody>
+        </p:sp>
+        <p:sp>
+          <p:nvSpPr>
+            <p:cNvPr id="162" name="Shape 162"/>
+            <p:cNvSpPr/>
+            <p:nvPr/>
+          </p:nvSpPr>
+          <p:spPr>
+            <a:xfrm flipH="1" rot="1200000">
+              <a:off x="183819" y="1114926"/>
+              <a:ext cx="297232" cy="1127317"/>
+            </a:xfrm>
+            <a:prstGeom prst="rect">
+              <a:avLst/>
+            </a:prstGeom>
+            <a:solidFill>
+              <a:srgbClr val="89847F"/>
+            </a:solidFill>
+            <a:ln w="25400" cap="flat">
+              <a:solidFill>
+                <a:srgbClr val="FFFFFF"/>
+              </a:solidFill>
+              <a:prstDash val="solid"/>
+              <a:miter lim="400000"/>
+            </a:ln>
+            <a:effectLst/>
+          </p:spPr>
+          <p:txBody>
+            <a:bodyPr wrap="square" lIns="50800" tIns="50800" rIns="50800" bIns="50800" numCol="1" anchor="ctr">
+              <a:noAutofit/>
+            </a:bodyPr>
+            <a:lstStyle/>
+            <a:p>
+              <a:pPr>
+                <a:defRPr sz="3200"/>
+              </a:pPr>
+            </a:p>
+          </p:txBody>
+        </p:sp>
+        <p:sp>
+          <p:nvSpPr>
+            <p:cNvPr id="163" name="Shape 163"/>
+            <p:cNvSpPr/>
+            <p:nvPr/>
+          </p:nvSpPr>
+          <p:spPr>
+            <a:xfrm flipH="1" rot="20530052">
+              <a:off x="1868686" y="1119807"/>
+              <a:ext cx="297232" cy="1127317"/>
+            </a:xfrm>
+            <a:prstGeom prst="rect">
+              <a:avLst/>
+            </a:prstGeom>
+            <a:solidFill>
+              <a:srgbClr val="89847F"/>
+            </a:solidFill>
+            <a:ln w="25400" cap="flat">
+              <a:solidFill>
+                <a:srgbClr val="FFFFFF"/>
+              </a:solidFill>
+              <a:prstDash val="solid"/>
+              <a:miter lim="400000"/>
+            </a:ln>
+            <a:effectLst/>
+          </p:spPr>
+          <p:txBody>
+            <a:bodyPr wrap="square" lIns="50800" tIns="50800" rIns="50800" bIns="50800" numCol="1" anchor="ctr">
+              <a:noAutofit/>
+            </a:bodyPr>
+            <a:lstStyle/>
+            <a:p>
+              <a:pPr>
+                <a:defRPr sz="3200"/>
+              </a:pPr>
+            </a:p>
+          </p:txBody>
+        </p:sp>
+      </p:grpSp>
+      <p:grpSp>
+        <p:nvGrpSpPr>
+          <p:cNvPr id="169" name="Group 169"/>
+          <p:cNvGrpSpPr/>
+          <p:nvPr/>
+        </p:nvGrpSpPr>
+        <p:grpSpPr>
+          <a:xfrm>
+            <a:off x="2807854" y="3112653"/>
+            <a:ext cx="5166359" cy="3027011"/>
+            <a:chOff x="0" y="0"/>
+            <a:chExt cx="5166358" cy="3027010"/>
+          </a:xfrm>
+        </p:grpSpPr>
+        <p:sp>
+          <p:nvSpPr>
+            <p:cNvPr id="165" name="Shape 165"/>
+            <p:cNvSpPr/>
+            <p:nvPr/>
+          </p:nvSpPr>
+          <p:spPr>
+            <a:xfrm rot="14499946">
+              <a:off x="594227" y="1497627"/>
+              <a:ext cx="606523" cy="1712252"/>
+            </a:xfrm>
+            <a:custGeom>
+              <a:avLst/>
+              <a:gdLst/>
+              <a:ahLst/>
+              <a:cxnLst>
+                <a:cxn ang="0">
+                  <a:pos x="wd2" y="hd2"/>
+                </a:cxn>
+                <a:cxn ang="5400000">
+                  <a:pos x="wd2" y="hd2"/>
+                </a:cxn>
+                <a:cxn ang="10800000">
+                  <a:pos x="wd2" y="hd2"/>
+                </a:cxn>
+                <a:cxn ang="16200000">
+                  <a:pos x="wd2" y="hd2"/>
+                </a:cxn>
+              </a:cxnLst>
+              <a:rect l="0" t="0" r="r" b="b"/>
+              <a:pathLst>
+                <a:path w="21600" h="21600" fill="norm" stroke="1" extrusionOk="0">
+                  <a:moveTo>
+                    <a:pt x="10800" y="0"/>
+                  </a:moveTo>
+                  <a:lnTo>
+                    <a:pt x="21600" y="21600"/>
+                  </a:lnTo>
+                  <a:lnTo>
+                    <a:pt x="0" y="21600"/>
+                  </a:lnTo>
+                  <a:close/>
+                </a:path>
+              </a:pathLst>
+            </a:custGeom>
+            <a:solidFill>
+              <a:schemeClr val="accent4">
+                <a:hueOff val="254533"/>
+                <a:satOff val="20019"/>
+                <a:lumOff val="9426"/>
+              </a:schemeClr>
+            </a:solidFill>
+            <a:ln w="12700" cap="flat">
+              <a:noFill/>
+              <a:miter lim="400000"/>
+            </a:ln>
+            <a:effectLst/>
+          </p:spPr>
+          <p:txBody>
+            <a:bodyPr wrap="square" lIns="50800" tIns="50800" rIns="50800" bIns="50800" numCol="1" anchor="ctr">
+              <a:noAutofit/>
+            </a:bodyPr>
+            <a:lstStyle/>
+            <a:p>
+              <a:pPr>
+                <a:defRPr sz="3200">
+                  <a:solidFill>
+                    <a:srgbClr val="FFFFFF"/>
+                  </a:solidFill>
+                  <a:effectLst>
+                    <a:outerShdw sx="100000" sy="100000" kx="0" ky="0" algn="b" rotWithShape="0" blurRad="25400" dist="33948" dir="2700000">
+                      <a:srgbClr val="3B3936"/>
+                    </a:outerShdw>
+                  </a:effectLst>
+                </a:defRPr>
+              </a:pPr>
+            </a:p>
+          </p:txBody>
+        </p:sp>
+        <p:sp>
+          <p:nvSpPr>
+            <p:cNvPr id="166" name="Shape 166"/>
+            <p:cNvSpPr/>
+            <p:nvPr/>
+          </p:nvSpPr>
+          <p:spPr>
+            <a:xfrm rot="12790552">
+              <a:off x="1655715" y="1064726"/>
+              <a:ext cx="606523" cy="1393760"/>
+            </a:xfrm>
+            <a:custGeom>
+              <a:avLst/>
+              <a:gdLst/>
+              <a:ahLst/>
+              <a:cxnLst>
+                <a:cxn ang="0">
+                  <a:pos x="wd2" y="hd2"/>
+                </a:cxn>
+                <a:cxn ang="5400000">
+                  <a:pos x="wd2" y="hd2"/>
+                </a:cxn>
+                <a:cxn ang="10800000">
+                  <a:pos x="wd2" y="hd2"/>
+                </a:cxn>
+                <a:cxn ang="16200000">
+                  <a:pos x="wd2" y="hd2"/>
+                </a:cxn>
+              </a:cxnLst>
+              <a:rect l="0" t="0" r="r" b="b"/>
+              <a:pathLst>
+                <a:path w="21600" h="21600" fill="norm" stroke="1" extrusionOk="0">
+                  <a:moveTo>
+                    <a:pt x="10800" y="21600"/>
+                  </a:moveTo>
+                  <a:lnTo>
+                    <a:pt x="21600" y="0"/>
+                  </a:lnTo>
+                  <a:lnTo>
+                    <a:pt x="0" y="0"/>
+                  </a:lnTo>
+                  <a:close/>
+                </a:path>
+              </a:pathLst>
+            </a:custGeom>
+            <a:solidFill>
+              <a:schemeClr val="accent4">
+                <a:hueOff val="254533"/>
+                <a:satOff val="20019"/>
+                <a:lumOff val="9426"/>
+              </a:schemeClr>
+            </a:solidFill>
+            <a:ln w="12700" cap="flat">
+              <a:noFill/>
+              <a:miter lim="400000"/>
+            </a:ln>
+            <a:effectLst/>
+          </p:spPr>
+          <p:txBody>
+            <a:bodyPr wrap="square" lIns="50800" tIns="50800" rIns="50800" bIns="50800" numCol="1" anchor="ctr">
+              <a:noAutofit/>
+            </a:bodyPr>
+            <a:lstStyle/>
+            <a:p>
+              <a:pPr>
+                <a:defRPr sz="3200">
+                  <a:solidFill>
+                    <a:srgbClr val="FFFFFF"/>
+                  </a:solidFill>
+                  <a:effectLst>
+                    <a:outerShdw sx="100000" sy="100000" kx="0" ky="0" algn="b" rotWithShape="0" blurRad="25400" dist="33948" dir="2700000">
+                      <a:srgbClr val="3B3936"/>
+                    </a:outerShdw>
+                  </a:effectLst>
+                </a:defRPr>
+              </a:pPr>
+            </a:p>
+          </p:txBody>
+        </p:sp>
+        <p:sp>
+          <p:nvSpPr>
+            <p:cNvPr id="167" name="Shape 167"/>
+            <p:cNvSpPr/>
+            <p:nvPr/>
+          </p:nvSpPr>
+          <p:spPr>
+            <a:xfrm rot="13860211">
+              <a:off x="2465451" y="427843"/>
+              <a:ext cx="606523" cy="1712252"/>
+            </a:xfrm>
+            <a:custGeom>
+              <a:avLst/>
+              <a:gdLst/>
+              <a:ahLst/>
+              <a:cxnLst>
+                <a:cxn ang="0">
+                  <a:pos x="wd2" y="hd2"/>
+                </a:cxn>
+                <a:cxn ang="5400000">
+                  <a:pos x="wd2" y="hd2"/>
+                </a:cxn>
+                <a:cxn ang="10800000">
+                  <a:pos x="wd2" y="hd2"/>
+                </a:cxn>
+                <a:cxn ang="16200000">
+                  <a:pos x="wd2" y="hd2"/>
+                </a:cxn>
+              </a:cxnLst>
+              <a:rect l="0" t="0" r="r" b="b"/>
+              <a:pathLst>
+                <a:path w="21600" h="21600" fill="norm" stroke="1" extrusionOk="0">
+                  <a:moveTo>
+                    <a:pt x="10800" y="0"/>
+                  </a:moveTo>
+                  <a:lnTo>
+                    <a:pt x="21600" y="21600"/>
+                  </a:lnTo>
+                  <a:lnTo>
+                    <a:pt x="0" y="21600"/>
+                  </a:lnTo>
+                  <a:close/>
+                </a:path>
+              </a:pathLst>
+            </a:custGeom>
+            <a:solidFill>
+              <a:schemeClr val="accent4">
+                <a:hueOff val="254533"/>
+                <a:satOff val="20019"/>
+                <a:lumOff val="9426"/>
+              </a:schemeClr>
+            </a:solidFill>
+            <a:ln w="12700" cap="flat">
+              <a:noFill/>
+              <a:miter lim="400000"/>
+            </a:ln>
+            <a:effectLst/>
+          </p:spPr>
+          <p:txBody>
+            <a:bodyPr wrap="square" lIns="50800" tIns="50800" rIns="50800" bIns="50800" numCol="1" anchor="ctr">
+              <a:noAutofit/>
+            </a:bodyPr>
+            <a:lstStyle/>
+            <a:p>
+              <a:pPr>
+                <a:defRPr sz="3200">
+                  <a:solidFill>
+                    <a:srgbClr val="FFFFFF"/>
+                  </a:solidFill>
+                  <a:effectLst>
+                    <a:outerShdw sx="100000" sy="100000" kx="0" ky="0" algn="b" rotWithShape="0" blurRad="25400" dist="33948" dir="2700000">
+                      <a:srgbClr val="3B3936"/>
+                    </a:outerShdw>
+                  </a:effectLst>
+                </a:defRPr>
+              </a:pPr>
+            </a:p>
+          </p:txBody>
+        </p:sp>
+        <p:sp>
+          <p:nvSpPr>
+            <p:cNvPr id="168" name="Shape 168"/>
+            <p:cNvSpPr/>
+            <p:nvPr/>
+          </p:nvSpPr>
+          <p:spPr>
+            <a:xfrm rot="14483928">
+              <a:off x="3919599" y="-207745"/>
+              <a:ext cx="606522" cy="1818564"/>
+            </a:xfrm>
+            <a:custGeom>
+              <a:avLst/>
+              <a:gdLst/>
+              <a:ahLst/>
+              <a:cxnLst>
+                <a:cxn ang="0">
+                  <a:pos x="wd2" y="hd2"/>
+                </a:cxn>
+                <a:cxn ang="5400000">
+                  <a:pos x="wd2" y="hd2"/>
+                </a:cxn>
+                <a:cxn ang="10800000">
+                  <a:pos x="wd2" y="hd2"/>
+                </a:cxn>
+                <a:cxn ang="16200000">
+                  <a:pos x="wd2" y="hd2"/>
+                </a:cxn>
+              </a:cxnLst>
+              <a:rect l="0" t="0" r="r" b="b"/>
+              <a:pathLst>
+                <a:path w="21600" h="21600" fill="norm" stroke="1" extrusionOk="0">
+                  <a:moveTo>
+                    <a:pt x="10800" y="21600"/>
+                  </a:moveTo>
+                  <a:lnTo>
+                    <a:pt x="21600" y="0"/>
+                  </a:lnTo>
+                  <a:lnTo>
+                    <a:pt x="0" y="0"/>
+                  </a:lnTo>
+                  <a:close/>
+                </a:path>
+              </a:pathLst>
+            </a:custGeom>
+            <a:solidFill>
+              <a:schemeClr val="accent4">
+                <a:hueOff val="254533"/>
+                <a:satOff val="20019"/>
+                <a:lumOff val="9426"/>
+              </a:schemeClr>
+            </a:solidFill>
+            <a:ln w="12700" cap="flat">
+              <a:noFill/>
+              <a:miter lim="400000"/>
+            </a:ln>
+            <a:effectLst/>
+          </p:spPr>
+          <p:txBody>
+            <a:bodyPr wrap="square" lIns="50800" tIns="50800" rIns="50800" bIns="50800" numCol="1" anchor="ctr">
+              <a:noAutofit/>
+            </a:bodyPr>
+            <a:lstStyle/>
+            <a:p>
+              <a:pPr>
+                <a:defRPr b="1" sz="3200">
+                  <a:solidFill>
+                    <a:srgbClr val="FFFFFF"/>
+                  </a:solidFill>
+                  <a:effectLst>
+                    <a:outerShdw sx="100000" sy="100000" kx="0" ky="0" algn="b" rotWithShape="0" blurRad="25400" dist="33948" dir="2700000">
+                      <a:srgbClr val="3B3936"/>
+                    </a:outerShdw>
+                  </a:effectLst>
+                </a:defRPr>
+              </a:pPr>
+            </a:p>
+          </p:txBody>
+        </p:sp>
+      </p:grpSp>
       <p:sp>
         <p:nvSpPr>
-          <p:cNvPr id="149" name="Shape 149"/>
+          <p:cNvPr id="170" name="Shape 170"/>
           <p:cNvSpPr/>
           <p:nvPr/>
         </p:nvSpPr>
         <p:spPr>
           <a:xfrm>
-            <a:off x="6747933" y="5652922"/>
-            <a:ext cx="1270001" cy="1270001"/>
+            <a:off x="3977386" y="7399574"/>
+            <a:ext cx="3424429" cy="406400"/>
           </a:xfrm>
           <a:prstGeom prst="rect">
             <a:avLst/>
           </a:prstGeom>
-          <a:gradFill>
-            <a:gsLst>
-              <a:gs pos="0">
-                <a:srgbClr val="89847F">
-                  <a:alpha val="5000"/>
-                </a:srgbClr>
-              </a:gs>
-              <a:gs pos="100000">
-                <a:srgbClr val="89847F"/>
-              </a:gs>
-            </a:gsLst>
-            <a:lin ang="5400000"/>
-          </a:gradFill>
           <a:ln w="12700">
             <a:miter lim="400000"/>
           </a:ln>
+          <a:extLst>
+            <a:ext uri="{C572A759-6A51-4108-AA02-DFA0A04FC94B}">
+              <ma14:wrappingTextBoxFlag xmlns:ma14="http://schemas.microsoft.com/office/mac/drawingml/2011/main" val="1"/>
+            </a:ext>
+          </a:extLst>
         </p:spPr>
         <p:txBody>
-          <a:bodyPr lIns="50800" tIns="50800" rIns="50800" bIns="50800" anchor="ctr"/>
+          <a:bodyPr wrap="none" lIns="50800" tIns="50800" rIns="50800" bIns="50800" anchor="ctr">
+            <a:spAutoFit/>
+          </a:bodyPr>
           <a:lstStyle/>
           <a:p>
+            <a:pPr/>
+            <a:r>
+              <a:t>ライントレースロボット</a:t>
+            </a:r>
+          </a:p>
+        </p:txBody>
+      </p:sp>
+      <p:sp>
+        <p:nvSpPr>
+          <p:cNvPr id="171" name="Shape 171"/>
+          <p:cNvSpPr/>
+          <p:nvPr/>
+        </p:nvSpPr>
+        <p:spPr>
+          <a:xfrm>
+            <a:off x="7284847" y="4371975"/>
+            <a:ext cx="2324101" cy="476250"/>
+          </a:xfrm>
+          <a:prstGeom prst="rect">
+            <a:avLst/>
+          </a:prstGeom>
+          <a:ln w="12700">
+            <a:miter lim="400000"/>
+          </a:ln>
+          <a:extLst>
+            <a:ext uri="{C572A759-6A51-4108-AA02-DFA0A04FC94B}">
+              <ma14:wrappingTextBoxFlag xmlns:ma14="http://schemas.microsoft.com/office/mac/drawingml/2011/main" val="1"/>
+            </a:ext>
+          </a:extLst>
+        </p:spPr>
+        <p:txBody>
+          <a:bodyPr wrap="none" lIns="50800" tIns="50800" rIns="50800" bIns="50800" anchor="ctr">
+            <a:spAutoFit/>
+          </a:bodyPr>
+          <a:lstStyle>
+            <a:lvl1pPr>
+              <a:defRPr sz="2900"/>
+            </a:lvl1pPr>
+          </a:lstStyle>
+          <a:p>
+            <a:pPr/>
+            <a:r>
+              <a:t>クラウド環境</a:t>
+            </a:r>
+          </a:p>
+        </p:txBody>
+      </p:sp>
+      <p:sp>
+        <p:nvSpPr>
+          <p:cNvPr id="172" name="Shape 172"/>
+          <p:cNvSpPr/>
+          <p:nvPr/>
+        </p:nvSpPr>
+        <p:spPr>
+          <a:xfrm>
+            <a:off x="5856985" y="8016017"/>
+            <a:ext cx="2919340" cy="673101"/>
+          </a:xfrm>
+          <a:prstGeom prst="rect">
+            <a:avLst/>
+          </a:prstGeom>
+          <a:ln w="12700">
+            <a:miter lim="400000"/>
+          </a:ln>
+          <a:extLst>
+            <a:ext uri="{C572A759-6A51-4108-AA02-DFA0A04FC94B}">
+              <ma14:wrappingTextBoxFlag xmlns:ma14="http://schemas.microsoft.com/office/mac/drawingml/2011/main" val="1"/>
+            </a:ext>
+          </a:extLst>
+        </p:spPr>
+        <p:txBody>
+          <a:bodyPr lIns="50800" tIns="50800" rIns="50800" bIns="50800" anchor="ctr">
+            <a:spAutoFit/>
+          </a:bodyPr>
+          <a:lstStyle/>
+          <a:p>
             <a:pPr>
-              <a:defRPr sz="3200"/>
+              <a:defRPr sz="1800"/>
             </a:pPr>
+            <a:r>
+              <a:t>ロボットは自律的に</a:t>
+            </a:r>
+          </a:p>
+          <a:p>
+            <a:pPr>
+              <a:defRPr sz="1800"/>
+            </a:pPr>
+            <a:r>
+              <a:t>ライントレースができる</a:t>
+            </a:r>
+          </a:p>
+        </p:txBody>
+      </p:sp>
+      <p:sp>
+        <p:nvSpPr>
+          <p:cNvPr id="173" name="Shape 173"/>
+          <p:cNvSpPr/>
+          <p:nvPr/>
+        </p:nvSpPr>
+        <p:spPr>
+          <a:xfrm>
+            <a:off x="5923110" y="5926238"/>
+            <a:ext cx="5047574" cy="673101"/>
+          </a:xfrm>
+          <a:prstGeom prst="rect">
+            <a:avLst/>
+          </a:prstGeom>
+          <a:ln w="12700">
+            <a:miter lim="400000"/>
+          </a:ln>
+          <a:extLst>
+            <a:ext uri="{C572A759-6A51-4108-AA02-DFA0A04FC94B}">
+              <ma14:wrappingTextBoxFlag xmlns:ma14="http://schemas.microsoft.com/office/mac/drawingml/2011/main" val="1"/>
+            </a:ext>
+          </a:extLst>
+        </p:spPr>
+        <p:txBody>
+          <a:bodyPr wrap="none" lIns="50800" tIns="50800" rIns="50800" bIns="50800" anchor="ctr">
+            <a:spAutoFit/>
+          </a:bodyPr>
+          <a:lstStyle/>
+          <a:p>
+            <a:pPr marL="313266" indent="-313266" algn="l">
+              <a:buSzPct val="75000"/>
+              <a:buChar char="✤"/>
+              <a:defRPr sz="1800"/>
+            </a:pPr>
+            <a:r>
+              <a:t>クラウド環境にセンサーのデータを送信可能</a:t>
+            </a:r>
+          </a:p>
+          <a:p>
+            <a:pPr marL="313266" indent="-313266" algn="l">
+              <a:buSzPct val="75000"/>
+              <a:buChar char="✤"/>
+              <a:defRPr sz="1800"/>
+            </a:pPr>
+            <a:r>
+              <a:t>クラウド環境からロボットの操作が可能</a:t>
+            </a:r>
+          </a:p>
+        </p:txBody>
+      </p:sp>
+      <p:sp>
+        <p:nvSpPr>
+          <p:cNvPr id="174" name="Shape 174"/>
+          <p:cNvSpPr/>
+          <p:nvPr/>
+        </p:nvSpPr>
+        <p:spPr>
+          <a:xfrm>
+            <a:off x="797559" y="2607733"/>
+            <a:ext cx="4793378" cy="1016001"/>
+          </a:xfrm>
+          <a:prstGeom prst="rect">
+            <a:avLst/>
+          </a:prstGeom>
+          <a:ln w="12700">
+            <a:miter lim="400000"/>
+          </a:ln>
+          <a:extLst>
+            <a:ext uri="{C572A759-6A51-4108-AA02-DFA0A04FC94B}">
+              <ma14:wrappingTextBoxFlag xmlns:ma14="http://schemas.microsoft.com/office/mac/drawingml/2011/main" val="1"/>
+            </a:ext>
+          </a:extLst>
+        </p:spPr>
+        <p:txBody>
+          <a:bodyPr lIns="50800" tIns="50800" rIns="50800" bIns="50800" anchor="ctr">
+            <a:spAutoFit/>
+          </a:bodyPr>
+          <a:lstStyle>
+            <a:lvl1pPr>
+              <a:defRPr sz="1800"/>
+            </a:lvl1pPr>
+          </a:lstStyle>
+          <a:p>
+            <a:pPr/>
+            <a:r>
+              <a:t>クラウド環境で機会学習によるパラメータの最適化とかができると機会学習勉強会の話と噛み合って嬉しいかも〜〜</a:t>
+            </a:r>
           </a:p>
         </p:txBody>
       </p:sp>
@@ -4303,7 +5448,7 @@
       </p:grpSpPr>
       <p:sp>
         <p:nvSpPr>
-          <p:cNvPr id="151" name="Shape 151"/>
+          <p:cNvPr id="176" name="Shape 176"/>
           <p:cNvSpPr/>
           <p:nvPr>
             <p:ph type="title"/>
@@ -4320,14 +5465,14 @@
           <a:p>
             <a:pPr/>
             <a:r>
-              <a:t>今後のスケジュール</a:t>
+              <a:t>必要な作業</a:t>
             </a:r>
           </a:p>
         </p:txBody>
       </p:sp>
       <p:sp>
         <p:nvSpPr>
-          <p:cNvPr id="152" name="Shape 152"/>
+          <p:cNvPr id="177" name="Shape 177"/>
           <p:cNvSpPr/>
           <p:nvPr>
             <p:ph type="body" idx="1"/>
@@ -4342,7 +5487,272 @@
           <a:bodyPr/>
           <a:lstStyle/>
           <a:p>
+            <a:pPr marL="352425" indent="-352425" defTabSz="438150">
+              <a:spcBef>
+                <a:spcPts val="1800"/>
+              </a:spcBef>
+              <a:defRPr sz="2700"/>
+            </a:pPr>
+            <a:r>
+              <a:t>LEGO Mindstorm EV3のロボット作り</a:t>
+            </a:r>
+          </a:p>
+          <a:p>
+            <a:pPr lvl="1" marL="704850" indent="-352425" defTabSz="438150">
+              <a:spcBef>
+                <a:spcPts val="1800"/>
+              </a:spcBef>
+              <a:defRPr sz="2700"/>
+            </a:pPr>
+            <a:r>
+              <a:t>LEGO Mindstorm EV3の開発環境作成マニュアル作成</a:t>
+            </a:r>
+          </a:p>
+          <a:p>
+            <a:pPr lvl="1" marL="704850" indent="-352425" defTabSz="438150">
+              <a:spcBef>
+                <a:spcPts val="1800"/>
+              </a:spcBef>
+              <a:defRPr sz="2700"/>
+            </a:pPr>
+            <a:r>
+              <a:t>LEGO Mindstorm EV3のプログラム開発チュートリアル作成</a:t>
+            </a:r>
+          </a:p>
+          <a:p>
+            <a:pPr marL="352425" indent="-352425" defTabSz="438150">
+              <a:spcBef>
+                <a:spcPts val="1800"/>
+              </a:spcBef>
+              <a:defRPr sz="2700"/>
+            </a:pPr>
+            <a:r>
+              <a:t>LEGO Mindstorm EV3</a:t>
+            </a:r>
+          </a:p>
+          <a:p>
+            <a:pPr lvl="1" marL="704850" indent="-352425" defTabSz="438150">
+              <a:spcBef>
+                <a:spcPts val="1800"/>
+              </a:spcBef>
+              <a:defRPr sz="2700"/>
+            </a:pPr>
+            <a:r>
+              <a:t>要件定義、設計、プログラム作成</a:t>
+            </a:r>
+          </a:p>
+          <a:p>
+            <a:pPr lvl="1" marL="704850" indent="-352425" defTabSz="438150">
+              <a:spcBef>
+                <a:spcPts val="1800"/>
+              </a:spcBef>
+              <a:defRPr sz="2700"/>
+            </a:pPr>
+            <a:r>
+              <a:t>Spinによる検証、Uppaalによる検証</a:t>
+            </a:r>
+          </a:p>
+          <a:p>
+            <a:pPr marL="352425" indent="-352425" defTabSz="438150">
+              <a:spcBef>
+                <a:spcPts val="1800"/>
+              </a:spcBef>
+              <a:defRPr sz="2700"/>
+            </a:pPr>
+            <a:r>
+              <a:t>クラウド環境</a:t>
+            </a:r>
+          </a:p>
+          <a:p>
+            <a:pPr lvl="1" marL="704850" indent="-352425" defTabSz="438150">
+              <a:spcBef>
+                <a:spcPts val="1800"/>
+              </a:spcBef>
+              <a:defRPr sz="2700"/>
+            </a:pPr>
+            <a:r>
+              <a:t>要件定義、設計、プログラム作成</a:t>
+            </a:r>
+          </a:p>
+        </p:txBody>
+      </p:sp>
+      <p:sp>
+        <p:nvSpPr>
+          <p:cNvPr id="178" name="Shape 178"/>
+          <p:cNvSpPr/>
+          <p:nvPr/>
+        </p:nvSpPr>
+        <p:spPr>
+          <a:xfrm>
+            <a:off x="6775449" y="5583767"/>
+            <a:ext cx="1689101" cy="1676399"/>
+          </a:xfrm>
+          <a:prstGeom prst="rect">
+            <a:avLst/>
+          </a:prstGeom>
+          <a:ln w="12700">
+            <a:miter lim="400000"/>
+          </a:ln>
+          <a:extLst>
+            <a:ext uri="{C572A759-6A51-4108-AA02-DFA0A04FC94B}">
+              <ma14:wrappingTextBoxFlag xmlns:ma14="http://schemas.microsoft.com/office/mac/drawingml/2011/main" val="1"/>
+            </a:ext>
+          </a:extLst>
+        </p:spPr>
+        <p:txBody>
+          <a:bodyPr wrap="none" lIns="50800" tIns="50800" rIns="50800" bIns="50800" anchor="ctr">
+            <a:spAutoFit/>
+          </a:bodyPr>
+          <a:lstStyle>
+            <a:lvl1pPr>
+              <a:lnSpc>
+                <a:spcPct val="90000"/>
+              </a:lnSpc>
+              <a:spcBef>
+                <a:spcPts val="1600"/>
+              </a:spcBef>
+              <a:defRPr sz="12400">
+                <a:solidFill>
+                  <a:srgbClr val="000000"/>
+                </a:solidFill>
+                <a:latin typeface="+mn-lt"/>
+                <a:ea typeface="+mn-ea"/>
+                <a:cs typeface="+mn-cs"/>
+                <a:sym typeface="Bodoni SvtyTwo ITC TT-Book"/>
+              </a:defRPr>
+            </a:lvl1pPr>
+          </a:lstStyle>
+          <a:p>
             <a:pPr/>
+            <a:r>
+              <a:t>｝</a:t>
+            </a:r>
+          </a:p>
+        </p:txBody>
+      </p:sp>
+      <p:sp>
+        <p:nvSpPr>
+          <p:cNvPr id="179" name="Shape 179"/>
+          <p:cNvSpPr/>
+          <p:nvPr/>
+        </p:nvSpPr>
+        <p:spPr>
+          <a:xfrm>
+            <a:off x="6775449" y="7167033"/>
+            <a:ext cx="1689101" cy="1676400"/>
+          </a:xfrm>
+          <a:prstGeom prst="rect">
+            <a:avLst/>
+          </a:prstGeom>
+          <a:ln w="12700">
+            <a:miter lim="400000"/>
+          </a:ln>
+          <a:extLst>
+            <a:ext uri="{C572A759-6A51-4108-AA02-DFA0A04FC94B}">
+              <ma14:wrappingTextBoxFlag xmlns:ma14="http://schemas.microsoft.com/office/mac/drawingml/2011/main" val="1"/>
+            </a:ext>
+          </a:extLst>
+        </p:spPr>
+        <p:txBody>
+          <a:bodyPr wrap="none" lIns="50800" tIns="50800" rIns="50800" bIns="50800" anchor="ctr">
+            <a:spAutoFit/>
+          </a:bodyPr>
+          <a:lstStyle>
+            <a:lvl1pPr>
+              <a:lnSpc>
+                <a:spcPct val="90000"/>
+              </a:lnSpc>
+              <a:spcBef>
+                <a:spcPts val="1600"/>
+              </a:spcBef>
+              <a:defRPr sz="12400">
+                <a:solidFill>
+                  <a:srgbClr val="000000"/>
+                </a:solidFill>
+                <a:latin typeface="+mn-lt"/>
+                <a:ea typeface="+mn-ea"/>
+                <a:cs typeface="+mn-cs"/>
+                <a:sym typeface="Bodoni SvtyTwo ITC TT-Book"/>
+              </a:defRPr>
+            </a:lvl1pPr>
+          </a:lstStyle>
+          <a:p>
+            <a:pPr/>
+            <a:r>
+              <a:t>｝</a:t>
+            </a:r>
+          </a:p>
+        </p:txBody>
+      </p:sp>
+      <p:sp>
+        <p:nvSpPr>
+          <p:cNvPr id="180" name="Shape 180"/>
+          <p:cNvSpPr/>
+          <p:nvPr/>
+        </p:nvSpPr>
+        <p:spPr>
+          <a:xfrm>
+            <a:off x="7561774" y="6167966"/>
+            <a:ext cx="2817318" cy="508001"/>
+          </a:xfrm>
+          <a:prstGeom prst="rect">
+            <a:avLst/>
+          </a:prstGeom>
+          <a:ln w="12700">
+            <a:miter lim="400000"/>
+          </a:ln>
+          <a:extLst>
+            <a:ext uri="{C572A759-6A51-4108-AA02-DFA0A04FC94B}">
+              <ma14:wrappingTextBoxFlag xmlns:ma14="http://schemas.microsoft.com/office/mac/drawingml/2011/main" val="1"/>
+            </a:ext>
+          </a:extLst>
+        </p:spPr>
+        <p:txBody>
+          <a:bodyPr wrap="none" lIns="50800" tIns="50800" rIns="50800" bIns="50800" anchor="ctr">
+            <a:spAutoFit/>
+          </a:bodyPr>
+          <a:lstStyle/>
+          <a:p>
+            <a:pPr/>
+            <a:r>
+              <a:t>Hackathonテーマ１</a:t>
+            </a:r>
+          </a:p>
+        </p:txBody>
+      </p:sp>
+      <p:sp>
+        <p:nvSpPr>
+          <p:cNvPr id="181" name="Shape 181"/>
+          <p:cNvSpPr/>
+          <p:nvPr/>
+        </p:nvSpPr>
+        <p:spPr>
+          <a:xfrm>
+            <a:off x="7561774" y="7751233"/>
+            <a:ext cx="2817318" cy="508001"/>
+          </a:xfrm>
+          <a:prstGeom prst="rect">
+            <a:avLst/>
+          </a:prstGeom>
+          <a:ln w="12700">
+            <a:miter lim="400000"/>
+          </a:ln>
+          <a:extLst>
+            <a:ext uri="{C572A759-6A51-4108-AA02-DFA0A04FC94B}">
+              <ma14:wrappingTextBoxFlag xmlns:ma14="http://schemas.microsoft.com/office/mac/drawingml/2011/main" val="1"/>
+            </a:ext>
+          </a:extLst>
+        </p:spPr>
+        <p:txBody>
+          <a:bodyPr wrap="none" lIns="50800" tIns="50800" rIns="50800" bIns="50800" anchor="ctr">
+            <a:spAutoFit/>
+          </a:bodyPr>
+          <a:lstStyle/>
+          <a:p>
+            <a:pPr/>
+            <a:r>
+              <a:t>Hackathonテーマ２</a:t>
+            </a:r>
           </a:p>
         </p:txBody>
       </p:sp>
@@ -4374,7 +5784,7 @@
       </p:grpSpPr>
       <p:sp>
         <p:nvSpPr>
-          <p:cNvPr id="154" name="Shape 154"/>
+          <p:cNvPr id="183" name="Shape 183"/>
           <p:cNvSpPr/>
           <p:nvPr>
             <p:ph type="title"/>
@@ -4391,14 +5801,14 @@
           <a:p>
             <a:pPr/>
             <a:r>
-              <a:t>依頼事項</a:t>
+              <a:t>今後のスケジュール</a:t>
             </a:r>
           </a:p>
         </p:txBody>
       </p:sp>
       <p:sp>
         <p:nvSpPr>
-          <p:cNvPr id="155" name="Shape 155"/>
+          <p:cNvPr id="184" name="Shape 184"/>
           <p:cNvSpPr/>
           <p:nvPr>
             <p:ph type="body" idx="1"/>
@@ -4445,7 +5855,7 @@
       </p:grpSpPr>
       <p:sp>
         <p:nvSpPr>
-          <p:cNvPr id="157" name="Shape 157"/>
+          <p:cNvPr id="186" name="Shape 186"/>
           <p:cNvSpPr/>
           <p:nvPr>
             <p:ph type="title"/>
@@ -4462,14 +5872,85 @@
           <a:p>
             <a:pPr/>
             <a:r>
-              <a:t>リソース</a:t>
+              <a:t>依頼事項</a:t>
             </a:r>
           </a:p>
         </p:txBody>
       </p:sp>
       <p:sp>
         <p:nvSpPr>
-          <p:cNvPr id="158" name="Shape 158"/>
+          <p:cNvPr id="187" name="Shape 187"/>
+          <p:cNvSpPr/>
+          <p:nvPr>
+            <p:ph type="body" idx="1"/>
+          </p:nvPr>
+        </p:nvSpPr>
+        <p:spPr>
+          <a:prstGeom prst="rect">
+            <a:avLst/>
+          </a:prstGeom>
+        </p:spPr>
+        <p:txBody>
+          <a:bodyPr/>
+          <a:lstStyle/>
+          <a:p>
+            <a:pPr/>
+          </a:p>
+        </p:txBody>
+      </p:sp>
+    </p:spTree>
+  </p:cSld>
+  <p:clrMapOvr>
+    <a:masterClrMapping/>
+  </p:clrMapOvr>
+  <p:transition xmlns:p14="http://schemas.microsoft.com/office/powerpoint/2010/main" spd="med" advClick="1" p14:dur="1000"/>
+</p:sld>
+</file>
+
+<file path=ppt/slides/slide9.xml><?xml version="1.0" encoding="utf-8"?>
+<p:sld xmlns:a="http://schemas.openxmlformats.org/drawingml/2006/main" xmlns:r="http://schemas.openxmlformats.org/officeDocument/2006/relationships" xmlns:p="http://schemas.openxmlformats.org/presentationml/2006/main" showMasterSp="1" showMasterPhAnim="1">
+  <p:cSld>
+    <p:spTree>
+      <p:nvGrpSpPr>
+        <p:cNvPr id="1" name=""/>
+        <p:cNvGrpSpPr/>
+        <p:nvPr/>
+      </p:nvGrpSpPr>
+      <p:grpSpPr>
+        <a:xfrm>
+          <a:off x="0" y="0"/>
+          <a:ext cx="0" cy="0"/>
+          <a:chOff x="0" y="0"/>
+          <a:chExt cx="0" cy="0"/>
+        </a:xfrm>
+      </p:grpSpPr>
+      <p:sp>
+        <p:nvSpPr>
+          <p:cNvPr id="189" name="Shape 189"/>
+          <p:cNvSpPr/>
+          <p:nvPr>
+            <p:ph type="title"/>
+          </p:nvPr>
+        </p:nvSpPr>
+        <p:spPr>
+          <a:prstGeom prst="rect">
+            <a:avLst/>
+          </a:prstGeom>
+        </p:spPr>
+        <p:txBody>
+          <a:bodyPr/>
+          <a:lstStyle/>
+          <a:p>
+            <a:pPr/>
+            <a:r>
+              <a:t>リソース</a:t>
+            </a:r>
+          </a:p>
+        </p:txBody>
+      </p:sp>
+      <p:sp>
+        <p:nvSpPr>
+          <p:cNvPr id="190" name="Shape 190"/>
           <p:cNvSpPr/>
           <p:nvPr>
             <p:ph type="body" idx="1"/>

--- a/memo/model_checking_exercise.pptx
+++ b/memo/model_checking_exercise.pptx
@@ -2,21 +2,25 @@
 <file path=ppt/presentation.xml><?xml version="1.0" encoding="utf-8"?>
 <p:presentation xmlns:a="http://schemas.openxmlformats.org/drawingml/2006/main" xmlns:r="http://schemas.openxmlformats.org/officeDocument/2006/relationships" xmlns:p="http://schemas.openxmlformats.org/presentationml/2006/main">
   <p:sldMasterIdLst>
-    <p:sldMasterId id="2147483648" r:id="rId5"/>
+    <p:sldMasterId id="2147483648" r:id="rId1"/>
   </p:sldMasterIdLst>
   <p:notesMasterIdLst>
-    <p:notesMasterId r:id="rId7"/>
+    <p:notesMasterId r:id="rId15"/>
   </p:notesMasterIdLst>
   <p:sldIdLst>
-    <p:sldId id="256" r:id="rId8"/>
-    <p:sldId id="257" r:id="rId9"/>
-    <p:sldId id="258" r:id="rId10"/>
-    <p:sldId id="259" r:id="rId11"/>
-    <p:sldId id="260" r:id="rId12"/>
-    <p:sldId id="261" r:id="rId13"/>
-    <p:sldId id="262" r:id="rId14"/>
-    <p:sldId id="263" r:id="rId15"/>
-    <p:sldId id="264" r:id="rId16"/>
+    <p:sldId id="256" r:id="rId2"/>
+    <p:sldId id="257" r:id="rId3"/>
+    <p:sldId id="258" r:id="rId4"/>
+    <p:sldId id="259" r:id="rId5"/>
+    <p:sldId id="260" r:id="rId6"/>
+    <p:sldId id="261" r:id="rId7"/>
+    <p:sldId id="268" r:id="rId8"/>
+    <p:sldId id="267" r:id="rId9"/>
+    <p:sldId id="266" r:id="rId10"/>
+    <p:sldId id="269" r:id="rId11"/>
+    <p:sldId id="262" r:id="rId12"/>
+    <p:sldId id="263" r:id="rId13"/>
+    <p:sldId id="264" r:id="rId14"/>
   </p:sldIdLst>
   <p:sldSz cx="13004800" cy="9753600"/>
   <p:notesSz cx="6858000" cy="9144000"/>
@@ -36,7 +40,7 @@
       <a:buFontTx/>
       <a:buNone/>
       <a:tabLst/>
-      <a:defRPr b="0" baseline="0" cap="none" i="0" spc="0" strike="noStrike" sz="1800" u="none" kumimoji="0" normalizeH="0">
+      <a:defRPr kumimoji="0" sz="1800" b="0" i="0" u="none" strike="noStrike" cap="none" spc="0" normalizeH="0" baseline="0">
         <a:ln>
           <a:noFill/>
         </a:ln>
@@ -62,7 +66,7 @@
       <a:buFontTx/>
       <a:buNone/>
       <a:tabLst/>
-      <a:defRPr b="0" baseline="0" cap="none" i="0" spc="0" strike="noStrike" sz="2400" u="none" kumimoji="0" normalizeH="0">
+      <a:defRPr kumimoji="0" sz="2400" b="0" i="0" u="none" strike="noStrike" cap="none" spc="0" normalizeH="0" baseline="0">
         <a:ln>
           <a:noFill/>
         </a:ln>
@@ -92,7 +96,7 @@
       <a:buFontTx/>
       <a:buNone/>
       <a:tabLst/>
-      <a:defRPr b="0" baseline="0" cap="none" i="0" spc="0" strike="noStrike" sz="2400" u="none" kumimoji="0" normalizeH="0">
+      <a:defRPr kumimoji="0" sz="2400" b="0" i="0" u="none" strike="noStrike" cap="none" spc="0" normalizeH="0" baseline="0">
         <a:ln>
           <a:noFill/>
         </a:ln>
@@ -122,7 +126,7 @@
       <a:buFontTx/>
       <a:buNone/>
       <a:tabLst/>
-      <a:defRPr b="0" baseline="0" cap="none" i="0" spc="0" strike="noStrike" sz="2400" u="none" kumimoji="0" normalizeH="0">
+      <a:defRPr kumimoji="0" sz="2400" b="0" i="0" u="none" strike="noStrike" cap="none" spc="0" normalizeH="0" baseline="0">
         <a:ln>
           <a:noFill/>
         </a:ln>
@@ -152,7 +156,7 @@
       <a:buFontTx/>
       <a:buNone/>
       <a:tabLst/>
-      <a:defRPr b="0" baseline="0" cap="none" i="0" spc="0" strike="noStrike" sz="2400" u="none" kumimoji="0" normalizeH="0">
+      <a:defRPr kumimoji="0" sz="2400" b="0" i="0" u="none" strike="noStrike" cap="none" spc="0" normalizeH="0" baseline="0">
         <a:ln>
           <a:noFill/>
         </a:ln>
@@ -182,7 +186,7 @@
       <a:buFontTx/>
       <a:buNone/>
       <a:tabLst/>
-      <a:defRPr b="0" baseline="0" cap="none" i="0" spc="0" strike="noStrike" sz="2400" u="none" kumimoji="0" normalizeH="0">
+      <a:defRPr kumimoji="0" sz="2400" b="0" i="0" u="none" strike="noStrike" cap="none" spc="0" normalizeH="0" baseline="0">
         <a:ln>
           <a:noFill/>
         </a:ln>
@@ -212,7 +216,7 @@
       <a:buFontTx/>
       <a:buNone/>
       <a:tabLst/>
-      <a:defRPr b="0" baseline="0" cap="none" i="0" spc="0" strike="noStrike" sz="2400" u="none" kumimoji="0" normalizeH="0">
+      <a:defRPr kumimoji="0" sz="2400" b="0" i="0" u="none" strike="noStrike" cap="none" spc="0" normalizeH="0" baseline="0">
         <a:ln>
           <a:noFill/>
         </a:ln>
@@ -242,7 +246,7 @@
       <a:buFontTx/>
       <a:buNone/>
       <a:tabLst/>
-      <a:defRPr b="0" baseline="0" cap="none" i="0" spc="0" strike="noStrike" sz="2400" u="none" kumimoji="0" normalizeH="0">
+      <a:defRPr kumimoji="0" sz="2400" b="0" i="0" u="none" strike="noStrike" cap="none" spc="0" normalizeH="0" baseline="0">
         <a:ln>
           <a:noFill/>
         </a:ln>
@@ -272,7 +276,7 @@
       <a:buFontTx/>
       <a:buNone/>
       <a:tabLst/>
-      <a:defRPr b="0" baseline="0" cap="none" i="0" spc="0" strike="noStrike" sz="2400" u="none" kumimoji="0" normalizeH="0">
+      <a:defRPr kumimoji="0" sz="2400" b="0" i="0" u="none" strike="noStrike" cap="none" spc="0" normalizeH="0" baseline="0">
         <a:ln>
           <a:noFill/>
         </a:ln>
@@ -302,7 +306,7 @@
       <a:buFontTx/>
       <a:buNone/>
       <a:tabLst/>
-      <a:defRPr b="0" baseline="0" cap="none" i="0" spc="0" strike="noStrike" sz="2400" u="none" kumimoji="0" normalizeH="0">
+      <a:defRPr kumimoji="0" sz="2400" b="0" i="0" u="none" strike="noStrike" cap="none" spc="0" normalizeH="0" baseline="0">
         <a:ln>
           <a:noFill/>
         </a:ln>
@@ -321,13 +325,14 @@
 </p:presentation>
 </file>
 
-<file path=ppt/commentAuthors.xml><?xml version="1.0" encoding="utf-8"?>
-<p:cmAuthorLst xmlns:a="http://schemas.openxmlformats.org/drawingml/2006/main" xmlns:r="http://schemas.openxmlformats.org/officeDocument/2006/relationships" xmlns:p="http://schemas.openxmlformats.org/presentationml/2006/main"/>
-</file>
-
 <file path=ppt/notesMasters/notesMaster1.xml><?xml version="1.0" encoding="utf-8"?>
 <p:notesMaster xmlns:a="http://schemas.openxmlformats.org/drawingml/2006/main" xmlns:r="http://schemas.openxmlformats.org/officeDocument/2006/relationships" xmlns:p="http://schemas.openxmlformats.org/presentationml/2006/main">
   <p:cSld>
+    <p:bg>
+      <p:bgRef idx="1001">
+        <a:schemeClr val="bg1"/>
+      </p:bgRef>
+    </p:bg>
     <p:spTree>
       <p:nvGrpSpPr>
         <p:cNvPr id="1" name=""/>
@@ -345,7 +350,9 @@
       <p:sp>
         <p:nvSpPr>
           <p:cNvPr id="130" name="Shape 130"/>
-          <p:cNvSpPr/>
+          <p:cNvSpPr>
+            <a:spLocks noGrp="1" noRot="1" noChangeAspect="1"/>
+          </p:cNvSpPr>
           <p:nvPr>
             <p:ph type="sldImg"/>
           </p:nvPr>
@@ -363,14 +370,16 @@
           <a:bodyPr/>
           <a:lstStyle/>
           <a:p>
-            <a:pPr/>
+            <a:endParaRPr/>
           </a:p>
         </p:txBody>
       </p:sp>
       <p:sp>
         <p:nvSpPr>
           <p:cNvPr id="131" name="Shape 131"/>
-          <p:cNvSpPr/>
+          <p:cNvSpPr>
+            <a:spLocks noGrp="1"/>
+          </p:cNvSpPr>
           <p:nvPr>
             <p:ph type="body" sz="quarter" idx="1"/>
           </p:nvPr>
@@ -388,11 +397,16 @@
           <a:bodyPr/>
           <a:lstStyle/>
           <a:p>
-            <a:pPr/>
+            <a:endParaRPr/>
           </a:p>
         </p:txBody>
       </p:sp>
     </p:spTree>
+    <p:extLst>
+      <p:ext uri="{BB962C8B-B14F-4D97-AF65-F5344CB8AC3E}">
+        <p14:creationId xmlns:p14="http://schemas.microsoft.com/office/powerpoint/2010/main" val="895659758"/>
+      </p:ext>
+    </p:extLst>
   </p:cSld>
   <p:clrMap bg1="lt1" tx1="dk1" bg2="lt2" tx2="dk2" accent1="accent1" accent2="accent2" accent3="accent3" accent4="accent4" accent5="accent5" accent6="accent6" hlink="hlink" folHlink="folHlink"/>
   <p:notesStyle>
@@ -500,7 +514,7 @@
 </file>
 
 <file path=ppt/slideLayouts/slideLayout1.xml><?xml version="1.0" encoding="utf-8"?>
-<p:sldLayout xmlns:a="http://schemas.openxmlformats.org/drawingml/2006/main" xmlns:r="http://schemas.openxmlformats.org/officeDocument/2006/relationships" xmlns:p="http://schemas.openxmlformats.org/presentationml/2006/main" type="title" showMasterSp="0" showMasterPhAnim="1">
+<p:sldLayout xmlns:a="http://schemas.openxmlformats.org/drawingml/2006/main" xmlns:r="http://schemas.openxmlformats.org/officeDocument/2006/relationships" xmlns:p="http://schemas.openxmlformats.org/presentationml/2006/main" showMasterSp="0" type="title">
   <p:cSld name="タイトル &amp; サブタイトル">
     <p:spTree>
       <p:nvGrpSpPr>
@@ -554,6 +568,7 @@
                 <a:sym typeface="ヒラギノ角ゴ ProN W3"/>
               </a:defRPr>
             </a:pPr>
+            <a:endParaRPr/>
           </a:p>
         </p:txBody>
       </p:sp>
@@ -595,6 +610,7 @@
                 <a:sym typeface="ヒラギノ角ゴ ProN W3"/>
               </a:defRPr>
             </a:pPr>
+            <a:endParaRPr/>
           </a:p>
         </p:txBody>
       </p:sp>
@@ -636,13 +652,16 @@
                 <a:sym typeface="ヒラギノ角ゴ ProN W3"/>
               </a:defRPr>
             </a:pPr>
+            <a:endParaRPr/>
           </a:p>
         </p:txBody>
       </p:sp>
       <p:sp>
         <p:nvSpPr>
           <p:cNvPr id="16" name="Shape 16"/>
-          <p:cNvSpPr/>
+          <p:cNvSpPr>
+            <a:spLocks noGrp="1"/>
+          </p:cNvSpPr>
           <p:nvPr>
             <p:ph type="body" sz="quarter" idx="13"/>
           </p:nvPr>
@@ -672,11 +691,10 @@
               <a:buSzTx/>
               <a:buFontTx/>
               <a:buNone/>
-              <a:defRPr i="1" sz="2400"/>
+              <a:defRPr sz="2400" i="1"/>
             </a:lvl1pPr>
           </a:lstStyle>
           <a:p>
-            <a:pPr/>
             <a:r>
               <a:t>Lorem Ipsum Dolor</a:t>
             </a:r>
@@ -686,7 +704,9 @@
       <p:sp>
         <p:nvSpPr>
           <p:cNvPr id="17" name="Shape 17"/>
-          <p:cNvSpPr/>
+          <p:cNvSpPr>
+            <a:spLocks noGrp="1"/>
+          </p:cNvSpPr>
           <p:nvPr>
             <p:ph type="title"/>
           </p:nvPr>
@@ -706,7 +726,6 @@
             <a:lvl1pPr algn="l"/>
           </a:lstStyle>
           <a:p>
-            <a:pPr/>
             <a:r>
               <a:t>タイトルテキスト</a:t>
             </a:r>
@@ -716,7 +735,9 @@
       <p:sp>
         <p:nvSpPr>
           <p:cNvPr id="18" name="Shape 18"/>
-          <p:cNvSpPr/>
+          <p:cNvSpPr>
+            <a:spLocks noGrp="1"/>
+          </p:cNvSpPr>
           <p:nvPr>
             <p:ph type="body" sz="quarter" idx="1"/>
           </p:nvPr>
@@ -785,7 +806,6 @@
             </a:lvl5pPr>
           </a:lstStyle>
           <a:p>
-            <a:pPr/>
             <a:r>
               <a:t>本文レベル1</a:t>
             </a:r>
@@ -819,7 +839,9 @@
       <p:sp>
         <p:nvSpPr>
           <p:cNvPr id="19" name="Shape 19"/>
-          <p:cNvSpPr/>
+          <p:cNvSpPr>
+            <a:spLocks noGrp="1"/>
+          </p:cNvSpPr>
           <p:nvPr>
             <p:ph type="sldNum" sz="quarter" idx="2"/>
           </p:nvPr>
@@ -833,8 +855,10 @@
           <a:bodyPr/>
           <a:lstStyle/>
           <a:p>
-            <a:pPr/>
-            <a:fld id="{86CB4B4D-7CA3-9044-876B-883B54F8677D}" type="slidenum"/>
+            <a:fld id="{86CB4B4D-7CA3-9044-876B-883B54F8677D}" type="slidenum">
+              <a:t>‹#›</a:t>
+            </a:fld>
+            <a:endParaRPr/>
           </a:p>
         </p:txBody>
       </p:sp>
@@ -843,12 +867,12 @@
   <p:clrMapOvr>
     <a:masterClrMapping/>
   </p:clrMapOvr>
-  <p:transition xmlns:p14="http://schemas.microsoft.com/office/powerpoint/2010/main" spd="med" advClick="1"/>
+  <p:transition spd="med"/>
 </p:sldLayout>
 </file>
 
 <file path=ppt/slideLayouts/slideLayout10.xml><?xml version="1.0" encoding="utf-8"?>
-<p:sldLayout xmlns:a="http://schemas.openxmlformats.org/drawingml/2006/main" xmlns:r="http://schemas.openxmlformats.org/officeDocument/2006/relationships" xmlns:p="http://schemas.openxmlformats.org/presentationml/2006/main" type="tx" showMasterSp="0" showMasterPhAnim="1">
+<p:sldLayout xmlns:a="http://schemas.openxmlformats.org/drawingml/2006/main" xmlns:r="http://schemas.openxmlformats.org/officeDocument/2006/relationships" xmlns:p="http://schemas.openxmlformats.org/presentationml/2006/main" showMasterSp="0" type="tx">
   <p:cSld name="引用">
     <p:spTree>
       <p:nvGrpSpPr>
@@ -867,7 +891,9 @@
       <p:sp>
         <p:nvSpPr>
           <p:cNvPr id="107" name="Shape 107"/>
-          <p:cNvSpPr/>
+          <p:cNvSpPr>
+            <a:spLocks noGrp="1"/>
+          </p:cNvSpPr>
           <p:nvPr>
             <p:ph type="body" sz="quarter" idx="13"/>
           </p:nvPr>
@@ -894,11 +920,10 @@
               <a:buSzTx/>
               <a:buFontTx/>
               <a:buNone/>
-              <a:defRPr i="1" sz="3000"/>
+              <a:defRPr sz="3000" i="1"/>
             </a:lvl1pPr>
           </a:lstStyle>
           <a:p>
-            <a:pPr/>
             <a:r>
               <a:t>–Johnny Appleseed</a:t>
             </a:r>
@@ -908,7 +933,9 @@
       <p:sp>
         <p:nvSpPr>
           <p:cNvPr id="108" name="Shape 108"/>
-          <p:cNvSpPr/>
+          <p:cNvSpPr>
+            <a:spLocks noGrp="1"/>
+          </p:cNvSpPr>
           <p:nvPr>
             <p:ph type="body" sz="quarter" idx="14"/>
           </p:nvPr>
@@ -938,7 +965,6 @@
             </a:lvl1pPr>
           </a:lstStyle>
           <a:p>
-            <a:pPr/>
             <a:r>
               <a:t>“ここに引用を入力してください。”</a:t>
             </a:r>
@@ -948,7 +974,9 @@
       <p:sp>
         <p:nvSpPr>
           <p:cNvPr id="109" name="Shape 109"/>
-          <p:cNvSpPr/>
+          <p:cNvSpPr>
+            <a:spLocks noGrp="1"/>
+          </p:cNvSpPr>
           <p:nvPr>
             <p:ph type="sldNum" sz="quarter" idx="2"/>
           </p:nvPr>
@@ -962,8 +990,10 @@
           <a:bodyPr/>
           <a:lstStyle/>
           <a:p>
-            <a:pPr/>
-            <a:fld id="{86CB4B4D-7CA3-9044-876B-883B54F8677D}" type="slidenum"/>
+            <a:fld id="{86CB4B4D-7CA3-9044-876B-883B54F8677D}" type="slidenum">
+              <a:t>‹#›</a:t>
+            </a:fld>
+            <a:endParaRPr/>
           </a:p>
         </p:txBody>
       </p:sp>
@@ -972,12 +1002,12 @@
   <p:clrMapOvr>
     <a:masterClrMapping/>
   </p:clrMapOvr>
-  <p:transition xmlns:p14="http://schemas.microsoft.com/office/powerpoint/2010/main" spd="med" advClick="1"/>
+  <p:transition spd="med"/>
 </p:sldLayout>
 </file>
 
 <file path=ppt/slideLayouts/slideLayout11.xml><?xml version="1.0" encoding="utf-8"?>
-<p:sldLayout xmlns:a="http://schemas.openxmlformats.org/drawingml/2006/main" xmlns:r="http://schemas.openxmlformats.org/officeDocument/2006/relationships" xmlns:p="http://schemas.openxmlformats.org/presentationml/2006/main" type="tx" showMasterSp="0" showMasterPhAnim="1">
+<p:sldLayout xmlns:a="http://schemas.openxmlformats.org/drawingml/2006/main" xmlns:r="http://schemas.openxmlformats.org/officeDocument/2006/relationships" xmlns:p="http://schemas.openxmlformats.org/presentationml/2006/main" showMasterSp="0" type="tx">
   <p:cSld name="写真">
     <p:spTree>
       <p:nvGrpSpPr>
@@ -996,7 +1026,9 @@
       <p:sp>
         <p:nvSpPr>
           <p:cNvPr id="116" name="Shape 116"/>
-          <p:cNvSpPr/>
+          <p:cNvSpPr>
+            <a:spLocks noGrp="1"/>
+          </p:cNvSpPr>
           <p:nvPr>
             <p:ph type="pic" idx="13"/>
           </p:nvPr>
@@ -1016,14 +1048,16 @@
           </a:bodyPr>
           <a:lstStyle/>
           <a:p>
-            <a:pPr/>
+            <a:endParaRPr/>
           </a:p>
         </p:txBody>
       </p:sp>
       <p:sp>
         <p:nvSpPr>
           <p:cNvPr id="117" name="Shape 117"/>
-          <p:cNvSpPr/>
+          <p:cNvSpPr>
+            <a:spLocks noGrp="1"/>
+          </p:cNvSpPr>
           <p:nvPr>
             <p:ph type="sldNum" sz="quarter" idx="2"/>
           </p:nvPr>
@@ -1037,8 +1071,10 @@
           <a:bodyPr/>
           <a:lstStyle/>
           <a:p>
-            <a:pPr/>
-            <a:fld id="{86CB4B4D-7CA3-9044-876B-883B54F8677D}" type="slidenum"/>
+            <a:fld id="{86CB4B4D-7CA3-9044-876B-883B54F8677D}" type="slidenum">
+              <a:t>‹#›</a:t>
+            </a:fld>
+            <a:endParaRPr/>
           </a:p>
         </p:txBody>
       </p:sp>
@@ -1047,12 +1083,12 @@
   <p:clrMapOvr>
     <a:masterClrMapping/>
   </p:clrMapOvr>
-  <p:transition xmlns:p14="http://schemas.microsoft.com/office/powerpoint/2010/main" spd="med" advClick="1"/>
+  <p:transition spd="med"/>
 </p:sldLayout>
 </file>
 
 <file path=ppt/slideLayouts/slideLayout12.xml><?xml version="1.0" encoding="utf-8"?>
-<p:sldLayout xmlns:a="http://schemas.openxmlformats.org/drawingml/2006/main" xmlns:r="http://schemas.openxmlformats.org/officeDocument/2006/relationships" xmlns:p="http://schemas.openxmlformats.org/presentationml/2006/main" type="tx" showMasterSp="0" showMasterPhAnim="1">
+<p:sldLayout xmlns:a="http://schemas.openxmlformats.org/drawingml/2006/main" xmlns:r="http://schemas.openxmlformats.org/officeDocument/2006/relationships" xmlns:p="http://schemas.openxmlformats.org/presentationml/2006/main" showMasterSp="0" type="tx">
   <p:cSld name="空白">
     <p:spTree>
       <p:nvGrpSpPr>
@@ -1071,7 +1107,9 @@
       <p:sp>
         <p:nvSpPr>
           <p:cNvPr id="124" name="Shape 124"/>
-          <p:cNvSpPr/>
+          <p:cNvSpPr>
+            <a:spLocks noGrp="1"/>
+          </p:cNvSpPr>
           <p:nvPr>
             <p:ph type="sldNum" sz="quarter" idx="2"/>
           </p:nvPr>
@@ -1085,8 +1123,10 @@
           <a:bodyPr/>
           <a:lstStyle/>
           <a:p>
-            <a:pPr/>
-            <a:fld id="{86CB4B4D-7CA3-9044-876B-883B54F8677D}" type="slidenum"/>
+            <a:fld id="{86CB4B4D-7CA3-9044-876B-883B54F8677D}" type="slidenum">
+              <a:t>‹#›</a:t>
+            </a:fld>
+            <a:endParaRPr/>
           </a:p>
         </p:txBody>
       </p:sp>
@@ -1095,12 +1135,12 @@
   <p:clrMapOvr>
     <a:masterClrMapping/>
   </p:clrMapOvr>
-  <p:transition xmlns:p14="http://schemas.microsoft.com/office/powerpoint/2010/main" spd="med" advClick="1"/>
+  <p:transition spd="med"/>
 </p:sldLayout>
 </file>
 
 <file path=ppt/slideLayouts/slideLayout2.xml><?xml version="1.0" encoding="utf-8"?>
-<p:sldLayout xmlns:a="http://schemas.openxmlformats.org/drawingml/2006/main" xmlns:r="http://schemas.openxmlformats.org/officeDocument/2006/relationships" xmlns:p="http://schemas.openxmlformats.org/presentationml/2006/main" type="tx" showMasterSp="0" showMasterPhAnim="1">
+<p:sldLayout xmlns:a="http://schemas.openxmlformats.org/drawingml/2006/main" xmlns:r="http://schemas.openxmlformats.org/officeDocument/2006/relationships" xmlns:p="http://schemas.openxmlformats.org/presentationml/2006/main" showMasterSp="0" type="tx">
   <p:cSld name="画像（横長）">
     <p:spTree>
       <p:nvGrpSpPr>
@@ -1154,6 +1194,7 @@
                 <a:sym typeface="ヒラギノ角ゴ ProN W3"/>
               </a:defRPr>
             </a:pPr>
+            <a:endParaRPr/>
           </a:p>
         </p:txBody>
       </p:sp>
@@ -1195,6 +1236,7 @@
                 <a:sym typeface="ヒラギノ角ゴ ProN W3"/>
               </a:defRPr>
             </a:pPr>
+            <a:endParaRPr/>
           </a:p>
         </p:txBody>
       </p:sp>
@@ -1236,6 +1278,7 @@
                 <a:sym typeface="ヒラギノ角ゴ ProN W3"/>
               </a:defRPr>
             </a:pPr>
+            <a:endParaRPr/>
           </a:p>
         </p:txBody>
       </p:sp>
@@ -1277,13 +1320,16 @@
                 <a:sym typeface="ヒラギノ角ゴ ProN W3"/>
               </a:defRPr>
             </a:pPr>
+            <a:endParaRPr/>
           </a:p>
         </p:txBody>
       </p:sp>
       <p:sp>
         <p:nvSpPr>
           <p:cNvPr id="30" name="Shape 30"/>
-          <p:cNvSpPr/>
+          <p:cNvSpPr>
+            <a:spLocks noGrp="1"/>
+          </p:cNvSpPr>
           <p:nvPr>
             <p:ph type="body" sz="quarter" idx="13"/>
           </p:nvPr>
@@ -1313,11 +1359,10 @@
               <a:buSzTx/>
               <a:buFontTx/>
               <a:buNone/>
-              <a:defRPr i="1" sz="2400"/>
+              <a:defRPr sz="2400" i="1"/>
             </a:lvl1pPr>
           </a:lstStyle>
           <a:p>
-            <a:pPr/>
             <a:r>
               <a:t>Lorem Ipsum Dolor</a:t>
             </a:r>
@@ -1327,7 +1372,9 @@
       <p:sp>
         <p:nvSpPr>
           <p:cNvPr id="31" name="Shape 31"/>
-          <p:cNvSpPr/>
+          <p:cNvSpPr>
+            <a:spLocks noGrp="1"/>
+          </p:cNvSpPr>
           <p:nvPr>
             <p:ph type="pic" idx="14"/>
           </p:nvPr>
@@ -1350,14 +1397,16 @@
           </a:bodyPr>
           <a:lstStyle/>
           <a:p>
-            <a:pPr/>
+            <a:endParaRPr/>
           </a:p>
         </p:txBody>
       </p:sp>
       <p:sp>
         <p:nvSpPr>
           <p:cNvPr id="32" name="Shape 32"/>
-          <p:cNvSpPr/>
+          <p:cNvSpPr>
+            <a:spLocks noGrp="1"/>
+          </p:cNvSpPr>
           <p:nvPr>
             <p:ph type="title"/>
           </p:nvPr>
@@ -1377,7 +1426,6 @@
             <a:lvl1pPr algn="l"/>
           </a:lstStyle>
           <a:p>
-            <a:pPr/>
             <a:r>
               <a:t>タイトルテキスト</a:t>
             </a:r>
@@ -1387,7 +1435,9 @@
       <p:sp>
         <p:nvSpPr>
           <p:cNvPr id="33" name="Shape 33"/>
-          <p:cNvSpPr/>
+          <p:cNvSpPr>
+            <a:spLocks noGrp="1"/>
+          </p:cNvSpPr>
           <p:nvPr>
             <p:ph type="body" sz="quarter" idx="1"/>
           </p:nvPr>
@@ -1456,7 +1506,6 @@
             </a:lvl5pPr>
           </a:lstStyle>
           <a:p>
-            <a:pPr/>
             <a:r>
               <a:t>本文レベル1</a:t>
             </a:r>
@@ -1490,7 +1539,9 @@
       <p:sp>
         <p:nvSpPr>
           <p:cNvPr id="34" name="Shape 34"/>
-          <p:cNvSpPr/>
+          <p:cNvSpPr>
+            <a:spLocks noGrp="1"/>
+          </p:cNvSpPr>
           <p:nvPr>
             <p:ph type="sldNum" sz="quarter" idx="2"/>
           </p:nvPr>
@@ -1504,8 +1555,10 @@
           <a:bodyPr/>
           <a:lstStyle/>
           <a:p>
-            <a:pPr/>
-            <a:fld id="{86CB4B4D-7CA3-9044-876B-883B54F8677D}" type="slidenum"/>
+            <a:fld id="{86CB4B4D-7CA3-9044-876B-883B54F8677D}" type="slidenum">
+              <a:t>‹#›</a:t>
+            </a:fld>
+            <a:endParaRPr/>
           </a:p>
         </p:txBody>
       </p:sp>
@@ -1514,12 +1567,12 @@
   <p:clrMapOvr>
     <a:masterClrMapping/>
   </p:clrMapOvr>
-  <p:transition xmlns:p14="http://schemas.microsoft.com/office/powerpoint/2010/main" spd="med" advClick="1"/>
+  <p:transition spd="med"/>
 </p:sldLayout>
 </file>
 
 <file path=ppt/slideLayouts/slideLayout3.xml><?xml version="1.0" encoding="utf-8"?>
-<p:sldLayout xmlns:a="http://schemas.openxmlformats.org/drawingml/2006/main" xmlns:r="http://schemas.openxmlformats.org/officeDocument/2006/relationships" xmlns:p="http://schemas.openxmlformats.org/presentationml/2006/main" type="tx" showMasterSp="0" showMasterPhAnim="1">
+<p:sldLayout xmlns:a="http://schemas.openxmlformats.org/drawingml/2006/main" xmlns:r="http://schemas.openxmlformats.org/officeDocument/2006/relationships" xmlns:p="http://schemas.openxmlformats.org/presentationml/2006/main" showMasterSp="0" type="tx">
   <p:cSld name="タイトル（中央）">
     <p:spTree>
       <p:nvGrpSpPr>
@@ -1538,7 +1591,9 @@
       <p:sp>
         <p:nvSpPr>
           <p:cNvPr id="41" name="Shape 41"/>
-          <p:cNvSpPr/>
+          <p:cNvSpPr>
+            <a:spLocks noGrp="1"/>
+          </p:cNvSpPr>
           <p:nvPr>
             <p:ph type="title"/>
           </p:nvPr>
@@ -1556,7 +1611,6 @@
           <a:bodyPr/>
           <a:lstStyle/>
           <a:p>
-            <a:pPr/>
             <a:r>
               <a:t>タイトルテキスト</a:t>
             </a:r>
@@ -1566,7 +1620,9 @@
       <p:sp>
         <p:nvSpPr>
           <p:cNvPr id="42" name="Shape 42"/>
-          <p:cNvSpPr/>
+          <p:cNvSpPr>
+            <a:spLocks noGrp="1"/>
+          </p:cNvSpPr>
           <p:nvPr>
             <p:ph type="sldNum" sz="quarter" idx="2"/>
           </p:nvPr>
@@ -1580,8 +1636,10 @@
           <a:bodyPr/>
           <a:lstStyle/>
           <a:p>
-            <a:pPr/>
-            <a:fld id="{86CB4B4D-7CA3-9044-876B-883B54F8677D}" type="slidenum"/>
+            <a:fld id="{86CB4B4D-7CA3-9044-876B-883B54F8677D}" type="slidenum">
+              <a:t>‹#›</a:t>
+            </a:fld>
+            <a:endParaRPr/>
           </a:p>
         </p:txBody>
       </p:sp>
@@ -1590,12 +1648,12 @@
   <p:clrMapOvr>
     <a:masterClrMapping/>
   </p:clrMapOvr>
-  <p:transition xmlns:p14="http://schemas.microsoft.com/office/powerpoint/2010/main" spd="med" advClick="1"/>
+  <p:transition spd="med"/>
 </p:sldLayout>
 </file>
 
 <file path=ppt/slideLayouts/slideLayout4.xml><?xml version="1.0" encoding="utf-8"?>
-<p:sldLayout xmlns:a="http://schemas.openxmlformats.org/drawingml/2006/main" xmlns:r="http://schemas.openxmlformats.org/officeDocument/2006/relationships" xmlns:p="http://schemas.openxmlformats.org/presentationml/2006/main" type="tx" showMasterSp="0" showMasterPhAnim="1">
+<p:sldLayout xmlns:a="http://schemas.openxmlformats.org/drawingml/2006/main" xmlns:r="http://schemas.openxmlformats.org/officeDocument/2006/relationships" xmlns:p="http://schemas.openxmlformats.org/presentationml/2006/main" showMasterSp="0" type="tx">
   <p:cSld name="画像（縦長）">
     <p:spTree>
       <p:nvGrpSpPr>
@@ -1649,6 +1707,7 @@
                 <a:sym typeface="ヒラギノ角ゴ ProN W3"/>
               </a:defRPr>
             </a:pPr>
+            <a:endParaRPr/>
           </a:p>
         </p:txBody>
       </p:sp>
@@ -1690,13 +1749,16 @@
                 <a:sym typeface="ヒラギノ角ゴ ProN W3"/>
               </a:defRPr>
             </a:pPr>
+            <a:endParaRPr/>
           </a:p>
         </p:txBody>
       </p:sp>
       <p:sp>
         <p:nvSpPr>
           <p:cNvPr id="51" name="Shape 51"/>
-          <p:cNvSpPr/>
+          <p:cNvSpPr>
+            <a:spLocks noGrp="1"/>
+          </p:cNvSpPr>
           <p:nvPr>
             <p:ph type="body" sz="quarter" idx="13"/>
           </p:nvPr>
@@ -1726,11 +1788,10 @@
               <a:buSzTx/>
               <a:buFontTx/>
               <a:buNone/>
-              <a:defRPr i="1" sz="2400"/>
+              <a:defRPr sz="2400" i="1"/>
             </a:lvl1pPr>
           </a:lstStyle>
           <a:p>
-            <a:pPr/>
             <a:r>
               <a:t>Lorem Ipsum Dolor</a:t>
             </a:r>
@@ -1740,7 +1801,9 @@
       <p:sp>
         <p:nvSpPr>
           <p:cNvPr id="52" name="Shape 52"/>
-          <p:cNvSpPr/>
+          <p:cNvSpPr>
+            <a:spLocks noGrp="1"/>
+          </p:cNvSpPr>
           <p:nvPr>
             <p:ph type="pic" sz="half" idx="14"/>
           </p:nvPr>
@@ -1763,14 +1826,16 @@
           </a:bodyPr>
           <a:lstStyle/>
           <a:p>
-            <a:pPr/>
+            <a:endParaRPr/>
           </a:p>
         </p:txBody>
       </p:sp>
       <p:sp>
         <p:nvSpPr>
           <p:cNvPr id="53" name="Shape 53"/>
-          <p:cNvSpPr/>
+          <p:cNvSpPr>
+            <a:spLocks noGrp="1"/>
+          </p:cNvSpPr>
           <p:nvPr>
             <p:ph type="title"/>
           </p:nvPr>
@@ -1792,7 +1857,6 @@
             </a:lvl1pPr>
           </a:lstStyle>
           <a:p>
-            <a:pPr/>
             <a:r>
               <a:t>タイトルテキスト</a:t>
             </a:r>
@@ -1802,7 +1866,9 @@
       <p:sp>
         <p:nvSpPr>
           <p:cNvPr id="54" name="Shape 54"/>
-          <p:cNvSpPr/>
+          <p:cNvSpPr>
+            <a:spLocks noGrp="1"/>
+          </p:cNvSpPr>
           <p:nvPr>
             <p:ph type="body" sz="quarter" idx="1"/>
           </p:nvPr>
@@ -1871,7 +1937,6 @@
             </a:lvl5pPr>
           </a:lstStyle>
           <a:p>
-            <a:pPr/>
             <a:r>
               <a:t>本文レベル1</a:t>
             </a:r>
@@ -1905,7 +1970,9 @@
       <p:sp>
         <p:nvSpPr>
           <p:cNvPr id="55" name="Shape 55"/>
-          <p:cNvSpPr/>
+          <p:cNvSpPr>
+            <a:spLocks noGrp="1"/>
+          </p:cNvSpPr>
           <p:nvPr>
             <p:ph type="sldNum" sz="quarter" idx="2"/>
           </p:nvPr>
@@ -1919,8 +1986,10 @@
           <a:bodyPr/>
           <a:lstStyle/>
           <a:p>
-            <a:pPr/>
-            <a:fld id="{86CB4B4D-7CA3-9044-876B-883B54F8677D}" type="slidenum"/>
+            <a:fld id="{86CB4B4D-7CA3-9044-876B-883B54F8677D}" type="slidenum">
+              <a:t>‹#›</a:t>
+            </a:fld>
+            <a:endParaRPr/>
           </a:p>
         </p:txBody>
       </p:sp>
@@ -1929,12 +1998,12 @@
   <p:clrMapOvr>
     <a:masterClrMapping/>
   </p:clrMapOvr>
-  <p:transition xmlns:p14="http://schemas.microsoft.com/office/powerpoint/2010/main" spd="med" advClick="1"/>
+  <p:transition spd="med"/>
 </p:sldLayout>
 </file>
 
 <file path=ppt/slideLayouts/slideLayout5.xml><?xml version="1.0" encoding="utf-8"?>
-<p:sldLayout xmlns:a="http://schemas.openxmlformats.org/drawingml/2006/main" xmlns:r="http://schemas.openxmlformats.org/officeDocument/2006/relationships" xmlns:p="http://schemas.openxmlformats.org/presentationml/2006/main" type="tx" showMasterSp="1" showMasterPhAnim="1">
+<p:sldLayout xmlns:a="http://schemas.openxmlformats.org/drawingml/2006/main" xmlns:r="http://schemas.openxmlformats.org/officeDocument/2006/relationships" xmlns:p="http://schemas.openxmlformats.org/presentationml/2006/main" type="tx">
   <p:cSld name="タイトル（上）">
     <p:spTree>
       <p:nvGrpSpPr>
@@ -1953,7 +2022,9 @@
       <p:sp>
         <p:nvSpPr>
           <p:cNvPr id="62" name="Shape 62"/>
-          <p:cNvSpPr/>
+          <p:cNvSpPr>
+            <a:spLocks noGrp="1"/>
+          </p:cNvSpPr>
           <p:nvPr>
             <p:ph type="title"/>
           </p:nvPr>
@@ -1967,7 +2038,6 @@
           <a:bodyPr/>
           <a:lstStyle/>
           <a:p>
-            <a:pPr/>
             <a:r>
               <a:t>タイトルテキスト</a:t>
             </a:r>
@@ -1977,7 +2047,9 @@
       <p:sp>
         <p:nvSpPr>
           <p:cNvPr id="63" name="Shape 63"/>
-          <p:cNvSpPr/>
+          <p:cNvSpPr>
+            <a:spLocks noGrp="1"/>
+          </p:cNvSpPr>
           <p:nvPr>
             <p:ph type="sldNum" sz="quarter" idx="2"/>
           </p:nvPr>
@@ -1991,8 +2063,10 @@
           <a:bodyPr/>
           <a:lstStyle/>
           <a:p>
-            <a:pPr/>
-            <a:fld id="{86CB4B4D-7CA3-9044-876B-883B54F8677D}" type="slidenum"/>
+            <a:fld id="{86CB4B4D-7CA3-9044-876B-883B54F8677D}" type="slidenum">
+              <a:t>‹#›</a:t>
+            </a:fld>
+            <a:endParaRPr/>
           </a:p>
         </p:txBody>
       </p:sp>
@@ -2001,12 +2075,12 @@
   <p:clrMapOvr>
     <a:masterClrMapping/>
   </p:clrMapOvr>
-  <p:transition xmlns:p14="http://schemas.microsoft.com/office/powerpoint/2010/main" spd="med" advClick="1"/>
+  <p:transition spd="med"/>
 </p:sldLayout>
 </file>
 
 <file path=ppt/slideLayouts/slideLayout6.xml><?xml version="1.0" encoding="utf-8"?>
-<p:sldLayout xmlns:a="http://schemas.openxmlformats.org/drawingml/2006/main" xmlns:r="http://schemas.openxmlformats.org/officeDocument/2006/relationships" xmlns:p="http://schemas.openxmlformats.org/presentationml/2006/main" type="tx" showMasterSp="1" showMasterPhAnim="1">
+<p:sldLayout xmlns:a="http://schemas.openxmlformats.org/drawingml/2006/main" xmlns:r="http://schemas.openxmlformats.org/officeDocument/2006/relationships" xmlns:p="http://schemas.openxmlformats.org/presentationml/2006/main" type="tx">
   <p:cSld name="タイトル &amp; 箇条書き">
     <p:spTree>
       <p:nvGrpSpPr>
@@ -2025,7 +2099,9 @@
       <p:sp>
         <p:nvSpPr>
           <p:cNvPr id="70" name="Shape 70"/>
-          <p:cNvSpPr/>
+          <p:cNvSpPr>
+            <a:spLocks noGrp="1"/>
+          </p:cNvSpPr>
           <p:nvPr>
             <p:ph type="title"/>
           </p:nvPr>
@@ -2039,7 +2115,6 @@
           <a:bodyPr/>
           <a:lstStyle/>
           <a:p>
-            <a:pPr/>
             <a:r>
               <a:t>タイトルテキスト</a:t>
             </a:r>
@@ -2049,7 +2124,9 @@
       <p:sp>
         <p:nvSpPr>
           <p:cNvPr id="71" name="Shape 71"/>
-          <p:cNvSpPr/>
+          <p:cNvSpPr>
+            <a:spLocks noGrp="1"/>
+          </p:cNvSpPr>
           <p:nvPr>
             <p:ph type="body" idx="1"/>
           </p:nvPr>
@@ -2063,7 +2140,6 @@
           <a:bodyPr/>
           <a:lstStyle/>
           <a:p>
-            <a:pPr/>
             <a:r>
               <a:t>本文レベル1</a:t>
             </a:r>
@@ -2097,7 +2173,9 @@
       <p:sp>
         <p:nvSpPr>
           <p:cNvPr id="72" name="Shape 72"/>
-          <p:cNvSpPr/>
+          <p:cNvSpPr>
+            <a:spLocks noGrp="1"/>
+          </p:cNvSpPr>
           <p:nvPr>
             <p:ph type="sldNum" sz="quarter" idx="2"/>
           </p:nvPr>
@@ -2111,8 +2189,10 @@
           <a:bodyPr/>
           <a:lstStyle/>
           <a:p>
-            <a:pPr/>
-            <a:fld id="{86CB4B4D-7CA3-9044-876B-883B54F8677D}" type="slidenum"/>
+            <a:fld id="{86CB4B4D-7CA3-9044-876B-883B54F8677D}" type="slidenum">
+              <a:t>‹#›</a:t>
+            </a:fld>
+            <a:endParaRPr/>
           </a:p>
         </p:txBody>
       </p:sp>
@@ -2121,12 +2201,12 @@
   <p:clrMapOvr>
     <a:masterClrMapping/>
   </p:clrMapOvr>
-  <p:transition xmlns:p14="http://schemas.microsoft.com/office/powerpoint/2010/main" spd="med" advClick="1"/>
+  <p:transition spd="med"/>
 </p:sldLayout>
 </file>
 
 <file path=ppt/slideLayouts/slideLayout7.xml><?xml version="1.0" encoding="utf-8"?>
-<p:sldLayout xmlns:a="http://schemas.openxmlformats.org/drawingml/2006/main" xmlns:r="http://schemas.openxmlformats.org/officeDocument/2006/relationships" xmlns:p="http://schemas.openxmlformats.org/presentationml/2006/main" type="tx" showMasterSp="1" showMasterPhAnim="1">
+<p:sldLayout xmlns:a="http://schemas.openxmlformats.org/drawingml/2006/main" xmlns:r="http://schemas.openxmlformats.org/officeDocument/2006/relationships" xmlns:p="http://schemas.openxmlformats.org/presentationml/2006/main" type="tx">
   <p:cSld name="タイトル、箇条書き、画像">
     <p:spTree>
       <p:nvGrpSpPr>
@@ -2145,7 +2225,9 @@
       <p:sp>
         <p:nvSpPr>
           <p:cNvPr id="79" name="Shape 79"/>
-          <p:cNvSpPr/>
+          <p:cNvSpPr>
+            <a:spLocks noGrp="1"/>
+          </p:cNvSpPr>
           <p:nvPr>
             <p:ph type="pic" sz="half" idx="13"/>
           </p:nvPr>
@@ -2168,14 +2250,16 @@
           </a:bodyPr>
           <a:lstStyle/>
           <a:p>
-            <a:pPr/>
+            <a:endParaRPr/>
           </a:p>
         </p:txBody>
       </p:sp>
       <p:sp>
         <p:nvSpPr>
           <p:cNvPr id="80" name="Shape 80"/>
-          <p:cNvSpPr/>
+          <p:cNvSpPr>
+            <a:spLocks noGrp="1"/>
+          </p:cNvSpPr>
           <p:nvPr>
             <p:ph type="title"/>
           </p:nvPr>
@@ -2189,7 +2273,6 @@
           <a:bodyPr/>
           <a:lstStyle/>
           <a:p>
-            <a:pPr/>
             <a:r>
               <a:t>タイトルテキスト</a:t>
             </a:r>
@@ -2199,7 +2282,9 @@
       <p:sp>
         <p:nvSpPr>
           <p:cNvPr id="81" name="Shape 81"/>
-          <p:cNvSpPr/>
+          <p:cNvSpPr>
+            <a:spLocks noGrp="1"/>
+          </p:cNvSpPr>
           <p:nvPr>
             <p:ph type="body" sz="half" idx="1"/>
           </p:nvPr>
@@ -2253,7 +2338,6 @@
             </a:lvl5pPr>
           </a:lstStyle>
           <a:p>
-            <a:pPr/>
             <a:r>
               <a:t>本文レベル1</a:t>
             </a:r>
@@ -2287,7 +2371,9 @@
       <p:sp>
         <p:nvSpPr>
           <p:cNvPr id="82" name="Shape 82"/>
-          <p:cNvSpPr/>
+          <p:cNvSpPr>
+            <a:spLocks noGrp="1"/>
+          </p:cNvSpPr>
           <p:nvPr>
             <p:ph type="sldNum" sz="quarter" idx="2"/>
           </p:nvPr>
@@ -2301,8 +2387,10 @@
           <a:bodyPr/>
           <a:lstStyle/>
           <a:p>
-            <a:pPr/>
-            <a:fld id="{86CB4B4D-7CA3-9044-876B-883B54F8677D}" type="slidenum"/>
+            <a:fld id="{86CB4B4D-7CA3-9044-876B-883B54F8677D}" type="slidenum">
+              <a:t>‹#›</a:t>
+            </a:fld>
+            <a:endParaRPr/>
           </a:p>
         </p:txBody>
       </p:sp>
@@ -2311,12 +2399,12 @@
   <p:clrMapOvr>
     <a:masterClrMapping/>
   </p:clrMapOvr>
-  <p:transition xmlns:p14="http://schemas.microsoft.com/office/powerpoint/2010/main" spd="med" advClick="1"/>
+  <p:transition spd="med"/>
 </p:sldLayout>
 </file>
 
 <file path=ppt/slideLayouts/slideLayout8.xml><?xml version="1.0" encoding="utf-8"?>
-<p:sldLayout xmlns:a="http://schemas.openxmlformats.org/drawingml/2006/main" xmlns:r="http://schemas.openxmlformats.org/officeDocument/2006/relationships" xmlns:p="http://schemas.openxmlformats.org/presentationml/2006/main" type="tx" showMasterSp="0" showMasterPhAnim="1">
+<p:sldLayout xmlns:a="http://schemas.openxmlformats.org/drawingml/2006/main" xmlns:r="http://schemas.openxmlformats.org/officeDocument/2006/relationships" xmlns:p="http://schemas.openxmlformats.org/presentationml/2006/main" showMasterSp="0" type="tx">
   <p:cSld name="箇条書き">
     <p:spTree>
       <p:nvGrpSpPr>
@@ -2335,7 +2423,9 @@
       <p:sp>
         <p:nvSpPr>
           <p:cNvPr id="89" name="Shape 89"/>
-          <p:cNvSpPr/>
+          <p:cNvSpPr>
+            <a:spLocks noGrp="1"/>
+          </p:cNvSpPr>
           <p:nvPr>
             <p:ph type="body" idx="1"/>
           </p:nvPr>
@@ -2353,7 +2443,6 @@
           <a:bodyPr/>
           <a:lstStyle/>
           <a:p>
-            <a:pPr/>
             <a:r>
               <a:t>本文レベル1</a:t>
             </a:r>
@@ -2387,7 +2476,9 @@
       <p:sp>
         <p:nvSpPr>
           <p:cNvPr id="90" name="Shape 90"/>
-          <p:cNvSpPr/>
+          <p:cNvSpPr>
+            <a:spLocks noGrp="1"/>
+          </p:cNvSpPr>
           <p:nvPr>
             <p:ph type="sldNum" sz="quarter" idx="2"/>
           </p:nvPr>
@@ -2401,8 +2492,10 @@
           <a:bodyPr/>
           <a:lstStyle/>
           <a:p>
-            <a:pPr/>
-            <a:fld id="{86CB4B4D-7CA3-9044-876B-883B54F8677D}" type="slidenum"/>
+            <a:fld id="{86CB4B4D-7CA3-9044-876B-883B54F8677D}" type="slidenum">
+              <a:t>‹#›</a:t>
+            </a:fld>
+            <a:endParaRPr/>
           </a:p>
         </p:txBody>
       </p:sp>
@@ -2411,12 +2504,12 @@
   <p:clrMapOvr>
     <a:masterClrMapping/>
   </p:clrMapOvr>
-  <p:transition xmlns:p14="http://schemas.microsoft.com/office/powerpoint/2010/main" spd="med" advClick="1"/>
+  <p:transition spd="med"/>
 </p:sldLayout>
 </file>
 
 <file path=ppt/slideLayouts/slideLayout9.xml><?xml version="1.0" encoding="utf-8"?>
-<p:sldLayout xmlns:a="http://schemas.openxmlformats.org/drawingml/2006/main" xmlns:r="http://schemas.openxmlformats.org/officeDocument/2006/relationships" xmlns:p="http://schemas.openxmlformats.org/presentationml/2006/main" type="tx" showMasterSp="0" showMasterPhAnim="1">
+<p:sldLayout xmlns:a="http://schemas.openxmlformats.org/drawingml/2006/main" xmlns:r="http://schemas.openxmlformats.org/officeDocument/2006/relationships" xmlns:p="http://schemas.openxmlformats.org/presentationml/2006/main" showMasterSp="0" type="tx">
   <p:cSld name="画像（3 点）">
     <p:spTree>
       <p:nvGrpSpPr>
@@ -2435,7 +2528,9 @@
       <p:sp>
         <p:nvSpPr>
           <p:cNvPr id="97" name="Shape 97"/>
-          <p:cNvSpPr/>
+          <p:cNvSpPr>
+            <a:spLocks noGrp="1"/>
+          </p:cNvSpPr>
           <p:nvPr>
             <p:ph type="pic" sz="quarter" idx="13"/>
           </p:nvPr>
@@ -2458,14 +2553,16 @@
           </a:bodyPr>
           <a:lstStyle/>
           <a:p>
-            <a:pPr/>
+            <a:endParaRPr/>
           </a:p>
         </p:txBody>
       </p:sp>
       <p:sp>
         <p:nvSpPr>
           <p:cNvPr id="98" name="Shape 98"/>
-          <p:cNvSpPr/>
+          <p:cNvSpPr>
+            <a:spLocks noGrp="1"/>
+          </p:cNvSpPr>
           <p:nvPr>
             <p:ph type="pic" sz="quarter" idx="14"/>
           </p:nvPr>
@@ -2488,14 +2585,16 @@
           </a:bodyPr>
           <a:lstStyle/>
           <a:p>
-            <a:pPr/>
+            <a:endParaRPr/>
           </a:p>
         </p:txBody>
       </p:sp>
       <p:sp>
         <p:nvSpPr>
           <p:cNvPr id="99" name="Shape 99"/>
-          <p:cNvSpPr/>
+          <p:cNvSpPr>
+            <a:spLocks noGrp="1"/>
+          </p:cNvSpPr>
           <p:nvPr>
             <p:ph type="pic" sz="half" idx="15"/>
           </p:nvPr>
@@ -2518,14 +2617,16 @@
           </a:bodyPr>
           <a:lstStyle/>
           <a:p>
-            <a:pPr/>
+            <a:endParaRPr/>
           </a:p>
         </p:txBody>
       </p:sp>
       <p:sp>
         <p:nvSpPr>
           <p:cNvPr id="100" name="Shape 100"/>
-          <p:cNvSpPr/>
+          <p:cNvSpPr>
+            <a:spLocks noGrp="1"/>
+          </p:cNvSpPr>
           <p:nvPr>
             <p:ph type="sldNum" sz="quarter" idx="2"/>
           </p:nvPr>
@@ -2539,8 +2640,10 @@
           <a:bodyPr/>
           <a:lstStyle/>
           <a:p>
-            <a:pPr/>
-            <a:fld id="{86CB4B4D-7CA3-9044-876B-883B54F8677D}" type="slidenum"/>
+            <a:fld id="{86CB4B4D-7CA3-9044-876B-883B54F8677D}" type="slidenum">
+              <a:t>‹#›</a:t>
+            </a:fld>
+            <a:endParaRPr/>
           </a:p>
         </p:txBody>
       </p:sp>
@@ -2549,7 +2652,7 @@
   <p:clrMapOvr>
     <a:masterClrMapping/>
   </p:clrMapOvr>
-  <p:transition xmlns:p14="http://schemas.microsoft.com/office/powerpoint/2010/main" spd="med" advClick="1"/>
+  <p:transition spd="med"/>
 </p:sldLayout>
 </file>
 
@@ -2559,12 +2662,13 @@
     <p:bg>
       <p:bgPr>
         <a:blipFill rotWithShape="1">
-          <a:blip r:embed="rId2"/>
-          <a:srcRect l="0" t="0" r="0" b="0"/>
+          <a:blip r:embed="rId14"/>
+          <a:srcRect/>
           <a:stretch>
             <a:fillRect/>
           </a:stretch>
         </a:blipFill>
+        <a:effectLst/>
       </p:bgPr>
     </p:bg>
     <p:spTree>
@@ -2619,6 +2723,7 @@
                 <a:sym typeface="ヒラギノ角ゴ ProN W3"/>
               </a:defRPr>
             </a:pPr>
+            <a:endParaRPr/>
           </a:p>
         </p:txBody>
       </p:sp>
@@ -2660,13 +2765,16 @@
                 <a:sym typeface="ヒラギノ角ゴ ProN W3"/>
               </a:defRPr>
             </a:pPr>
+            <a:endParaRPr/>
           </a:p>
         </p:txBody>
       </p:sp>
       <p:sp>
         <p:nvSpPr>
           <p:cNvPr id="4" name="Shape 4"/>
-          <p:cNvSpPr/>
+          <p:cNvSpPr>
+            <a:spLocks noGrp="1"/>
+          </p:cNvSpPr>
           <p:nvPr>
             <p:ph type="title"/>
           </p:nvPr>
@@ -2684,17 +2792,16 @@
           </a:ln>
           <a:extLst>
             <a:ext uri="{C572A759-6A51-4108-AA02-DFA0A04FC94B}">
-              <ma14:wrappingTextBoxFlag xmlns:ma14="http://schemas.microsoft.com/office/mac/drawingml/2011/main" val="1"/>
+              <ma14:wrappingTextBoxFlag xmlns="" xmlns:ma14="http://schemas.microsoft.com/office/mac/drawingml/2011/main" val="1"/>
             </a:ext>
           </a:extLst>
         </p:spPr>
         <p:txBody>
           <a:bodyPr lIns="50800" tIns="50800" rIns="50800" bIns="50800" anchor="ctr">
-            <a:normAutofit fontScale="100000" lnSpcReduction="0"/>
+            <a:normAutofit/>
           </a:bodyPr>
           <a:lstStyle/>
           <a:p>
-            <a:pPr/>
             <a:r>
               <a:t>タイトルテキスト</a:t>
             </a:r>
@@ -2704,7 +2811,9 @@
       <p:sp>
         <p:nvSpPr>
           <p:cNvPr id="5" name="Shape 5"/>
-          <p:cNvSpPr/>
+          <p:cNvSpPr>
+            <a:spLocks noGrp="1"/>
+          </p:cNvSpPr>
           <p:nvPr>
             <p:ph type="body" idx="1"/>
           </p:nvPr>
@@ -2722,17 +2831,16 @@
           </a:ln>
           <a:extLst>
             <a:ext uri="{C572A759-6A51-4108-AA02-DFA0A04FC94B}">
-              <ma14:wrappingTextBoxFlag xmlns:ma14="http://schemas.microsoft.com/office/mac/drawingml/2011/main" val="1"/>
+              <ma14:wrappingTextBoxFlag xmlns="" xmlns:ma14="http://schemas.microsoft.com/office/mac/drawingml/2011/main" val="1"/>
             </a:ext>
           </a:extLst>
         </p:spPr>
         <p:txBody>
           <a:bodyPr lIns="50800" tIns="50800" rIns="50800" bIns="50800" anchor="ctr">
-            <a:normAutofit fontScale="100000" lnSpcReduction="0"/>
+            <a:normAutofit/>
           </a:bodyPr>
           <a:lstStyle/>
           <a:p>
-            <a:pPr/>
             <a:r>
               <a:t>本文レベル1</a:t>
             </a:r>
@@ -2766,7 +2874,9 @@
       <p:sp>
         <p:nvSpPr>
           <p:cNvPr id="6" name="Shape 6"/>
-          <p:cNvSpPr/>
+          <p:cNvSpPr>
+            <a:spLocks noGrp="1"/>
+          </p:cNvSpPr>
           <p:nvPr>
             <p:ph type="sldNum" sz="quarter" idx="2"/>
           </p:nvPr>
@@ -2797,8 +2907,10 @@
             </a:lvl1pPr>
           </a:lstStyle>
           <a:p>
-            <a:pPr/>
-            <a:fld id="{86CB4B4D-7CA3-9044-876B-883B54F8677D}" type="slidenum"/>
+            <a:fld id="{86CB4B4D-7CA3-9044-876B-883B54F8677D}" type="slidenum">
+              <a:t>‹#›</a:t>
+            </a:fld>
+            <a:endParaRPr/>
           </a:p>
         </p:txBody>
       </p:sp>
@@ -2806,20 +2918,20 @@
   </p:cSld>
   <p:clrMap bg1="lt1" tx1="dk1" bg2="lt2" tx2="dk2" accent1="accent1" accent2="accent2" accent3="accent3" accent4="accent4" accent5="accent5" accent6="accent6" hlink="hlink" folHlink="folHlink"/>
   <p:sldLayoutIdLst>
-    <p:sldLayoutId id="2147483649" r:id="rId3"/>
-    <p:sldLayoutId id="2147483650" r:id="rId4"/>
-    <p:sldLayoutId id="2147483651" r:id="rId5"/>
-    <p:sldLayoutId id="2147483652" r:id="rId6"/>
-    <p:sldLayoutId id="2147483653" r:id="rId7"/>
-    <p:sldLayoutId id="2147483654" r:id="rId8"/>
-    <p:sldLayoutId id="2147483655" r:id="rId9"/>
-    <p:sldLayoutId id="2147483656" r:id="rId10"/>
-    <p:sldLayoutId id="2147483657" r:id="rId11"/>
-    <p:sldLayoutId id="2147483658" r:id="rId12"/>
-    <p:sldLayoutId id="2147483659" r:id="rId13"/>
-    <p:sldLayoutId id="2147483660" r:id="rId14"/>
+    <p:sldLayoutId id="2147483649" r:id="rId1"/>
+    <p:sldLayoutId id="2147483650" r:id="rId2"/>
+    <p:sldLayoutId id="2147483651" r:id="rId3"/>
+    <p:sldLayoutId id="2147483652" r:id="rId4"/>
+    <p:sldLayoutId id="2147483653" r:id="rId5"/>
+    <p:sldLayoutId id="2147483654" r:id="rId6"/>
+    <p:sldLayoutId id="2147483655" r:id="rId7"/>
+    <p:sldLayoutId id="2147483656" r:id="rId8"/>
+    <p:sldLayoutId id="2147483657" r:id="rId9"/>
+    <p:sldLayoutId id="2147483658" r:id="rId10"/>
+    <p:sldLayoutId id="2147483659" r:id="rId11"/>
+    <p:sldLayoutId id="2147483660" r:id="rId12"/>
   </p:sldLayoutIdLst>
-  <p:transition xmlns:p14="http://schemas.microsoft.com/office/powerpoint/2010/main" spd="med" advClick="1"/>
+  <p:transition spd="med"/>
   <p:txStyles>
     <p:titleStyle>
       <a:lvl1pPr marL="0" marR="0" indent="0" algn="ctr" defTabSz="584200" rtl="0" latinLnBrk="0">
@@ -2837,7 +2949,7 @@
         <a:buFontTx/>
         <a:buNone/>
         <a:tabLst/>
-        <a:defRPr b="0" baseline="0" cap="none" i="0" spc="0" strike="noStrike" sz="7000" u="none">
+        <a:defRPr sz="7000" b="0" i="0" u="none" strike="noStrike" cap="none" spc="0" baseline="0">
           <a:ln>
             <a:noFill/>
           </a:ln>
@@ -2866,7 +2978,7 @@
         <a:buFontTx/>
         <a:buNone/>
         <a:tabLst/>
-        <a:defRPr b="0" baseline="0" cap="none" i="0" spc="0" strike="noStrike" sz="7000" u="none">
+        <a:defRPr sz="7000" b="0" i="0" u="none" strike="noStrike" cap="none" spc="0" baseline="0">
           <a:ln>
             <a:noFill/>
           </a:ln>
@@ -2895,7 +3007,7 @@
         <a:buFontTx/>
         <a:buNone/>
         <a:tabLst/>
-        <a:defRPr b="0" baseline="0" cap="none" i="0" spc="0" strike="noStrike" sz="7000" u="none">
+        <a:defRPr sz="7000" b="0" i="0" u="none" strike="noStrike" cap="none" spc="0" baseline="0">
           <a:ln>
             <a:noFill/>
           </a:ln>
@@ -2924,7 +3036,7 @@
         <a:buFontTx/>
         <a:buNone/>
         <a:tabLst/>
-        <a:defRPr b="0" baseline="0" cap="none" i="0" spc="0" strike="noStrike" sz="7000" u="none">
+        <a:defRPr sz="7000" b="0" i="0" u="none" strike="noStrike" cap="none" spc="0" baseline="0">
           <a:ln>
             <a:noFill/>
           </a:ln>
@@ -2953,7 +3065,7 @@
         <a:buFontTx/>
         <a:buNone/>
         <a:tabLst/>
-        <a:defRPr b="0" baseline="0" cap="none" i="0" spc="0" strike="noStrike" sz="7000" u="none">
+        <a:defRPr sz="7000" b="0" i="0" u="none" strike="noStrike" cap="none" spc="0" baseline="0">
           <a:ln>
             <a:noFill/>
           </a:ln>
@@ -2982,7 +3094,7 @@
         <a:buFontTx/>
         <a:buNone/>
         <a:tabLst/>
-        <a:defRPr b="0" baseline="0" cap="none" i="0" spc="0" strike="noStrike" sz="7000" u="none">
+        <a:defRPr sz="7000" b="0" i="0" u="none" strike="noStrike" cap="none" spc="0" baseline="0">
           <a:ln>
             <a:noFill/>
           </a:ln>
@@ -3011,7 +3123,7 @@
         <a:buFontTx/>
         <a:buNone/>
         <a:tabLst/>
-        <a:defRPr b="0" baseline="0" cap="none" i="0" spc="0" strike="noStrike" sz="7000" u="none">
+        <a:defRPr sz="7000" b="0" i="0" u="none" strike="noStrike" cap="none" spc="0" baseline="0">
           <a:ln>
             <a:noFill/>
           </a:ln>
@@ -3040,7 +3152,7 @@
         <a:buFontTx/>
         <a:buNone/>
         <a:tabLst/>
-        <a:defRPr b="0" baseline="0" cap="none" i="0" spc="0" strike="noStrike" sz="7000" u="none">
+        <a:defRPr sz="7000" b="0" i="0" u="none" strike="noStrike" cap="none" spc="0" baseline="0">
           <a:ln>
             <a:noFill/>
           </a:ln>
@@ -3069,7 +3181,7 @@
         <a:buFontTx/>
         <a:buNone/>
         <a:tabLst/>
-        <a:defRPr b="0" baseline="0" cap="none" i="0" spc="0" strike="noStrike" sz="7000" u="none">
+        <a:defRPr sz="7000" b="0" i="0" u="none" strike="noStrike" cap="none" spc="0" baseline="0">
           <a:ln>
             <a:noFill/>
           </a:ln>
@@ -3102,7 +3214,7 @@
         <a:buFont typeface="Zapf Dingbats"/>
         <a:buChar char="❖"/>
         <a:tabLst/>
-        <a:defRPr b="0" baseline="0" cap="none" i="0" spc="0" strike="noStrike" sz="3600" u="none">
+        <a:defRPr sz="3600" b="0" i="0" u="none" strike="noStrike" cap="none" spc="0" baseline="0">
           <a:ln>
             <a:noFill/>
           </a:ln>
@@ -3133,7 +3245,7 @@
         <a:buFont typeface="Zapf Dingbats"/>
         <a:buChar char="❖"/>
         <a:tabLst/>
-        <a:defRPr b="0" baseline="0" cap="none" i="0" spc="0" strike="noStrike" sz="3600" u="none">
+        <a:defRPr sz="3600" b="0" i="0" u="none" strike="noStrike" cap="none" spc="0" baseline="0">
           <a:ln>
             <a:noFill/>
           </a:ln>
@@ -3164,7 +3276,7 @@
         <a:buFont typeface="Zapf Dingbats"/>
         <a:buChar char="❖"/>
         <a:tabLst/>
-        <a:defRPr b="0" baseline="0" cap="none" i="0" spc="0" strike="noStrike" sz="3600" u="none">
+        <a:defRPr sz="3600" b="0" i="0" u="none" strike="noStrike" cap="none" spc="0" baseline="0">
           <a:ln>
             <a:noFill/>
           </a:ln>
@@ -3195,7 +3307,7 @@
         <a:buFont typeface="Zapf Dingbats"/>
         <a:buChar char="❖"/>
         <a:tabLst/>
-        <a:defRPr b="0" baseline="0" cap="none" i="0" spc="0" strike="noStrike" sz="3600" u="none">
+        <a:defRPr sz="3600" b="0" i="0" u="none" strike="noStrike" cap="none" spc="0" baseline="0">
           <a:ln>
             <a:noFill/>
           </a:ln>
@@ -3226,7 +3338,7 @@
         <a:buFont typeface="Zapf Dingbats"/>
         <a:buChar char="❖"/>
         <a:tabLst/>
-        <a:defRPr b="0" baseline="0" cap="none" i="0" spc="0" strike="noStrike" sz="3600" u="none">
+        <a:defRPr sz="3600" b="0" i="0" u="none" strike="noStrike" cap="none" spc="0" baseline="0">
           <a:ln>
             <a:noFill/>
           </a:ln>
@@ -3257,7 +3369,7 @@
         <a:buFont typeface="Zapf Dingbats"/>
         <a:buChar char="❖"/>
         <a:tabLst/>
-        <a:defRPr b="0" baseline="0" cap="none" i="0" spc="0" strike="noStrike" sz="3600" u="none">
+        <a:defRPr sz="3600" b="0" i="0" u="none" strike="noStrike" cap="none" spc="0" baseline="0">
           <a:ln>
             <a:noFill/>
           </a:ln>
@@ -3288,7 +3400,7 @@
         <a:buFont typeface="Zapf Dingbats"/>
         <a:buChar char="❖"/>
         <a:tabLst/>
-        <a:defRPr b="0" baseline="0" cap="none" i="0" spc="0" strike="noStrike" sz="3600" u="none">
+        <a:defRPr sz="3600" b="0" i="0" u="none" strike="noStrike" cap="none" spc="0" baseline="0">
           <a:ln>
             <a:noFill/>
           </a:ln>
@@ -3319,7 +3431,7 @@
         <a:buFont typeface="Zapf Dingbats"/>
         <a:buChar char="❖"/>
         <a:tabLst/>
-        <a:defRPr b="0" baseline="0" cap="none" i="0" spc="0" strike="noStrike" sz="3600" u="none">
+        <a:defRPr sz="3600" b="0" i="0" u="none" strike="noStrike" cap="none" spc="0" baseline="0">
           <a:ln>
             <a:noFill/>
           </a:ln>
@@ -3350,7 +3462,7 @@
         <a:buFont typeface="Zapf Dingbats"/>
         <a:buChar char="❖"/>
         <a:tabLst/>
-        <a:defRPr b="0" baseline="0" cap="none" i="0" spc="0" strike="noStrike" sz="3600" u="none">
+        <a:defRPr sz="3600" b="0" i="0" u="none" strike="noStrike" cap="none" spc="0" baseline="0">
           <a:ln>
             <a:noFill/>
           </a:ln>
@@ -3381,7 +3493,7 @@
         <a:buFontTx/>
         <a:buNone/>
         <a:tabLst/>
-        <a:defRPr b="0" baseline="0" cap="none" i="0" spc="0" strike="noStrike" sz="1800" u="none">
+        <a:defRPr sz="1800" b="0" i="0" u="none" strike="noStrike" cap="none" spc="0" baseline="0">
           <a:ln>
             <a:noFill/>
           </a:ln>
@@ -3410,7 +3522,7 @@
         <a:buFontTx/>
         <a:buNone/>
         <a:tabLst/>
-        <a:defRPr b="0" baseline="0" cap="none" i="0" spc="0" strike="noStrike" sz="1800" u="none">
+        <a:defRPr sz="1800" b="0" i="0" u="none" strike="noStrike" cap="none" spc="0" baseline="0">
           <a:ln>
             <a:noFill/>
           </a:ln>
@@ -3439,7 +3551,7 @@
         <a:buFontTx/>
         <a:buNone/>
         <a:tabLst/>
-        <a:defRPr b="0" baseline="0" cap="none" i="0" spc="0" strike="noStrike" sz="1800" u="none">
+        <a:defRPr sz="1800" b="0" i="0" u="none" strike="noStrike" cap="none" spc="0" baseline="0">
           <a:ln>
             <a:noFill/>
           </a:ln>
@@ -3468,7 +3580,7 @@
         <a:buFontTx/>
         <a:buNone/>
         <a:tabLst/>
-        <a:defRPr b="0" baseline="0" cap="none" i="0" spc="0" strike="noStrike" sz="1800" u="none">
+        <a:defRPr sz="1800" b="0" i="0" u="none" strike="noStrike" cap="none" spc="0" baseline="0">
           <a:ln>
             <a:noFill/>
           </a:ln>
@@ -3497,7 +3609,7 @@
         <a:buFontTx/>
         <a:buNone/>
         <a:tabLst/>
-        <a:defRPr b="0" baseline="0" cap="none" i="0" spc="0" strike="noStrike" sz="1800" u="none">
+        <a:defRPr sz="1800" b="0" i="0" u="none" strike="noStrike" cap="none" spc="0" baseline="0">
           <a:ln>
             <a:noFill/>
           </a:ln>
@@ -3526,7 +3638,7 @@
         <a:buFontTx/>
         <a:buNone/>
         <a:tabLst/>
-        <a:defRPr b="0" baseline="0" cap="none" i="0" spc="0" strike="noStrike" sz="1800" u="none">
+        <a:defRPr sz="1800" b="0" i="0" u="none" strike="noStrike" cap="none" spc="0" baseline="0">
           <a:ln>
             <a:noFill/>
           </a:ln>
@@ -3555,7 +3667,7 @@
         <a:buFontTx/>
         <a:buNone/>
         <a:tabLst/>
-        <a:defRPr b="0" baseline="0" cap="none" i="0" spc="0" strike="noStrike" sz="1800" u="none">
+        <a:defRPr sz="1800" b="0" i="0" u="none" strike="noStrike" cap="none" spc="0" baseline="0">
           <a:ln>
             <a:noFill/>
           </a:ln>
@@ -3584,7 +3696,7 @@
         <a:buFontTx/>
         <a:buNone/>
         <a:tabLst/>
-        <a:defRPr b="0" baseline="0" cap="none" i="0" spc="0" strike="noStrike" sz="1800" u="none">
+        <a:defRPr sz="1800" b="0" i="0" u="none" strike="noStrike" cap="none" spc="0" baseline="0">
           <a:ln>
             <a:noFill/>
           </a:ln>
@@ -3613,7 +3725,7 @@
         <a:buFontTx/>
         <a:buNone/>
         <a:tabLst/>
-        <a:defRPr b="0" baseline="0" cap="none" i="0" spc="0" strike="noStrike" sz="1800" u="none">
+        <a:defRPr sz="1800" b="0" i="0" u="none" strike="noStrike" cap="none" spc="0" baseline="0">
           <a:ln>
             <a:noFill/>
           </a:ln>
@@ -3633,7 +3745,7 @@
 </file>
 
 <file path=ppt/slides/slide1.xml><?xml version="1.0" encoding="utf-8"?>
-<p:sld xmlns:a="http://schemas.openxmlformats.org/drawingml/2006/main" xmlns:r="http://schemas.openxmlformats.org/officeDocument/2006/relationships" xmlns:p="http://schemas.openxmlformats.org/presentationml/2006/main" showMasterSp="1" showMasterPhAnim="1">
+<p:sld xmlns:a="http://schemas.openxmlformats.org/drawingml/2006/main" xmlns:r="http://schemas.openxmlformats.org/officeDocument/2006/relationships" xmlns:p="http://schemas.openxmlformats.org/presentationml/2006/main">
   <p:cSld>
     <p:spTree>
       <p:nvGrpSpPr>
@@ -3652,7 +3764,9 @@
       <p:sp>
         <p:nvSpPr>
           <p:cNvPr id="133" name="Shape 133"/>
-          <p:cNvSpPr/>
+          <p:cNvSpPr>
+            <a:spLocks noGrp="1"/>
+          </p:cNvSpPr>
           <p:nvPr>
             <p:ph type="body" idx="13"/>
           </p:nvPr>
@@ -3666,8 +3780,8 @@
           <a:bodyPr/>
           <a:lstStyle/>
           <a:p>
-            <a:pPr/>
-            <a:r>
+            <a:r>
+              <a:rPr dirty="0"/>
               <a:t>Lorem Ipsum Dolor</a:t>
             </a:r>
           </a:p>
@@ -3676,7 +3790,9 @@
       <p:sp>
         <p:nvSpPr>
           <p:cNvPr id="134" name="Shape 134"/>
-          <p:cNvSpPr/>
+          <p:cNvSpPr>
+            <a:spLocks noGrp="1"/>
+          </p:cNvSpPr>
           <p:nvPr>
             <p:ph type="ctrTitle"/>
           </p:nvPr>
@@ -3698,7 +3814,16 @@
               <a:defRPr sz="4400"/>
             </a:pPr>
             <a:r>
-              <a:t>LEGO Mindstorm EV3による</a:t>
+              <a:rPr dirty="0"/>
+              <a:t>LEGO </a:t>
+            </a:r>
+            <a:r>
+              <a:rPr dirty="0" err="1"/>
+              <a:t>Mindstorm</a:t>
+            </a:r>
+            <a:r>
+              <a:rPr dirty="0"/>
+              <a:t> EV3による</a:t>
             </a:r>
           </a:p>
           <a:p>
@@ -3706,15 +3831,19 @@
               <a:defRPr sz="4400"/>
             </a:pPr>
             <a:r>
+              <a:rPr dirty="0" err="1"/>
               <a:t>モデル検査演習作成について</a:t>
             </a:r>
+            <a:endParaRPr dirty="0"/>
           </a:p>
         </p:txBody>
       </p:sp>
       <p:sp>
         <p:nvSpPr>
           <p:cNvPr id="135" name="Shape 135"/>
-          <p:cNvSpPr/>
+          <p:cNvSpPr>
+            <a:spLocks noGrp="1"/>
+          </p:cNvSpPr>
           <p:nvPr>
             <p:ph type="subTitle" sz="quarter" idx="1"/>
           </p:nvPr>
@@ -3728,13 +3857,11 @@
           <a:bodyPr/>
           <a:lstStyle/>
           <a:p>
-            <a:pPr/>
             <a:r>
               <a:t>２０１６年４月２０日</a:t>
             </a:r>
           </a:p>
           <a:p>
-            <a:pPr/>
             <a:r>
               <a:t>宇佐美雅紀</a:t>
             </a:r>
@@ -3746,12 +3873,625 @@
   <p:clrMapOvr>
     <a:masterClrMapping/>
   </p:clrMapOvr>
-  <p:transition xmlns:p14="http://schemas.microsoft.com/office/powerpoint/2010/main" spd="med" advClick="1"/>
+  <p:transition spd="med"/>
+</p:sld>
+</file>
+
+<file path=ppt/slides/slide10.xml><?xml version="1.0" encoding="utf-8"?>
+<p:sld xmlns:a="http://schemas.openxmlformats.org/drawingml/2006/main" xmlns:r="http://schemas.openxmlformats.org/officeDocument/2006/relationships" xmlns:p="http://schemas.openxmlformats.org/presentationml/2006/main">
+  <p:cSld>
+    <p:spTree>
+      <p:nvGrpSpPr>
+        <p:cNvPr id="1" name=""/>
+        <p:cNvGrpSpPr/>
+        <p:nvPr/>
+      </p:nvGrpSpPr>
+      <p:grpSpPr>
+        <a:xfrm>
+          <a:off x="0" y="0"/>
+          <a:ext cx="0" cy="0"/>
+          <a:chOff x="0" y="0"/>
+          <a:chExt cx="0" cy="0"/>
+        </a:xfrm>
+      </p:grpSpPr>
+      <p:sp>
+        <p:nvSpPr>
+          <p:cNvPr id="2" name="タイトル 1"/>
+          <p:cNvSpPr>
+            <a:spLocks noGrp="1"/>
+          </p:cNvSpPr>
+          <p:nvPr>
+            <p:ph type="title"/>
+          </p:nvPr>
+        </p:nvSpPr>
+        <p:spPr/>
+        <p:txBody>
+          <a:bodyPr/>
+          <a:lstStyle/>
+          <a:p>
+            <a:r>
+              <a:rPr kumimoji="1" lang="en-US" altLang="ja-JP" dirty="0"/>
+              <a:t>Hackathon</a:t>
+            </a:r>
+            <a:r>
+              <a:rPr kumimoji="1" lang="ja-JP" altLang="en-US" dirty="0" smtClean="0"/>
+              <a:t>準備方針</a:t>
+            </a:r>
+            <a:r>
+              <a:rPr kumimoji="1" lang="ja-JP" altLang="en-US" dirty="0" smtClean="0"/>
+              <a:t>（案）</a:t>
+            </a:r>
+            <a:endParaRPr kumimoji="1" lang="ja-JP" altLang="en-US" dirty="0"/>
+          </a:p>
+        </p:txBody>
+      </p:sp>
+      <p:sp>
+        <p:nvSpPr>
+          <p:cNvPr id="3" name="テキスト プレースホルダー 2"/>
+          <p:cNvSpPr>
+            <a:spLocks noGrp="1"/>
+          </p:cNvSpPr>
+          <p:nvPr>
+            <p:ph type="body" idx="1"/>
+          </p:nvPr>
+        </p:nvSpPr>
+        <p:spPr/>
+        <p:txBody>
+          <a:bodyPr anchor="t" anchorCtr="0">
+            <a:normAutofit/>
+          </a:bodyPr>
+          <a:lstStyle/>
+          <a:p>
+            <a:r>
+              <a:rPr kumimoji="1" lang="ja-JP" altLang="en-US" sz="2800" dirty="0" smtClean="0"/>
+              <a:t>準備が必要なもの</a:t>
+            </a:r>
+            <a:endParaRPr kumimoji="1" lang="en-US" altLang="ja-JP" sz="2800" dirty="0" smtClean="0"/>
+          </a:p>
+          <a:p>
+            <a:pPr lvl="1"/>
+            <a:r>
+              <a:rPr kumimoji="1" lang="ja-JP" altLang="en-US" sz="2400" dirty="0" smtClean="0"/>
+              <a:t>ＥＶ３本体　</a:t>
+            </a:r>
+            <a:r>
+              <a:rPr kumimoji="1" lang="en-US" altLang="ja-JP" sz="2400" dirty="0" smtClean="0"/>
+              <a:t>×</a:t>
+            </a:r>
+            <a:r>
+              <a:rPr kumimoji="1" lang="ja-JP" altLang="en-US" sz="2400" dirty="0" smtClean="0"/>
+              <a:t>　４　：　ＮＩＩ事務・ニイさん？が準備</a:t>
+            </a:r>
+            <a:endParaRPr kumimoji="1" lang="ja-JP" altLang="en-US" sz="2400" dirty="0"/>
+          </a:p>
+          <a:p>
+            <a:pPr lvl="1"/>
+            <a:r>
+              <a:rPr kumimoji="1" lang="ja-JP" altLang="en-US" sz="2400" dirty="0" smtClean="0"/>
+              <a:t>ＳＤカード　</a:t>
+            </a:r>
+            <a:r>
+              <a:rPr kumimoji="1" lang="en-US" altLang="ja-JP" sz="2400" dirty="0" smtClean="0"/>
+              <a:t>×</a:t>
+            </a:r>
+            <a:r>
+              <a:rPr kumimoji="1" lang="ja-JP" altLang="en-US" sz="2400" dirty="0" smtClean="0"/>
+              <a:t>　４</a:t>
+            </a:r>
+            <a:endParaRPr kumimoji="1" lang="ja-JP" altLang="en-US" sz="2400" dirty="0"/>
+          </a:p>
+          <a:p>
+            <a:pPr lvl="1"/>
+            <a:r>
+              <a:rPr kumimoji="1" lang="ja-JP" altLang="en-US" sz="2400" dirty="0" smtClean="0"/>
+              <a:t>ミニ</a:t>
+            </a:r>
+            <a:r>
+              <a:rPr kumimoji="1" lang="ja-JP" altLang="en-US" sz="2400" dirty="0"/>
+              <a:t>ＵＳＢ</a:t>
+            </a:r>
+            <a:r>
+              <a:rPr kumimoji="1" lang="ja-JP" altLang="en-US" sz="2400" dirty="0" smtClean="0"/>
+              <a:t>ケーブル　</a:t>
+            </a:r>
+            <a:r>
+              <a:rPr kumimoji="1" lang="en-US" altLang="ja-JP" sz="2400" dirty="0" smtClean="0"/>
+              <a:t>×</a:t>
+            </a:r>
+            <a:r>
+              <a:rPr kumimoji="1" lang="ja-JP" altLang="en-US" sz="2400" dirty="0" smtClean="0"/>
+              <a:t>　４</a:t>
+            </a:r>
+            <a:endParaRPr kumimoji="1" lang="ja-JP" altLang="en-US" sz="2400" dirty="0"/>
+          </a:p>
+          <a:p>
+            <a:pPr lvl="1"/>
+            <a:r>
+              <a:rPr kumimoji="1" lang="ja-JP" altLang="en-US" sz="2400" dirty="0" smtClean="0"/>
+              <a:t>Ｗｉｆｉアダプタ　</a:t>
+            </a:r>
+            <a:r>
+              <a:rPr kumimoji="1" lang="en-US" altLang="ja-JP" sz="2400" dirty="0" smtClean="0"/>
+              <a:t>×</a:t>
+            </a:r>
+            <a:r>
+              <a:rPr kumimoji="1" lang="ja-JP" altLang="en-US" sz="2400" dirty="0" smtClean="0"/>
+              <a:t>　４</a:t>
+            </a:r>
+            <a:endParaRPr kumimoji="1" lang="en-US" altLang="ja-JP" sz="2400" dirty="0" smtClean="0"/>
+          </a:p>
+          <a:p>
+            <a:pPr lvl="2"/>
+            <a:r>
+              <a:rPr kumimoji="1" lang="ja-JP" altLang="en-US" sz="2000" dirty="0"/>
+              <a:t>（対応している</a:t>
+            </a:r>
+            <a:r>
+              <a:rPr kumimoji="1" lang="en-US" altLang="ja-JP" sz="2000" dirty="0"/>
+              <a:t>Wi-Fi</a:t>
+            </a:r>
+            <a:r>
+              <a:rPr kumimoji="1" lang="ja-JP" altLang="en-US" sz="2000" dirty="0"/>
+              <a:t>ドングル</a:t>
+            </a:r>
+            <a:r>
+              <a:rPr kumimoji="1" lang="ja-JP" altLang="en-US" sz="2000" dirty="0" smtClean="0"/>
+              <a:t>）　</a:t>
+            </a:r>
+            <a:r>
+              <a:rPr kumimoji="1" lang="en-US" altLang="ja-JP" sz="2000" dirty="0" smtClean="0"/>
+              <a:t>http</a:t>
+            </a:r>
+            <a:r>
+              <a:rPr kumimoji="1" lang="en-US" altLang="ja-JP" sz="2000" dirty="0"/>
+              <a:t>://</a:t>
+            </a:r>
+            <a:r>
+              <a:rPr kumimoji="1" lang="en-US" altLang="ja-JP" sz="2000" dirty="0" err="1"/>
+              <a:t>www.afrel.co.jp</a:t>
+            </a:r>
+            <a:r>
+              <a:rPr kumimoji="1" lang="en-US" altLang="ja-JP" sz="2000" dirty="0"/>
+              <a:t>/archives/15615</a:t>
+            </a:r>
+          </a:p>
+          <a:p>
+            <a:pPr lvl="2"/>
+            <a:r>
+              <a:rPr kumimoji="1" lang="ja-JP" altLang="en-US" sz="2000" dirty="0" smtClean="0"/>
+              <a:t>（</a:t>
+            </a:r>
+            <a:r>
+              <a:rPr kumimoji="1" lang="en-US" altLang="ja-JP" sz="2000" dirty="0"/>
+              <a:t>WLI-UC-GNM</a:t>
+            </a:r>
+            <a:r>
+              <a:rPr kumimoji="1" lang="ja-JP" altLang="en-US" sz="2000" dirty="0" smtClean="0"/>
+              <a:t>）　</a:t>
+            </a:r>
+            <a:r>
+              <a:rPr kumimoji="1" lang="en-US" altLang="ja-JP" sz="2000" dirty="0" smtClean="0"/>
+              <a:t>http</a:t>
+            </a:r>
+            <a:r>
+              <a:rPr kumimoji="1" lang="en-US" altLang="ja-JP" sz="2000" dirty="0"/>
+              <a:t>://</a:t>
+            </a:r>
+            <a:r>
+              <a:rPr kumimoji="1" lang="en-US" altLang="ja-JP" sz="2000" dirty="0" err="1"/>
+              <a:t>buffalo.jp</a:t>
+            </a:r>
+            <a:r>
+              <a:rPr kumimoji="1" lang="en-US" altLang="ja-JP" sz="2000" dirty="0"/>
+              <a:t>/product/wireless-</a:t>
+            </a:r>
+            <a:r>
+              <a:rPr kumimoji="1" lang="en-US" altLang="ja-JP" sz="2000" dirty="0" err="1"/>
+              <a:t>lan</a:t>
+            </a:r>
+            <a:r>
+              <a:rPr kumimoji="1" lang="en-US" altLang="ja-JP" sz="2000" dirty="0"/>
+              <a:t>/client/</a:t>
+            </a:r>
+            <a:r>
+              <a:rPr kumimoji="1" lang="en-US" altLang="ja-JP" sz="2000" dirty="0" err="1"/>
+              <a:t>wli-uc-gnm</a:t>
+            </a:r>
+            <a:r>
+              <a:rPr kumimoji="1" lang="en-US" altLang="ja-JP" sz="2000" dirty="0" smtClean="0"/>
+              <a:t>/</a:t>
+            </a:r>
+          </a:p>
+          <a:p>
+            <a:pPr lvl="1"/>
+            <a:r>
+              <a:rPr kumimoji="1" lang="ja-JP" altLang="en-US" sz="2400" dirty="0" smtClean="0"/>
+              <a:t>ゲートウェイルータ　</a:t>
+            </a:r>
+            <a:r>
+              <a:rPr kumimoji="1" lang="en-US" altLang="ja-JP" sz="2400" dirty="0" smtClean="0"/>
+              <a:t>×</a:t>
+            </a:r>
+            <a:r>
+              <a:rPr kumimoji="1" lang="ja-JP" altLang="en-US" sz="2400" dirty="0" smtClean="0"/>
+              <a:t>　？　</a:t>
+            </a:r>
+            <a:r>
+              <a:rPr kumimoji="1" lang="ja-JP" altLang="en-US" sz="2400" dirty="0" err="1" smtClean="0"/>
+              <a:t>、</a:t>
+            </a:r>
+            <a:r>
+              <a:rPr kumimoji="1" lang="ja-JP" altLang="en-US" sz="2400" dirty="0" smtClean="0"/>
+              <a:t>　ハブ　、ＬＡＮケーブル</a:t>
+            </a:r>
+            <a:endParaRPr kumimoji="1" lang="en-US" altLang="ja-JP" sz="2400" dirty="0" smtClean="0"/>
+          </a:p>
+          <a:p>
+            <a:pPr lvl="2"/>
+            <a:r>
+              <a:rPr kumimoji="1" lang="ja-JP" altLang="en-US" sz="2400" dirty="0" smtClean="0"/>
+              <a:t>モバイルＷｉｆｉルータやスマホのテザリングでも代替可</a:t>
+            </a:r>
+            <a:endParaRPr kumimoji="1" lang="en-US" altLang="ja-JP" sz="2400" dirty="0" smtClean="0"/>
+          </a:p>
+        </p:txBody>
+      </p:sp>
+      <p:sp>
+        <p:nvSpPr>
+          <p:cNvPr id="4" name="テキスト ボックス 3"/>
+          <p:cNvSpPr txBox="1"/>
+          <p:nvPr/>
+        </p:nvSpPr>
+        <p:spPr>
+          <a:xfrm>
+            <a:off x="10274793" y="199729"/>
+            <a:ext cx="2548286" cy="644475"/>
+          </a:xfrm>
+          <a:prstGeom prst="roundRect">
+            <a:avLst/>
+          </a:prstGeom>
+          <a:solidFill>
+            <a:srgbClr val="0070C0"/>
+          </a:solidFill>
+          <a:ln w="38100" cap="flat">
+            <a:solidFill>
+              <a:schemeClr val="tx1">
+                <a:lumMod val="40000"/>
+                <a:lumOff val="60000"/>
+              </a:schemeClr>
+            </a:solidFill>
+            <a:miter lim="400000"/>
+          </a:ln>
+          <a:effectLst/>
+          <a:sp3d/>
+        </p:spPr>
+        <p:style>
+          <a:lnRef idx="0">
+            <a:scrgbClr r="0" g="0" b="0"/>
+          </a:lnRef>
+          <a:fillRef idx="0">
+            <a:scrgbClr r="0" g="0" b="0"/>
+          </a:fillRef>
+          <a:effectRef idx="0">
+            <a:scrgbClr r="0" g="0" b="0"/>
+          </a:effectRef>
+          <a:fontRef idx="none"/>
+        </p:style>
+        <p:txBody>
+          <a:bodyPr rot="0" spcFirstLastPara="1" vertOverflow="overflow" horzOverflow="overflow" vert="horz" wrap="none" lIns="50800" tIns="50800" rIns="50800" bIns="50800" numCol="1" spcCol="38100" rtlCol="0" anchor="ctr">
+            <a:noAutofit/>
+          </a:bodyPr>
+          <a:lstStyle/>
+          <a:p>
+            <a:pPr marL="0" marR="0" indent="0" algn="ctr" defTabSz="584200" rtl="0" fontAlgn="auto" latinLnBrk="0" hangingPunct="0">
+              <a:lnSpc>
+                <a:spcPct val="100000"/>
+              </a:lnSpc>
+              <a:spcBef>
+                <a:spcPts val="0"/>
+              </a:spcBef>
+              <a:spcAft>
+                <a:spcPts val="0"/>
+              </a:spcAft>
+              <a:buClrTx/>
+              <a:buSzTx/>
+              <a:buFontTx/>
+              <a:buNone/>
+              <a:tabLst/>
+            </a:pPr>
+            <a:r>
+              <a:rPr kumimoji="0" lang="ja-JP" altLang="en-US" sz="3200" b="0" i="0" u="none" strike="noStrike" cap="none" spc="0" normalizeH="0" baseline="0" dirty="0" smtClean="0">
+                <a:ln>
+                  <a:noFill/>
+                </a:ln>
+                <a:solidFill>
+                  <a:schemeClr val="accent6">
+                    <a:lumMod val="20000"/>
+                    <a:lumOff val="80000"/>
+                  </a:schemeClr>
+                </a:solidFill>
+                <a:effectLst/>
+                <a:uFillTx/>
+                <a:sym typeface="Palatino"/>
+              </a:rPr>
+              <a:t>石井追記</a:t>
+            </a:r>
+            <a:endParaRPr kumimoji="0" lang="ja-JP" altLang="en-US" sz="3200" b="0" i="0" u="none" strike="noStrike" cap="none" spc="0" normalizeH="0" baseline="0" dirty="0">
+              <a:ln>
+                <a:noFill/>
+              </a:ln>
+              <a:solidFill>
+                <a:schemeClr val="accent6">
+                  <a:lumMod val="20000"/>
+                  <a:lumOff val="80000"/>
+                </a:schemeClr>
+              </a:solidFill>
+              <a:effectLst/>
+              <a:uFillTx/>
+              <a:sym typeface="Palatino"/>
+            </a:endParaRPr>
+          </a:p>
+        </p:txBody>
+      </p:sp>
+    </p:spTree>
+    <p:extLst>
+      <p:ext uri="{BB962C8B-B14F-4D97-AF65-F5344CB8AC3E}">
+        <p14:creationId xmlns:p14="http://schemas.microsoft.com/office/powerpoint/2010/main" val="2304518134"/>
+      </p:ext>
+    </p:extLst>
+  </p:cSld>
+  <p:clrMapOvr>
+    <a:masterClrMapping/>
+  </p:clrMapOvr>
+  <p:transition spd="med"/>
+  <p:timing>
+    <p:tnLst>
+      <p:par>
+        <p:cTn id="1" dur="indefinite" restart="never" nodeType="tmRoot"/>
+      </p:par>
+    </p:tnLst>
+  </p:timing>
+</p:sld>
+</file>
+
+<file path=ppt/slides/slide11.xml><?xml version="1.0" encoding="utf-8"?>
+<p:sld xmlns:a="http://schemas.openxmlformats.org/drawingml/2006/main" xmlns:r="http://schemas.openxmlformats.org/officeDocument/2006/relationships" xmlns:p="http://schemas.openxmlformats.org/presentationml/2006/main">
+  <p:cSld>
+    <p:spTree>
+      <p:nvGrpSpPr>
+        <p:cNvPr id="1" name=""/>
+        <p:cNvGrpSpPr/>
+        <p:nvPr/>
+      </p:nvGrpSpPr>
+      <p:grpSpPr>
+        <a:xfrm>
+          <a:off x="0" y="0"/>
+          <a:ext cx="0" cy="0"/>
+          <a:chOff x="0" y="0"/>
+          <a:chExt cx="0" cy="0"/>
+        </a:xfrm>
+      </p:grpSpPr>
+      <p:sp>
+        <p:nvSpPr>
+          <p:cNvPr id="183" name="Shape 183"/>
+          <p:cNvSpPr>
+            <a:spLocks noGrp="1"/>
+          </p:cNvSpPr>
+          <p:nvPr>
+            <p:ph type="title"/>
+          </p:nvPr>
+        </p:nvSpPr>
+        <p:spPr>
+          <a:prstGeom prst="rect">
+            <a:avLst/>
+          </a:prstGeom>
+        </p:spPr>
+        <p:txBody>
+          <a:bodyPr/>
+          <a:lstStyle/>
+          <a:p>
+            <a:r>
+              <a:t>今後のスケジュール</a:t>
+            </a:r>
+          </a:p>
+        </p:txBody>
+      </p:sp>
+      <p:sp>
+        <p:nvSpPr>
+          <p:cNvPr id="184" name="Shape 184"/>
+          <p:cNvSpPr>
+            <a:spLocks noGrp="1"/>
+          </p:cNvSpPr>
+          <p:nvPr>
+            <p:ph type="body" idx="1"/>
+          </p:nvPr>
+        </p:nvSpPr>
+        <p:spPr>
+          <a:prstGeom prst="rect">
+            <a:avLst/>
+          </a:prstGeom>
+        </p:spPr>
+        <p:txBody>
+          <a:bodyPr/>
+          <a:lstStyle/>
+          <a:p>
+            <a:endParaRPr/>
+          </a:p>
+        </p:txBody>
+      </p:sp>
+    </p:spTree>
+  </p:cSld>
+  <p:clrMapOvr>
+    <a:masterClrMapping/>
+  </p:clrMapOvr>
+  <p:transition spd="slow"/>
+  <p:timing>
+    <p:tnLst>
+      <p:par>
+        <p:cTn id="1" dur="indefinite" restart="never" nodeType="tmRoot"/>
+      </p:par>
+    </p:tnLst>
+  </p:timing>
+</p:sld>
+</file>
+
+<file path=ppt/slides/slide12.xml><?xml version="1.0" encoding="utf-8"?>
+<p:sld xmlns:a="http://schemas.openxmlformats.org/drawingml/2006/main" xmlns:r="http://schemas.openxmlformats.org/officeDocument/2006/relationships" xmlns:p="http://schemas.openxmlformats.org/presentationml/2006/main">
+  <p:cSld>
+    <p:spTree>
+      <p:nvGrpSpPr>
+        <p:cNvPr id="1" name=""/>
+        <p:cNvGrpSpPr/>
+        <p:nvPr/>
+      </p:nvGrpSpPr>
+      <p:grpSpPr>
+        <a:xfrm>
+          <a:off x="0" y="0"/>
+          <a:ext cx="0" cy="0"/>
+          <a:chOff x="0" y="0"/>
+          <a:chExt cx="0" cy="0"/>
+        </a:xfrm>
+      </p:grpSpPr>
+      <p:sp>
+        <p:nvSpPr>
+          <p:cNvPr id="186" name="Shape 186"/>
+          <p:cNvSpPr>
+            <a:spLocks noGrp="1"/>
+          </p:cNvSpPr>
+          <p:nvPr>
+            <p:ph type="title"/>
+          </p:nvPr>
+        </p:nvSpPr>
+        <p:spPr>
+          <a:prstGeom prst="rect">
+            <a:avLst/>
+          </a:prstGeom>
+        </p:spPr>
+        <p:txBody>
+          <a:bodyPr/>
+          <a:lstStyle/>
+          <a:p>
+            <a:r>
+              <a:t>依頼事項</a:t>
+            </a:r>
+          </a:p>
+        </p:txBody>
+      </p:sp>
+      <p:sp>
+        <p:nvSpPr>
+          <p:cNvPr id="187" name="Shape 187"/>
+          <p:cNvSpPr>
+            <a:spLocks noGrp="1"/>
+          </p:cNvSpPr>
+          <p:nvPr>
+            <p:ph type="body" idx="1"/>
+          </p:nvPr>
+        </p:nvSpPr>
+        <p:spPr>
+          <a:prstGeom prst="rect">
+            <a:avLst/>
+          </a:prstGeom>
+        </p:spPr>
+        <p:txBody>
+          <a:bodyPr/>
+          <a:lstStyle/>
+          <a:p>
+            <a:endParaRPr/>
+          </a:p>
+        </p:txBody>
+      </p:sp>
+    </p:spTree>
+  </p:cSld>
+  <p:clrMapOvr>
+    <a:masterClrMapping/>
+  </p:clrMapOvr>
+  <p:transition spd="slow"/>
+  <p:timing>
+    <p:tnLst>
+      <p:par>
+        <p:cTn id="1" dur="indefinite" restart="never" nodeType="tmRoot"/>
+      </p:par>
+    </p:tnLst>
+  </p:timing>
+</p:sld>
+</file>
+
+<file path=ppt/slides/slide13.xml><?xml version="1.0" encoding="utf-8"?>
+<p:sld xmlns:a="http://schemas.openxmlformats.org/drawingml/2006/main" xmlns:r="http://schemas.openxmlformats.org/officeDocument/2006/relationships" xmlns:p="http://schemas.openxmlformats.org/presentationml/2006/main">
+  <p:cSld>
+    <p:spTree>
+      <p:nvGrpSpPr>
+        <p:cNvPr id="1" name=""/>
+        <p:cNvGrpSpPr/>
+        <p:nvPr/>
+      </p:nvGrpSpPr>
+      <p:grpSpPr>
+        <a:xfrm>
+          <a:off x="0" y="0"/>
+          <a:ext cx="0" cy="0"/>
+          <a:chOff x="0" y="0"/>
+          <a:chExt cx="0" cy="0"/>
+        </a:xfrm>
+      </p:grpSpPr>
+      <p:sp>
+        <p:nvSpPr>
+          <p:cNvPr id="189" name="Shape 189"/>
+          <p:cNvSpPr>
+            <a:spLocks noGrp="1"/>
+          </p:cNvSpPr>
+          <p:nvPr>
+            <p:ph type="title"/>
+          </p:nvPr>
+        </p:nvSpPr>
+        <p:spPr>
+          <a:prstGeom prst="rect">
+            <a:avLst/>
+          </a:prstGeom>
+        </p:spPr>
+        <p:txBody>
+          <a:bodyPr/>
+          <a:lstStyle/>
+          <a:p>
+            <a:r>
+              <a:t>リソース</a:t>
+            </a:r>
+          </a:p>
+        </p:txBody>
+      </p:sp>
+      <p:sp>
+        <p:nvSpPr>
+          <p:cNvPr id="190" name="Shape 190"/>
+          <p:cNvSpPr>
+            <a:spLocks noGrp="1"/>
+          </p:cNvSpPr>
+          <p:nvPr>
+            <p:ph type="body" idx="1"/>
+          </p:nvPr>
+        </p:nvSpPr>
+        <p:spPr>
+          <a:prstGeom prst="rect">
+            <a:avLst/>
+          </a:prstGeom>
+        </p:spPr>
+        <p:txBody>
+          <a:bodyPr/>
+          <a:lstStyle/>
+          <a:p>
+            <a:endParaRPr/>
+          </a:p>
+        </p:txBody>
+      </p:sp>
+    </p:spTree>
+  </p:cSld>
+  <p:clrMapOvr>
+    <a:masterClrMapping/>
+  </p:clrMapOvr>
+  <p:transition spd="slow"/>
 </p:sld>
 </file>
 
 <file path=ppt/slides/slide2.xml><?xml version="1.0" encoding="utf-8"?>
-<p:sld xmlns:a="http://schemas.openxmlformats.org/drawingml/2006/main" xmlns:r="http://schemas.openxmlformats.org/officeDocument/2006/relationships" xmlns:p="http://schemas.openxmlformats.org/presentationml/2006/main" showMasterSp="1" showMasterPhAnim="1">
+<p:sld xmlns:a="http://schemas.openxmlformats.org/drawingml/2006/main" xmlns:r="http://schemas.openxmlformats.org/officeDocument/2006/relationships" xmlns:p="http://schemas.openxmlformats.org/presentationml/2006/main">
   <p:cSld>
     <p:spTree>
       <p:nvGrpSpPr>
@@ -3770,7 +4510,9 @@
       <p:sp>
         <p:nvSpPr>
           <p:cNvPr id="137" name="Shape 137"/>
-          <p:cNvSpPr/>
+          <p:cNvSpPr>
+            <a:spLocks noGrp="1"/>
+          </p:cNvSpPr>
           <p:nvPr>
             <p:ph type="title"/>
           </p:nvPr>
@@ -3784,7 +4526,6 @@
           <a:bodyPr/>
           <a:lstStyle/>
           <a:p>
-            <a:pPr/>
             <a:r>
               <a:t>もくじ</a:t>
             </a:r>
@@ -3794,7 +4535,9 @@
       <p:sp>
         <p:nvSpPr>
           <p:cNvPr id="138" name="Shape 138"/>
-          <p:cNvSpPr/>
+          <p:cNvSpPr>
+            <a:spLocks noGrp="1"/>
+          </p:cNvSpPr>
           <p:nvPr>
             <p:ph type="body" idx="1"/>
           </p:nvPr>
@@ -3891,12 +4634,12 @@
   <p:clrMapOvr>
     <a:masterClrMapping/>
   </p:clrMapOvr>
-  <p:transition xmlns:p14="http://schemas.microsoft.com/office/powerpoint/2010/main" spd="med" advClick="1" p14:dur="1000"/>
+  <p:transition spd="slow"/>
 </p:sld>
 </file>
 
 <file path=ppt/slides/slide3.xml><?xml version="1.0" encoding="utf-8"?>
-<p:sld xmlns:a="http://schemas.openxmlformats.org/drawingml/2006/main" xmlns:r="http://schemas.openxmlformats.org/officeDocument/2006/relationships" xmlns:p="http://schemas.openxmlformats.org/presentationml/2006/main" showMasterSp="1" showMasterPhAnim="1">
+<p:sld xmlns:a="http://schemas.openxmlformats.org/drawingml/2006/main" xmlns:r="http://schemas.openxmlformats.org/officeDocument/2006/relationships" xmlns:p="http://schemas.openxmlformats.org/presentationml/2006/main">
   <p:cSld>
     <p:spTree>
       <p:nvGrpSpPr>
@@ -3915,7 +4658,9 @@
       <p:sp>
         <p:nvSpPr>
           <p:cNvPr id="140" name="Shape 140"/>
-          <p:cNvSpPr/>
+          <p:cNvSpPr>
+            <a:spLocks noGrp="1"/>
+          </p:cNvSpPr>
           <p:nvPr>
             <p:ph type="title"/>
           </p:nvPr>
@@ -3929,7 +4674,6 @@
           <a:bodyPr/>
           <a:lstStyle/>
           <a:p>
-            <a:pPr/>
             <a:r>
               <a:t>演習更新の目的</a:t>
             </a:r>
@@ -3939,7 +4683,9 @@
       <p:sp>
         <p:nvSpPr>
           <p:cNvPr id="141" name="Shape 141"/>
-          <p:cNvSpPr/>
+          <p:cNvSpPr>
+            <a:spLocks noGrp="1"/>
+          </p:cNvSpPr>
           <p:nvPr>
             <p:ph type="body" idx="1"/>
           </p:nvPr>
@@ -3964,7 +4710,7 @@
             </a:r>
           </a:p>
           <a:p>
-            <a:pPr lvl="1" marL="704850" indent="-352425" defTabSz="438150">
+            <a:pPr marL="704850" lvl="1" indent="-352425" defTabSz="438150">
               <a:spcBef>
                 <a:spcPts val="1800"/>
               </a:spcBef>
@@ -3975,7 +4721,7 @@
             </a:r>
           </a:p>
           <a:p>
-            <a:pPr lvl="1" marL="704850" indent="-352425" defTabSz="438150">
+            <a:pPr marL="704850" lvl="1" indent="-352425" defTabSz="438150">
               <a:spcBef>
                 <a:spcPts val="1800"/>
               </a:spcBef>
@@ -3997,7 +4743,7 @@
             </a:r>
           </a:p>
           <a:p>
-            <a:pPr lvl="1" marL="704850" indent="-352425" defTabSz="438150">
+            <a:pPr marL="704850" lvl="1" indent="-352425" defTabSz="438150">
               <a:spcBef>
                 <a:spcPts val="1800"/>
               </a:spcBef>
@@ -4008,7 +4754,7 @@
             </a:r>
           </a:p>
           <a:p>
-            <a:pPr lvl="1" marL="704850" indent="-352425" defTabSz="438150">
+            <a:pPr marL="704850" lvl="1" indent="-352425" defTabSz="438150">
               <a:spcBef>
                 <a:spcPts val="1800"/>
               </a:spcBef>
@@ -4025,12 +4771,12 @@
   <p:clrMapOvr>
     <a:masterClrMapping/>
   </p:clrMapOvr>
-  <p:transition xmlns:p14="http://schemas.microsoft.com/office/powerpoint/2010/main" spd="med" advClick="1" p14:dur="1000"/>
+  <p:transition spd="slow"/>
 </p:sld>
 </file>
 
 <file path=ppt/slides/slide4.xml><?xml version="1.0" encoding="utf-8"?>
-<p:sld xmlns:a="http://schemas.openxmlformats.org/drawingml/2006/main" xmlns:r="http://schemas.openxmlformats.org/officeDocument/2006/relationships" xmlns:p="http://schemas.openxmlformats.org/presentationml/2006/main" showMasterSp="1" showMasterPhAnim="1">
+<p:sld xmlns:a="http://schemas.openxmlformats.org/drawingml/2006/main" xmlns:r="http://schemas.openxmlformats.org/officeDocument/2006/relationships" xmlns:p="http://schemas.openxmlformats.org/presentationml/2006/main">
   <p:cSld>
     <p:spTree>
       <p:nvGrpSpPr>
@@ -4049,7 +4795,9 @@
       <p:sp>
         <p:nvSpPr>
           <p:cNvPr id="143" name="Shape 143"/>
-          <p:cNvSpPr/>
+          <p:cNvSpPr>
+            <a:spLocks noGrp="1"/>
+          </p:cNvSpPr>
           <p:nvPr>
             <p:ph type="title"/>
           </p:nvPr>
@@ -4063,7 +4811,6 @@
           <a:bodyPr/>
           <a:lstStyle/>
           <a:p>
-            <a:pPr/>
             <a:r>
               <a:t>演習の制約事項</a:t>
             </a:r>
@@ -4073,7 +4820,9 @@
       <p:sp>
         <p:nvSpPr>
           <p:cNvPr id="144" name="Shape 144"/>
-          <p:cNvSpPr/>
+          <p:cNvSpPr>
+            <a:spLocks noGrp="1"/>
+          </p:cNvSpPr>
           <p:nvPr>
             <p:ph type="body" idx="1"/>
           </p:nvPr>
@@ -4094,41 +4843,47 @@
               <a:defRPr sz="2916"/>
             </a:pPr>
             <a:r>
+              <a:rPr dirty="0"/>
               <a:t>Mandatory</a:t>
             </a:r>
           </a:p>
           <a:p>
-            <a:pPr lvl="1" marL="761237" indent="-380618" defTabSz="473201">
+            <a:pPr marL="761237" lvl="1" indent="-380618" defTabSz="473201">
               <a:spcBef>
                 <a:spcPts val="1900"/>
               </a:spcBef>
               <a:defRPr sz="2916"/>
             </a:pPr>
             <a:r>
+              <a:rPr dirty="0"/>
               <a:t>演習はEV3の特徴を出して、目に見えて動きがあるロボットを作成するものとする</a:t>
             </a:r>
           </a:p>
           <a:p>
-            <a:pPr lvl="1" marL="761237" indent="-380618" defTabSz="473201">
+            <a:pPr marL="761237" lvl="1" indent="-380618" defTabSz="473201">
               <a:spcBef>
                 <a:spcPts val="1900"/>
               </a:spcBef>
               <a:defRPr sz="2916"/>
             </a:pPr>
             <a:r>
+              <a:rPr dirty="0" err="1"/>
               <a:t>演習はSpinによるモデル検査演習に利用できる</a:t>
             </a:r>
-          </a:p>
-          <a:p>
-            <a:pPr lvl="1" marL="761237" indent="-380618" defTabSz="473201">
+            <a:endParaRPr dirty="0"/>
+          </a:p>
+          <a:p>
+            <a:pPr marL="761237" lvl="1" indent="-380618" defTabSz="473201">
               <a:spcBef>
                 <a:spcPts val="1900"/>
               </a:spcBef>
               <a:defRPr sz="2916"/>
             </a:pPr>
             <a:r>
+              <a:rPr dirty="0" err="1"/>
               <a:t>演習はUppaalによるモデル検査演習に利用できる</a:t>
             </a:r>
+            <a:endParaRPr dirty="0"/>
           </a:p>
           <a:p>
             <a:pPr marL="380618" indent="-380618" defTabSz="473201">
@@ -4138,30 +4893,35 @@
               <a:defRPr sz="2916"/>
             </a:pPr>
             <a:r>
+              <a:rPr dirty="0"/>
               <a:t>Option</a:t>
             </a:r>
           </a:p>
           <a:p>
-            <a:pPr lvl="1" marL="761237" indent="-380618" defTabSz="473201">
+            <a:pPr marL="761237" lvl="1" indent="-380618" defTabSz="473201">
               <a:spcBef>
                 <a:spcPts val="1900"/>
               </a:spcBef>
               <a:defRPr sz="2916"/>
             </a:pPr>
             <a:r>
+              <a:rPr dirty="0" err="1"/>
               <a:t>サーバとの通信を利用したアプリケーションとする</a:t>
             </a:r>
-          </a:p>
-          <a:p>
-            <a:pPr lvl="1" marL="761237" indent="-380618" defTabSz="473201">
+            <a:endParaRPr dirty="0"/>
+          </a:p>
+          <a:p>
+            <a:pPr marL="761237" lvl="1" indent="-380618" defTabSz="473201">
               <a:spcBef>
                 <a:spcPts val="1900"/>
               </a:spcBef>
               <a:defRPr sz="2916"/>
             </a:pPr>
             <a:r>
+              <a:rPr dirty="0" err="1"/>
               <a:t>サーバ側プログラムが機会学習する</a:t>
             </a:r>
+            <a:endParaRPr dirty="0"/>
           </a:p>
         </p:txBody>
       </p:sp>
@@ -4170,12 +4930,19 @@
   <p:clrMapOvr>
     <a:masterClrMapping/>
   </p:clrMapOvr>
-  <p:transition xmlns:p14="http://schemas.microsoft.com/office/powerpoint/2010/main" spd="med" advClick="1" p14:dur="1000"/>
+  <p:transition spd="slow"/>
+  <p:timing>
+    <p:tnLst>
+      <p:par>
+        <p:cTn id="1" dur="indefinite" restart="never" nodeType="tmRoot"/>
+      </p:par>
+    </p:tnLst>
+  </p:timing>
 </p:sld>
 </file>
 
 <file path=ppt/slides/slide5.xml><?xml version="1.0" encoding="utf-8"?>
-<p:sld xmlns:a="http://schemas.openxmlformats.org/drawingml/2006/main" xmlns:r="http://schemas.openxmlformats.org/officeDocument/2006/relationships" xmlns:p="http://schemas.openxmlformats.org/presentationml/2006/main" showMasterSp="1" showMasterPhAnim="1">
+<p:sld xmlns:a="http://schemas.openxmlformats.org/drawingml/2006/main" xmlns:r="http://schemas.openxmlformats.org/officeDocument/2006/relationships" xmlns:p="http://schemas.openxmlformats.org/presentationml/2006/main">
   <p:cSld>
     <p:spTree>
       <p:nvGrpSpPr>
@@ -4194,7 +4961,9 @@
       <p:sp>
         <p:nvSpPr>
           <p:cNvPr id="146" name="Shape 146"/>
-          <p:cNvSpPr/>
+          <p:cNvSpPr>
+            <a:spLocks noGrp="1"/>
+          </p:cNvSpPr>
           <p:nvPr>
             <p:ph type="title"/>
           </p:nvPr>
@@ -4208,7 +4977,6 @@
           <a:bodyPr/>
           <a:lstStyle/>
           <a:p>
-            <a:pPr/>
             <a:r>
               <a:t>演習環境（案）</a:t>
             </a:r>
@@ -4261,6 +5029,7 @@
               <a:pPr>
                 <a:defRPr sz="3200"/>
               </a:pPr>
+              <a:endParaRPr/>
             </a:p>
           </p:txBody>
         </p:sp>
@@ -4296,6 +5065,7 @@
               <a:pPr>
                 <a:defRPr sz="3200"/>
               </a:pPr>
+              <a:endParaRPr/>
             </a:p>
           </p:txBody>
         </p:sp>
@@ -4331,6 +5101,7 @@
               <a:pPr>
                 <a:defRPr sz="3200"/>
               </a:pPr>
+              <a:endParaRPr/>
             </a:p>
           </p:txBody>
         </p:sp>
@@ -4366,6 +5137,7 @@
               <a:pPr>
                 <a:defRPr sz="3200"/>
               </a:pPr>
+              <a:endParaRPr/>
             </a:p>
           </p:txBody>
         </p:sp>
@@ -4401,6 +5173,7 @@
               <a:pPr>
                 <a:defRPr sz="3200"/>
               </a:pPr>
+              <a:endParaRPr/>
             </a:p>
           </p:txBody>
         </p:sp>
@@ -4436,6 +5209,7 @@
               <a:pPr>
                 <a:defRPr sz="3200"/>
               </a:pPr>
+              <a:endParaRPr/>
             </a:p>
           </p:txBody>
         </p:sp>
@@ -4471,6 +5245,7 @@
               <a:pPr>
                 <a:defRPr sz="3200"/>
               </a:pPr>
+              <a:endParaRPr/>
             </a:p>
           </p:txBody>
         </p:sp>
@@ -4506,6 +5281,7 @@
               <a:pPr>
                 <a:defRPr sz="3200"/>
               </a:pPr>
+              <a:endParaRPr/>
             </a:p>
           </p:txBody>
         </p:sp>
@@ -4541,6 +5317,7 @@
               <a:pPr>
                 <a:defRPr sz="3200"/>
               </a:pPr>
+              <a:endParaRPr/>
             </a:p>
           </p:txBody>
         </p:sp>
@@ -4576,7 +5353,7 @@
             </a:cxnLst>
             <a:rect l="0" t="0" r="r" b="b"/>
             <a:pathLst>
-              <a:path w="21280" h="20573" fill="norm" stroke="1" extrusionOk="0">
+              <a:path w="21280" h="20573" extrusionOk="0">
                 <a:moveTo>
                   <a:pt x="20799" y="3980"/>
                 </a:moveTo>
@@ -4643,6 +5420,7 @@
             <a:pPr>
               <a:defRPr sz="3200"/>
             </a:pPr>
+            <a:endParaRPr/>
           </a:p>
         </p:txBody>
       </p:sp>
@@ -4692,6 +5470,7 @@
               <a:pPr>
                 <a:defRPr sz="3200"/>
               </a:pPr>
+              <a:endParaRPr/>
             </a:p>
           </p:txBody>
         </p:sp>
@@ -4727,6 +5506,7 @@
               <a:pPr>
                 <a:defRPr sz="3200"/>
               </a:pPr>
+              <a:endParaRPr/>
             </a:p>
           </p:txBody>
         </p:sp>
@@ -4762,6 +5542,7 @@
               <a:pPr>
                 <a:defRPr sz="3200"/>
               </a:pPr>
+              <a:endParaRPr/>
             </a:p>
           </p:txBody>
         </p:sp>
@@ -4772,7 +5553,7 @@
             <p:nvPr/>
           </p:nvSpPr>
           <p:spPr>
-            <a:xfrm flipH="1" rot="1200000">
+            <a:xfrm rot="1200000" flipH="1">
               <a:off x="532623" y="2226276"/>
               <a:ext cx="499722" cy="883805"/>
             </a:xfrm>
@@ -4797,6 +5578,7 @@
               <a:pPr>
                 <a:defRPr sz="3200"/>
               </a:pPr>
+              <a:endParaRPr/>
             </a:p>
           </p:txBody>
         </p:sp>
@@ -4807,7 +5589,7 @@
             <p:nvPr/>
           </p:nvSpPr>
           <p:spPr>
-            <a:xfrm flipH="1" rot="1200000">
+            <a:xfrm rot="1200000" flipH="1">
               <a:off x="183819" y="1114926"/>
               <a:ext cx="297232" cy="1127317"/>
             </a:xfrm>
@@ -4835,6 +5617,7 @@
               <a:pPr>
                 <a:defRPr sz="3200"/>
               </a:pPr>
+              <a:endParaRPr/>
             </a:p>
           </p:txBody>
         </p:sp>
@@ -4845,7 +5628,7 @@
             <p:nvPr/>
           </p:nvSpPr>
           <p:spPr>
-            <a:xfrm flipH="1" rot="20530052">
+            <a:xfrm rot="20530052" flipH="1">
               <a:off x="1868686" y="1119807"/>
               <a:ext cx="297232" cy="1127317"/>
             </a:xfrm>
@@ -4873,6 +5656,7 @@
               <a:pPr>
                 <a:defRPr sz="3200"/>
               </a:pPr>
+              <a:endParaRPr/>
             </a:p>
           </p:txBody>
         </p:sp>
@@ -4922,7 +5706,7 @@
               </a:cxnLst>
               <a:rect l="0" t="0" r="r" b="b"/>
               <a:pathLst>
-                <a:path w="21600" h="21600" fill="norm" stroke="1" extrusionOk="0">
+                <a:path w="21600" h="21600" extrusionOk="0">
                   <a:moveTo>
                     <a:pt x="10800" y="0"/>
                   </a:moveTo>
@@ -4961,12 +5745,13 @@
                     <a:srgbClr val="FFFFFF"/>
                   </a:solidFill>
                   <a:effectLst>
-                    <a:outerShdw sx="100000" sy="100000" kx="0" ky="0" algn="b" rotWithShape="0" blurRad="25400" dist="33948" dir="2700000">
+                    <a:outerShdw blurRad="25400" dist="33948" dir="2700000" rotWithShape="0">
                       <a:srgbClr val="3B3936"/>
                     </a:outerShdw>
                   </a:effectLst>
                 </a:defRPr>
               </a:pPr>
+              <a:endParaRPr/>
             </a:p>
           </p:txBody>
         </p:sp>
@@ -5001,7 +5786,7 @@
               </a:cxnLst>
               <a:rect l="0" t="0" r="r" b="b"/>
               <a:pathLst>
-                <a:path w="21600" h="21600" fill="norm" stroke="1" extrusionOk="0">
+                <a:path w="21600" h="21600" extrusionOk="0">
                   <a:moveTo>
                     <a:pt x="10800" y="21600"/>
                   </a:moveTo>
@@ -5040,12 +5825,13 @@
                     <a:srgbClr val="FFFFFF"/>
                   </a:solidFill>
                   <a:effectLst>
-                    <a:outerShdw sx="100000" sy="100000" kx="0" ky="0" algn="b" rotWithShape="0" blurRad="25400" dist="33948" dir="2700000">
+                    <a:outerShdw blurRad="25400" dist="33948" dir="2700000" rotWithShape="0">
                       <a:srgbClr val="3B3936"/>
                     </a:outerShdw>
                   </a:effectLst>
                 </a:defRPr>
               </a:pPr>
+              <a:endParaRPr/>
             </a:p>
           </p:txBody>
         </p:sp>
@@ -5080,7 +5866,7 @@
               </a:cxnLst>
               <a:rect l="0" t="0" r="r" b="b"/>
               <a:pathLst>
-                <a:path w="21600" h="21600" fill="norm" stroke="1" extrusionOk="0">
+                <a:path w="21600" h="21600" extrusionOk="0">
                   <a:moveTo>
                     <a:pt x="10800" y="0"/>
                   </a:moveTo>
@@ -5119,12 +5905,13 @@
                     <a:srgbClr val="FFFFFF"/>
                   </a:solidFill>
                   <a:effectLst>
-                    <a:outerShdw sx="100000" sy="100000" kx="0" ky="0" algn="b" rotWithShape="0" blurRad="25400" dist="33948" dir="2700000">
+                    <a:outerShdw blurRad="25400" dist="33948" dir="2700000" rotWithShape="0">
                       <a:srgbClr val="3B3936"/>
                     </a:outerShdw>
                   </a:effectLst>
                 </a:defRPr>
               </a:pPr>
+              <a:endParaRPr/>
             </a:p>
           </p:txBody>
         </p:sp>
@@ -5159,7 +5946,7 @@
               </a:cxnLst>
               <a:rect l="0" t="0" r="r" b="b"/>
               <a:pathLst>
-                <a:path w="21600" h="21600" fill="norm" stroke="1" extrusionOk="0">
+                <a:path w="21600" h="21600" extrusionOk="0">
                   <a:moveTo>
                     <a:pt x="10800" y="21600"/>
                   </a:moveTo>
@@ -5193,17 +5980,18 @@
             <a:lstStyle/>
             <a:p>
               <a:pPr>
-                <a:defRPr b="1" sz="3200">
+                <a:defRPr sz="3200" b="1">
                   <a:solidFill>
                     <a:srgbClr val="FFFFFF"/>
                   </a:solidFill>
                   <a:effectLst>
-                    <a:outerShdw sx="100000" sy="100000" kx="0" ky="0" algn="b" rotWithShape="0" blurRad="25400" dist="33948" dir="2700000">
+                    <a:outerShdw blurRad="25400" dist="33948" dir="2700000" rotWithShape="0">
                       <a:srgbClr val="3B3936"/>
                     </a:outerShdw>
                   </a:effectLst>
                 </a:defRPr>
               </a:pPr>
+              <a:endParaRPr/>
             </a:p>
           </p:txBody>
         </p:sp>
@@ -5227,7 +6015,7 @@
           </a:ln>
           <a:extLst>
             <a:ext uri="{C572A759-6A51-4108-AA02-DFA0A04FC94B}">
-              <ma14:wrappingTextBoxFlag xmlns:ma14="http://schemas.microsoft.com/office/mac/drawingml/2011/main" val="1"/>
+              <ma14:wrappingTextBoxFlag xmlns="" xmlns:ma14="http://schemas.microsoft.com/office/mac/drawingml/2011/main" val="1"/>
             </a:ext>
           </a:extLst>
         </p:spPr>
@@ -5237,7 +6025,6 @@
           </a:bodyPr>
           <a:lstStyle/>
           <a:p>
-            <a:pPr/>
             <a:r>
               <a:t>ライントレースロボット</a:t>
             </a:r>
@@ -5263,7 +6050,7 @@
           </a:ln>
           <a:extLst>
             <a:ext uri="{C572A759-6A51-4108-AA02-DFA0A04FC94B}">
-              <ma14:wrappingTextBoxFlag xmlns:ma14="http://schemas.microsoft.com/office/mac/drawingml/2011/main" val="1"/>
+              <ma14:wrappingTextBoxFlag xmlns="" xmlns:ma14="http://schemas.microsoft.com/office/mac/drawingml/2011/main" val="1"/>
             </a:ext>
           </a:extLst>
         </p:spPr>
@@ -5277,7 +6064,6 @@
             </a:lvl1pPr>
           </a:lstStyle>
           <a:p>
-            <a:pPr/>
             <a:r>
               <a:t>クラウド環境</a:t>
             </a:r>
@@ -5303,7 +6089,7 @@
           </a:ln>
           <a:extLst>
             <a:ext uri="{C572A759-6A51-4108-AA02-DFA0A04FC94B}">
-              <ma14:wrappingTextBoxFlag xmlns:ma14="http://schemas.microsoft.com/office/mac/drawingml/2011/main" val="1"/>
+              <ma14:wrappingTextBoxFlag xmlns="" xmlns:ma14="http://schemas.microsoft.com/office/mac/drawingml/2011/main" val="1"/>
             </a:ext>
           </a:extLst>
         </p:spPr>
@@ -5349,7 +6135,7 @@
           </a:ln>
           <a:extLst>
             <a:ext uri="{C572A759-6A51-4108-AA02-DFA0A04FC94B}">
-              <ma14:wrappingTextBoxFlag xmlns:ma14="http://schemas.microsoft.com/office/mac/drawingml/2011/main" val="1"/>
+              <ma14:wrappingTextBoxFlag xmlns="" xmlns:ma14="http://schemas.microsoft.com/office/mac/drawingml/2011/main" val="1"/>
             </a:ext>
           </a:extLst>
         </p:spPr>
@@ -5365,8 +6151,10 @@
               <a:defRPr sz="1800"/>
             </a:pPr>
             <a:r>
+              <a:rPr dirty="0" err="1"/>
               <a:t>クラウド環境にセンサーのデータを送信可能</a:t>
             </a:r>
+            <a:endParaRPr dirty="0"/>
           </a:p>
           <a:p>
             <a:pPr marL="313266" indent="-313266" algn="l">
@@ -5375,8 +6163,10 @@
               <a:defRPr sz="1800"/>
             </a:pPr>
             <a:r>
+              <a:rPr dirty="0" err="1"/>
               <a:t>クラウド環境からロボットの操作が可能</a:t>
             </a:r>
+            <a:endParaRPr dirty="0"/>
           </a:p>
         </p:txBody>
       </p:sp>
@@ -5399,7 +6189,7 @@
           </a:ln>
           <a:extLst>
             <a:ext uri="{C572A759-6A51-4108-AA02-DFA0A04FC94B}">
-              <ma14:wrappingTextBoxFlag xmlns:ma14="http://schemas.microsoft.com/office/mac/drawingml/2011/main" val="1"/>
+              <ma14:wrappingTextBoxFlag xmlns="" xmlns:ma14="http://schemas.microsoft.com/office/mac/drawingml/2011/main" val="1"/>
             </a:ext>
           </a:extLst>
         </p:spPr>
@@ -5413,9 +6203,13 @@
             </a:lvl1pPr>
           </a:lstStyle>
           <a:p>
-            <a:pPr/>
-            <a:r>
-              <a:t>クラウド環境で機会学習によるパラメータの最適化とかができると機会学習勉強会の話と噛み合って嬉しいかも〜〜</a:t>
+            <a:r>
+              <a:rPr dirty="0" err="1"/>
+              <a:t>クラウド環境で機会学習によるパラメータの最適化とかができると機会学習勉強会の話と噛み合って嬉しいかも</a:t>
+            </a:r>
+            <a:r>
+              <a:rPr dirty="0"/>
+              <a:t>〜〜</a:t>
             </a:r>
           </a:p>
         </p:txBody>
@@ -5425,12 +6219,19 @@
   <p:clrMapOvr>
     <a:masterClrMapping/>
   </p:clrMapOvr>
-  <p:transition xmlns:p14="http://schemas.microsoft.com/office/powerpoint/2010/main" spd="med" advClick="1" p14:dur="1000"/>
+  <p:transition spd="slow"/>
+  <p:timing>
+    <p:tnLst>
+      <p:par>
+        <p:cTn id="1" dur="indefinite" restart="never" nodeType="tmRoot"/>
+      </p:par>
+    </p:tnLst>
+  </p:timing>
 </p:sld>
 </file>
 
 <file path=ppt/slides/slide6.xml><?xml version="1.0" encoding="utf-8"?>
-<p:sld xmlns:a="http://schemas.openxmlformats.org/drawingml/2006/main" xmlns:r="http://schemas.openxmlformats.org/officeDocument/2006/relationships" xmlns:p="http://schemas.openxmlformats.org/presentationml/2006/main" showMasterSp="1" showMasterPhAnim="1">
+<p:sld xmlns:a="http://schemas.openxmlformats.org/drawingml/2006/main" xmlns:r="http://schemas.openxmlformats.org/officeDocument/2006/relationships" xmlns:p="http://schemas.openxmlformats.org/presentationml/2006/main">
   <p:cSld>
     <p:spTree>
       <p:nvGrpSpPr>
@@ -5449,7 +6250,9 @@
       <p:sp>
         <p:nvSpPr>
           <p:cNvPr id="176" name="Shape 176"/>
-          <p:cNvSpPr/>
+          <p:cNvSpPr>
+            <a:spLocks noGrp="1"/>
+          </p:cNvSpPr>
           <p:nvPr>
             <p:ph type="title"/>
           </p:nvPr>
@@ -5463,7 +6266,6 @@
           <a:bodyPr/>
           <a:lstStyle/>
           <a:p>
-            <a:pPr/>
             <a:r>
               <a:t>必要な作業</a:t>
             </a:r>
@@ -5473,7 +6275,9 @@
       <p:sp>
         <p:nvSpPr>
           <p:cNvPr id="177" name="Shape 177"/>
-          <p:cNvSpPr/>
+          <p:cNvSpPr>
+            <a:spLocks noGrp="1"/>
+          </p:cNvSpPr>
           <p:nvPr>
             <p:ph type="body" idx="1"/>
           </p:nvPr>
@@ -5494,29 +6298,56 @@
               <a:defRPr sz="2700"/>
             </a:pPr>
             <a:r>
-              <a:t>LEGO Mindstorm EV3のロボット作り</a:t>
-            </a:r>
-          </a:p>
-          <a:p>
-            <a:pPr lvl="1" marL="704850" indent="-352425" defTabSz="438150">
+              <a:rPr dirty="0"/>
+              <a:t>LEGO </a:t>
+            </a:r>
+            <a:r>
+              <a:rPr dirty="0" err="1"/>
+              <a:t>Mindstorm</a:t>
+            </a:r>
+            <a:r>
+              <a:rPr dirty="0"/>
+              <a:t> EV3のロボット作り</a:t>
+            </a:r>
+          </a:p>
+          <a:p>
+            <a:pPr marL="704850" lvl="1" indent="-352425" defTabSz="438150">
               <a:spcBef>
                 <a:spcPts val="1800"/>
               </a:spcBef>
               <a:defRPr sz="2700"/>
             </a:pPr>
             <a:r>
-              <a:t>LEGO Mindstorm EV3の開発環境作成マニュアル作成</a:t>
-            </a:r>
-          </a:p>
-          <a:p>
-            <a:pPr lvl="1" marL="704850" indent="-352425" defTabSz="438150">
+              <a:rPr dirty="0"/>
+              <a:t>LEGO </a:t>
+            </a:r>
+            <a:r>
+              <a:rPr dirty="0" err="1"/>
+              <a:t>Mindstorm</a:t>
+            </a:r>
+            <a:r>
+              <a:rPr dirty="0"/>
+              <a:t> EV3の開発環境作成マニュアル作成</a:t>
+            </a:r>
+          </a:p>
+          <a:p>
+            <a:pPr marL="704850" lvl="1" indent="-352425" defTabSz="438150">
               <a:spcBef>
                 <a:spcPts val="1800"/>
               </a:spcBef>
               <a:defRPr sz="2700"/>
             </a:pPr>
             <a:r>
-              <a:t>LEGO Mindstorm EV3のプログラム開発チュートリアル作成</a:t>
+              <a:rPr dirty="0"/>
+              <a:t>LEGO </a:t>
+            </a:r>
+            <a:r>
+              <a:rPr dirty="0" err="1"/>
+              <a:t>Mindstorm</a:t>
+            </a:r>
+            <a:r>
+              <a:rPr dirty="0"/>
+              <a:t> EV3のプログラム開発チュートリアル作成</a:t>
             </a:r>
           </a:p>
           <a:p>
@@ -5527,30 +6358,43 @@
               <a:defRPr sz="2700"/>
             </a:pPr>
             <a:r>
-              <a:t>LEGO Mindstorm EV3</a:t>
-            </a:r>
-          </a:p>
-          <a:p>
-            <a:pPr lvl="1" marL="704850" indent="-352425" defTabSz="438150">
+              <a:rPr dirty="0"/>
+              <a:t>LEGO </a:t>
+            </a:r>
+            <a:r>
+              <a:rPr dirty="0" err="1"/>
+              <a:t>Mindstorm</a:t>
+            </a:r>
+            <a:r>
+              <a:rPr dirty="0"/>
+              <a:t> EV3</a:t>
+            </a:r>
+          </a:p>
+          <a:p>
+            <a:pPr marL="704850" lvl="1" indent="-352425" defTabSz="438150">
               <a:spcBef>
                 <a:spcPts val="1800"/>
               </a:spcBef>
               <a:defRPr sz="2700"/>
             </a:pPr>
             <a:r>
+              <a:rPr dirty="0" err="1"/>
               <a:t>要件定義、設計、プログラム作成</a:t>
             </a:r>
-          </a:p>
-          <a:p>
-            <a:pPr lvl="1" marL="704850" indent="-352425" defTabSz="438150">
+            <a:endParaRPr dirty="0"/>
+          </a:p>
+          <a:p>
+            <a:pPr marL="704850" lvl="1" indent="-352425" defTabSz="438150">
               <a:spcBef>
                 <a:spcPts val="1800"/>
               </a:spcBef>
               <a:defRPr sz="2700"/>
             </a:pPr>
             <a:r>
+              <a:rPr dirty="0" err="1"/>
               <a:t>Spinによる検証、Uppaalによる検証</a:t>
             </a:r>
+            <a:endParaRPr dirty="0"/>
           </a:p>
           <a:p>
             <a:pPr marL="352425" indent="-352425" defTabSz="438150">
@@ -5560,19 +6404,23 @@
               <a:defRPr sz="2700"/>
             </a:pPr>
             <a:r>
+              <a:rPr dirty="0" err="1"/>
               <a:t>クラウド環境</a:t>
             </a:r>
-          </a:p>
-          <a:p>
-            <a:pPr lvl="1" marL="704850" indent="-352425" defTabSz="438150">
+            <a:endParaRPr dirty="0"/>
+          </a:p>
+          <a:p>
+            <a:pPr marL="704850" lvl="1" indent="-352425" defTabSz="438150">
               <a:spcBef>
                 <a:spcPts val="1800"/>
               </a:spcBef>
               <a:defRPr sz="2700"/>
             </a:pPr>
             <a:r>
+              <a:rPr dirty="0" err="1"/>
               <a:t>要件定義、設計、プログラム作成</a:t>
             </a:r>
+            <a:endParaRPr dirty="0"/>
           </a:p>
         </p:txBody>
       </p:sp>
@@ -5595,7 +6443,7 @@
           </a:ln>
           <a:extLst>
             <a:ext uri="{C572A759-6A51-4108-AA02-DFA0A04FC94B}">
-              <ma14:wrappingTextBoxFlag xmlns:ma14="http://schemas.microsoft.com/office/mac/drawingml/2011/main" val="1"/>
+              <ma14:wrappingTextBoxFlag xmlns="" xmlns:ma14="http://schemas.microsoft.com/office/mac/drawingml/2011/main" val="1"/>
             </a:ext>
           </a:extLst>
         </p:spPr>
@@ -5623,7 +6471,6 @@
             </a:lvl1pPr>
           </a:lstStyle>
           <a:p>
-            <a:pPr/>
             <a:r>
               <a:t>｝</a:t>
             </a:r>
@@ -5649,7 +6496,7 @@
           </a:ln>
           <a:extLst>
             <a:ext uri="{C572A759-6A51-4108-AA02-DFA0A04FC94B}">
-              <ma14:wrappingTextBoxFlag xmlns:ma14="http://schemas.microsoft.com/office/mac/drawingml/2011/main" val="1"/>
+              <ma14:wrappingTextBoxFlag xmlns="" xmlns:ma14="http://schemas.microsoft.com/office/mac/drawingml/2011/main" val="1"/>
             </a:ext>
           </a:extLst>
         </p:spPr>
@@ -5677,7 +6524,6 @@
             </a:lvl1pPr>
           </a:lstStyle>
           <a:p>
-            <a:pPr/>
             <a:r>
               <a:t>｝</a:t>
             </a:r>
@@ -5703,7 +6549,7 @@
           </a:ln>
           <a:extLst>
             <a:ext uri="{C572A759-6A51-4108-AA02-DFA0A04FC94B}">
-              <ma14:wrappingTextBoxFlag xmlns:ma14="http://schemas.microsoft.com/office/mac/drawingml/2011/main" val="1"/>
+              <ma14:wrappingTextBoxFlag xmlns="" xmlns:ma14="http://schemas.microsoft.com/office/mac/drawingml/2011/main" val="1"/>
             </a:ext>
           </a:extLst>
         </p:spPr>
@@ -5713,8 +6559,8 @@
           </a:bodyPr>
           <a:lstStyle/>
           <a:p>
-            <a:pPr/>
-            <a:r>
+            <a:r>
+              <a:rPr dirty="0"/>
               <a:t>Hackathonテーマ１</a:t>
             </a:r>
           </a:p>
@@ -5739,7 +6585,7 @@
           </a:ln>
           <a:extLst>
             <a:ext uri="{C572A759-6A51-4108-AA02-DFA0A04FC94B}">
-              <ma14:wrappingTextBoxFlag xmlns:ma14="http://schemas.microsoft.com/office/mac/drawingml/2011/main" val="1"/>
+              <ma14:wrappingTextBoxFlag xmlns="" xmlns:ma14="http://schemas.microsoft.com/office/mac/drawingml/2011/main" val="1"/>
             </a:ext>
           </a:extLst>
         </p:spPr>
@@ -5749,7 +6595,6 @@
           </a:bodyPr>
           <a:lstStyle/>
           <a:p>
-            <a:pPr/>
             <a:r>
               <a:t>Hackathonテーマ２</a:t>
             </a:r>
@@ -5761,12 +6606,19 @@
   <p:clrMapOvr>
     <a:masterClrMapping/>
   </p:clrMapOvr>
-  <p:transition xmlns:p14="http://schemas.microsoft.com/office/powerpoint/2010/main" spd="med" advClick="1" p14:dur="1000"/>
+  <p:transition spd="slow"/>
+  <p:timing>
+    <p:tnLst>
+      <p:par>
+        <p:cTn id="1" dur="indefinite" restart="never" nodeType="tmRoot"/>
+      </p:par>
+    </p:tnLst>
+  </p:timing>
 </p:sld>
 </file>
 
 <file path=ppt/slides/slide7.xml><?xml version="1.0" encoding="utf-8"?>
-<p:sld xmlns:a="http://schemas.openxmlformats.org/drawingml/2006/main" xmlns:r="http://schemas.openxmlformats.org/officeDocument/2006/relationships" xmlns:p="http://schemas.openxmlformats.org/presentationml/2006/main" showMasterSp="1" showMasterPhAnim="1">
+<p:sld xmlns:a="http://schemas.openxmlformats.org/drawingml/2006/main" xmlns:r="http://schemas.openxmlformats.org/officeDocument/2006/relationships" xmlns:p="http://schemas.openxmlformats.org/presentationml/2006/main">
   <p:cSld>
     <p:spTree>
       <p:nvGrpSpPr>
@@ -5784,60 +6636,327 @@
       </p:grpSpPr>
       <p:sp>
         <p:nvSpPr>
-          <p:cNvPr id="183" name="Shape 183"/>
-          <p:cNvSpPr/>
+          <p:cNvPr id="2" name="タイトル 1"/>
+          <p:cNvSpPr>
+            <a:spLocks noGrp="1"/>
+          </p:cNvSpPr>
           <p:nvPr>
             <p:ph type="title"/>
           </p:nvPr>
         </p:nvSpPr>
-        <p:spPr>
-          <a:prstGeom prst="rect">
-            <a:avLst/>
-          </a:prstGeom>
-        </p:spPr>
+        <p:spPr/>
         <p:txBody>
-          <a:bodyPr/>
+          <a:bodyPr>
+            <a:normAutofit/>
+          </a:bodyPr>
           <a:lstStyle/>
           <a:p>
-            <a:pPr/>
-            <a:r>
-              <a:t>今後のスケジュール</a:t>
-            </a:r>
+            <a:r>
+              <a:rPr kumimoji="1" lang="ja-JP" altLang="en-US" dirty="0" smtClean="0"/>
+              <a:t>作業状況（</a:t>
+            </a:r>
+            <a:r>
+              <a:rPr kumimoji="1" lang="en-US" altLang="ja-JP" dirty="0" smtClean="0"/>
+              <a:t>5/16</a:t>
+            </a:r>
+            <a:r>
+              <a:rPr kumimoji="1" lang="ja-JP" altLang="en-US" dirty="0" smtClean="0"/>
+              <a:t>）</a:t>
+            </a:r>
+            <a:endParaRPr kumimoji="1" lang="ja-JP" altLang="en-US" dirty="0"/>
           </a:p>
         </p:txBody>
       </p:sp>
       <p:sp>
         <p:nvSpPr>
-          <p:cNvPr id="184" name="Shape 184"/>
-          <p:cNvSpPr/>
+          <p:cNvPr id="3" name="テキスト プレースホルダー 2"/>
+          <p:cNvSpPr>
+            <a:spLocks noGrp="1"/>
+          </p:cNvSpPr>
           <p:nvPr>
             <p:ph type="body" idx="1"/>
           </p:nvPr>
         </p:nvSpPr>
         <p:spPr>
-          <a:prstGeom prst="rect">
+          <a:xfrm>
+            <a:off x="508000" y="2628900"/>
+            <a:ext cx="11988800" cy="6640388"/>
+          </a:xfrm>
+        </p:spPr>
+        <p:txBody>
+          <a:bodyPr anchor="t" anchorCtr="0">
+            <a:normAutofit lnSpcReduction="10000"/>
+          </a:bodyPr>
+          <a:lstStyle/>
+          <a:p>
+            <a:r>
+              <a:rPr lang="en-US" altLang="ja-JP" sz="3200" dirty="0"/>
+              <a:t>EV3</a:t>
+            </a:r>
+            <a:r>
+              <a:rPr lang="ja-JP" altLang="en-US" sz="3200" dirty="0"/>
+              <a:t>の開発環境</a:t>
+            </a:r>
+            <a:r>
+              <a:rPr lang="ja-JP" altLang="en-US" sz="3200" dirty="0" smtClean="0"/>
+              <a:t>作成手順確認</a:t>
+            </a:r>
+            <a:endParaRPr lang="en-US" altLang="ja-JP" sz="3200" dirty="0" smtClean="0"/>
+          </a:p>
+          <a:p>
+            <a:pPr lvl="1"/>
+            <a:r>
+              <a:rPr kumimoji="1" lang="en-US" altLang="ja-JP" sz="3200" dirty="0" smtClean="0"/>
+              <a:t>ET</a:t>
+            </a:r>
+            <a:r>
+              <a:rPr kumimoji="1" lang="ja-JP" altLang="en-US" sz="3200" dirty="0" smtClean="0"/>
+              <a:t>ロボコンの「</a:t>
+            </a:r>
+            <a:r>
+              <a:rPr kumimoji="1" lang="en-US" altLang="ja-JP" sz="3200" dirty="0" err="1"/>
+              <a:t>leJOS</a:t>
+            </a:r>
+            <a:r>
+              <a:rPr kumimoji="1" lang="en-US" altLang="ja-JP" sz="3200" dirty="0"/>
+              <a:t> EV3</a:t>
+            </a:r>
+            <a:r>
+              <a:rPr kumimoji="1" lang="ja-JP" altLang="en-US" sz="3200" dirty="0"/>
+              <a:t>開発環境構築ガイド</a:t>
+            </a:r>
+            <a:r>
+              <a:rPr kumimoji="1" lang="en-US" altLang="ja-JP" sz="3200" dirty="0"/>
+              <a:t>(Windows7/8/10)</a:t>
+            </a:r>
+            <a:r>
+              <a:rPr kumimoji="1" lang="ja-JP" altLang="en-US" sz="3200" dirty="0" smtClean="0"/>
+              <a:t>」に従い、環境作成できることを確認済</a:t>
+            </a:r>
+            <a:endParaRPr kumimoji="1" lang="en-US" altLang="ja-JP" sz="3200" dirty="0" smtClean="0"/>
+          </a:p>
+          <a:p>
+            <a:r>
+              <a:rPr kumimoji="1" lang="ja-JP" altLang="en-US" sz="3200" dirty="0" smtClean="0"/>
+              <a:t>クラウド環境検討</a:t>
+            </a:r>
+            <a:endParaRPr kumimoji="1" lang="en-US" altLang="ja-JP" sz="3200" dirty="0" smtClean="0"/>
+          </a:p>
+          <a:p>
+            <a:pPr lvl="1"/>
+            <a:r>
+              <a:rPr kumimoji="1" lang="ja-JP" altLang="en-US" sz="3200" dirty="0" smtClean="0"/>
+              <a:t>後述</a:t>
+            </a:r>
+            <a:r>
+              <a:rPr kumimoji="1" lang="ja-JP" altLang="en-US" sz="3200" dirty="0"/>
+              <a:t>。</a:t>
+            </a:r>
+            <a:r>
+              <a:rPr kumimoji="1" lang="en-US" altLang="ja-JP" sz="3200" dirty="0" smtClean="0"/>
+              <a:t>Hackathon</a:t>
+            </a:r>
+            <a:r>
+              <a:rPr kumimoji="1" lang="ja-JP" altLang="en-US" sz="3200" dirty="0" smtClean="0"/>
+              <a:t>で、「</a:t>
+            </a:r>
+            <a:r>
+              <a:rPr kumimoji="1" lang="en-US" altLang="ja-JP" sz="3200" dirty="0" smtClean="0"/>
+              <a:t>EV3</a:t>
+            </a:r>
+            <a:r>
+              <a:rPr kumimoji="1" lang="ja-JP" altLang="en-US" sz="3200" dirty="0" smtClean="0"/>
+              <a:t>のログデータが収集・蓄積できること」、「収集・蓄積したログデータを機械学習して、分析モデルが作成できること」を確認する方針（まずは、上りから）</a:t>
+            </a:r>
+            <a:endParaRPr kumimoji="1" lang="en-US" altLang="ja-JP" sz="3200" dirty="0" smtClean="0"/>
+          </a:p>
+          <a:p>
+            <a:r>
+              <a:rPr kumimoji="1" lang="ja-JP" altLang="en-US" sz="3200" dirty="0" smtClean="0"/>
+              <a:t>クラウド環境（</a:t>
+            </a:r>
+            <a:r>
+              <a:rPr kumimoji="1" lang="en-US" altLang="ja-JP" sz="3200" dirty="0" err="1" smtClean="0"/>
+              <a:t>IoT</a:t>
+            </a:r>
+            <a:r>
+              <a:rPr kumimoji="1" lang="ja-JP" altLang="en-US" sz="3200" dirty="0" smtClean="0"/>
+              <a:t>共通基盤、モバイルバックエンド基盤）準備</a:t>
+            </a:r>
+            <a:endParaRPr kumimoji="1" lang="en-US" altLang="ja-JP" sz="3200" dirty="0" smtClean="0"/>
+          </a:p>
+          <a:p>
+            <a:pPr lvl="1"/>
+            <a:r>
+              <a:rPr kumimoji="1" lang="en-US" altLang="ja-JP" sz="3200" dirty="0" smtClean="0"/>
+              <a:t>NEC Cloud </a:t>
+            </a:r>
+            <a:r>
+              <a:rPr kumimoji="1" lang="en-US" altLang="ja-JP" sz="3200" dirty="0" err="1" smtClean="0"/>
+              <a:t>IaaS</a:t>
+            </a:r>
+            <a:r>
+              <a:rPr kumimoji="1" lang="ja-JP" altLang="en-US" sz="3200" dirty="0" smtClean="0"/>
+              <a:t>の仮想サーバ</a:t>
+            </a:r>
+            <a:r>
+              <a:rPr kumimoji="1" lang="en-US" altLang="ja-JP" sz="3200" dirty="0" smtClean="0"/>
+              <a:t>(RHEL6.4)</a:t>
+            </a:r>
+            <a:r>
+              <a:rPr kumimoji="1" lang="ja-JP" altLang="en-US" sz="3200" dirty="0" smtClean="0"/>
+              <a:t>上に基盤構築済</a:t>
+            </a:r>
+            <a:endParaRPr kumimoji="1" lang="en-US" altLang="ja-JP" sz="3200" dirty="0" smtClean="0"/>
+          </a:p>
+          <a:p>
+            <a:pPr marL="939800" lvl="2" indent="0">
+              <a:buNone/>
+            </a:pPr>
+            <a:r>
+              <a:rPr kumimoji="1" lang="en-US" altLang="ja-JP" sz="2800" dirty="0" smtClean="0"/>
+              <a:t>※</a:t>
+            </a:r>
+            <a:r>
+              <a:rPr kumimoji="1" lang="ja-JP" altLang="en-US" sz="2800" dirty="0" smtClean="0"/>
+              <a:t>　</a:t>
+            </a:r>
+            <a:r>
+              <a:rPr kumimoji="1" lang="en-US" altLang="ja-JP" sz="2800" dirty="0" smtClean="0"/>
+              <a:t>Hackathon</a:t>
+            </a:r>
+            <a:r>
+              <a:rPr kumimoji="1" lang="ja-JP" altLang="en-US" sz="2800" dirty="0" smtClean="0"/>
+              <a:t>向けに無償貸与</a:t>
+            </a:r>
+            <a:r>
+              <a:rPr kumimoji="1" lang="ja-JP" altLang="en-US" sz="2800" dirty="0" smtClean="0"/>
+              <a:t>予定</a:t>
+            </a:r>
+            <a:endParaRPr kumimoji="1" lang="en-US" altLang="ja-JP" sz="2800" dirty="0" smtClean="0"/>
+          </a:p>
+        </p:txBody>
+      </p:sp>
+      <p:sp>
+        <p:nvSpPr>
+          <p:cNvPr id="51" name="テキスト ボックス 50"/>
+          <p:cNvSpPr txBox="1"/>
+          <p:nvPr/>
+        </p:nvSpPr>
+        <p:spPr>
+          <a:xfrm>
+            <a:off x="10274793" y="199729"/>
+            <a:ext cx="2548286" cy="644475"/>
+          </a:xfrm>
+          <a:prstGeom prst="roundRect">
             <a:avLst/>
           </a:prstGeom>
+          <a:solidFill>
+            <a:srgbClr val="0070C0"/>
+          </a:solidFill>
+          <a:ln w="38100" cap="flat">
+            <a:solidFill>
+              <a:schemeClr val="tx1">
+                <a:lumMod val="40000"/>
+                <a:lumOff val="60000"/>
+              </a:schemeClr>
+            </a:solidFill>
+            <a:miter lim="400000"/>
+          </a:ln>
+          <a:effectLst/>
+          <a:sp3d/>
         </p:spPr>
+        <p:style>
+          <a:lnRef idx="0">
+            <a:scrgbClr r="0" g="0" b="0"/>
+          </a:lnRef>
+          <a:fillRef idx="0">
+            <a:scrgbClr r="0" g="0" b="0"/>
+          </a:fillRef>
+          <a:effectRef idx="0">
+            <a:scrgbClr r="0" g="0" b="0"/>
+          </a:effectRef>
+          <a:fontRef idx="none"/>
+        </p:style>
         <p:txBody>
-          <a:bodyPr/>
+          <a:bodyPr rot="0" spcFirstLastPara="1" vertOverflow="overflow" horzOverflow="overflow" vert="horz" wrap="none" lIns="50800" tIns="50800" rIns="50800" bIns="50800" numCol="1" spcCol="38100" rtlCol="0" anchor="ctr">
+            <a:noAutofit/>
+          </a:bodyPr>
           <a:lstStyle/>
           <a:p>
-            <a:pPr/>
+            <a:pPr marL="0" marR="0" indent="0" algn="ctr" defTabSz="584200" rtl="0" fontAlgn="auto" latinLnBrk="0" hangingPunct="0">
+              <a:lnSpc>
+                <a:spcPct val="100000"/>
+              </a:lnSpc>
+              <a:spcBef>
+                <a:spcPts val="0"/>
+              </a:spcBef>
+              <a:spcAft>
+                <a:spcPts val="0"/>
+              </a:spcAft>
+              <a:buClrTx/>
+              <a:buSzTx/>
+              <a:buFontTx/>
+              <a:buNone/>
+              <a:tabLst/>
+            </a:pPr>
+            <a:r>
+              <a:rPr kumimoji="0" lang="ja-JP" altLang="en-US" sz="3200" b="0" i="0" u="none" strike="noStrike" cap="none" spc="0" normalizeH="0" baseline="0" dirty="0" smtClean="0">
+                <a:ln>
+                  <a:noFill/>
+                </a:ln>
+                <a:solidFill>
+                  <a:schemeClr val="accent6">
+                    <a:lumMod val="20000"/>
+                    <a:lumOff val="80000"/>
+                  </a:schemeClr>
+                </a:solidFill>
+                <a:effectLst/>
+                <a:uFillTx/>
+                <a:sym typeface="Palatino"/>
+              </a:rPr>
+              <a:t>石井追記</a:t>
+            </a:r>
+            <a:endParaRPr kumimoji="0" lang="ja-JP" altLang="en-US" sz="3200" b="0" i="0" u="none" strike="noStrike" cap="none" spc="0" normalizeH="0" baseline="0" dirty="0">
+              <a:ln>
+                <a:noFill/>
+              </a:ln>
+              <a:solidFill>
+                <a:schemeClr val="accent6">
+                  <a:lumMod val="20000"/>
+                  <a:lumOff val="80000"/>
+                </a:schemeClr>
+              </a:solidFill>
+              <a:effectLst/>
+              <a:uFillTx/>
+              <a:sym typeface="Palatino"/>
+            </a:endParaRPr>
           </a:p>
         </p:txBody>
       </p:sp>
     </p:spTree>
+    <p:extLst>
+      <p:ext uri="{BB962C8B-B14F-4D97-AF65-F5344CB8AC3E}">
+        <p14:creationId xmlns:p14="http://schemas.microsoft.com/office/powerpoint/2010/main" val="2160955649"/>
+      </p:ext>
+    </p:extLst>
   </p:cSld>
   <p:clrMapOvr>
     <a:masterClrMapping/>
   </p:clrMapOvr>
-  <p:transition xmlns:p14="http://schemas.microsoft.com/office/powerpoint/2010/main" spd="med" advClick="1" p14:dur="1000"/>
+  <p:transition spd="med"/>
+  <p:timing>
+    <p:tnLst>
+      <p:par>
+        <p:cTn id="1" dur="indefinite" restart="never" nodeType="tmRoot"/>
+      </p:par>
+    </p:tnLst>
+  </p:timing>
 </p:sld>
 </file>
 
 <file path=ppt/slides/slide8.xml><?xml version="1.0" encoding="utf-8"?>
-<p:sld xmlns:a="http://schemas.openxmlformats.org/drawingml/2006/main" xmlns:r="http://schemas.openxmlformats.org/officeDocument/2006/relationships" xmlns:p="http://schemas.openxmlformats.org/presentationml/2006/main" showMasterSp="1" showMasterPhAnim="1">
+<p:sld xmlns:a="http://schemas.openxmlformats.org/drawingml/2006/main" xmlns:r="http://schemas.openxmlformats.org/officeDocument/2006/relationships" xmlns:p="http://schemas.openxmlformats.org/presentationml/2006/main">
   <p:cSld>
     <p:spTree>
       <p:nvGrpSpPr>
@@ -5855,60 +6974,5221 @@
       </p:grpSpPr>
       <p:sp>
         <p:nvSpPr>
-          <p:cNvPr id="186" name="Shape 186"/>
-          <p:cNvSpPr/>
+          <p:cNvPr id="2" name="タイトル 1"/>
+          <p:cNvSpPr>
+            <a:spLocks noGrp="1"/>
+          </p:cNvSpPr>
           <p:nvPr>
             <p:ph type="title"/>
           </p:nvPr>
         </p:nvSpPr>
-        <p:spPr>
-          <a:prstGeom prst="rect">
-            <a:avLst/>
-          </a:prstGeom>
-        </p:spPr>
+        <p:spPr/>
         <p:txBody>
-          <a:bodyPr/>
+          <a:bodyPr>
+            <a:normAutofit fontScale="90000"/>
+          </a:bodyPr>
           <a:lstStyle/>
           <a:p>
-            <a:pPr/>
-            <a:r>
-              <a:t>依頼事項</a:t>
-            </a:r>
+            <a:r>
+              <a:rPr kumimoji="1" lang="en-US" altLang="ja-JP" dirty="0" smtClean="0"/>
+              <a:t>Hackathon</a:t>
+            </a:r>
+            <a:r>
+              <a:rPr kumimoji="1" lang="ja-JP" altLang="en-US" dirty="0" smtClean="0"/>
+              <a:t>テーマ２</a:t>
+            </a:r>
+            <a:r>
+              <a:rPr kumimoji="1" lang="ja-JP" altLang="en-US" dirty="0" smtClean="0"/>
+              <a:t>向け</a:t>
+            </a:r>
+            <a:r>
+              <a:rPr kumimoji="1" lang="en-US" altLang="ja-JP" dirty="0"/>
+              <a:t/>
+            </a:r>
+            <a:br>
+              <a:rPr kumimoji="1" lang="en-US" altLang="ja-JP" dirty="0"/>
+            </a:br>
+            <a:r>
+              <a:rPr kumimoji="1" lang="ja-JP" altLang="en-US" dirty="0" smtClean="0"/>
+              <a:t>環境準備方針（</a:t>
+            </a:r>
+            <a:r>
+              <a:rPr kumimoji="1" lang="ja-JP" altLang="en-US" dirty="0" smtClean="0"/>
+              <a:t>案）</a:t>
+            </a:r>
+            <a:endParaRPr kumimoji="1" lang="ja-JP" altLang="en-US" dirty="0"/>
           </a:p>
         </p:txBody>
       </p:sp>
       <p:sp>
         <p:nvSpPr>
-          <p:cNvPr id="187" name="Shape 187"/>
-          <p:cNvSpPr/>
+          <p:cNvPr id="3" name="テキスト プレースホルダー 2"/>
+          <p:cNvSpPr>
+            <a:spLocks noGrp="1"/>
+          </p:cNvSpPr>
           <p:nvPr>
             <p:ph type="body" idx="1"/>
           </p:nvPr>
         </p:nvSpPr>
         <p:spPr>
+          <a:xfrm>
+            <a:off x="508000" y="2628900"/>
+            <a:ext cx="11988800" cy="3256012"/>
+          </a:xfrm>
+        </p:spPr>
+        <p:txBody>
+          <a:bodyPr anchor="t" anchorCtr="0">
+            <a:noAutofit/>
+          </a:bodyPr>
+          <a:lstStyle/>
+          <a:p>
+            <a:r>
+              <a:rPr lang="en-US" altLang="ja-JP" sz="1800" dirty="0" smtClean="0"/>
+              <a:t>Mandatory</a:t>
+            </a:r>
+            <a:r>
+              <a:rPr lang="ja-JP" altLang="en-US" sz="1800" dirty="0"/>
+              <a:t>および</a:t>
+            </a:r>
+            <a:r>
+              <a:rPr kumimoji="1" lang="en-US" altLang="ja-JP" sz="1800" dirty="0" smtClean="0"/>
+              <a:t>Option</a:t>
+            </a:r>
+            <a:r>
+              <a:rPr kumimoji="1" lang="ja-JP" altLang="en-US" sz="1800" dirty="0" smtClean="0"/>
+              <a:t>の制約事項を踏まえ、「</a:t>
+            </a:r>
+            <a:r>
+              <a:rPr kumimoji="1" lang="en-US" altLang="ja-JP" sz="1800" dirty="0" smtClean="0"/>
+              <a:t>EV3</a:t>
+            </a:r>
+            <a:r>
+              <a:rPr kumimoji="1" lang="ja-JP" altLang="en-US" sz="1800" dirty="0"/>
+              <a:t>の</a:t>
+            </a:r>
+            <a:r>
+              <a:rPr kumimoji="1" lang="ja-JP" altLang="en-US" sz="1800" dirty="0" smtClean="0"/>
+              <a:t>ログデータの収集</a:t>
+            </a:r>
+            <a:r>
+              <a:rPr kumimoji="1" lang="ja-JP" altLang="en-US" sz="1800" dirty="0" smtClean="0"/>
+              <a:t>・蓄積」に必要な機器、環境を準備する</a:t>
+            </a:r>
+            <a:endParaRPr kumimoji="1" lang="en-US" altLang="ja-JP" sz="1800" dirty="0" smtClean="0"/>
+          </a:p>
+          <a:p>
+            <a:pPr lvl="1"/>
+            <a:r>
+              <a:rPr kumimoji="1" lang="ja-JP" altLang="en-US" sz="1800" dirty="0" smtClean="0"/>
+              <a:t>データ収集・蓄積の方式検討のため、クラウド環境（クライアントのエージェント含む）は、</a:t>
+            </a:r>
+            <a:r>
+              <a:rPr kumimoji="1" lang="en-US" altLang="ja-JP" sz="1800" dirty="0" smtClean="0"/>
+              <a:t>NEC</a:t>
+            </a:r>
+            <a:r>
+              <a:rPr kumimoji="1" lang="ja-JP" altLang="en-US" sz="1800" dirty="0" smtClean="0"/>
+              <a:t>から無償で貸与する</a:t>
+            </a:r>
+            <a:endParaRPr kumimoji="1" lang="en-US" altLang="ja-JP" sz="1800" dirty="0" smtClean="0"/>
+          </a:p>
+          <a:p>
+            <a:pPr lvl="1"/>
+            <a:r>
+              <a:rPr kumimoji="1" lang="ja-JP" altLang="en-US" sz="1800" dirty="0" smtClean="0"/>
+              <a:t>クラウドに収集・蓄積</a:t>
+            </a:r>
+            <a:r>
+              <a:rPr kumimoji="1" lang="ja-JP" altLang="en-US" sz="1800" dirty="0" smtClean="0"/>
+              <a:t>されたデータは</a:t>
+            </a:r>
+            <a:r>
+              <a:rPr kumimoji="1" lang="ja-JP" altLang="en-US" sz="1800" dirty="0" smtClean="0"/>
+              <a:t>、事務局が手動</a:t>
+            </a:r>
+            <a:r>
+              <a:rPr kumimoji="1" lang="ja-JP" altLang="en-US" sz="1800" dirty="0" smtClean="0"/>
+              <a:t>で取得し、</a:t>
+            </a:r>
+            <a:r>
+              <a:rPr kumimoji="1" lang="ja-JP" altLang="en-US" sz="1800" dirty="0" smtClean="0"/>
+              <a:t>参加者に提供する</a:t>
+            </a:r>
+            <a:endParaRPr kumimoji="1" lang="en-US" altLang="ja-JP" sz="1800" dirty="0" smtClean="0"/>
+          </a:p>
+          <a:p>
+            <a:pPr lvl="1"/>
+            <a:r>
+              <a:rPr kumimoji="1" lang="ja-JP" altLang="en-US" sz="1800" dirty="0" smtClean="0"/>
+              <a:t>データ加工・分析</a:t>
+            </a:r>
+            <a:r>
+              <a:rPr kumimoji="1" lang="ja-JP" altLang="en-US" sz="1800" dirty="0"/>
+              <a:t>（機械学習他</a:t>
+            </a:r>
+            <a:r>
+              <a:rPr kumimoji="1" lang="ja-JP" altLang="en-US" sz="1800" dirty="0" smtClean="0"/>
+              <a:t>）は、参加者の開発用</a:t>
+            </a:r>
+            <a:r>
+              <a:rPr kumimoji="1" lang="en-US" altLang="ja-JP" sz="1800" dirty="0" smtClean="0"/>
+              <a:t>PC</a:t>
+            </a:r>
+            <a:r>
+              <a:rPr kumimoji="1" lang="ja-JP" altLang="en-US" sz="1800" dirty="0" smtClean="0"/>
+              <a:t>で実施する</a:t>
+            </a:r>
+            <a:endParaRPr kumimoji="1" lang="en-US" altLang="ja-JP" sz="1800" dirty="0" smtClean="0"/>
+          </a:p>
+          <a:p>
+            <a:pPr lvl="1"/>
+            <a:r>
+              <a:rPr kumimoji="1" lang="ja-JP" altLang="en-US" sz="1800" dirty="0" smtClean="0"/>
+              <a:t>データ分析（機械学習他）に使用する（したい）ソフトウェアやサービスは、</a:t>
+            </a:r>
+            <a:r>
+              <a:rPr kumimoji="1" lang="ja-JP" altLang="en-US" sz="1800" dirty="0"/>
+              <a:t>事務局では</a:t>
+            </a:r>
+            <a:r>
+              <a:rPr kumimoji="1" lang="ja-JP" altLang="en-US" sz="1800" dirty="0" smtClean="0"/>
+              <a:t>準備せず、参加者が準備するものとし、</a:t>
+            </a:r>
+            <a:r>
+              <a:rPr kumimoji="1" lang="en-US" altLang="ja-JP" sz="1800" dirty="0" smtClean="0"/>
+              <a:t>Hackathon</a:t>
+            </a:r>
+            <a:r>
+              <a:rPr kumimoji="1" lang="ja-JP" altLang="en-US" sz="1800" dirty="0" smtClean="0"/>
+              <a:t>内で検討、評価する</a:t>
+            </a:r>
+            <a:endParaRPr kumimoji="1" lang="en-US" altLang="ja-JP" sz="1800" dirty="0" smtClean="0"/>
+          </a:p>
+        </p:txBody>
+      </p:sp>
+      <p:grpSp>
+        <p:nvGrpSpPr>
+          <p:cNvPr id="5" name="グループ化 4"/>
+          <p:cNvGrpSpPr>
+            <a:grpSpLocks noChangeAspect="1"/>
+          </p:cNvGrpSpPr>
+          <p:nvPr/>
+        </p:nvGrpSpPr>
+        <p:grpSpPr bwMode="gray">
+          <a:xfrm>
+            <a:off x="1157577" y="7350864"/>
+            <a:ext cx="1111251" cy="733425"/>
+            <a:chOff x="2385390" y="1237172"/>
+            <a:chExt cx="1111251" cy="733425"/>
+          </a:xfrm>
+        </p:grpSpPr>
+        <p:sp>
+          <p:nvSpPr>
+            <p:cNvPr id="6" name="フリーフォーム 5"/>
+            <p:cNvSpPr>
+              <a:spLocks noChangeAspect="1"/>
+            </p:cNvSpPr>
+            <p:nvPr/>
+          </p:nvSpPr>
+          <p:spPr bwMode="gray">
+            <a:xfrm>
+              <a:off x="2385390" y="1237172"/>
+              <a:ext cx="1111251" cy="733425"/>
+            </a:xfrm>
+            <a:custGeom>
+              <a:avLst/>
+              <a:gdLst>
+                <a:gd name="connsiteX0" fmla="*/ 15037 w 1111251"/>
+                <a:gd name="connsiteY0" fmla="*/ 703262 h 733425"/>
+                <a:gd name="connsiteX1" fmla="*/ 1096966 w 1111251"/>
+                <a:gd name="connsiteY1" fmla="*/ 703262 h 733425"/>
+                <a:gd name="connsiteX2" fmla="*/ 1111251 w 1111251"/>
+                <a:gd name="connsiteY2" fmla="*/ 718730 h 733425"/>
+                <a:gd name="connsiteX3" fmla="*/ 1096966 w 1111251"/>
+                <a:gd name="connsiteY3" fmla="*/ 733425 h 733425"/>
+                <a:gd name="connsiteX4" fmla="*/ 15037 w 1111251"/>
+                <a:gd name="connsiteY4" fmla="*/ 733425 h 733425"/>
+                <a:gd name="connsiteX5" fmla="*/ 0 w 1111251"/>
+                <a:gd name="connsiteY5" fmla="*/ 718730 h 733425"/>
+                <a:gd name="connsiteX6" fmla="*/ 15037 w 1111251"/>
+                <a:gd name="connsiteY6" fmla="*/ 703262 h 733425"/>
+                <a:gd name="connsiteX7" fmla="*/ 195422 w 1111251"/>
+                <a:gd name="connsiteY7" fmla="*/ 517525 h 733425"/>
+                <a:gd name="connsiteX8" fmla="*/ 917417 w 1111251"/>
+                <a:gd name="connsiteY8" fmla="*/ 517525 h 733425"/>
+                <a:gd name="connsiteX9" fmla="*/ 951977 w 1111251"/>
+                <a:gd name="connsiteY9" fmla="*/ 531011 h 733425"/>
+                <a:gd name="connsiteX10" fmla="*/ 1102987 w 1111251"/>
+                <a:gd name="connsiteY10" fmla="*/ 664377 h 733425"/>
+                <a:gd name="connsiteX11" fmla="*/ 1097728 w 1111251"/>
+                <a:gd name="connsiteY11" fmla="*/ 677863 h 733425"/>
+                <a:gd name="connsiteX12" fmla="*/ 15111 w 1111251"/>
+                <a:gd name="connsiteY12" fmla="*/ 677863 h 733425"/>
+                <a:gd name="connsiteX13" fmla="*/ 9852 w 1111251"/>
+                <a:gd name="connsiteY13" fmla="*/ 664377 h 733425"/>
+                <a:gd name="connsiteX14" fmla="*/ 160111 w 1111251"/>
+                <a:gd name="connsiteY14" fmla="*/ 531011 h 733425"/>
+                <a:gd name="connsiteX15" fmla="*/ 195422 w 1111251"/>
+                <a:gd name="connsiteY15" fmla="*/ 517525 h 733425"/>
+                <a:gd name="connsiteX16" fmla="*/ 194915 w 1111251"/>
+                <a:gd name="connsiteY16" fmla="*/ 0 h 733425"/>
+                <a:gd name="connsiteX17" fmla="*/ 917087 w 1111251"/>
+                <a:gd name="connsiteY17" fmla="*/ 0 h 733425"/>
+                <a:gd name="connsiteX18" fmla="*/ 936625 w 1111251"/>
+                <a:gd name="connsiteY18" fmla="*/ 20252 h 733425"/>
+                <a:gd name="connsiteX19" fmla="*/ 936625 w 1111251"/>
+                <a:gd name="connsiteY19" fmla="*/ 470286 h 733425"/>
+                <a:gd name="connsiteX20" fmla="*/ 917087 w 1111251"/>
+                <a:gd name="connsiteY20" fmla="*/ 490538 h 733425"/>
+                <a:gd name="connsiteX21" fmla="*/ 194915 w 1111251"/>
+                <a:gd name="connsiteY21" fmla="*/ 490538 h 733425"/>
+                <a:gd name="connsiteX22" fmla="*/ 174625 w 1111251"/>
+                <a:gd name="connsiteY22" fmla="*/ 470286 h 733425"/>
+                <a:gd name="connsiteX23" fmla="*/ 174625 w 1111251"/>
+                <a:gd name="connsiteY23" fmla="*/ 20252 h 733425"/>
+                <a:gd name="connsiteX24" fmla="*/ 194915 w 1111251"/>
+                <a:gd name="connsiteY24" fmla="*/ 0 h 733425"/>
+              </a:gdLst>
+              <a:ahLst/>
+              <a:cxnLst>
+                <a:cxn ang="0">
+                  <a:pos x="connsiteX0" y="connsiteY0"/>
+                </a:cxn>
+                <a:cxn ang="0">
+                  <a:pos x="connsiteX1" y="connsiteY1"/>
+                </a:cxn>
+                <a:cxn ang="0">
+                  <a:pos x="connsiteX2" y="connsiteY2"/>
+                </a:cxn>
+                <a:cxn ang="0">
+                  <a:pos x="connsiteX3" y="connsiteY3"/>
+                </a:cxn>
+                <a:cxn ang="0">
+                  <a:pos x="connsiteX4" y="connsiteY4"/>
+                </a:cxn>
+                <a:cxn ang="0">
+                  <a:pos x="connsiteX5" y="connsiteY5"/>
+                </a:cxn>
+                <a:cxn ang="0">
+                  <a:pos x="connsiteX6" y="connsiteY6"/>
+                </a:cxn>
+                <a:cxn ang="0">
+                  <a:pos x="connsiteX7" y="connsiteY7"/>
+                </a:cxn>
+                <a:cxn ang="0">
+                  <a:pos x="connsiteX8" y="connsiteY8"/>
+                </a:cxn>
+                <a:cxn ang="0">
+                  <a:pos x="connsiteX9" y="connsiteY9"/>
+                </a:cxn>
+                <a:cxn ang="0">
+                  <a:pos x="connsiteX10" y="connsiteY10"/>
+                </a:cxn>
+                <a:cxn ang="0">
+                  <a:pos x="connsiteX11" y="connsiteY11"/>
+                </a:cxn>
+                <a:cxn ang="0">
+                  <a:pos x="connsiteX12" y="connsiteY12"/>
+                </a:cxn>
+                <a:cxn ang="0">
+                  <a:pos x="connsiteX13" y="connsiteY13"/>
+                </a:cxn>
+                <a:cxn ang="0">
+                  <a:pos x="connsiteX14" y="connsiteY14"/>
+                </a:cxn>
+                <a:cxn ang="0">
+                  <a:pos x="connsiteX15" y="connsiteY15"/>
+                </a:cxn>
+                <a:cxn ang="0">
+                  <a:pos x="connsiteX16" y="connsiteY16"/>
+                </a:cxn>
+                <a:cxn ang="0">
+                  <a:pos x="connsiteX17" y="connsiteY17"/>
+                </a:cxn>
+                <a:cxn ang="0">
+                  <a:pos x="connsiteX18" y="connsiteY18"/>
+                </a:cxn>
+                <a:cxn ang="0">
+                  <a:pos x="connsiteX19" y="connsiteY19"/>
+                </a:cxn>
+                <a:cxn ang="0">
+                  <a:pos x="connsiteX20" y="connsiteY20"/>
+                </a:cxn>
+                <a:cxn ang="0">
+                  <a:pos x="connsiteX21" y="connsiteY21"/>
+                </a:cxn>
+                <a:cxn ang="0">
+                  <a:pos x="connsiteX22" y="connsiteY22"/>
+                </a:cxn>
+                <a:cxn ang="0">
+                  <a:pos x="connsiteX23" y="connsiteY23"/>
+                </a:cxn>
+                <a:cxn ang="0">
+                  <a:pos x="connsiteX24" y="connsiteY24"/>
+                </a:cxn>
+              </a:cxnLst>
+              <a:rect l="l" t="t" r="r" b="b"/>
+              <a:pathLst>
+                <a:path w="1111251" h="733425">
+                  <a:moveTo>
+                    <a:pt x="15037" y="703262"/>
+                  </a:moveTo>
+                  <a:cubicBezTo>
+                    <a:pt x="15037" y="703262"/>
+                    <a:pt x="15037" y="703262"/>
+                    <a:pt x="1096966" y="703262"/>
+                  </a:cubicBezTo>
+                  <a:cubicBezTo>
+                    <a:pt x="1105236" y="703262"/>
+                    <a:pt x="1111251" y="710223"/>
+                    <a:pt x="1111251" y="718730"/>
+                  </a:cubicBezTo>
+                  <a:cubicBezTo>
+                    <a:pt x="1111251" y="727238"/>
+                    <a:pt x="1105236" y="733425"/>
+                    <a:pt x="1096966" y="733425"/>
+                  </a:cubicBezTo>
+                  <a:cubicBezTo>
+                    <a:pt x="1096966" y="733425"/>
+                    <a:pt x="1096966" y="733425"/>
+                    <a:pt x="15037" y="733425"/>
+                  </a:cubicBezTo>
+                  <a:cubicBezTo>
+                    <a:pt x="6767" y="733425"/>
+                    <a:pt x="0" y="727238"/>
+                    <a:pt x="0" y="718730"/>
+                  </a:cubicBezTo>
+                  <a:cubicBezTo>
+                    <a:pt x="0" y="710223"/>
+                    <a:pt x="6767" y="703262"/>
+                    <a:pt x="15037" y="703262"/>
+                  </a:cubicBezTo>
+                  <a:close/>
+                  <a:moveTo>
+                    <a:pt x="195422" y="517525"/>
+                  </a:moveTo>
+                  <a:cubicBezTo>
+                    <a:pt x="195422" y="517525"/>
+                    <a:pt x="195422" y="517525"/>
+                    <a:pt x="917417" y="517525"/>
+                  </a:cubicBezTo>
+                  <a:cubicBezTo>
+                    <a:pt x="927935" y="517525"/>
+                    <a:pt x="943712" y="523519"/>
+                    <a:pt x="951977" y="531011"/>
+                  </a:cubicBezTo>
+                  <a:cubicBezTo>
+                    <a:pt x="951977" y="531011"/>
+                    <a:pt x="951977" y="531011"/>
+                    <a:pt x="1102987" y="664377"/>
+                  </a:cubicBezTo>
+                  <a:cubicBezTo>
+                    <a:pt x="1111251" y="671869"/>
+                    <a:pt x="1108997" y="677863"/>
+                    <a:pt x="1097728" y="677863"/>
+                  </a:cubicBezTo>
+                  <a:lnTo>
+                    <a:pt x="15111" y="677863"/>
+                  </a:lnTo>
+                  <a:cubicBezTo>
+                    <a:pt x="3842" y="677863"/>
+                    <a:pt x="1588" y="671869"/>
+                    <a:pt x="9852" y="664377"/>
+                  </a:cubicBezTo>
+                  <a:cubicBezTo>
+                    <a:pt x="9852" y="664377"/>
+                    <a:pt x="9852" y="664377"/>
+                    <a:pt x="160111" y="531011"/>
+                  </a:cubicBezTo>
+                  <a:cubicBezTo>
+                    <a:pt x="168376" y="523519"/>
+                    <a:pt x="184153" y="517525"/>
+                    <a:pt x="195422" y="517525"/>
+                  </a:cubicBezTo>
+                  <a:close/>
+                  <a:moveTo>
+                    <a:pt x="194915" y="0"/>
+                  </a:moveTo>
+                  <a:cubicBezTo>
+                    <a:pt x="194915" y="0"/>
+                    <a:pt x="194915" y="0"/>
+                    <a:pt x="917087" y="0"/>
+                  </a:cubicBezTo>
+                  <a:cubicBezTo>
+                    <a:pt x="927607" y="0"/>
+                    <a:pt x="936625" y="9001"/>
+                    <a:pt x="936625" y="20252"/>
+                  </a:cubicBezTo>
+                  <a:cubicBezTo>
+                    <a:pt x="936625" y="20252"/>
+                    <a:pt x="936625" y="20252"/>
+                    <a:pt x="936625" y="470286"/>
+                  </a:cubicBezTo>
+                  <a:cubicBezTo>
+                    <a:pt x="936625" y="481537"/>
+                    <a:pt x="927607" y="490538"/>
+                    <a:pt x="917087" y="490538"/>
+                  </a:cubicBezTo>
+                  <a:cubicBezTo>
+                    <a:pt x="917087" y="490538"/>
+                    <a:pt x="917087" y="490538"/>
+                    <a:pt x="194915" y="490538"/>
+                  </a:cubicBezTo>
+                  <a:cubicBezTo>
+                    <a:pt x="183643" y="490538"/>
+                    <a:pt x="174625" y="481537"/>
+                    <a:pt x="174625" y="470286"/>
+                  </a:cubicBezTo>
+                  <a:cubicBezTo>
+                    <a:pt x="174625" y="470286"/>
+                    <a:pt x="174625" y="470286"/>
+                    <a:pt x="174625" y="20252"/>
+                  </a:cubicBezTo>
+                  <a:cubicBezTo>
+                    <a:pt x="174625" y="9001"/>
+                    <a:pt x="183643" y="0"/>
+                    <a:pt x="194915" y="0"/>
+                  </a:cubicBezTo>
+                  <a:close/>
+                </a:path>
+              </a:pathLst>
+            </a:custGeom>
+            <a:solidFill>
+              <a:schemeClr val="accent6"/>
+            </a:solidFill>
+            <a:ln>
+              <a:noFill/>
+            </a:ln>
+            <a:extLst>
+              <a:ext uri="{91240B29-F687-4F45-9708-019B960494DF}">
+                <a14:hiddenLine xmlns:a14="http://schemas.microsoft.com/office/drawing/2010/main" w="9525">
+                  <a:solidFill>
+                    <a:srgbClr val="000000"/>
+                  </a:solidFill>
+                  <a:round/>
+                  <a:headEnd/>
+                  <a:tailEnd/>
+                </a14:hiddenLine>
+              </a:ext>
+            </a:extLst>
+          </p:spPr>
+          <p:txBody>
+            <a:bodyPr vert="horz" wrap="square" lIns="91440" tIns="45720" rIns="91440" bIns="45720" numCol="1" anchor="t" anchorCtr="0" compatLnSpc="1">
+              <a:prstTxWarp prst="textNoShape">
+                <a:avLst/>
+              </a:prstTxWarp>
+              <a:noAutofit/>
+            </a:bodyPr>
+            <a:lstStyle/>
+            <a:p>
+              <a:endParaRPr lang="ja-JP" altLang="en-US"/>
+            </a:p>
+          </p:txBody>
+        </p:sp>
+        <p:sp>
+          <p:nvSpPr>
+            <p:cNvPr id="7" name="フリーフォーム 6"/>
+            <p:cNvSpPr>
+              <a:spLocks noChangeAspect="1"/>
+            </p:cNvSpPr>
+            <p:nvPr/>
+          </p:nvSpPr>
+          <p:spPr bwMode="gray">
+            <a:xfrm>
+              <a:off x="2615578" y="1292734"/>
+              <a:ext cx="652463" cy="593726"/>
+            </a:xfrm>
+            <a:custGeom>
+              <a:avLst/>
+              <a:gdLst>
+                <a:gd name="connsiteX0" fmla="*/ 239712 w 652463"/>
+                <a:gd name="connsiteY0" fmla="*/ 560388 h 593726"/>
+                <a:gd name="connsiteX1" fmla="*/ 420688 w 652463"/>
+                <a:gd name="connsiteY1" fmla="*/ 560388 h 593726"/>
+                <a:gd name="connsiteX2" fmla="*/ 441325 w 652463"/>
+                <a:gd name="connsiteY2" fmla="*/ 593726 h 593726"/>
+                <a:gd name="connsiteX3" fmla="*/ 220662 w 652463"/>
+                <a:gd name="connsiteY3" fmla="*/ 593726 h 593726"/>
+                <a:gd name="connsiteX4" fmla="*/ 0 w 652463"/>
+                <a:gd name="connsiteY4" fmla="*/ 0 h 593726"/>
+                <a:gd name="connsiteX5" fmla="*/ 652463 w 652463"/>
+                <a:gd name="connsiteY5" fmla="*/ 0 h 593726"/>
+                <a:gd name="connsiteX6" fmla="*/ 652463 w 652463"/>
+                <a:gd name="connsiteY6" fmla="*/ 381000 h 593726"/>
+                <a:gd name="connsiteX7" fmla="*/ 0 w 652463"/>
+                <a:gd name="connsiteY7" fmla="*/ 381000 h 593726"/>
+              </a:gdLst>
+              <a:ahLst/>
+              <a:cxnLst>
+                <a:cxn ang="0">
+                  <a:pos x="connsiteX0" y="connsiteY0"/>
+                </a:cxn>
+                <a:cxn ang="0">
+                  <a:pos x="connsiteX1" y="connsiteY1"/>
+                </a:cxn>
+                <a:cxn ang="0">
+                  <a:pos x="connsiteX2" y="connsiteY2"/>
+                </a:cxn>
+                <a:cxn ang="0">
+                  <a:pos x="connsiteX3" y="connsiteY3"/>
+                </a:cxn>
+                <a:cxn ang="0">
+                  <a:pos x="connsiteX4" y="connsiteY4"/>
+                </a:cxn>
+                <a:cxn ang="0">
+                  <a:pos x="connsiteX5" y="connsiteY5"/>
+                </a:cxn>
+                <a:cxn ang="0">
+                  <a:pos x="connsiteX6" y="connsiteY6"/>
+                </a:cxn>
+                <a:cxn ang="0">
+                  <a:pos x="connsiteX7" y="connsiteY7"/>
+                </a:cxn>
+              </a:cxnLst>
+              <a:rect l="l" t="t" r="r" b="b"/>
+              <a:pathLst>
+                <a:path w="652463" h="593726">
+                  <a:moveTo>
+                    <a:pt x="239712" y="560388"/>
+                  </a:moveTo>
+                  <a:lnTo>
+                    <a:pt x="420688" y="560388"/>
+                  </a:lnTo>
+                  <a:lnTo>
+                    <a:pt x="441325" y="593726"/>
+                  </a:lnTo>
+                  <a:lnTo>
+                    <a:pt x="220662" y="593726"/>
+                  </a:lnTo>
+                  <a:close/>
+                  <a:moveTo>
+                    <a:pt x="0" y="0"/>
+                  </a:moveTo>
+                  <a:lnTo>
+                    <a:pt x="652463" y="0"/>
+                  </a:lnTo>
+                  <a:lnTo>
+                    <a:pt x="652463" y="381000"/>
+                  </a:lnTo>
+                  <a:lnTo>
+                    <a:pt x="0" y="381000"/>
+                  </a:lnTo>
+                  <a:close/>
+                </a:path>
+              </a:pathLst>
+            </a:custGeom>
+            <a:solidFill>
+              <a:srgbClr val="FFFFFF"/>
+            </a:solidFill>
+            <a:ln>
+              <a:noFill/>
+            </a:ln>
+            <a:extLst>
+              <a:ext uri="{91240B29-F687-4F45-9708-019B960494DF}">
+                <a14:hiddenLine xmlns:a14="http://schemas.microsoft.com/office/drawing/2010/main" w="9525">
+                  <a:solidFill>
+                    <a:srgbClr val="000000"/>
+                  </a:solidFill>
+                  <a:round/>
+                  <a:headEnd/>
+                  <a:tailEnd/>
+                </a14:hiddenLine>
+              </a:ext>
+            </a:extLst>
+          </p:spPr>
+          <p:txBody>
+            <a:bodyPr vert="horz" wrap="square" lIns="91440" tIns="45720" rIns="91440" bIns="45720" numCol="1" anchor="t" anchorCtr="0" compatLnSpc="1">
+              <a:prstTxWarp prst="textNoShape">
+                <a:avLst/>
+              </a:prstTxWarp>
+              <a:noAutofit/>
+            </a:bodyPr>
+            <a:lstStyle/>
+            <a:p>
+              <a:endParaRPr lang="ja-JP" altLang="en-US"/>
+            </a:p>
+          </p:txBody>
+        </p:sp>
+      </p:grpSp>
+      <p:sp>
+        <p:nvSpPr>
+          <p:cNvPr id="8" name="テキスト ボックス 7"/>
+          <p:cNvSpPr txBox="1"/>
+          <p:nvPr/>
+        </p:nvSpPr>
+        <p:spPr>
+          <a:xfrm>
+            <a:off x="1020891" y="8363803"/>
+            <a:ext cx="1404231" cy="656590"/>
+          </a:xfrm>
           <a:prstGeom prst="rect">
             <a:avLst/>
           </a:prstGeom>
+          <a:noFill/>
+          <a:ln w="12700" cap="flat">
+            <a:noFill/>
+            <a:miter lim="400000"/>
+          </a:ln>
+          <a:effectLst/>
+          <a:sp3d/>
+        </p:spPr>
+        <p:style>
+          <a:lnRef idx="0">
+            <a:scrgbClr r="0" g="0" b="0"/>
+          </a:lnRef>
+          <a:fillRef idx="0">
+            <a:scrgbClr r="0" g="0" b="0"/>
+          </a:fillRef>
+          <a:effectRef idx="0">
+            <a:scrgbClr r="0" g="0" b="0"/>
+          </a:effectRef>
+          <a:fontRef idx="none"/>
+        </p:style>
+        <p:txBody>
+          <a:bodyPr rot="0" spcFirstLastPara="1" vertOverflow="overflow" horzOverflow="overflow" vert="horz" wrap="none" lIns="50800" tIns="50800" rIns="50800" bIns="50800" numCol="1" spcCol="38100" rtlCol="0" anchor="ctr">
+            <a:spAutoFit/>
+          </a:bodyPr>
+          <a:lstStyle/>
+          <a:p>
+            <a:pPr marL="0" marR="0" indent="0" algn="ctr" defTabSz="584200" rtl="0" fontAlgn="auto" latinLnBrk="0" hangingPunct="0">
+              <a:lnSpc>
+                <a:spcPct val="100000"/>
+              </a:lnSpc>
+              <a:spcBef>
+                <a:spcPts val="0"/>
+              </a:spcBef>
+              <a:spcAft>
+                <a:spcPts val="0"/>
+              </a:spcAft>
+              <a:buClrTx/>
+              <a:buSzTx/>
+              <a:buFontTx/>
+              <a:buNone/>
+              <a:tabLst/>
+            </a:pPr>
+            <a:r>
+              <a:rPr kumimoji="0" lang="ja-JP" altLang="en-US" sz="1800" b="0" i="0" u="none" strike="noStrike" cap="none" spc="0" normalizeH="0" baseline="0" dirty="0" smtClean="0">
+                <a:ln>
+                  <a:noFill/>
+                </a:ln>
+                <a:solidFill>
+                  <a:srgbClr val="414141"/>
+                </a:solidFill>
+                <a:effectLst/>
+                <a:uFillTx/>
+                <a:latin typeface="Palatino"/>
+                <a:ea typeface="Palatino"/>
+                <a:cs typeface="Palatino"/>
+                <a:sym typeface="Palatino"/>
+              </a:rPr>
+              <a:t>開発用</a:t>
+            </a:r>
+            <a:r>
+              <a:rPr kumimoji="0" lang="en-US" altLang="ja-JP" sz="1800" b="0" i="0" u="none" strike="noStrike" cap="none" spc="0" normalizeH="0" baseline="0" dirty="0" smtClean="0">
+                <a:ln>
+                  <a:noFill/>
+                </a:ln>
+                <a:solidFill>
+                  <a:srgbClr val="414141"/>
+                </a:solidFill>
+                <a:effectLst/>
+                <a:uFillTx/>
+                <a:latin typeface="Palatino"/>
+                <a:ea typeface="Palatino"/>
+                <a:cs typeface="Palatino"/>
+                <a:sym typeface="Palatino"/>
+              </a:rPr>
+              <a:t>PC</a:t>
+            </a:r>
+          </a:p>
+          <a:p>
+            <a:pPr marL="0" marR="0" indent="0" algn="ctr" defTabSz="584200" rtl="0" fontAlgn="auto" latinLnBrk="0" hangingPunct="0">
+              <a:lnSpc>
+                <a:spcPct val="100000"/>
+              </a:lnSpc>
+              <a:spcBef>
+                <a:spcPts val="0"/>
+              </a:spcBef>
+              <a:spcAft>
+                <a:spcPts val="0"/>
+              </a:spcAft>
+              <a:buClrTx/>
+              <a:buSzTx/>
+              <a:buFontTx/>
+              <a:buNone/>
+              <a:tabLst/>
+            </a:pPr>
+            <a:r>
+              <a:rPr lang="ja-JP" altLang="en-US" sz="1800" dirty="0" smtClean="0"/>
+              <a:t>（</a:t>
+            </a:r>
+            <a:r>
+              <a:rPr lang="en-US" altLang="ja-JP" sz="1800" dirty="0" smtClean="0"/>
+              <a:t>Win or Mac</a:t>
+            </a:r>
+            <a:r>
+              <a:rPr lang="ja-JP" altLang="en-US" sz="1800" dirty="0" smtClean="0"/>
+              <a:t>）</a:t>
+            </a:r>
+            <a:endParaRPr kumimoji="0" lang="ja-JP" altLang="en-US" sz="1800" b="0" i="0" u="none" strike="noStrike" cap="none" spc="0" normalizeH="0" baseline="0" dirty="0">
+              <a:ln>
+                <a:noFill/>
+              </a:ln>
+              <a:solidFill>
+                <a:srgbClr val="414141"/>
+              </a:solidFill>
+              <a:effectLst/>
+              <a:uFillTx/>
+              <a:latin typeface="Palatino"/>
+              <a:ea typeface="Palatino"/>
+              <a:cs typeface="Palatino"/>
+              <a:sym typeface="Palatino"/>
+            </a:endParaRPr>
+          </a:p>
+        </p:txBody>
+      </p:sp>
+      <p:pic>
+        <p:nvPicPr>
+          <p:cNvPr id="1026" name="Picture 2" descr="M:\D\デスクトップ\NII\参考資料\InTheBox_45500_P_Brik_Left_Square.png"/>
+          <p:cNvPicPr>
+            <a:picLocks noChangeAspect="1" noChangeArrowheads="1"/>
+          </p:cNvPicPr>
+          <p:nvPr/>
+        </p:nvPicPr>
+        <p:blipFill>
+          <a:blip r:embed="rId2" cstate="print">
+            <a:extLst>
+              <a:ext uri="{28A0092B-C50C-407E-A947-70E740481C1C}">
+                <a14:useLocalDpi xmlns:a14="http://schemas.microsoft.com/office/drawing/2010/main" val="0"/>
+              </a:ext>
+            </a:extLst>
+          </a:blip>
+          <a:srcRect/>
+          <a:stretch>
+            <a:fillRect/>
+          </a:stretch>
+        </p:blipFill>
+        <p:spPr bwMode="auto">
+          <a:xfrm>
+            <a:off x="3118024" y="6932161"/>
+            <a:ext cx="1714500" cy="1714500"/>
+          </a:xfrm>
+          <a:prstGeom prst="rect">
+            <a:avLst/>
+          </a:prstGeom>
+          <a:noFill/>
+          <a:extLst>
+            <a:ext uri="{909E8E84-426E-40DD-AFC4-6F175D3DCCD1}">
+              <a14:hiddenFill xmlns:a14="http://schemas.microsoft.com/office/drawing/2010/main">
+                <a:solidFill>
+                  <a:srgbClr val="FFFFFF"/>
+                </a:solidFill>
+              </a14:hiddenFill>
+            </a:ext>
+          </a:extLst>
+        </p:spPr>
+      </p:pic>
+      <p:sp>
+        <p:nvSpPr>
+          <p:cNvPr id="10" name="テキスト ボックス 9"/>
+          <p:cNvSpPr txBox="1"/>
+          <p:nvPr/>
+        </p:nvSpPr>
+        <p:spPr>
+          <a:xfrm>
+            <a:off x="3783142" y="8444329"/>
+            <a:ext cx="495328" cy="379591"/>
+          </a:xfrm>
+          <a:prstGeom prst="rect">
+            <a:avLst/>
+          </a:prstGeom>
+          <a:noFill/>
+          <a:ln w="12700" cap="flat">
+            <a:noFill/>
+            <a:miter lim="400000"/>
+          </a:ln>
+          <a:effectLst/>
+          <a:sp3d/>
+        </p:spPr>
+        <p:style>
+          <a:lnRef idx="0">
+            <a:scrgbClr r="0" g="0" b="0"/>
+          </a:lnRef>
+          <a:fillRef idx="0">
+            <a:scrgbClr r="0" g="0" b="0"/>
+          </a:fillRef>
+          <a:effectRef idx="0">
+            <a:scrgbClr r="0" g="0" b="0"/>
+          </a:effectRef>
+          <a:fontRef idx="none"/>
+        </p:style>
+        <p:txBody>
+          <a:bodyPr rot="0" spcFirstLastPara="1" vertOverflow="overflow" horzOverflow="overflow" vert="horz" wrap="none" lIns="50800" tIns="50800" rIns="50800" bIns="50800" numCol="1" spcCol="38100" rtlCol="0" anchor="ctr">
+            <a:spAutoFit/>
+          </a:bodyPr>
+          <a:lstStyle/>
+          <a:p>
+            <a:pPr marL="0" marR="0" indent="0" algn="ctr" defTabSz="584200" rtl="0" fontAlgn="auto" latinLnBrk="0" hangingPunct="0">
+              <a:lnSpc>
+                <a:spcPct val="100000"/>
+              </a:lnSpc>
+              <a:spcBef>
+                <a:spcPts val="0"/>
+              </a:spcBef>
+              <a:spcAft>
+                <a:spcPts val="0"/>
+              </a:spcAft>
+              <a:buClrTx/>
+              <a:buSzTx/>
+              <a:buFontTx/>
+              <a:buNone/>
+              <a:tabLst/>
+            </a:pPr>
+            <a:r>
+              <a:rPr lang="en-US" altLang="ja-JP" sz="1800" dirty="0"/>
+              <a:t>EV3</a:t>
+            </a:r>
+            <a:endParaRPr kumimoji="0" lang="ja-JP" altLang="en-US" sz="1800" b="0" i="0" u="none" strike="noStrike" cap="none" spc="0" normalizeH="0" baseline="0" dirty="0">
+              <a:ln>
+                <a:noFill/>
+              </a:ln>
+              <a:solidFill>
+                <a:srgbClr val="414141"/>
+              </a:solidFill>
+              <a:effectLst/>
+              <a:uFillTx/>
+              <a:latin typeface="Palatino"/>
+              <a:ea typeface="Palatino"/>
+              <a:cs typeface="Palatino"/>
+              <a:sym typeface="Palatino"/>
+            </a:endParaRPr>
+          </a:p>
+        </p:txBody>
+      </p:sp>
+      <p:cxnSp>
+        <p:nvCxnSpPr>
+          <p:cNvPr id="22" name="直線コネクタ 21"/>
+          <p:cNvCxnSpPr/>
+          <p:nvPr/>
+        </p:nvCxnSpPr>
+        <p:spPr>
+          <a:xfrm>
+            <a:off x="2240386" y="7717576"/>
+            <a:ext cx="1073848" cy="0"/>
+          </a:xfrm>
+          <a:prstGeom prst="line">
+            <a:avLst/>
+          </a:prstGeom>
+          <a:noFill/>
+          <a:ln w="25400" cap="flat">
+            <a:solidFill>
+              <a:schemeClr val="accent6"/>
+            </a:solidFill>
+            <a:prstDash val="solid"/>
+            <a:miter lim="400000"/>
+          </a:ln>
+          <a:effectLst/>
+          <a:sp3d/>
+        </p:spPr>
+        <p:style>
+          <a:lnRef idx="0">
+            <a:scrgbClr r="0" g="0" b="0"/>
+          </a:lnRef>
+          <a:fillRef idx="0">
+            <a:scrgbClr r="0" g="0" b="0"/>
+          </a:fillRef>
+          <a:effectRef idx="0">
+            <a:scrgbClr r="0" g="0" b="0"/>
+          </a:effectRef>
+          <a:fontRef idx="none"/>
+        </p:style>
+      </p:cxnSp>
+      <p:sp>
+        <p:nvSpPr>
+          <p:cNvPr id="24" name="テキスト ボックス 23"/>
+          <p:cNvSpPr txBox="1"/>
+          <p:nvPr/>
+        </p:nvSpPr>
+        <p:spPr>
+          <a:xfrm>
+            <a:off x="2374026" y="7746508"/>
+            <a:ext cx="876843" cy="595035"/>
+          </a:xfrm>
+          <a:prstGeom prst="rect">
+            <a:avLst/>
+          </a:prstGeom>
+          <a:noFill/>
+          <a:ln w="12700" cap="flat">
+            <a:noFill/>
+            <a:miter lim="400000"/>
+          </a:ln>
+          <a:effectLst/>
+          <a:sp3d/>
+        </p:spPr>
+        <p:style>
+          <a:lnRef idx="0">
+            <a:scrgbClr r="0" g="0" b="0"/>
+          </a:lnRef>
+          <a:fillRef idx="0">
+            <a:scrgbClr r="0" g="0" b="0"/>
+          </a:fillRef>
+          <a:effectRef idx="0">
+            <a:scrgbClr r="0" g="0" b="0"/>
+          </a:effectRef>
+          <a:fontRef idx="none"/>
+        </p:style>
+        <p:txBody>
+          <a:bodyPr rot="0" spcFirstLastPara="1" vertOverflow="overflow" horzOverflow="overflow" vert="horz" wrap="none" lIns="50800" tIns="50800" rIns="50800" bIns="50800" numCol="1" spcCol="38100" rtlCol="0" anchor="ctr">
+            <a:spAutoFit/>
+          </a:bodyPr>
+          <a:lstStyle/>
+          <a:p>
+            <a:pPr marL="0" marR="0" indent="0" algn="ctr" defTabSz="584200" rtl="0" fontAlgn="auto" latinLnBrk="0" hangingPunct="0">
+              <a:lnSpc>
+                <a:spcPct val="100000"/>
+              </a:lnSpc>
+              <a:spcBef>
+                <a:spcPts val="0"/>
+              </a:spcBef>
+              <a:spcAft>
+                <a:spcPts val="0"/>
+              </a:spcAft>
+              <a:buClrTx/>
+              <a:buSzTx/>
+              <a:buFontTx/>
+              <a:buNone/>
+              <a:tabLst/>
+            </a:pPr>
+            <a:r>
+              <a:rPr lang="ja-JP" altLang="en-US" sz="1600" dirty="0" smtClean="0"/>
+              <a:t>ミニ</a:t>
+            </a:r>
+            <a:r>
+              <a:rPr lang="en-US" altLang="ja-JP" sz="1600" dirty="0" smtClean="0"/>
+              <a:t>USB</a:t>
+            </a:r>
+          </a:p>
+          <a:p>
+            <a:pPr marL="0" marR="0" indent="0" algn="ctr" defTabSz="584200" rtl="0" fontAlgn="auto" latinLnBrk="0" hangingPunct="0">
+              <a:lnSpc>
+                <a:spcPct val="100000"/>
+              </a:lnSpc>
+              <a:spcBef>
+                <a:spcPts val="0"/>
+              </a:spcBef>
+              <a:spcAft>
+                <a:spcPts val="0"/>
+              </a:spcAft>
+              <a:buClrTx/>
+              <a:buSzTx/>
+              <a:buFontTx/>
+              <a:buNone/>
+              <a:tabLst/>
+            </a:pPr>
+            <a:r>
+              <a:rPr lang="ja-JP" altLang="en-US" sz="1600" dirty="0" smtClean="0"/>
+              <a:t>ケーブル</a:t>
+            </a:r>
+            <a:endParaRPr kumimoji="0" lang="ja-JP" altLang="en-US" sz="1600" b="0" i="0" u="none" strike="noStrike" cap="none" spc="0" normalizeH="0" baseline="0" dirty="0">
+              <a:ln>
+                <a:noFill/>
+              </a:ln>
+              <a:solidFill>
+                <a:srgbClr val="414141"/>
+              </a:solidFill>
+              <a:effectLst/>
+              <a:uFillTx/>
+              <a:sym typeface="Palatino"/>
+            </a:endParaRPr>
+          </a:p>
+        </p:txBody>
+      </p:sp>
+      <p:pic>
+        <p:nvPicPr>
+          <p:cNvPr id="1028" name="Picture 4" descr="M:\D\デスクトップ\NII\参考資料\1DJ2UM9ZF.jpg"/>
+          <p:cNvPicPr>
+            <a:picLocks noChangeAspect="1" noChangeArrowheads="1"/>
+          </p:cNvPicPr>
+          <p:nvPr/>
+        </p:nvPicPr>
+        <p:blipFill>
+          <a:blip r:embed="rId3">
+            <a:extLst>
+              <a:ext uri="{28A0092B-C50C-407E-A947-70E740481C1C}">
+                <a14:useLocalDpi xmlns:a14="http://schemas.microsoft.com/office/drawing/2010/main" val="0"/>
+              </a:ext>
+            </a:extLst>
+          </a:blip>
+          <a:srcRect/>
+          <a:stretch>
+            <a:fillRect/>
+          </a:stretch>
+        </p:blipFill>
+        <p:spPr bwMode="auto">
+          <a:xfrm>
+            <a:off x="5461570" y="7264762"/>
+            <a:ext cx="914400" cy="914400"/>
+          </a:xfrm>
+          <a:prstGeom prst="rect">
+            <a:avLst/>
+          </a:prstGeom>
+          <a:noFill/>
+          <a:extLst>
+            <a:ext uri="{909E8E84-426E-40DD-AFC4-6F175D3DCCD1}">
+              <a14:hiddenFill xmlns:a14="http://schemas.microsoft.com/office/drawing/2010/main">
+                <a:solidFill>
+                  <a:srgbClr val="FFFFFF"/>
+                </a:solidFill>
+              </a14:hiddenFill>
+            </a:ext>
+          </a:extLst>
+        </p:spPr>
+      </p:pic>
+      <p:sp>
+        <p:nvSpPr>
+          <p:cNvPr id="29" name="テキスト ボックス 28"/>
+          <p:cNvSpPr txBox="1"/>
+          <p:nvPr/>
+        </p:nvSpPr>
+        <p:spPr>
+          <a:xfrm>
+            <a:off x="4798253" y="7738100"/>
+            <a:ext cx="488916" cy="348813"/>
+          </a:xfrm>
+          <a:prstGeom prst="rect">
+            <a:avLst/>
+          </a:prstGeom>
+          <a:noFill/>
+          <a:ln w="12700" cap="flat">
+            <a:noFill/>
+            <a:miter lim="400000"/>
+          </a:ln>
+          <a:effectLst/>
+          <a:sp3d/>
+        </p:spPr>
+        <p:style>
+          <a:lnRef idx="0">
+            <a:scrgbClr r="0" g="0" b="0"/>
+          </a:lnRef>
+          <a:fillRef idx="0">
+            <a:scrgbClr r="0" g="0" b="0"/>
+          </a:fillRef>
+          <a:effectRef idx="0">
+            <a:scrgbClr r="0" g="0" b="0"/>
+          </a:effectRef>
+          <a:fontRef idx="none"/>
+        </p:style>
+        <p:txBody>
+          <a:bodyPr rot="0" spcFirstLastPara="1" vertOverflow="overflow" horzOverflow="overflow" vert="horz" wrap="none" lIns="50800" tIns="50800" rIns="50800" bIns="50800" numCol="1" spcCol="38100" rtlCol="0" anchor="ctr">
+            <a:spAutoFit/>
+          </a:bodyPr>
+          <a:lstStyle/>
+          <a:p>
+            <a:pPr marL="0" marR="0" indent="0" algn="ctr" defTabSz="584200" rtl="0" fontAlgn="auto" latinLnBrk="0" hangingPunct="0">
+              <a:lnSpc>
+                <a:spcPct val="100000"/>
+              </a:lnSpc>
+              <a:spcBef>
+                <a:spcPts val="0"/>
+              </a:spcBef>
+              <a:spcAft>
+                <a:spcPts val="0"/>
+              </a:spcAft>
+              <a:buClrTx/>
+              <a:buSzTx/>
+              <a:buFontTx/>
+              <a:buNone/>
+              <a:tabLst/>
+            </a:pPr>
+            <a:r>
+              <a:rPr lang="en-US" altLang="ja-JP" sz="1600" dirty="0" smtClean="0"/>
+              <a:t>USB</a:t>
+            </a:r>
+            <a:endParaRPr kumimoji="0" lang="ja-JP" altLang="en-US" sz="1600" b="0" i="0" u="none" strike="noStrike" cap="none" spc="0" normalizeH="0" baseline="0" dirty="0">
+              <a:ln>
+                <a:noFill/>
+              </a:ln>
+              <a:solidFill>
+                <a:srgbClr val="414141"/>
+              </a:solidFill>
+              <a:effectLst/>
+              <a:uFillTx/>
+              <a:sym typeface="Palatino"/>
+            </a:endParaRPr>
+          </a:p>
+        </p:txBody>
+      </p:sp>
+      <p:cxnSp>
+        <p:nvCxnSpPr>
+          <p:cNvPr id="34" name="直線コネクタ 33"/>
+          <p:cNvCxnSpPr/>
+          <p:nvPr/>
+        </p:nvCxnSpPr>
+        <p:spPr>
+          <a:xfrm>
+            <a:off x="4702200" y="7722711"/>
+            <a:ext cx="681022" cy="0"/>
+          </a:xfrm>
+          <a:prstGeom prst="line">
+            <a:avLst/>
+          </a:prstGeom>
+          <a:noFill/>
+          <a:ln w="25400" cap="flat">
+            <a:solidFill>
+              <a:schemeClr val="accent6"/>
+            </a:solidFill>
+            <a:prstDash val="sysDash"/>
+            <a:miter lim="400000"/>
+          </a:ln>
+          <a:effectLst/>
+          <a:sp3d/>
+        </p:spPr>
+        <p:style>
+          <a:lnRef idx="0">
+            <a:scrgbClr r="0" g="0" b="0"/>
+          </a:lnRef>
+          <a:fillRef idx="0">
+            <a:scrgbClr r="0" g="0" b="0"/>
+          </a:fillRef>
+          <a:effectRef idx="0">
+            <a:scrgbClr r="0" g="0" b="0"/>
+          </a:effectRef>
+          <a:fontRef idx="none"/>
+        </p:style>
+      </p:cxnSp>
+      <p:sp>
+        <p:nvSpPr>
+          <p:cNvPr id="36" name="テキスト ボックス 35"/>
+          <p:cNvSpPr txBox="1"/>
+          <p:nvPr/>
+        </p:nvSpPr>
+        <p:spPr>
+          <a:xfrm>
+            <a:off x="5467525" y="8300313"/>
+            <a:ext cx="902490" cy="656590"/>
+          </a:xfrm>
+          <a:prstGeom prst="rect">
+            <a:avLst/>
+          </a:prstGeom>
+          <a:noFill/>
+          <a:ln w="12700" cap="flat">
+            <a:noFill/>
+            <a:miter lim="400000"/>
+          </a:ln>
+          <a:effectLst/>
+          <a:sp3d/>
+        </p:spPr>
+        <p:style>
+          <a:lnRef idx="0">
+            <a:scrgbClr r="0" g="0" b="0"/>
+          </a:lnRef>
+          <a:fillRef idx="0">
+            <a:scrgbClr r="0" g="0" b="0"/>
+          </a:fillRef>
+          <a:effectRef idx="0">
+            <a:scrgbClr r="0" g="0" b="0"/>
+          </a:effectRef>
+          <a:fontRef idx="none"/>
+        </p:style>
+        <p:txBody>
+          <a:bodyPr rot="0" spcFirstLastPara="1" vertOverflow="overflow" horzOverflow="overflow" vert="horz" wrap="none" lIns="50800" tIns="50800" rIns="50800" bIns="50800" numCol="1" spcCol="38100" rtlCol="0" anchor="ctr">
+            <a:spAutoFit/>
+          </a:bodyPr>
+          <a:lstStyle/>
+          <a:p>
+            <a:pPr marL="0" marR="0" indent="0" algn="ctr" defTabSz="584200" rtl="0" fontAlgn="auto" latinLnBrk="0" hangingPunct="0">
+              <a:lnSpc>
+                <a:spcPct val="100000"/>
+              </a:lnSpc>
+              <a:spcBef>
+                <a:spcPts val="0"/>
+              </a:spcBef>
+              <a:spcAft>
+                <a:spcPts val="0"/>
+              </a:spcAft>
+              <a:buClrTx/>
+              <a:buSzTx/>
+              <a:buFontTx/>
+              <a:buNone/>
+              <a:tabLst/>
+            </a:pPr>
+            <a:r>
+              <a:rPr lang="en-US" altLang="ja-JP" sz="1800" dirty="0" err="1"/>
+              <a:t>Wifi</a:t>
+            </a:r>
+            <a:endParaRPr kumimoji="0" lang="en-US" altLang="ja-JP" sz="1800" b="0" i="0" u="none" strike="noStrike" cap="none" spc="0" normalizeH="0" baseline="0" dirty="0" smtClean="0">
+              <a:ln>
+                <a:noFill/>
+              </a:ln>
+              <a:solidFill>
+                <a:srgbClr val="414141"/>
+              </a:solidFill>
+              <a:effectLst/>
+              <a:uFillTx/>
+              <a:latin typeface="Palatino"/>
+              <a:ea typeface="Palatino"/>
+              <a:cs typeface="Palatino"/>
+              <a:sym typeface="Palatino"/>
+            </a:endParaRPr>
+          </a:p>
+          <a:p>
+            <a:pPr marL="0" marR="0" indent="0" algn="ctr" defTabSz="584200" rtl="0" fontAlgn="auto" latinLnBrk="0" hangingPunct="0">
+              <a:lnSpc>
+                <a:spcPct val="100000"/>
+              </a:lnSpc>
+              <a:spcBef>
+                <a:spcPts val="0"/>
+              </a:spcBef>
+              <a:spcAft>
+                <a:spcPts val="0"/>
+              </a:spcAft>
+              <a:buClrTx/>
+              <a:buSzTx/>
+              <a:buFontTx/>
+              <a:buNone/>
+              <a:tabLst/>
+            </a:pPr>
+            <a:r>
+              <a:rPr lang="ja-JP" altLang="en-US" sz="1800" dirty="0" smtClean="0"/>
+              <a:t>アダプタ</a:t>
+            </a:r>
+            <a:endParaRPr kumimoji="0" lang="ja-JP" altLang="en-US" sz="1800" b="0" i="0" u="none" strike="noStrike" cap="none" spc="0" normalizeH="0" baseline="0" dirty="0">
+              <a:ln>
+                <a:noFill/>
+              </a:ln>
+              <a:solidFill>
+                <a:srgbClr val="414141"/>
+              </a:solidFill>
+              <a:effectLst/>
+              <a:uFillTx/>
+              <a:latin typeface="Palatino"/>
+              <a:ea typeface="Palatino"/>
+              <a:cs typeface="Palatino"/>
+              <a:sym typeface="Palatino"/>
+            </a:endParaRPr>
+          </a:p>
+        </p:txBody>
+      </p:sp>
+      <p:grpSp>
+        <p:nvGrpSpPr>
+          <p:cNvPr id="37" name="グループ化 36"/>
+          <p:cNvGrpSpPr>
+            <a:grpSpLocks noChangeAspect="1"/>
+          </p:cNvGrpSpPr>
+          <p:nvPr/>
+        </p:nvGrpSpPr>
+        <p:grpSpPr bwMode="gray">
+          <a:xfrm>
+            <a:off x="7421792" y="7080014"/>
+            <a:ext cx="712787" cy="1122362"/>
+            <a:chOff x="2597323" y="4836148"/>
+            <a:chExt cx="712787" cy="1122362"/>
+          </a:xfrm>
+        </p:grpSpPr>
+        <p:sp>
+          <p:nvSpPr>
+            <p:cNvPr id="38" name="フリーフォーム 37"/>
+            <p:cNvSpPr>
+              <a:spLocks noChangeAspect="1"/>
+            </p:cNvSpPr>
+            <p:nvPr/>
+          </p:nvSpPr>
+          <p:spPr bwMode="gray">
+            <a:xfrm>
+              <a:off x="2597323" y="4836148"/>
+              <a:ext cx="712787" cy="1122362"/>
+            </a:xfrm>
+            <a:custGeom>
+              <a:avLst/>
+              <a:gdLst>
+                <a:gd name="connsiteX0" fmla="*/ 410949 w 712787"/>
+                <a:gd name="connsiteY0" fmla="*/ 269875 h 1122362"/>
+                <a:gd name="connsiteX1" fmla="*/ 441000 w 712787"/>
+                <a:gd name="connsiteY1" fmla="*/ 299945 h 1122362"/>
+                <a:gd name="connsiteX2" fmla="*/ 441000 w 712787"/>
+                <a:gd name="connsiteY2" fmla="*/ 1052449 h 1122362"/>
+                <a:gd name="connsiteX3" fmla="*/ 611541 w 712787"/>
+                <a:gd name="connsiteY3" fmla="*/ 1052449 h 1122362"/>
+                <a:gd name="connsiteX4" fmla="*/ 631825 w 712787"/>
+                <a:gd name="connsiteY4" fmla="*/ 1072747 h 1122362"/>
+                <a:gd name="connsiteX5" fmla="*/ 631825 w 712787"/>
+                <a:gd name="connsiteY5" fmla="*/ 1102817 h 1122362"/>
+                <a:gd name="connsiteX6" fmla="*/ 611541 w 712787"/>
+                <a:gd name="connsiteY6" fmla="*/ 1122362 h 1122362"/>
+                <a:gd name="connsiteX7" fmla="*/ 19533 w 712787"/>
+                <a:gd name="connsiteY7" fmla="*/ 1122362 h 1122362"/>
+                <a:gd name="connsiteX8" fmla="*/ 0 w 712787"/>
+                <a:gd name="connsiteY8" fmla="*/ 1102817 h 1122362"/>
+                <a:gd name="connsiteX9" fmla="*/ 0 w 712787"/>
+                <a:gd name="connsiteY9" fmla="*/ 1072747 h 1122362"/>
+                <a:gd name="connsiteX10" fmla="*/ 19533 w 712787"/>
+                <a:gd name="connsiteY10" fmla="*/ 1052449 h 1122362"/>
+                <a:gd name="connsiteX11" fmla="*/ 190074 w 712787"/>
+                <a:gd name="connsiteY11" fmla="*/ 1052449 h 1122362"/>
+                <a:gd name="connsiteX12" fmla="*/ 190074 w 712787"/>
+                <a:gd name="connsiteY12" fmla="*/ 490890 h 1122362"/>
+                <a:gd name="connsiteX13" fmla="*/ 210358 w 712787"/>
+                <a:gd name="connsiteY13" fmla="*/ 470593 h 1122362"/>
+                <a:gd name="connsiteX14" fmla="*/ 380898 w 712787"/>
+                <a:gd name="connsiteY14" fmla="*/ 470593 h 1122362"/>
+                <a:gd name="connsiteX15" fmla="*/ 380898 w 712787"/>
+                <a:gd name="connsiteY15" fmla="*/ 299945 h 1122362"/>
+                <a:gd name="connsiteX16" fmla="*/ 410949 w 712787"/>
+                <a:gd name="connsiteY16" fmla="*/ 269875 h 1122362"/>
+                <a:gd name="connsiteX17" fmla="*/ 446828 w 712787"/>
+                <a:gd name="connsiteY17" fmla="*/ 168275 h 1122362"/>
+                <a:gd name="connsiteX18" fmla="*/ 544512 w 712787"/>
+                <a:gd name="connsiteY18" fmla="*/ 262056 h 1122362"/>
+                <a:gd name="connsiteX19" fmla="*/ 530235 w 712787"/>
+                <a:gd name="connsiteY19" fmla="*/ 277812 h 1122362"/>
+                <a:gd name="connsiteX20" fmla="*/ 515207 w 712787"/>
+                <a:gd name="connsiteY20" fmla="*/ 263557 h 1122362"/>
+                <a:gd name="connsiteX21" fmla="*/ 446828 w 712787"/>
+                <a:gd name="connsiteY21" fmla="*/ 197535 h 1122362"/>
+                <a:gd name="connsiteX22" fmla="*/ 431800 w 712787"/>
+                <a:gd name="connsiteY22" fmla="*/ 182530 h 1122362"/>
+                <a:gd name="connsiteX23" fmla="*/ 446828 w 712787"/>
+                <a:gd name="connsiteY23" fmla="*/ 168275 h 1122362"/>
+                <a:gd name="connsiteX24" fmla="*/ 446827 w 712787"/>
+                <a:gd name="connsiteY24" fmla="*/ 84137 h 1122362"/>
+                <a:gd name="connsiteX25" fmla="*/ 628650 w 712787"/>
+                <a:gd name="connsiteY25" fmla="*/ 262798 h 1122362"/>
+                <a:gd name="connsiteX26" fmla="*/ 613623 w 712787"/>
+                <a:gd name="connsiteY26" fmla="*/ 277812 h 1122362"/>
+                <a:gd name="connsiteX27" fmla="*/ 598597 w 712787"/>
+                <a:gd name="connsiteY27" fmla="*/ 263549 h 1122362"/>
+                <a:gd name="connsiteX28" fmla="*/ 446827 w 712787"/>
+                <a:gd name="connsiteY28" fmla="*/ 114164 h 1122362"/>
+                <a:gd name="connsiteX29" fmla="*/ 431800 w 712787"/>
+                <a:gd name="connsiteY29" fmla="*/ 99150 h 1122362"/>
+                <a:gd name="connsiteX30" fmla="*/ 446827 w 712787"/>
+                <a:gd name="connsiteY30" fmla="*/ 84137 h 1122362"/>
+                <a:gd name="connsiteX31" fmla="*/ 446866 w 712787"/>
+                <a:gd name="connsiteY31" fmla="*/ 0 h 1122362"/>
+                <a:gd name="connsiteX32" fmla="*/ 712787 w 712787"/>
+                <a:gd name="connsiteY32" fmla="*/ 262754 h 1122362"/>
+                <a:gd name="connsiteX33" fmla="*/ 697721 w 712787"/>
+                <a:gd name="connsiteY33" fmla="*/ 277812 h 1122362"/>
+                <a:gd name="connsiteX34" fmla="*/ 683408 w 712787"/>
+                <a:gd name="connsiteY34" fmla="*/ 262754 h 1122362"/>
+                <a:gd name="connsiteX35" fmla="*/ 446866 w 712787"/>
+                <a:gd name="connsiteY35" fmla="*/ 29362 h 1122362"/>
+                <a:gd name="connsiteX36" fmla="*/ 431800 w 712787"/>
+                <a:gd name="connsiteY36" fmla="*/ 15057 h 1122362"/>
+                <a:gd name="connsiteX37" fmla="*/ 446866 w 712787"/>
+                <a:gd name="connsiteY37" fmla="*/ 0 h 1122362"/>
+              </a:gdLst>
+              <a:ahLst/>
+              <a:cxnLst>
+                <a:cxn ang="0">
+                  <a:pos x="connsiteX0" y="connsiteY0"/>
+                </a:cxn>
+                <a:cxn ang="0">
+                  <a:pos x="connsiteX1" y="connsiteY1"/>
+                </a:cxn>
+                <a:cxn ang="0">
+                  <a:pos x="connsiteX2" y="connsiteY2"/>
+                </a:cxn>
+                <a:cxn ang="0">
+                  <a:pos x="connsiteX3" y="connsiteY3"/>
+                </a:cxn>
+                <a:cxn ang="0">
+                  <a:pos x="connsiteX4" y="connsiteY4"/>
+                </a:cxn>
+                <a:cxn ang="0">
+                  <a:pos x="connsiteX5" y="connsiteY5"/>
+                </a:cxn>
+                <a:cxn ang="0">
+                  <a:pos x="connsiteX6" y="connsiteY6"/>
+                </a:cxn>
+                <a:cxn ang="0">
+                  <a:pos x="connsiteX7" y="connsiteY7"/>
+                </a:cxn>
+                <a:cxn ang="0">
+                  <a:pos x="connsiteX8" y="connsiteY8"/>
+                </a:cxn>
+                <a:cxn ang="0">
+                  <a:pos x="connsiteX9" y="connsiteY9"/>
+                </a:cxn>
+                <a:cxn ang="0">
+                  <a:pos x="connsiteX10" y="connsiteY10"/>
+                </a:cxn>
+                <a:cxn ang="0">
+                  <a:pos x="connsiteX11" y="connsiteY11"/>
+                </a:cxn>
+                <a:cxn ang="0">
+                  <a:pos x="connsiteX12" y="connsiteY12"/>
+                </a:cxn>
+                <a:cxn ang="0">
+                  <a:pos x="connsiteX13" y="connsiteY13"/>
+                </a:cxn>
+                <a:cxn ang="0">
+                  <a:pos x="connsiteX14" y="connsiteY14"/>
+                </a:cxn>
+                <a:cxn ang="0">
+                  <a:pos x="connsiteX15" y="connsiteY15"/>
+                </a:cxn>
+                <a:cxn ang="0">
+                  <a:pos x="connsiteX16" y="connsiteY16"/>
+                </a:cxn>
+                <a:cxn ang="0">
+                  <a:pos x="connsiteX17" y="connsiteY17"/>
+                </a:cxn>
+                <a:cxn ang="0">
+                  <a:pos x="connsiteX18" y="connsiteY18"/>
+                </a:cxn>
+                <a:cxn ang="0">
+                  <a:pos x="connsiteX19" y="connsiteY19"/>
+                </a:cxn>
+                <a:cxn ang="0">
+                  <a:pos x="connsiteX20" y="connsiteY20"/>
+                </a:cxn>
+                <a:cxn ang="0">
+                  <a:pos x="connsiteX21" y="connsiteY21"/>
+                </a:cxn>
+                <a:cxn ang="0">
+                  <a:pos x="connsiteX22" y="connsiteY22"/>
+                </a:cxn>
+                <a:cxn ang="0">
+                  <a:pos x="connsiteX23" y="connsiteY23"/>
+                </a:cxn>
+                <a:cxn ang="0">
+                  <a:pos x="connsiteX24" y="connsiteY24"/>
+                </a:cxn>
+                <a:cxn ang="0">
+                  <a:pos x="connsiteX25" y="connsiteY25"/>
+                </a:cxn>
+                <a:cxn ang="0">
+                  <a:pos x="connsiteX26" y="connsiteY26"/>
+                </a:cxn>
+                <a:cxn ang="0">
+                  <a:pos x="connsiteX27" y="connsiteY27"/>
+                </a:cxn>
+                <a:cxn ang="0">
+                  <a:pos x="connsiteX28" y="connsiteY28"/>
+                </a:cxn>
+                <a:cxn ang="0">
+                  <a:pos x="connsiteX29" y="connsiteY29"/>
+                </a:cxn>
+                <a:cxn ang="0">
+                  <a:pos x="connsiteX30" y="connsiteY30"/>
+                </a:cxn>
+                <a:cxn ang="0">
+                  <a:pos x="connsiteX31" y="connsiteY31"/>
+                </a:cxn>
+                <a:cxn ang="0">
+                  <a:pos x="connsiteX32" y="connsiteY32"/>
+                </a:cxn>
+                <a:cxn ang="0">
+                  <a:pos x="connsiteX33" y="connsiteY33"/>
+                </a:cxn>
+                <a:cxn ang="0">
+                  <a:pos x="connsiteX34" y="connsiteY34"/>
+                </a:cxn>
+                <a:cxn ang="0">
+                  <a:pos x="connsiteX35" y="connsiteY35"/>
+                </a:cxn>
+                <a:cxn ang="0">
+                  <a:pos x="connsiteX36" y="connsiteY36"/>
+                </a:cxn>
+                <a:cxn ang="0">
+                  <a:pos x="connsiteX37" y="connsiteY37"/>
+                </a:cxn>
+              </a:cxnLst>
+              <a:rect l="l" t="t" r="r" b="b"/>
+              <a:pathLst>
+                <a:path w="712787" h="1122362">
+                  <a:moveTo>
+                    <a:pt x="410949" y="269875"/>
+                  </a:moveTo>
+                  <a:cubicBezTo>
+                    <a:pt x="427477" y="269875"/>
+                    <a:pt x="441000" y="283407"/>
+                    <a:pt x="441000" y="299945"/>
+                  </a:cubicBezTo>
+                  <a:cubicBezTo>
+                    <a:pt x="441000" y="299945"/>
+                    <a:pt x="441000" y="299945"/>
+                    <a:pt x="441000" y="1052449"/>
+                  </a:cubicBezTo>
+                  <a:cubicBezTo>
+                    <a:pt x="441000" y="1052449"/>
+                    <a:pt x="441000" y="1052449"/>
+                    <a:pt x="611541" y="1052449"/>
+                  </a:cubicBezTo>
+                  <a:cubicBezTo>
+                    <a:pt x="622810" y="1052449"/>
+                    <a:pt x="631825" y="1061470"/>
+                    <a:pt x="631825" y="1072747"/>
+                  </a:cubicBezTo>
+                  <a:cubicBezTo>
+                    <a:pt x="631825" y="1072747"/>
+                    <a:pt x="631825" y="1072747"/>
+                    <a:pt x="631825" y="1102817"/>
+                  </a:cubicBezTo>
+                  <a:cubicBezTo>
+                    <a:pt x="631825" y="1113341"/>
+                    <a:pt x="622810" y="1122362"/>
+                    <a:pt x="611541" y="1122362"/>
+                  </a:cubicBezTo>
+                  <a:cubicBezTo>
+                    <a:pt x="611541" y="1122362"/>
+                    <a:pt x="611541" y="1122362"/>
+                    <a:pt x="19533" y="1122362"/>
+                  </a:cubicBezTo>
+                  <a:cubicBezTo>
+                    <a:pt x="9015" y="1122362"/>
+                    <a:pt x="0" y="1113341"/>
+                    <a:pt x="0" y="1102817"/>
+                  </a:cubicBezTo>
+                  <a:cubicBezTo>
+                    <a:pt x="0" y="1102817"/>
+                    <a:pt x="0" y="1102817"/>
+                    <a:pt x="0" y="1072747"/>
+                  </a:cubicBezTo>
+                  <a:cubicBezTo>
+                    <a:pt x="0" y="1061470"/>
+                    <a:pt x="9015" y="1052449"/>
+                    <a:pt x="19533" y="1052449"/>
+                  </a:cubicBezTo>
+                  <a:cubicBezTo>
+                    <a:pt x="19533" y="1052449"/>
+                    <a:pt x="19533" y="1052449"/>
+                    <a:pt x="190074" y="1052449"/>
+                  </a:cubicBezTo>
+                  <a:cubicBezTo>
+                    <a:pt x="190074" y="1052449"/>
+                    <a:pt x="190074" y="1052449"/>
+                    <a:pt x="190074" y="490890"/>
+                  </a:cubicBezTo>
+                  <a:cubicBezTo>
+                    <a:pt x="190074" y="479614"/>
+                    <a:pt x="199089" y="470593"/>
+                    <a:pt x="210358" y="470593"/>
+                  </a:cubicBezTo>
+                  <a:cubicBezTo>
+                    <a:pt x="210358" y="470593"/>
+                    <a:pt x="210358" y="470593"/>
+                    <a:pt x="380898" y="470593"/>
+                  </a:cubicBezTo>
+                  <a:cubicBezTo>
+                    <a:pt x="380898" y="470593"/>
+                    <a:pt x="380898" y="470593"/>
+                    <a:pt x="380898" y="299945"/>
+                  </a:cubicBezTo>
+                  <a:cubicBezTo>
+                    <a:pt x="380898" y="283407"/>
+                    <a:pt x="394421" y="269875"/>
+                    <a:pt x="410949" y="269875"/>
+                  </a:cubicBezTo>
+                  <a:close/>
+                  <a:moveTo>
+                    <a:pt x="446828" y="168275"/>
+                  </a:moveTo>
+                  <a:cubicBezTo>
+                    <a:pt x="499427" y="168275"/>
+                    <a:pt x="542258" y="209539"/>
+                    <a:pt x="544512" y="262056"/>
+                  </a:cubicBezTo>
+                  <a:cubicBezTo>
+                    <a:pt x="544512" y="270310"/>
+                    <a:pt x="538501" y="277062"/>
+                    <a:pt x="530235" y="277812"/>
+                  </a:cubicBezTo>
+                  <a:cubicBezTo>
+                    <a:pt x="521970" y="277812"/>
+                    <a:pt x="515207" y="271060"/>
+                    <a:pt x="515207" y="263557"/>
+                  </a:cubicBezTo>
+                  <a:cubicBezTo>
+                    <a:pt x="513704" y="226795"/>
+                    <a:pt x="483648" y="197535"/>
+                    <a:pt x="446828" y="197535"/>
+                  </a:cubicBezTo>
+                  <a:cubicBezTo>
+                    <a:pt x="438563" y="197535"/>
+                    <a:pt x="431800" y="190782"/>
+                    <a:pt x="431800" y="182530"/>
+                  </a:cubicBezTo>
+                  <a:cubicBezTo>
+                    <a:pt x="431800" y="175027"/>
+                    <a:pt x="438563" y="168275"/>
+                    <a:pt x="446828" y="168275"/>
+                  </a:cubicBezTo>
+                  <a:close/>
+                  <a:moveTo>
+                    <a:pt x="446827" y="84137"/>
+                  </a:moveTo>
+                  <a:cubicBezTo>
+                    <a:pt x="544501" y="84887"/>
+                    <a:pt x="626396" y="164459"/>
+                    <a:pt x="628650" y="262798"/>
+                  </a:cubicBezTo>
+                  <a:cubicBezTo>
+                    <a:pt x="628650" y="271056"/>
+                    <a:pt x="621888" y="277062"/>
+                    <a:pt x="613623" y="277812"/>
+                  </a:cubicBezTo>
+                  <a:cubicBezTo>
+                    <a:pt x="605359" y="277812"/>
+                    <a:pt x="599348" y="271056"/>
+                    <a:pt x="598597" y="263549"/>
+                  </a:cubicBezTo>
+                  <a:cubicBezTo>
+                    <a:pt x="597094" y="180974"/>
+                    <a:pt x="528722" y="114164"/>
+                    <a:pt x="446827" y="114164"/>
+                  </a:cubicBezTo>
+                  <a:cubicBezTo>
+                    <a:pt x="438562" y="113413"/>
+                    <a:pt x="431800" y="107408"/>
+                    <a:pt x="431800" y="99150"/>
+                  </a:cubicBezTo>
+                  <a:cubicBezTo>
+                    <a:pt x="431800" y="90893"/>
+                    <a:pt x="438562" y="84137"/>
+                    <a:pt x="446827" y="84137"/>
+                  </a:cubicBezTo>
+                  <a:close/>
+                  <a:moveTo>
+                    <a:pt x="446866" y="0"/>
+                  </a:moveTo>
+                  <a:cubicBezTo>
+                    <a:pt x="591503" y="0"/>
+                    <a:pt x="710527" y="118202"/>
+                    <a:pt x="712787" y="262754"/>
+                  </a:cubicBezTo>
+                  <a:cubicBezTo>
+                    <a:pt x="712787" y="271036"/>
+                    <a:pt x="706007" y="277812"/>
+                    <a:pt x="697721" y="277812"/>
+                  </a:cubicBezTo>
+                  <a:cubicBezTo>
+                    <a:pt x="690188" y="277812"/>
+                    <a:pt x="683408" y="271036"/>
+                    <a:pt x="683408" y="262754"/>
+                  </a:cubicBezTo>
+                  <a:cubicBezTo>
+                    <a:pt x="681148" y="134012"/>
+                    <a:pt x="575684" y="29362"/>
+                    <a:pt x="446866" y="29362"/>
+                  </a:cubicBezTo>
+                  <a:cubicBezTo>
+                    <a:pt x="438580" y="29362"/>
+                    <a:pt x="431800" y="23339"/>
+                    <a:pt x="431800" y="15057"/>
+                  </a:cubicBezTo>
+                  <a:cubicBezTo>
+                    <a:pt x="431800" y="6776"/>
+                    <a:pt x="438580" y="0"/>
+                    <a:pt x="446866" y="0"/>
+                  </a:cubicBezTo>
+                  <a:close/>
+                </a:path>
+              </a:pathLst>
+            </a:custGeom>
+            <a:solidFill>
+              <a:schemeClr val="accent6"/>
+            </a:solidFill>
+            <a:ln>
+              <a:noFill/>
+            </a:ln>
+            <a:extLst>
+              <a:ext uri="{91240B29-F687-4F45-9708-019B960494DF}">
+                <a14:hiddenLine xmlns:a14="http://schemas.microsoft.com/office/drawing/2010/main" w="9525">
+                  <a:solidFill>
+                    <a:srgbClr val="000000"/>
+                  </a:solidFill>
+                  <a:round/>
+                  <a:headEnd/>
+                  <a:tailEnd/>
+                </a14:hiddenLine>
+              </a:ext>
+            </a:extLst>
+          </p:spPr>
+          <p:txBody>
+            <a:bodyPr vert="horz" wrap="square" lIns="91440" tIns="45720" rIns="91440" bIns="45720" numCol="1" anchor="t" anchorCtr="0" compatLnSpc="1">
+              <a:prstTxWarp prst="textNoShape">
+                <a:avLst/>
+              </a:prstTxWarp>
+              <a:noAutofit/>
+            </a:bodyPr>
+            <a:lstStyle/>
+            <a:p>
+              <a:endParaRPr lang="ja-JP" altLang="en-US"/>
+            </a:p>
+          </p:txBody>
+        </p:sp>
+        <p:sp>
+          <p:nvSpPr>
+            <p:cNvPr id="39" name="フリーフォーム 38"/>
+            <p:cNvSpPr>
+              <a:spLocks noChangeAspect="1"/>
+            </p:cNvSpPr>
+            <p:nvPr/>
+          </p:nvSpPr>
+          <p:spPr bwMode="gray">
+            <a:xfrm>
+              <a:off x="2889423" y="5387010"/>
+              <a:ext cx="52387" cy="254000"/>
+            </a:xfrm>
+            <a:custGeom>
+              <a:avLst/>
+              <a:gdLst>
+                <a:gd name="connsiteX0" fmla="*/ 25825 w 52387"/>
+                <a:gd name="connsiteY0" fmla="*/ 200025 h 254000"/>
+                <a:gd name="connsiteX1" fmla="*/ 52387 w 52387"/>
+                <a:gd name="connsiteY1" fmla="*/ 226633 h 254000"/>
+                <a:gd name="connsiteX2" fmla="*/ 25825 w 52387"/>
+                <a:gd name="connsiteY2" fmla="*/ 254000 h 254000"/>
+                <a:gd name="connsiteX3" fmla="*/ 0 w 52387"/>
+                <a:gd name="connsiteY3" fmla="*/ 226633 h 254000"/>
+                <a:gd name="connsiteX4" fmla="*/ 25825 w 52387"/>
+                <a:gd name="connsiteY4" fmla="*/ 200025 h 254000"/>
+                <a:gd name="connsiteX5" fmla="*/ 25825 w 52387"/>
+                <a:gd name="connsiteY5" fmla="*/ 100013 h 254000"/>
+                <a:gd name="connsiteX6" fmla="*/ 52387 w 52387"/>
+                <a:gd name="connsiteY6" fmla="*/ 126576 h 254000"/>
+                <a:gd name="connsiteX7" fmla="*/ 25825 w 52387"/>
+                <a:gd name="connsiteY7" fmla="*/ 152400 h 254000"/>
+                <a:gd name="connsiteX8" fmla="*/ 0 w 52387"/>
+                <a:gd name="connsiteY8" fmla="*/ 126576 h 254000"/>
+                <a:gd name="connsiteX9" fmla="*/ 25825 w 52387"/>
+                <a:gd name="connsiteY9" fmla="*/ 100013 h 254000"/>
+                <a:gd name="connsiteX10" fmla="*/ 25825 w 52387"/>
+                <a:gd name="connsiteY10" fmla="*/ 0 h 254000"/>
+                <a:gd name="connsiteX11" fmla="*/ 52387 w 52387"/>
+                <a:gd name="connsiteY11" fmla="*/ 26608 h 254000"/>
+                <a:gd name="connsiteX12" fmla="*/ 25825 w 52387"/>
+                <a:gd name="connsiteY12" fmla="*/ 53975 h 254000"/>
+                <a:gd name="connsiteX13" fmla="*/ 0 w 52387"/>
+                <a:gd name="connsiteY13" fmla="*/ 26608 h 254000"/>
+                <a:gd name="connsiteX14" fmla="*/ 25825 w 52387"/>
+                <a:gd name="connsiteY14" fmla="*/ 0 h 254000"/>
+              </a:gdLst>
+              <a:ahLst/>
+              <a:cxnLst>
+                <a:cxn ang="0">
+                  <a:pos x="connsiteX0" y="connsiteY0"/>
+                </a:cxn>
+                <a:cxn ang="0">
+                  <a:pos x="connsiteX1" y="connsiteY1"/>
+                </a:cxn>
+                <a:cxn ang="0">
+                  <a:pos x="connsiteX2" y="connsiteY2"/>
+                </a:cxn>
+                <a:cxn ang="0">
+                  <a:pos x="connsiteX3" y="connsiteY3"/>
+                </a:cxn>
+                <a:cxn ang="0">
+                  <a:pos x="connsiteX4" y="connsiteY4"/>
+                </a:cxn>
+                <a:cxn ang="0">
+                  <a:pos x="connsiteX5" y="connsiteY5"/>
+                </a:cxn>
+                <a:cxn ang="0">
+                  <a:pos x="connsiteX6" y="connsiteY6"/>
+                </a:cxn>
+                <a:cxn ang="0">
+                  <a:pos x="connsiteX7" y="connsiteY7"/>
+                </a:cxn>
+                <a:cxn ang="0">
+                  <a:pos x="connsiteX8" y="connsiteY8"/>
+                </a:cxn>
+                <a:cxn ang="0">
+                  <a:pos x="connsiteX9" y="connsiteY9"/>
+                </a:cxn>
+                <a:cxn ang="0">
+                  <a:pos x="connsiteX10" y="connsiteY10"/>
+                </a:cxn>
+                <a:cxn ang="0">
+                  <a:pos x="connsiteX11" y="connsiteY11"/>
+                </a:cxn>
+                <a:cxn ang="0">
+                  <a:pos x="connsiteX12" y="connsiteY12"/>
+                </a:cxn>
+                <a:cxn ang="0">
+                  <a:pos x="connsiteX13" y="connsiteY13"/>
+                </a:cxn>
+                <a:cxn ang="0">
+                  <a:pos x="connsiteX14" y="connsiteY14"/>
+                </a:cxn>
+              </a:cxnLst>
+              <a:rect l="l" t="t" r="r" b="b"/>
+              <a:pathLst>
+                <a:path w="52387" h="254000">
+                  <a:moveTo>
+                    <a:pt x="25825" y="200025"/>
+                  </a:moveTo>
+                  <a:cubicBezTo>
+                    <a:pt x="40582" y="200025"/>
+                    <a:pt x="52387" y="212189"/>
+                    <a:pt x="52387" y="226633"/>
+                  </a:cubicBezTo>
+                  <a:cubicBezTo>
+                    <a:pt x="52387" y="241837"/>
+                    <a:pt x="40582" y="254000"/>
+                    <a:pt x="25825" y="254000"/>
+                  </a:cubicBezTo>
+                  <a:cubicBezTo>
+                    <a:pt x="11806" y="254000"/>
+                    <a:pt x="0" y="241837"/>
+                    <a:pt x="0" y="226633"/>
+                  </a:cubicBezTo>
+                  <a:cubicBezTo>
+                    <a:pt x="0" y="212189"/>
+                    <a:pt x="11806" y="200025"/>
+                    <a:pt x="25825" y="200025"/>
+                  </a:cubicBezTo>
+                  <a:close/>
+                  <a:moveTo>
+                    <a:pt x="25825" y="100013"/>
+                  </a:moveTo>
+                  <a:cubicBezTo>
+                    <a:pt x="40582" y="100013"/>
+                    <a:pt x="52387" y="111819"/>
+                    <a:pt x="52387" y="126576"/>
+                  </a:cubicBezTo>
+                  <a:cubicBezTo>
+                    <a:pt x="52387" y="140595"/>
+                    <a:pt x="40582" y="152400"/>
+                    <a:pt x="25825" y="152400"/>
+                  </a:cubicBezTo>
+                  <a:cubicBezTo>
+                    <a:pt x="11806" y="152400"/>
+                    <a:pt x="0" y="140595"/>
+                    <a:pt x="0" y="126576"/>
+                  </a:cubicBezTo>
+                  <a:cubicBezTo>
+                    <a:pt x="0" y="111819"/>
+                    <a:pt x="11806" y="100013"/>
+                    <a:pt x="25825" y="100013"/>
+                  </a:cubicBezTo>
+                  <a:close/>
+                  <a:moveTo>
+                    <a:pt x="25825" y="0"/>
+                  </a:moveTo>
+                  <a:cubicBezTo>
+                    <a:pt x="40582" y="0"/>
+                    <a:pt x="52387" y="12164"/>
+                    <a:pt x="52387" y="26608"/>
+                  </a:cubicBezTo>
+                  <a:cubicBezTo>
+                    <a:pt x="52387" y="41812"/>
+                    <a:pt x="40582" y="53975"/>
+                    <a:pt x="25825" y="53975"/>
+                  </a:cubicBezTo>
+                  <a:cubicBezTo>
+                    <a:pt x="11806" y="53975"/>
+                    <a:pt x="0" y="41812"/>
+                    <a:pt x="0" y="26608"/>
+                  </a:cubicBezTo>
+                  <a:cubicBezTo>
+                    <a:pt x="0" y="12164"/>
+                    <a:pt x="11806" y="0"/>
+                    <a:pt x="25825" y="0"/>
+                  </a:cubicBezTo>
+                  <a:close/>
+                </a:path>
+              </a:pathLst>
+            </a:custGeom>
+            <a:solidFill>
+              <a:srgbClr val="FFFFFF"/>
+            </a:solidFill>
+            <a:ln>
+              <a:noFill/>
+            </a:ln>
+            <a:extLst>
+              <a:ext uri="{91240B29-F687-4F45-9708-019B960494DF}">
+                <a14:hiddenLine xmlns:a14="http://schemas.microsoft.com/office/drawing/2010/main" w="9525">
+                  <a:solidFill>
+                    <a:srgbClr val="000000"/>
+                  </a:solidFill>
+                  <a:round/>
+                  <a:headEnd/>
+                  <a:tailEnd/>
+                </a14:hiddenLine>
+              </a:ext>
+            </a:extLst>
+          </p:spPr>
+          <p:txBody>
+            <a:bodyPr vert="horz" wrap="square" lIns="91440" tIns="45720" rIns="91440" bIns="45720" numCol="1" anchor="t" anchorCtr="0" compatLnSpc="1">
+              <a:prstTxWarp prst="textNoShape">
+                <a:avLst/>
+              </a:prstTxWarp>
+              <a:noAutofit/>
+            </a:bodyPr>
+            <a:lstStyle/>
+            <a:p>
+              <a:endParaRPr lang="ja-JP" altLang="en-US"/>
+            </a:p>
+          </p:txBody>
+        </p:sp>
+      </p:grpSp>
+      <p:sp>
+        <p:nvSpPr>
+          <p:cNvPr id="40" name="テキスト ボックス 39"/>
+          <p:cNvSpPr txBox="1"/>
+          <p:nvPr/>
+        </p:nvSpPr>
+        <p:spPr>
+          <a:xfrm>
+            <a:off x="7102889" y="8363803"/>
+            <a:ext cx="1274387" cy="656590"/>
+          </a:xfrm>
+          <a:prstGeom prst="rect">
+            <a:avLst/>
+          </a:prstGeom>
+          <a:noFill/>
+          <a:ln w="12700" cap="flat">
+            <a:noFill/>
+            <a:miter lim="400000"/>
+          </a:ln>
+          <a:effectLst/>
+          <a:sp3d/>
+        </p:spPr>
+        <p:style>
+          <a:lnRef idx="0">
+            <a:scrgbClr r="0" g="0" b="0"/>
+          </a:lnRef>
+          <a:fillRef idx="0">
+            <a:scrgbClr r="0" g="0" b="0"/>
+          </a:fillRef>
+          <a:effectRef idx="0">
+            <a:scrgbClr r="0" g="0" b="0"/>
+          </a:effectRef>
+          <a:fontRef idx="none"/>
+        </p:style>
+        <p:txBody>
+          <a:bodyPr rot="0" spcFirstLastPara="1" vertOverflow="overflow" horzOverflow="overflow" vert="horz" wrap="none" lIns="50800" tIns="50800" rIns="50800" bIns="50800" numCol="1" spcCol="38100" rtlCol="0" anchor="ctr">
+            <a:spAutoFit/>
+          </a:bodyPr>
+          <a:lstStyle/>
+          <a:p>
+            <a:pPr marL="0" marR="0" indent="0" algn="ctr" defTabSz="584200" rtl="0" fontAlgn="auto" latinLnBrk="0" hangingPunct="0">
+              <a:lnSpc>
+                <a:spcPct val="100000"/>
+              </a:lnSpc>
+              <a:spcBef>
+                <a:spcPts val="0"/>
+              </a:spcBef>
+              <a:spcAft>
+                <a:spcPts val="0"/>
+              </a:spcAft>
+              <a:buClrTx/>
+              <a:buSzTx/>
+              <a:buFontTx/>
+              <a:buNone/>
+              <a:tabLst/>
+            </a:pPr>
+            <a:r>
+              <a:rPr lang="ja-JP" altLang="en-US" sz="1800" dirty="0" smtClean="0"/>
+              <a:t>ゲートウェイ</a:t>
+            </a:r>
+            <a:endParaRPr lang="en-US" altLang="ja-JP" sz="1800" dirty="0" smtClean="0"/>
+          </a:p>
+          <a:p>
+            <a:pPr marL="0" marR="0" indent="0" algn="ctr" defTabSz="584200" rtl="0" fontAlgn="auto" latinLnBrk="0" hangingPunct="0">
+              <a:lnSpc>
+                <a:spcPct val="100000"/>
+              </a:lnSpc>
+              <a:spcBef>
+                <a:spcPts val="0"/>
+              </a:spcBef>
+              <a:spcAft>
+                <a:spcPts val="0"/>
+              </a:spcAft>
+              <a:buClrTx/>
+              <a:buSzTx/>
+              <a:buFontTx/>
+              <a:buNone/>
+              <a:tabLst/>
+            </a:pPr>
+            <a:r>
+              <a:rPr lang="ja-JP" altLang="en-US" sz="1800" dirty="0" smtClean="0"/>
+              <a:t>ルータ</a:t>
+            </a:r>
+            <a:endParaRPr kumimoji="0" lang="ja-JP" altLang="en-US" sz="1800" b="0" i="0" u="none" strike="noStrike" cap="none" spc="0" normalizeH="0" baseline="0" dirty="0">
+              <a:ln>
+                <a:noFill/>
+              </a:ln>
+              <a:solidFill>
+                <a:srgbClr val="414141"/>
+              </a:solidFill>
+              <a:effectLst/>
+              <a:uFillTx/>
+              <a:latin typeface="Palatino"/>
+              <a:ea typeface="Palatino"/>
+              <a:cs typeface="Palatino"/>
+              <a:sym typeface="Palatino"/>
+            </a:endParaRPr>
+          </a:p>
+        </p:txBody>
+      </p:sp>
+      <p:sp>
+        <p:nvSpPr>
+          <p:cNvPr id="41" name="Freeform 16"/>
+          <p:cNvSpPr>
+            <a:spLocks noChangeAspect="1"/>
+          </p:cNvSpPr>
+          <p:nvPr/>
+        </p:nvSpPr>
+        <p:spPr bwMode="gray">
+          <a:xfrm rot="5400000">
+            <a:off x="6540294" y="7530650"/>
+            <a:ext cx="514229" cy="379594"/>
+          </a:xfrm>
+          <a:custGeom>
+            <a:avLst/>
+            <a:gdLst/>
+            <a:ahLst/>
+            <a:cxnLst/>
+            <a:rect l="l" t="t" r="r" b="b"/>
+            <a:pathLst>
+              <a:path w="714205" h="527214">
+                <a:moveTo>
+                  <a:pt x="356005" y="431106"/>
+                </a:moveTo>
+                <a:cubicBezTo>
+                  <a:pt x="390557" y="430918"/>
+                  <a:pt x="425015" y="440867"/>
+                  <a:pt x="454979" y="461140"/>
+                </a:cubicBezTo>
+                <a:cubicBezTo>
+                  <a:pt x="471460" y="472402"/>
+                  <a:pt x="475954" y="494177"/>
+                  <a:pt x="465467" y="510695"/>
+                </a:cubicBezTo>
+                <a:cubicBezTo>
+                  <a:pt x="454230" y="527214"/>
+                  <a:pt x="431757" y="531719"/>
+                  <a:pt x="416026" y="520456"/>
+                </a:cubicBezTo>
+                <a:cubicBezTo>
+                  <a:pt x="379320" y="496429"/>
+                  <a:pt x="332876" y="496429"/>
+                  <a:pt x="296170" y="521207"/>
+                </a:cubicBezTo>
+                <a:cubicBezTo>
+                  <a:pt x="290177" y="524961"/>
+                  <a:pt x="283436" y="527214"/>
+                  <a:pt x="276694" y="527214"/>
+                </a:cubicBezTo>
+                <a:cubicBezTo>
+                  <a:pt x="265457" y="527214"/>
+                  <a:pt x="254221" y="521958"/>
+                  <a:pt x="246730" y="511446"/>
+                </a:cubicBezTo>
+                <a:cubicBezTo>
+                  <a:pt x="236242" y="494928"/>
+                  <a:pt x="239988" y="473153"/>
+                  <a:pt x="256468" y="461891"/>
+                </a:cubicBezTo>
+                <a:cubicBezTo>
+                  <a:pt x="286806" y="441618"/>
+                  <a:pt x="321452" y="431294"/>
+                  <a:pt x="356005" y="431106"/>
+                </a:cubicBezTo>
+                <a:close/>
+                <a:moveTo>
+                  <a:pt x="354268" y="288006"/>
+                </a:moveTo>
+                <a:cubicBezTo>
+                  <a:pt x="416517" y="287630"/>
+                  <a:pt x="478860" y="305103"/>
+                  <a:pt x="533481" y="340425"/>
+                </a:cubicBezTo>
+                <a:cubicBezTo>
+                  <a:pt x="550056" y="350946"/>
+                  <a:pt x="555329" y="373492"/>
+                  <a:pt x="544028" y="390026"/>
+                </a:cubicBezTo>
+                <a:cubicBezTo>
+                  <a:pt x="533481" y="406560"/>
+                  <a:pt x="510879" y="411069"/>
+                  <a:pt x="494305" y="400547"/>
+                </a:cubicBezTo>
+                <a:cubicBezTo>
+                  <a:pt x="409172" y="344934"/>
+                  <a:pt x="299930" y="345686"/>
+                  <a:pt x="216303" y="402051"/>
+                </a:cubicBezTo>
+                <a:cubicBezTo>
+                  <a:pt x="209523" y="406560"/>
+                  <a:pt x="202742" y="408063"/>
+                  <a:pt x="195962" y="408063"/>
+                </a:cubicBezTo>
+                <a:cubicBezTo>
+                  <a:pt x="184661" y="408063"/>
+                  <a:pt x="173360" y="402802"/>
+                  <a:pt x="166580" y="392281"/>
+                </a:cubicBezTo>
+                <a:cubicBezTo>
+                  <a:pt x="155279" y="376498"/>
+                  <a:pt x="159799" y="353953"/>
+                  <a:pt x="175620" y="342680"/>
+                </a:cubicBezTo>
+                <a:cubicBezTo>
+                  <a:pt x="229864" y="306606"/>
+                  <a:pt x="292019" y="288381"/>
+                  <a:pt x="354268" y="288006"/>
+                </a:cubicBezTo>
+                <a:close/>
+                <a:moveTo>
+                  <a:pt x="356798" y="143888"/>
+                </a:moveTo>
+                <a:cubicBezTo>
+                  <a:pt x="447424" y="143888"/>
+                  <a:pt x="537956" y="170394"/>
+                  <a:pt x="616843" y="223407"/>
+                </a:cubicBezTo>
+                <a:cubicBezTo>
+                  <a:pt x="633371" y="234607"/>
+                  <a:pt x="637879" y="257007"/>
+                  <a:pt x="626610" y="272687"/>
+                </a:cubicBezTo>
+                <a:cubicBezTo>
+                  <a:pt x="619848" y="283141"/>
+                  <a:pt x="608578" y="288367"/>
+                  <a:pt x="597309" y="288367"/>
+                </a:cubicBezTo>
+                <a:cubicBezTo>
+                  <a:pt x="590547" y="288367"/>
+                  <a:pt x="583034" y="286874"/>
+                  <a:pt x="577024" y="282394"/>
+                </a:cubicBezTo>
+                <a:cubicBezTo>
+                  <a:pt x="443292" y="192794"/>
+                  <a:pt x="270492" y="192794"/>
+                  <a:pt x="136008" y="282394"/>
+                </a:cubicBezTo>
+                <a:cubicBezTo>
+                  <a:pt x="119479" y="293594"/>
+                  <a:pt x="97692" y="289114"/>
+                  <a:pt x="86422" y="272687"/>
+                </a:cubicBezTo>
+                <a:cubicBezTo>
+                  <a:pt x="75904" y="256261"/>
+                  <a:pt x="79660" y="234607"/>
+                  <a:pt x="96189" y="223407"/>
+                </a:cubicBezTo>
+                <a:cubicBezTo>
+                  <a:pt x="175451" y="170394"/>
+                  <a:pt x="266172" y="143888"/>
+                  <a:pt x="356798" y="143888"/>
+                </a:cubicBezTo>
+                <a:close/>
+                <a:moveTo>
+                  <a:pt x="357550" y="0"/>
+                </a:moveTo>
+                <a:cubicBezTo>
+                  <a:pt x="476350" y="94"/>
+                  <a:pt x="595056" y="35206"/>
+                  <a:pt x="698524" y="105432"/>
+                </a:cubicBezTo>
+                <a:cubicBezTo>
+                  <a:pt x="715079" y="115947"/>
+                  <a:pt x="718841" y="138479"/>
+                  <a:pt x="708306" y="155003"/>
+                </a:cubicBezTo>
+                <a:cubicBezTo>
+                  <a:pt x="700781" y="164767"/>
+                  <a:pt x="689494" y="170776"/>
+                  <a:pt x="678207" y="170776"/>
+                </a:cubicBezTo>
+                <a:cubicBezTo>
+                  <a:pt x="671434" y="170776"/>
+                  <a:pt x="664662" y="168522"/>
+                  <a:pt x="657889" y="164016"/>
+                </a:cubicBezTo>
+                <a:cubicBezTo>
+                  <a:pt x="475786" y="40840"/>
+                  <a:pt x="239503" y="40840"/>
+                  <a:pt x="55894" y="164016"/>
+                </a:cubicBezTo>
+                <a:cubicBezTo>
+                  <a:pt x="39339" y="174531"/>
+                  <a:pt x="16764" y="170776"/>
+                  <a:pt x="6229" y="154252"/>
+                </a:cubicBezTo>
+                <a:cubicBezTo>
+                  <a:pt x="-5058" y="137728"/>
+                  <a:pt x="-543" y="115196"/>
+                  <a:pt x="16012" y="104681"/>
+                </a:cubicBezTo>
+                <a:cubicBezTo>
+                  <a:pt x="119856" y="34831"/>
+                  <a:pt x="238750" y="-94"/>
+                  <a:pt x="357550" y="0"/>
+                </a:cubicBezTo>
+                <a:close/>
+              </a:path>
+            </a:pathLst>
+          </a:custGeom>
+          <a:solidFill>
+            <a:schemeClr val="accent6"/>
+          </a:solidFill>
+          <a:ln>
+            <a:noFill/>
+          </a:ln>
+          <a:extLst/>
         </p:spPr>
         <p:txBody>
-          <a:bodyPr/>
+          <a:bodyPr vert="horz" wrap="square" lIns="91440" tIns="45720" rIns="91440" bIns="45720" numCol="1" anchor="t" anchorCtr="0" compatLnSpc="1">
+            <a:prstTxWarp prst="textNoShape">
+              <a:avLst/>
+            </a:prstTxWarp>
+          </a:bodyPr>
           <a:lstStyle/>
           <a:p>
-            <a:pPr/>
+            <a:endParaRPr lang="ja-JP" altLang="en-US"/>
+          </a:p>
+        </p:txBody>
+      </p:sp>
+      <p:sp>
+        <p:nvSpPr>
+          <p:cNvPr id="42" name="テキスト ボックス 41"/>
+          <p:cNvSpPr txBox="1"/>
+          <p:nvPr/>
+        </p:nvSpPr>
+        <p:spPr>
+          <a:xfrm>
+            <a:off x="6617267" y="7955662"/>
+            <a:ext cx="403957" cy="348813"/>
+          </a:xfrm>
+          <a:prstGeom prst="rect">
+            <a:avLst/>
+          </a:prstGeom>
+          <a:noFill/>
+          <a:ln w="12700" cap="flat">
+            <a:noFill/>
+            <a:miter lim="400000"/>
+          </a:ln>
+          <a:effectLst/>
+          <a:sp3d/>
+        </p:spPr>
+        <p:style>
+          <a:lnRef idx="0">
+            <a:scrgbClr r="0" g="0" b="0"/>
+          </a:lnRef>
+          <a:fillRef idx="0">
+            <a:scrgbClr r="0" g="0" b="0"/>
+          </a:fillRef>
+          <a:effectRef idx="0">
+            <a:scrgbClr r="0" g="0" b="0"/>
+          </a:effectRef>
+          <a:fontRef idx="none"/>
+        </p:style>
+        <p:txBody>
+          <a:bodyPr rot="0" spcFirstLastPara="1" vertOverflow="overflow" horzOverflow="overflow" vert="horz" wrap="none" lIns="50800" tIns="50800" rIns="50800" bIns="50800" numCol="1" spcCol="38100" rtlCol="0" anchor="ctr">
+            <a:spAutoFit/>
+          </a:bodyPr>
+          <a:lstStyle/>
+          <a:p>
+            <a:pPr marL="0" marR="0" indent="0" algn="ctr" defTabSz="584200" rtl="0" fontAlgn="auto" latinLnBrk="0" hangingPunct="0">
+              <a:lnSpc>
+                <a:spcPct val="100000"/>
+              </a:lnSpc>
+              <a:spcBef>
+                <a:spcPts val="0"/>
+              </a:spcBef>
+              <a:spcAft>
+                <a:spcPts val="0"/>
+              </a:spcAft>
+              <a:buClrTx/>
+              <a:buSzTx/>
+              <a:buFontTx/>
+              <a:buNone/>
+              <a:tabLst/>
+            </a:pPr>
+            <a:r>
+              <a:rPr lang="en-US" altLang="ja-JP" sz="1600" dirty="0" err="1" smtClean="0"/>
+              <a:t>Wifi</a:t>
+            </a:r>
+            <a:endParaRPr kumimoji="0" lang="ja-JP" altLang="en-US" sz="1600" b="0" i="0" u="none" strike="noStrike" cap="none" spc="0" normalizeH="0" baseline="0" dirty="0">
+              <a:ln>
+                <a:noFill/>
+              </a:ln>
+              <a:solidFill>
+                <a:srgbClr val="414141"/>
+              </a:solidFill>
+              <a:effectLst/>
+              <a:uFillTx/>
+              <a:sym typeface="Palatino"/>
+            </a:endParaRPr>
+          </a:p>
+        </p:txBody>
+      </p:sp>
+      <p:grpSp>
+        <p:nvGrpSpPr>
+          <p:cNvPr id="43" name="グループ化 42"/>
+          <p:cNvGrpSpPr>
+            <a:grpSpLocks/>
+          </p:cNvGrpSpPr>
+          <p:nvPr/>
+        </p:nvGrpSpPr>
+        <p:grpSpPr bwMode="gray">
+          <a:xfrm>
+            <a:off x="9811043" y="7250182"/>
+            <a:ext cx="1681163" cy="1050131"/>
+            <a:chOff x="705644" y="3139632"/>
+            <a:chExt cx="1120775" cy="700087"/>
+          </a:xfrm>
+        </p:grpSpPr>
+        <p:sp>
+          <p:nvSpPr>
+            <p:cNvPr id="44" name="Freeform 80"/>
+            <p:cNvSpPr>
+              <a:spLocks noChangeAspect="1"/>
+            </p:cNvSpPr>
+            <p:nvPr/>
+          </p:nvSpPr>
+          <p:spPr bwMode="gray">
+            <a:xfrm>
+              <a:off x="705644" y="3139632"/>
+              <a:ext cx="1120775" cy="700087"/>
+            </a:xfrm>
+            <a:custGeom>
+              <a:avLst/>
+              <a:gdLst>
+                <a:gd name="T0" fmla="*/ 1172 w 1490"/>
+                <a:gd name="T1" fmla="*/ 929 h 929"/>
+                <a:gd name="T2" fmla="*/ 301 w 1490"/>
+                <a:gd name="T3" fmla="*/ 928 h 929"/>
+                <a:gd name="T4" fmla="*/ 0 w 1490"/>
+                <a:gd name="T5" fmla="*/ 600 h 929"/>
+                <a:gd name="T6" fmla="*/ 245 w 1490"/>
+                <a:gd name="T7" fmla="*/ 282 h 929"/>
+                <a:gd name="T8" fmla="*/ 571 w 1490"/>
+                <a:gd name="T9" fmla="*/ 0 h 929"/>
+                <a:gd name="T10" fmla="*/ 837 w 1490"/>
+                <a:gd name="T11" fmla="*/ 136 h 929"/>
+                <a:gd name="T12" fmla="*/ 1139 w 1490"/>
+                <a:gd name="T13" fmla="*/ 262 h 929"/>
+                <a:gd name="T14" fmla="*/ 1490 w 1490"/>
+                <a:gd name="T15" fmla="*/ 595 h 929"/>
+                <a:gd name="T16" fmla="*/ 1172 w 1490"/>
+                <a:gd name="T17" fmla="*/ 929 h 929"/>
+              </a:gdLst>
+              <a:ahLst/>
+              <a:cxnLst>
+                <a:cxn ang="0">
+                  <a:pos x="T0" y="T1"/>
+                </a:cxn>
+                <a:cxn ang="0">
+                  <a:pos x="T2" y="T3"/>
+                </a:cxn>
+                <a:cxn ang="0">
+                  <a:pos x="T4" y="T5"/>
+                </a:cxn>
+                <a:cxn ang="0">
+                  <a:pos x="T6" y="T7"/>
+                </a:cxn>
+                <a:cxn ang="0">
+                  <a:pos x="T8" y="T9"/>
+                </a:cxn>
+                <a:cxn ang="0">
+                  <a:pos x="T10" y="T11"/>
+                </a:cxn>
+                <a:cxn ang="0">
+                  <a:pos x="T12" y="T13"/>
+                </a:cxn>
+                <a:cxn ang="0">
+                  <a:pos x="T14" y="T15"/>
+                </a:cxn>
+                <a:cxn ang="0">
+                  <a:pos x="T16" y="T17"/>
+                </a:cxn>
+              </a:cxnLst>
+              <a:rect l="0" t="0" r="r" b="b"/>
+              <a:pathLst>
+                <a:path w="1490" h="929">
+                  <a:moveTo>
+                    <a:pt x="1172" y="929"/>
+                  </a:moveTo>
+                  <a:cubicBezTo>
+                    <a:pt x="301" y="928"/>
+                    <a:pt x="301" y="928"/>
+                    <a:pt x="301" y="928"/>
+                  </a:cubicBezTo>
+                  <a:cubicBezTo>
+                    <a:pt x="128" y="911"/>
+                    <a:pt x="0" y="771"/>
+                    <a:pt x="0" y="600"/>
+                  </a:cubicBezTo>
+                  <a:cubicBezTo>
+                    <a:pt x="0" y="450"/>
+                    <a:pt x="102" y="320"/>
+                    <a:pt x="245" y="282"/>
+                  </a:cubicBezTo>
+                  <a:cubicBezTo>
+                    <a:pt x="268" y="122"/>
+                    <a:pt x="407" y="0"/>
+                    <a:pt x="571" y="0"/>
+                  </a:cubicBezTo>
+                  <a:cubicBezTo>
+                    <a:pt x="677" y="0"/>
+                    <a:pt x="775" y="50"/>
+                    <a:pt x="837" y="136"/>
+                  </a:cubicBezTo>
+                  <a:cubicBezTo>
+                    <a:pt x="976" y="106"/>
+                    <a:pt x="1087" y="179"/>
+                    <a:pt x="1139" y="262"/>
+                  </a:cubicBezTo>
+                  <a:cubicBezTo>
+                    <a:pt x="1334" y="250"/>
+                    <a:pt x="1490" y="411"/>
+                    <a:pt x="1490" y="595"/>
+                  </a:cubicBezTo>
+                  <a:cubicBezTo>
+                    <a:pt x="1490" y="774"/>
+                    <a:pt x="1350" y="921"/>
+                    <a:pt x="1172" y="929"/>
+                  </a:cubicBezTo>
+                  <a:close/>
+                </a:path>
+              </a:pathLst>
+            </a:custGeom>
+            <a:solidFill>
+              <a:schemeClr val="accent6"/>
+            </a:solidFill>
+            <a:ln>
+              <a:noFill/>
+            </a:ln>
+            <a:extLst>
+              <a:ext uri="{91240B29-F687-4F45-9708-019B960494DF}">
+                <a14:hiddenLine xmlns:a14="http://schemas.microsoft.com/office/drawing/2010/main" w="9525">
+                  <a:solidFill>
+                    <a:srgbClr val="000000"/>
+                  </a:solidFill>
+                  <a:round/>
+                  <a:headEnd/>
+                  <a:tailEnd/>
+                </a14:hiddenLine>
+              </a:ext>
+            </a:extLst>
+          </p:spPr>
+          <p:txBody>
+            <a:bodyPr vert="horz" wrap="square" lIns="91440" tIns="45720" rIns="91440" bIns="45720" numCol="1" anchor="t" anchorCtr="0" compatLnSpc="1">
+              <a:prstTxWarp prst="textNoShape">
+                <a:avLst/>
+              </a:prstTxWarp>
+            </a:bodyPr>
+            <a:lstStyle/>
+            <a:p>
+              <a:endParaRPr lang="ja-JP" altLang="en-US"/>
+            </a:p>
+          </p:txBody>
+        </p:sp>
+        <p:sp>
+          <p:nvSpPr>
+            <p:cNvPr id="45" name="Freeform 81"/>
+            <p:cNvSpPr>
+              <a:spLocks noChangeAspect="1"/>
+            </p:cNvSpPr>
+            <p:nvPr/>
+          </p:nvSpPr>
+          <p:spPr bwMode="gray">
+            <a:xfrm>
+              <a:off x="754857" y="3188844"/>
+              <a:ext cx="1020763" cy="600075"/>
+            </a:xfrm>
+            <a:custGeom>
+              <a:avLst/>
+              <a:gdLst>
+                <a:gd name="T0" fmla="*/ 242 w 1359"/>
+                <a:gd name="T1" fmla="*/ 271 h 797"/>
+                <a:gd name="T2" fmla="*/ 2 w 1359"/>
+                <a:gd name="T3" fmla="*/ 534 h 797"/>
+                <a:gd name="T4" fmla="*/ 239 w 1359"/>
+                <a:gd name="T5" fmla="*/ 796 h 797"/>
+                <a:gd name="T6" fmla="*/ 1105 w 1359"/>
+                <a:gd name="T7" fmla="*/ 797 h 797"/>
+                <a:gd name="T8" fmla="*/ 1359 w 1359"/>
+                <a:gd name="T9" fmla="*/ 529 h 797"/>
+                <a:gd name="T10" fmla="*/ 1038 w 1359"/>
+                <a:gd name="T11" fmla="*/ 266 h 797"/>
+                <a:gd name="T12" fmla="*/ 743 w 1359"/>
+                <a:gd name="T13" fmla="*/ 147 h 797"/>
+                <a:gd name="T14" fmla="*/ 506 w 1359"/>
+                <a:gd name="T15" fmla="*/ 1 h 797"/>
+                <a:gd name="T16" fmla="*/ 242 w 1359"/>
+                <a:gd name="T17" fmla="*/ 271 h 797"/>
+              </a:gdLst>
+              <a:ahLst/>
+              <a:cxnLst>
+                <a:cxn ang="0">
+                  <a:pos x="T0" y="T1"/>
+                </a:cxn>
+                <a:cxn ang="0">
+                  <a:pos x="T2" y="T3"/>
+                </a:cxn>
+                <a:cxn ang="0">
+                  <a:pos x="T4" y="T5"/>
+                </a:cxn>
+                <a:cxn ang="0">
+                  <a:pos x="T6" y="T7"/>
+                </a:cxn>
+                <a:cxn ang="0">
+                  <a:pos x="T8" y="T9"/>
+                </a:cxn>
+                <a:cxn ang="0">
+                  <a:pos x="T10" y="T11"/>
+                </a:cxn>
+                <a:cxn ang="0">
+                  <a:pos x="T12" y="T13"/>
+                </a:cxn>
+                <a:cxn ang="0">
+                  <a:pos x="T14" y="T15"/>
+                </a:cxn>
+                <a:cxn ang="0">
+                  <a:pos x="T16" y="T17"/>
+                </a:cxn>
+              </a:cxnLst>
+              <a:rect l="0" t="0" r="r" b="b"/>
+              <a:pathLst>
+                <a:path w="1359" h="797">
+                  <a:moveTo>
+                    <a:pt x="242" y="271"/>
+                  </a:moveTo>
+                  <a:cubicBezTo>
+                    <a:pt x="209" y="271"/>
+                    <a:pt x="5" y="315"/>
+                    <a:pt x="2" y="534"/>
+                  </a:cubicBezTo>
+                  <a:cubicBezTo>
+                    <a:pt x="0" y="670"/>
+                    <a:pt x="104" y="783"/>
+                    <a:pt x="239" y="796"/>
+                  </a:cubicBezTo>
+                  <a:cubicBezTo>
+                    <a:pt x="1105" y="797"/>
+                    <a:pt x="1105" y="797"/>
+                    <a:pt x="1105" y="797"/>
+                  </a:cubicBezTo>
+                  <a:cubicBezTo>
+                    <a:pt x="1247" y="790"/>
+                    <a:pt x="1359" y="674"/>
+                    <a:pt x="1359" y="529"/>
+                  </a:cubicBezTo>
+                  <a:cubicBezTo>
+                    <a:pt x="1346" y="301"/>
+                    <a:pt x="1155" y="246"/>
+                    <a:pt x="1038" y="266"/>
+                  </a:cubicBezTo>
+                  <a:cubicBezTo>
+                    <a:pt x="1031" y="245"/>
+                    <a:pt x="956" y="70"/>
+                    <a:pt x="743" y="147"/>
+                  </a:cubicBezTo>
+                  <a:cubicBezTo>
+                    <a:pt x="687" y="47"/>
+                    <a:pt x="597" y="0"/>
+                    <a:pt x="506" y="1"/>
+                  </a:cubicBezTo>
+                  <a:cubicBezTo>
+                    <a:pt x="270" y="3"/>
+                    <a:pt x="245" y="206"/>
+                    <a:pt x="242" y="271"/>
+                  </a:cubicBezTo>
+                  <a:close/>
+                </a:path>
+              </a:pathLst>
+            </a:custGeom>
+            <a:solidFill>
+              <a:srgbClr val="FFFFFF"/>
+            </a:solidFill>
+            <a:ln>
+              <a:noFill/>
+            </a:ln>
+            <a:extLst>
+              <a:ext uri="{91240B29-F687-4F45-9708-019B960494DF}">
+                <a14:hiddenLine xmlns:a14="http://schemas.microsoft.com/office/drawing/2010/main" w="9525">
+                  <a:solidFill>
+                    <a:srgbClr val="000000"/>
+                  </a:solidFill>
+                  <a:round/>
+                  <a:headEnd/>
+                  <a:tailEnd/>
+                </a14:hiddenLine>
+              </a:ext>
+            </a:extLst>
+          </p:spPr>
+          <p:txBody>
+            <a:bodyPr vert="horz" wrap="square" lIns="91440" tIns="45720" rIns="91440" bIns="45720" numCol="1" anchor="t" anchorCtr="0" compatLnSpc="1">
+              <a:prstTxWarp prst="textNoShape">
+                <a:avLst/>
+              </a:prstTxWarp>
+            </a:bodyPr>
+            <a:lstStyle/>
+            <a:p>
+              <a:endParaRPr lang="ja-JP" altLang="en-US"/>
+            </a:p>
+          </p:txBody>
+        </p:sp>
+      </p:grpSp>
+      <p:sp>
+        <p:nvSpPr>
+          <p:cNvPr id="33" name="ホームベース 32"/>
+          <p:cNvSpPr/>
+          <p:nvPr/>
+        </p:nvSpPr>
+        <p:spPr>
+          <a:xfrm>
+            <a:off x="957784" y="6100936"/>
+            <a:ext cx="1734823" cy="471924"/>
+          </a:xfrm>
+          <a:prstGeom prst="homePlate">
+            <a:avLst/>
+          </a:prstGeom>
+          <a:solidFill>
+            <a:schemeClr val="accent6">
+              <a:lumMod val="20000"/>
+              <a:lumOff val="80000"/>
+            </a:schemeClr>
+          </a:solidFill>
+          <a:ln w="28575" cap="flat">
+            <a:solidFill>
+              <a:schemeClr val="accent6"/>
+            </a:solidFill>
+            <a:miter lim="400000"/>
+          </a:ln>
+          <a:effectLst/>
+          <a:sp3d/>
+        </p:spPr>
+        <p:style>
+          <a:lnRef idx="0">
+            <a:scrgbClr r="0" g="0" b="0"/>
+          </a:lnRef>
+          <a:fillRef idx="0">
+            <a:scrgbClr r="0" g="0" b="0"/>
+          </a:fillRef>
+          <a:effectRef idx="0">
+            <a:scrgbClr r="0" g="0" b="0"/>
+          </a:effectRef>
+          <a:fontRef idx="none"/>
+        </p:style>
+        <p:txBody>
+          <a:bodyPr rot="0" spcFirstLastPara="1" vertOverflow="overflow" horzOverflow="overflow" vert="horz" wrap="none" lIns="50800" tIns="50800" rIns="50800" bIns="50800" numCol="1" spcCol="38100" rtlCol="0" anchor="ctr">
+            <a:noAutofit/>
+          </a:bodyPr>
+          <a:lstStyle/>
+          <a:p>
+            <a:pPr marL="0" marR="0" indent="0" algn="ctr" defTabSz="584200" rtl="0" fontAlgn="auto" latinLnBrk="0" hangingPunct="0">
+              <a:lnSpc>
+                <a:spcPct val="100000"/>
+              </a:lnSpc>
+              <a:spcBef>
+                <a:spcPts val="0"/>
+              </a:spcBef>
+              <a:spcAft>
+                <a:spcPts val="0"/>
+              </a:spcAft>
+              <a:buClrTx/>
+              <a:buSzTx/>
+              <a:buFontTx/>
+              <a:buNone/>
+              <a:tabLst/>
+            </a:pPr>
+            <a:r>
+              <a:rPr lang="ja-JP" altLang="en-US" sz="2000" dirty="0" smtClean="0">
+                <a:solidFill>
+                  <a:schemeClr val="tx1"/>
+                </a:solidFill>
+              </a:rPr>
+              <a:t>プログラム</a:t>
+            </a:r>
+            <a:endParaRPr lang="en-US" altLang="ja-JP" sz="2000" dirty="0" smtClean="0">
+              <a:solidFill>
+                <a:schemeClr val="tx1"/>
+              </a:solidFill>
+            </a:endParaRPr>
+          </a:p>
+          <a:p>
+            <a:pPr marL="0" marR="0" indent="0" algn="ctr" defTabSz="584200" rtl="0" fontAlgn="auto" latinLnBrk="0" hangingPunct="0">
+              <a:lnSpc>
+                <a:spcPct val="100000"/>
+              </a:lnSpc>
+              <a:spcBef>
+                <a:spcPts val="0"/>
+              </a:spcBef>
+              <a:spcAft>
+                <a:spcPts val="0"/>
+              </a:spcAft>
+              <a:buClrTx/>
+              <a:buSzTx/>
+              <a:buFontTx/>
+              <a:buNone/>
+              <a:tabLst/>
+            </a:pPr>
+            <a:r>
+              <a:rPr lang="ja-JP" altLang="en-US" sz="2000" dirty="0" smtClean="0">
+                <a:solidFill>
+                  <a:schemeClr val="tx1"/>
+                </a:solidFill>
+              </a:rPr>
+              <a:t>転送</a:t>
+            </a:r>
+            <a:endParaRPr kumimoji="0" lang="ja-JP" altLang="en-US" sz="2000" i="0" u="none" strike="noStrike" normalizeH="0" baseline="0" dirty="0">
+              <a:solidFill>
+                <a:schemeClr val="tx1"/>
+              </a:solidFill>
+              <a:uFillTx/>
+              <a:sym typeface="Palatino"/>
+            </a:endParaRPr>
+          </a:p>
+        </p:txBody>
+      </p:sp>
+      <p:sp>
+        <p:nvSpPr>
+          <p:cNvPr id="48" name="ホームベース 47"/>
+          <p:cNvSpPr/>
+          <p:nvPr/>
+        </p:nvSpPr>
+        <p:spPr>
+          <a:xfrm>
+            <a:off x="2757984" y="6100936"/>
+            <a:ext cx="6020193" cy="471924"/>
+          </a:xfrm>
+          <a:prstGeom prst="homePlate">
+            <a:avLst/>
+          </a:prstGeom>
+          <a:solidFill>
+            <a:schemeClr val="accent6">
+              <a:lumMod val="20000"/>
+              <a:lumOff val="80000"/>
+            </a:schemeClr>
+          </a:solidFill>
+          <a:ln w="28575" cap="flat">
+            <a:solidFill>
+              <a:schemeClr val="accent6"/>
+            </a:solidFill>
+            <a:miter lim="400000"/>
+          </a:ln>
+          <a:effectLst/>
+          <a:sp3d/>
+        </p:spPr>
+        <p:style>
+          <a:lnRef idx="0">
+            <a:scrgbClr r="0" g="0" b="0"/>
+          </a:lnRef>
+          <a:fillRef idx="0">
+            <a:scrgbClr r="0" g="0" b="0"/>
+          </a:fillRef>
+          <a:effectRef idx="0">
+            <a:scrgbClr r="0" g="0" b="0"/>
+          </a:effectRef>
+          <a:fontRef idx="none"/>
+        </p:style>
+        <p:txBody>
+          <a:bodyPr rot="0" spcFirstLastPara="1" vertOverflow="overflow" horzOverflow="overflow" vert="horz" wrap="none" lIns="50800" tIns="50800" rIns="50800" bIns="50800" numCol="1" spcCol="38100" rtlCol="0" anchor="ctr">
+            <a:noAutofit/>
+          </a:bodyPr>
+          <a:lstStyle/>
+          <a:p>
+            <a:pPr marL="0" marR="0" indent="0" algn="ctr" defTabSz="584200" rtl="0" fontAlgn="auto" latinLnBrk="0" hangingPunct="0">
+              <a:lnSpc>
+                <a:spcPct val="100000"/>
+              </a:lnSpc>
+              <a:spcBef>
+                <a:spcPts val="0"/>
+              </a:spcBef>
+              <a:spcAft>
+                <a:spcPts val="0"/>
+              </a:spcAft>
+              <a:buClrTx/>
+              <a:buSzTx/>
+              <a:buFontTx/>
+              <a:buNone/>
+              <a:tabLst/>
+            </a:pPr>
+            <a:r>
+              <a:rPr kumimoji="0" lang="ja-JP" altLang="en-US" sz="2000" i="0" u="none" strike="noStrike" normalizeH="0" baseline="0" dirty="0" smtClean="0">
+                <a:solidFill>
+                  <a:schemeClr val="tx1"/>
+                </a:solidFill>
+                <a:uFillTx/>
+                <a:sym typeface="Palatino"/>
+              </a:rPr>
+              <a:t>データ収集</a:t>
+            </a:r>
+            <a:endParaRPr kumimoji="0" lang="ja-JP" altLang="en-US" sz="2000" i="0" u="none" strike="noStrike" normalizeH="0" baseline="0" dirty="0">
+              <a:solidFill>
+                <a:schemeClr val="tx1"/>
+              </a:solidFill>
+              <a:uFillTx/>
+              <a:sym typeface="Palatino"/>
+            </a:endParaRPr>
+          </a:p>
+        </p:txBody>
+      </p:sp>
+      <p:sp>
+        <p:nvSpPr>
+          <p:cNvPr id="49" name="テキスト ボックス 48"/>
+          <p:cNvSpPr txBox="1"/>
+          <p:nvPr/>
+        </p:nvSpPr>
+        <p:spPr>
+          <a:xfrm>
+            <a:off x="9726746" y="8358287"/>
+            <a:ext cx="1782539" cy="656590"/>
+          </a:xfrm>
+          <a:prstGeom prst="rect">
+            <a:avLst/>
+          </a:prstGeom>
+          <a:noFill/>
+          <a:ln w="12700" cap="flat">
+            <a:noFill/>
+            <a:miter lim="400000"/>
+          </a:ln>
+          <a:effectLst/>
+          <a:sp3d/>
+        </p:spPr>
+        <p:style>
+          <a:lnRef idx="0">
+            <a:scrgbClr r="0" g="0" b="0"/>
+          </a:lnRef>
+          <a:fillRef idx="0">
+            <a:scrgbClr r="0" g="0" b="0"/>
+          </a:fillRef>
+          <a:effectRef idx="0">
+            <a:scrgbClr r="0" g="0" b="0"/>
+          </a:effectRef>
+          <a:fontRef idx="none"/>
+        </p:style>
+        <p:txBody>
+          <a:bodyPr rot="0" spcFirstLastPara="1" vertOverflow="overflow" horzOverflow="overflow" vert="horz" wrap="none" lIns="50800" tIns="50800" rIns="50800" bIns="50800" numCol="1" spcCol="38100" rtlCol="0" anchor="ctr">
+            <a:spAutoFit/>
+          </a:bodyPr>
+          <a:lstStyle/>
+          <a:p>
+            <a:pPr marL="0" marR="0" indent="0" algn="ctr" defTabSz="584200" rtl="0" fontAlgn="auto" latinLnBrk="0" hangingPunct="0">
+              <a:lnSpc>
+                <a:spcPct val="100000"/>
+              </a:lnSpc>
+              <a:spcBef>
+                <a:spcPts val="0"/>
+              </a:spcBef>
+              <a:spcAft>
+                <a:spcPts val="0"/>
+              </a:spcAft>
+              <a:buClrTx/>
+              <a:buSzTx/>
+              <a:buFontTx/>
+              <a:buNone/>
+              <a:tabLst/>
+            </a:pPr>
+            <a:r>
+              <a:rPr lang="ja-JP" altLang="en-US" sz="1800" dirty="0" smtClean="0"/>
+              <a:t>クラウド</a:t>
+            </a:r>
+            <a:endParaRPr lang="en-US" altLang="ja-JP" sz="1800" dirty="0" smtClean="0"/>
+          </a:p>
+          <a:p>
+            <a:pPr marL="0" marR="0" indent="0" algn="ctr" defTabSz="584200" rtl="0" fontAlgn="auto" latinLnBrk="0" hangingPunct="0">
+              <a:lnSpc>
+                <a:spcPct val="100000"/>
+              </a:lnSpc>
+              <a:spcBef>
+                <a:spcPts val="0"/>
+              </a:spcBef>
+              <a:spcAft>
+                <a:spcPts val="0"/>
+              </a:spcAft>
+              <a:buClrTx/>
+              <a:buSzTx/>
+              <a:buFontTx/>
+              <a:buNone/>
+              <a:tabLst/>
+            </a:pPr>
+            <a:r>
+              <a:rPr kumimoji="0" lang="en-US" altLang="ja-JP" sz="1800" b="0" i="0" u="none" strike="noStrike" cap="none" spc="0" normalizeH="0" baseline="0" dirty="0" smtClean="0">
+                <a:ln>
+                  <a:noFill/>
+                </a:ln>
+                <a:solidFill>
+                  <a:srgbClr val="414141"/>
+                </a:solidFill>
+                <a:effectLst/>
+                <a:uFillTx/>
+                <a:latin typeface="Palatino"/>
+                <a:ea typeface="Palatino"/>
+                <a:cs typeface="Palatino"/>
+                <a:sym typeface="Palatino"/>
+              </a:rPr>
+              <a:t>(NEC Cloud </a:t>
+            </a:r>
+            <a:r>
+              <a:rPr kumimoji="0" lang="en-US" altLang="ja-JP" sz="1800" b="0" i="0" u="none" strike="noStrike" cap="none" spc="0" normalizeH="0" baseline="0" dirty="0" err="1" smtClean="0">
+                <a:ln>
+                  <a:noFill/>
+                </a:ln>
+                <a:solidFill>
+                  <a:srgbClr val="414141"/>
+                </a:solidFill>
+                <a:effectLst/>
+                <a:uFillTx/>
+                <a:latin typeface="Palatino"/>
+                <a:ea typeface="Palatino"/>
+                <a:cs typeface="Palatino"/>
+                <a:sym typeface="Palatino"/>
+              </a:rPr>
+              <a:t>IaaS</a:t>
+            </a:r>
+            <a:r>
+              <a:rPr kumimoji="0" lang="en-US" altLang="ja-JP" sz="1800" b="0" i="0" u="none" strike="noStrike" cap="none" spc="0" normalizeH="0" baseline="0" dirty="0" smtClean="0">
+                <a:ln>
+                  <a:noFill/>
+                </a:ln>
+                <a:solidFill>
+                  <a:srgbClr val="414141"/>
+                </a:solidFill>
+                <a:effectLst/>
+                <a:uFillTx/>
+                <a:latin typeface="Palatino"/>
+                <a:ea typeface="Palatino"/>
+                <a:cs typeface="Palatino"/>
+                <a:sym typeface="Palatino"/>
+              </a:rPr>
+              <a:t>)</a:t>
+            </a:r>
+            <a:endParaRPr kumimoji="0" lang="ja-JP" altLang="en-US" sz="1800" b="0" i="0" u="none" strike="noStrike" cap="none" spc="0" normalizeH="0" baseline="0" dirty="0">
+              <a:ln>
+                <a:noFill/>
+              </a:ln>
+              <a:solidFill>
+                <a:srgbClr val="414141"/>
+              </a:solidFill>
+              <a:effectLst/>
+              <a:uFillTx/>
+              <a:latin typeface="Palatino"/>
+              <a:ea typeface="Palatino"/>
+              <a:cs typeface="Palatino"/>
+              <a:sym typeface="Palatino"/>
+            </a:endParaRPr>
+          </a:p>
+        </p:txBody>
+      </p:sp>
+      <p:sp>
+        <p:nvSpPr>
+          <p:cNvPr id="50" name="テキスト ボックス 49"/>
+          <p:cNvSpPr txBox="1"/>
+          <p:nvPr/>
+        </p:nvSpPr>
+        <p:spPr>
+          <a:xfrm>
+            <a:off x="3941843" y="6932900"/>
+            <a:ext cx="976381" cy="359301"/>
+          </a:xfrm>
+          <a:prstGeom prst="roundRect">
+            <a:avLst/>
+          </a:prstGeom>
+          <a:solidFill>
+            <a:schemeClr val="accent5">
+              <a:lumMod val="40000"/>
+              <a:lumOff val="60000"/>
+            </a:schemeClr>
+          </a:solidFill>
+          <a:ln w="28575" cap="flat">
+            <a:solidFill>
+              <a:schemeClr val="tx1">
+                <a:lumMod val="40000"/>
+                <a:lumOff val="60000"/>
+              </a:schemeClr>
+            </a:solidFill>
+            <a:miter lim="400000"/>
+          </a:ln>
+          <a:effectLst/>
+          <a:sp3d/>
+        </p:spPr>
+        <p:style>
+          <a:lnRef idx="0">
+            <a:scrgbClr r="0" g="0" b="0"/>
+          </a:lnRef>
+          <a:fillRef idx="0">
+            <a:scrgbClr r="0" g="0" b="0"/>
+          </a:fillRef>
+          <a:effectRef idx="0">
+            <a:scrgbClr r="0" g="0" b="0"/>
+          </a:effectRef>
+          <a:fontRef idx="none"/>
+        </p:style>
+        <p:txBody>
+          <a:bodyPr rot="0" spcFirstLastPara="1" vertOverflow="overflow" horzOverflow="overflow" vert="horz" wrap="none" lIns="50800" tIns="50800" rIns="50800" bIns="50800" numCol="1" spcCol="38100" rtlCol="0" anchor="ctr">
+            <a:noAutofit/>
+          </a:bodyPr>
+          <a:lstStyle/>
+          <a:p>
+            <a:pPr marL="0" marR="0" indent="0" algn="ctr" defTabSz="584200" rtl="0" fontAlgn="auto" latinLnBrk="0" hangingPunct="0">
+              <a:lnSpc>
+                <a:spcPct val="100000"/>
+              </a:lnSpc>
+              <a:spcBef>
+                <a:spcPts val="0"/>
+              </a:spcBef>
+              <a:spcAft>
+                <a:spcPts val="0"/>
+              </a:spcAft>
+              <a:buClrTx/>
+              <a:buSzTx/>
+              <a:buFontTx/>
+              <a:buNone/>
+              <a:tabLst/>
+            </a:pPr>
+            <a:r>
+              <a:rPr lang="ja-JP" altLang="en-US" sz="1200" dirty="0"/>
+              <a:t>ファイル</a:t>
+            </a:r>
+            <a:r>
+              <a:rPr lang="ja-JP" altLang="en-US" sz="1200" dirty="0" smtClean="0"/>
+              <a:t>転送</a:t>
+            </a:r>
+            <a:endParaRPr lang="en-US" altLang="ja-JP" sz="1200" dirty="0" smtClean="0"/>
+          </a:p>
+          <a:p>
+            <a:pPr marL="0" marR="0" indent="0" algn="ctr" defTabSz="584200" rtl="0" fontAlgn="auto" latinLnBrk="0" hangingPunct="0">
+              <a:lnSpc>
+                <a:spcPct val="100000"/>
+              </a:lnSpc>
+              <a:spcBef>
+                <a:spcPts val="0"/>
+              </a:spcBef>
+              <a:spcAft>
+                <a:spcPts val="0"/>
+              </a:spcAft>
+              <a:buClrTx/>
+              <a:buSzTx/>
+              <a:buFontTx/>
+              <a:buNone/>
+              <a:tabLst/>
+            </a:pPr>
+            <a:r>
+              <a:rPr kumimoji="0" lang="ja-JP" altLang="en-US" sz="1200" b="0" i="0" u="none" strike="noStrike" cap="none" spc="0" normalizeH="0" baseline="0" dirty="0" smtClean="0">
+                <a:ln>
+                  <a:noFill/>
+                </a:ln>
+                <a:solidFill>
+                  <a:srgbClr val="414141"/>
+                </a:solidFill>
+                <a:effectLst/>
+                <a:uFillTx/>
+                <a:sym typeface="Palatino"/>
+              </a:rPr>
+              <a:t>エージェント</a:t>
+            </a:r>
+            <a:endParaRPr kumimoji="0" lang="ja-JP" altLang="en-US" sz="1200" b="0" i="0" u="none" strike="noStrike" cap="none" spc="0" normalizeH="0" baseline="0" dirty="0">
+              <a:ln>
+                <a:noFill/>
+              </a:ln>
+              <a:solidFill>
+                <a:srgbClr val="414141"/>
+              </a:solidFill>
+              <a:effectLst/>
+              <a:uFillTx/>
+              <a:sym typeface="Palatino"/>
+            </a:endParaRPr>
+          </a:p>
+        </p:txBody>
+      </p:sp>
+      <p:sp>
+        <p:nvSpPr>
+          <p:cNvPr id="54" name="ホームベース 53"/>
+          <p:cNvSpPr/>
+          <p:nvPr/>
+        </p:nvSpPr>
+        <p:spPr>
+          <a:xfrm>
+            <a:off x="8878664" y="6100936"/>
+            <a:ext cx="3384376" cy="471924"/>
+          </a:xfrm>
+          <a:prstGeom prst="homePlate">
+            <a:avLst/>
+          </a:prstGeom>
+          <a:solidFill>
+            <a:schemeClr val="accent6">
+              <a:lumMod val="20000"/>
+              <a:lumOff val="80000"/>
+            </a:schemeClr>
+          </a:solidFill>
+          <a:ln w="28575" cap="flat">
+            <a:solidFill>
+              <a:schemeClr val="accent6"/>
+            </a:solidFill>
+            <a:miter lim="400000"/>
+          </a:ln>
+          <a:effectLst/>
+          <a:sp3d/>
+        </p:spPr>
+        <p:style>
+          <a:lnRef idx="0">
+            <a:scrgbClr r="0" g="0" b="0"/>
+          </a:lnRef>
+          <a:fillRef idx="0">
+            <a:scrgbClr r="0" g="0" b="0"/>
+          </a:fillRef>
+          <a:effectRef idx="0">
+            <a:scrgbClr r="0" g="0" b="0"/>
+          </a:effectRef>
+          <a:fontRef idx="none"/>
+        </p:style>
+        <p:txBody>
+          <a:bodyPr rot="0" spcFirstLastPara="1" vertOverflow="overflow" horzOverflow="overflow" vert="horz" wrap="none" lIns="50800" tIns="50800" rIns="50800" bIns="50800" numCol="1" spcCol="38100" rtlCol="0" anchor="ctr">
+            <a:noAutofit/>
+          </a:bodyPr>
+          <a:lstStyle/>
+          <a:p>
+            <a:pPr marL="0" marR="0" indent="0" algn="ctr" defTabSz="584200" rtl="0" fontAlgn="auto" latinLnBrk="0" hangingPunct="0">
+              <a:lnSpc>
+                <a:spcPct val="100000"/>
+              </a:lnSpc>
+              <a:spcBef>
+                <a:spcPts val="0"/>
+              </a:spcBef>
+              <a:spcAft>
+                <a:spcPts val="0"/>
+              </a:spcAft>
+              <a:buClrTx/>
+              <a:buSzTx/>
+              <a:buFontTx/>
+              <a:buNone/>
+              <a:tabLst/>
+            </a:pPr>
+            <a:r>
+              <a:rPr kumimoji="0" lang="ja-JP" altLang="en-US" sz="2000" i="0" u="none" strike="noStrike" normalizeH="0" baseline="0" dirty="0" smtClean="0">
+                <a:solidFill>
+                  <a:schemeClr val="tx1"/>
+                </a:solidFill>
+                <a:uFillTx/>
+                <a:sym typeface="Palatino"/>
+              </a:rPr>
+              <a:t>データ蓄積</a:t>
+            </a:r>
+            <a:endParaRPr kumimoji="0" lang="ja-JP" altLang="en-US" sz="2000" i="0" u="none" strike="noStrike" normalizeH="0" baseline="0" dirty="0">
+              <a:solidFill>
+                <a:schemeClr val="tx1"/>
+              </a:solidFill>
+              <a:uFillTx/>
+              <a:sym typeface="Palatino"/>
+            </a:endParaRPr>
+          </a:p>
+        </p:txBody>
+      </p:sp>
+      <p:sp>
+        <p:nvSpPr>
+          <p:cNvPr id="46" name="Freeform 76"/>
+          <p:cNvSpPr>
+            <a:spLocks noChangeAspect="1" noEditPoints="1"/>
+          </p:cNvSpPr>
+          <p:nvPr/>
+        </p:nvSpPr>
+        <p:spPr bwMode="gray">
+          <a:xfrm>
+            <a:off x="8590632" y="7514023"/>
+            <a:ext cx="519109" cy="520066"/>
+          </a:xfrm>
+          <a:custGeom>
+            <a:avLst/>
+            <a:gdLst>
+              <a:gd name="T0" fmla="*/ 0 w 1153"/>
+              <a:gd name="T1" fmla="*/ 577 h 1154"/>
+              <a:gd name="T2" fmla="*/ 1153 w 1153"/>
+              <a:gd name="T3" fmla="*/ 577 h 1154"/>
+              <a:gd name="T4" fmla="*/ 673 w 1153"/>
+              <a:gd name="T5" fmla="*/ 1078 h 1154"/>
+              <a:gd name="T6" fmla="*/ 596 w 1153"/>
+              <a:gd name="T7" fmla="*/ 941 h 1154"/>
+              <a:gd name="T8" fmla="*/ 853 w 1153"/>
+              <a:gd name="T9" fmla="*/ 868 h 1154"/>
+              <a:gd name="T10" fmla="*/ 300 w 1153"/>
+              <a:gd name="T11" fmla="*/ 868 h 1154"/>
+              <a:gd name="T12" fmla="*/ 557 w 1153"/>
+              <a:gd name="T13" fmla="*/ 941 h 1154"/>
+              <a:gd name="T14" fmla="*/ 479 w 1153"/>
+              <a:gd name="T15" fmla="*/ 1078 h 1154"/>
+              <a:gd name="T16" fmla="*/ 67 w 1153"/>
+              <a:gd name="T17" fmla="*/ 597 h 1154"/>
+              <a:gd name="T18" fmla="*/ 209 w 1153"/>
+              <a:gd name="T19" fmla="*/ 670 h 1154"/>
+              <a:gd name="T20" fmla="*/ 133 w 1153"/>
+              <a:gd name="T21" fmla="*/ 829 h 1154"/>
+              <a:gd name="T22" fmla="*/ 479 w 1153"/>
+              <a:gd name="T23" fmla="*/ 76 h 1154"/>
+              <a:gd name="T24" fmla="*/ 557 w 1153"/>
+              <a:gd name="T25" fmla="*/ 285 h 1154"/>
+              <a:gd name="T26" fmla="*/ 479 w 1153"/>
+              <a:gd name="T27" fmla="*/ 76 h 1154"/>
+              <a:gd name="T28" fmla="*/ 789 w 1153"/>
+              <a:gd name="T29" fmla="*/ 285 h 1154"/>
+              <a:gd name="T30" fmla="*/ 596 w 1153"/>
+              <a:gd name="T31" fmla="*/ 67 h 1154"/>
+              <a:gd name="T32" fmla="*/ 825 w 1153"/>
+              <a:gd name="T33" fmla="*/ 229 h 1154"/>
+              <a:gd name="T34" fmla="*/ 882 w 1153"/>
+              <a:gd name="T35" fmla="*/ 400 h 1154"/>
+              <a:gd name="T36" fmla="*/ 909 w 1153"/>
+              <a:gd name="T37" fmla="*/ 557 h 1154"/>
+              <a:gd name="T38" fmla="*/ 596 w 1153"/>
+              <a:gd name="T39" fmla="*/ 325 h 1154"/>
+              <a:gd name="T40" fmla="*/ 557 w 1153"/>
+              <a:gd name="T41" fmla="*/ 325 h 1154"/>
+              <a:gd name="T42" fmla="*/ 316 w 1153"/>
+              <a:gd name="T43" fmla="*/ 557 h 1154"/>
+              <a:gd name="T44" fmla="*/ 284 w 1153"/>
+              <a:gd name="T45" fmla="*/ 325 h 1154"/>
+              <a:gd name="T46" fmla="*/ 209 w 1153"/>
+              <a:gd name="T47" fmla="*/ 483 h 1154"/>
+              <a:gd name="T48" fmla="*/ 67 w 1153"/>
+              <a:gd name="T49" fmla="*/ 557 h 1154"/>
+              <a:gd name="T50" fmla="*/ 243 w 1153"/>
+              <a:gd name="T51" fmla="*/ 325 h 1154"/>
+              <a:gd name="T52" fmla="*/ 248 w 1153"/>
+              <a:gd name="T53" fmla="*/ 668 h 1154"/>
+              <a:gd name="T54" fmla="*/ 557 w 1153"/>
+              <a:gd name="T55" fmla="*/ 597 h 1154"/>
+              <a:gd name="T56" fmla="*/ 483 w 1153"/>
+              <a:gd name="T57" fmla="*/ 829 h 1154"/>
+              <a:gd name="T58" fmla="*/ 248 w 1153"/>
+              <a:gd name="T59" fmla="*/ 668 h 1154"/>
+              <a:gd name="T60" fmla="*/ 596 w 1153"/>
+              <a:gd name="T61" fmla="*/ 756 h 1154"/>
+              <a:gd name="T62" fmla="*/ 909 w 1153"/>
+              <a:gd name="T63" fmla="*/ 597 h 1154"/>
+              <a:gd name="T64" fmla="*/ 669 w 1153"/>
+              <a:gd name="T65" fmla="*/ 829 h 1154"/>
+              <a:gd name="T66" fmla="*/ 1086 w 1153"/>
+              <a:gd name="T67" fmla="*/ 597 h 1154"/>
+              <a:gd name="T68" fmla="*/ 910 w 1153"/>
+              <a:gd name="T69" fmla="*/ 829 h 1154"/>
+              <a:gd name="T70" fmla="*/ 949 w 1153"/>
+              <a:gd name="T71" fmla="*/ 557 h 1154"/>
+              <a:gd name="T72" fmla="*/ 975 w 1153"/>
+              <a:gd name="T73" fmla="*/ 325 h 1154"/>
+              <a:gd name="T74" fmla="*/ 1086 w 1153"/>
+              <a:gd name="T75" fmla="*/ 557 h 1154"/>
+              <a:gd name="T76" fmla="*/ 995 w 1153"/>
+              <a:gd name="T77" fmla="*/ 285 h 1154"/>
+              <a:gd name="T78" fmla="*/ 882 w 1153"/>
+              <a:gd name="T79" fmla="*/ 210 h 1154"/>
+              <a:gd name="T80" fmla="*/ 788 w 1153"/>
+              <a:gd name="T81" fmla="*/ 112 h 1154"/>
+              <a:gd name="T82" fmla="*/ 365 w 1153"/>
+              <a:gd name="T83" fmla="*/ 112 h 1154"/>
+              <a:gd name="T84" fmla="*/ 158 w 1153"/>
+              <a:gd name="T85" fmla="*/ 285 h 1154"/>
+              <a:gd name="T86" fmla="*/ 158 w 1153"/>
+              <a:gd name="T87" fmla="*/ 868 h 1154"/>
+              <a:gd name="T88" fmla="*/ 365 w 1153"/>
+              <a:gd name="T89" fmla="*/ 1041 h 1154"/>
+              <a:gd name="T90" fmla="*/ 788 w 1153"/>
+              <a:gd name="T91" fmla="*/ 1041 h 1154"/>
+              <a:gd name="T92" fmla="*/ 995 w 1153"/>
+              <a:gd name="T93" fmla="*/ 868 h 1154"/>
+            </a:gdLst>
+            <a:ahLst/>
+            <a:cxnLst>
+              <a:cxn ang="0">
+                <a:pos x="T0" y="T1"/>
+              </a:cxn>
+              <a:cxn ang="0">
+                <a:pos x="T2" y="T3"/>
+              </a:cxn>
+              <a:cxn ang="0">
+                <a:pos x="T4" y="T5"/>
+              </a:cxn>
+              <a:cxn ang="0">
+                <a:pos x="T6" y="T7"/>
+              </a:cxn>
+              <a:cxn ang="0">
+                <a:pos x="T8" y="T9"/>
+              </a:cxn>
+              <a:cxn ang="0">
+                <a:pos x="T10" y="T11"/>
+              </a:cxn>
+              <a:cxn ang="0">
+                <a:pos x="T12" y="T13"/>
+              </a:cxn>
+              <a:cxn ang="0">
+                <a:pos x="T14" y="T15"/>
+              </a:cxn>
+              <a:cxn ang="0">
+                <a:pos x="T16" y="T17"/>
+              </a:cxn>
+              <a:cxn ang="0">
+                <a:pos x="T18" y="T19"/>
+              </a:cxn>
+              <a:cxn ang="0">
+                <a:pos x="T20" y="T21"/>
+              </a:cxn>
+              <a:cxn ang="0">
+                <a:pos x="T22" y="T23"/>
+              </a:cxn>
+              <a:cxn ang="0">
+                <a:pos x="T24" y="T25"/>
+              </a:cxn>
+              <a:cxn ang="0">
+                <a:pos x="T26" y="T27"/>
+              </a:cxn>
+              <a:cxn ang="0">
+                <a:pos x="T28" y="T29"/>
+              </a:cxn>
+              <a:cxn ang="0">
+                <a:pos x="T30" y="T31"/>
+              </a:cxn>
+              <a:cxn ang="0">
+                <a:pos x="T32" y="T33"/>
+              </a:cxn>
+              <a:cxn ang="0">
+                <a:pos x="T34" y="T35"/>
+              </a:cxn>
+              <a:cxn ang="0">
+                <a:pos x="T36" y="T37"/>
+              </a:cxn>
+              <a:cxn ang="0">
+                <a:pos x="T38" y="T39"/>
+              </a:cxn>
+              <a:cxn ang="0">
+                <a:pos x="T40" y="T41"/>
+              </a:cxn>
+              <a:cxn ang="0">
+                <a:pos x="T42" y="T43"/>
+              </a:cxn>
+              <a:cxn ang="0">
+                <a:pos x="T44" y="T45"/>
+              </a:cxn>
+              <a:cxn ang="0">
+                <a:pos x="T46" y="T47"/>
+              </a:cxn>
+              <a:cxn ang="0">
+                <a:pos x="T48" y="T49"/>
+              </a:cxn>
+              <a:cxn ang="0">
+                <a:pos x="T50" y="T51"/>
+              </a:cxn>
+              <a:cxn ang="0">
+                <a:pos x="T52" y="T53"/>
+              </a:cxn>
+              <a:cxn ang="0">
+                <a:pos x="T54" y="T55"/>
+              </a:cxn>
+              <a:cxn ang="0">
+                <a:pos x="T56" y="T57"/>
+              </a:cxn>
+              <a:cxn ang="0">
+                <a:pos x="T58" y="T59"/>
+              </a:cxn>
+              <a:cxn ang="0">
+                <a:pos x="T60" y="T61"/>
+              </a:cxn>
+              <a:cxn ang="0">
+                <a:pos x="T62" y="T63"/>
+              </a:cxn>
+              <a:cxn ang="0">
+                <a:pos x="T64" y="T65"/>
+              </a:cxn>
+              <a:cxn ang="0">
+                <a:pos x="T66" y="T67"/>
+              </a:cxn>
+              <a:cxn ang="0">
+                <a:pos x="T68" y="T69"/>
+              </a:cxn>
+              <a:cxn ang="0">
+                <a:pos x="T70" y="T71"/>
+              </a:cxn>
+              <a:cxn ang="0">
+                <a:pos x="T72" y="T73"/>
+              </a:cxn>
+              <a:cxn ang="0">
+                <a:pos x="T74" y="T75"/>
+              </a:cxn>
+              <a:cxn ang="0">
+                <a:pos x="T76" y="T77"/>
+              </a:cxn>
+              <a:cxn ang="0">
+                <a:pos x="T78" y="T79"/>
+              </a:cxn>
+              <a:cxn ang="0">
+                <a:pos x="T80" y="T81"/>
+              </a:cxn>
+              <a:cxn ang="0">
+                <a:pos x="T82" y="T83"/>
+              </a:cxn>
+              <a:cxn ang="0">
+                <a:pos x="T84" y="T85"/>
+              </a:cxn>
+              <a:cxn ang="0">
+                <a:pos x="T86" y="T87"/>
+              </a:cxn>
+              <a:cxn ang="0">
+                <a:pos x="T88" y="T89"/>
+              </a:cxn>
+              <a:cxn ang="0">
+                <a:pos x="T90" y="T91"/>
+              </a:cxn>
+              <a:cxn ang="0">
+                <a:pos x="T92" y="T93"/>
+              </a:cxn>
+            </a:cxnLst>
+            <a:rect l="0" t="0" r="r" b="b"/>
+            <a:pathLst>
+              <a:path w="1153" h="1154">
+                <a:moveTo>
+                  <a:pt x="576" y="0"/>
+                </a:moveTo>
+                <a:cubicBezTo>
+                  <a:pt x="258" y="0"/>
+                  <a:pt x="0" y="259"/>
+                  <a:pt x="0" y="577"/>
+                </a:cubicBezTo>
+                <a:cubicBezTo>
+                  <a:pt x="0" y="895"/>
+                  <a:pt x="258" y="1154"/>
+                  <a:pt x="576" y="1154"/>
+                </a:cubicBezTo>
+                <a:cubicBezTo>
+                  <a:pt x="895" y="1154"/>
+                  <a:pt x="1153" y="895"/>
+                  <a:pt x="1153" y="577"/>
+                </a:cubicBezTo>
+                <a:cubicBezTo>
+                  <a:pt x="1153" y="259"/>
+                  <a:pt x="895" y="0"/>
+                  <a:pt x="576" y="0"/>
+                </a:cubicBezTo>
+                <a:close/>
+                <a:moveTo>
+                  <a:pt x="673" y="1078"/>
+                </a:moveTo>
+                <a:cubicBezTo>
+                  <a:pt x="648" y="1083"/>
+                  <a:pt x="623" y="1085"/>
+                  <a:pt x="596" y="1086"/>
+                </a:cubicBezTo>
+                <a:cubicBezTo>
+                  <a:pt x="596" y="941"/>
+                  <a:pt x="596" y="941"/>
+                  <a:pt x="596" y="941"/>
+                </a:cubicBezTo>
+                <a:cubicBezTo>
+                  <a:pt x="633" y="934"/>
+                  <a:pt x="662" y="905"/>
+                  <a:pt x="669" y="868"/>
+                </a:cubicBezTo>
+                <a:cubicBezTo>
+                  <a:pt x="853" y="868"/>
+                  <a:pt x="853" y="868"/>
+                  <a:pt x="853" y="868"/>
+                </a:cubicBezTo>
+                <a:cubicBezTo>
+                  <a:pt x="811" y="967"/>
+                  <a:pt x="748" y="1042"/>
+                  <a:pt x="673" y="1078"/>
+                </a:cubicBezTo>
+                <a:close/>
+                <a:moveTo>
+                  <a:pt x="300" y="868"/>
+                </a:moveTo>
+                <a:cubicBezTo>
+                  <a:pt x="483" y="868"/>
+                  <a:pt x="483" y="868"/>
+                  <a:pt x="483" y="868"/>
+                </a:cubicBezTo>
+                <a:cubicBezTo>
+                  <a:pt x="491" y="905"/>
+                  <a:pt x="520" y="934"/>
+                  <a:pt x="557" y="941"/>
+                </a:cubicBezTo>
+                <a:cubicBezTo>
+                  <a:pt x="557" y="1086"/>
+                  <a:pt x="557" y="1086"/>
+                  <a:pt x="557" y="1086"/>
+                </a:cubicBezTo>
+                <a:cubicBezTo>
+                  <a:pt x="530" y="1085"/>
+                  <a:pt x="504" y="1083"/>
+                  <a:pt x="479" y="1078"/>
+                </a:cubicBezTo>
+                <a:cubicBezTo>
+                  <a:pt x="405" y="1042"/>
+                  <a:pt x="342" y="967"/>
+                  <a:pt x="300" y="868"/>
+                </a:cubicBezTo>
+                <a:close/>
+                <a:moveTo>
+                  <a:pt x="67" y="597"/>
+                </a:moveTo>
+                <a:cubicBezTo>
+                  <a:pt x="130" y="597"/>
+                  <a:pt x="130" y="597"/>
+                  <a:pt x="130" y="597"/>
+                </a:cubicBezTo>
+                <a:cubicBezTo>
+                  <a:pt x="138" y="635"/>
+                  <a:pt x="169" y="664"/>
+                  <a:pt x="209" y="670"/>
+                </a:cubicBezTo>
+                <a:cubicBezTo>
+                  <a:pt x="215" y="726"/>
+                  <a:pt x="227" y="779"/>
+                  <a:pt x="243" y="829"/>
+                </a:cubicBezTo>
+                <a:cubicBezTo>
+                  <a:pt x="133" y="829"/>
+                  <a:pt x="133" y="829"/>
+                  <a:pt x="133" y="829"/>
+                </a:cubicBezTo>
+                <a:cubicBezTo>
+                  <a:pt x="94" y="760"/>
+                  <a:pt x="70" y="681"/>
+                  <a:pt x="67" y="597"/>
+                </a:cubicBezTo>
+                <a:close/>
+                <a:moveTo>
+                  <a:pt x="479" y="76"/>
+                </a:moveTo>
+                <a:cubicBezTo>
+                  <a:pt x="504" y="71"/>
+                  <a:pt x="530" y="68"/>
+                  <a:pt x="557" y="67"/>
+                </a:cubicBezTo>
+                <a:cubicBezTo>
+                  <a:pt x="557" y="285"/>
+                  <a:pt x="557" y="285"/>
+                  <a:pt x="557" y="285"/>
+                </a:cubicBezTo>
+                <a:cubicBezTo>
+                  <a:pt x="300" y="285"/>
+                  <a:pt x="300" y="285"/>
+                  <a:pt x="300" y="285"/>
+                </a:cubicBezTo>
+                <a:cubicBezTo>
+                  <a:pt x="342" y="186"/>
+                  <a:pt x="405" y="111"/>
+                  <a:pt x="479" y="76"/>
+                </a:cubicBezTo>
+                <a:close/>
+                <a:moveTo>
+                  <a:pt x="825" y="229"/>
+                </a:moveTo>
+                <a:cubicBezTo>
+                  <a:pt x="807" y="243"/>
+                  <a:pt x="794" y="262"/>
+                  <a:pt x="789" y="285"/>
+                </a:cubicBezTo>
+                <a:cubicBezTo>
+                  <a:pt x="596" y="285"/>
+                  <a:pt x="596" y="285"/>
+                  <a:pt x="596" y="285"/>
+                </a:cubicBezTo>
+                <a:cubicBezTo>
+                  <a:pt x="596" y="67"/>
+                  <a:pt x="596" y="67"/>
+                  <a:pt x="596" y="67"/>
+                </a:cubicBezTo>
+                <a:cubicBezTo>
+                  <a:pt x="623" y="68"/>
+                  <a:pt x="648" y="71"/>
+                  <a:pt x="673" y="76"/>
+                </a:cubicBezTo>
+                <a:cubicBezTo>
+                  <a:pt x="733" y="104"/>
+                  <a:pt x="785" y="158"/>
+                  <a:pt x="825" y="229"/>
+                </a:cubicBezTo>
+                <a:close/>
+                <a:moveTo>
+                  <a:pt x="789" y="325"/>
+                </a:moveTo>
+                <a:cubicBezTo>
+                  <a:pt x="799" y="368"/>
+                  <a:pt x="837" y="400"/>
+                  <a:pt x="882" y="400"/>
+                </a:cubicBezTo>
+                <a:cubicBezTo>
+                  <a:pt x="885" y="400"/>
+                  <a:pt x="887" y="399"/>
+                  <a:pt x="890" y="399"/>
+                </a:cubicBezTo>
+                <a:cubicBezTo>
+                  <a:pt x="901" y="449"/>
+                  <a:pt x="908" y="502"/>
+                  <a:pt x="909" y="557"/>
+                </a:cubicBezTo>
+                <a:cubicBezTo>
+                  <a:pt x="596" y="557"/>
+                  <a:pt x="596" y="557"/>
+                  <a:pt x="596" y="557"/>
+                </a:cubicBezTo>
+                <a:cubicBezTo>
+                  <a:pt x="596" y="325"/>
+                  <a:pt x="596" y="325"/>
+                  <a:pt x="596" y="325"/>
+                </a:cubicBezTo>
+                <a:lnTo>
+                  <a:pt x="789" y="325"/>
+                </a:lnTo>
+                <a:close/>
+                <a:moveTo>
+                  <a:pt x="557" y="325"/>
+                </a:moveTo>
+                <a:cubicBezTo>
+                  <a:pt x="557" y="557"/>
+                  <a:pt x="557" y="557"/>
+                  <a:pt x="557" y="557"/>
+                </a:cubicBezTo>
+                <a:cubicBezTo>
+                  <a:pt x="316" y="557"/>
+                  <a:pt x="316" y="557"/>
+                  <a:pt x="316" y="557"/>
+                </a:cubicBezTo>
+                <a:cubicBezTo>
+                  <a:pt x="309" y="522"/>
+                  <a:pt x="282" y="495"/>
+                  <a:pt x="248" y="485"/>
+                </a:cubicBezTo>
+                <a:cubicBezTo>
+                  <a:pt x="255" y="428"/>
+                  <a:pt x="267" y="374"/>
+                  <a:pt x="284" y="325"/>
+                </a:cubicBezTo>
+                <a:lnTo>
+                  <a:pt x="557" y="325"/>
+                </a:lnTo>
+                <a:close/>
+                <a:moveTo>
+                  <a:pt x="209" y="483"/>
+                </a:moveTo>
+                <a:cubicBezTo>
+                  <a:pt x="169" y="489"/>
+                  <a:pt x="138" y="518"/>
+                  <a:pt x="130" y="557"/>
+                </a:cubicBezTo>
+                <a:cubicBezTo>
+                  <a:pt x="67" y="557"/>
+                  <a:pt x="67" y="557"/>
+                  <a:pt x="67" y="557"/>
+                </a:cubicBezTo>
+                <a:cubicBezTo>
+                  <a:pt x="70" y="473"/>
+                  <a:pt x="94" y="394"/>
+                  <a:pt x="133" y="325"/>
+                </a:cubicBezTo>
+                <a:cubicBezTo>
+                  <a:pt x="243" y="325"/>
+                  <a:pt x="243" y="325"/>
+                  <a:pt x="243" y="325"/>
+                </a:cubicBezTo>
+                <a:cubicBezTo>
+                  <a:pt x="227" y="374"/>
+                  <a:pt x="215" y="427"/>
+                  <a:pt x="209" y="483"/>
+                </a:cubicBezTo>
+                <a:close/>
+                <a:moveTo>
+                  <a:pt x="248" y="668"/>
+                </a:moveTo>
+                <a:cubicBezTo>
+                  <a:pt x="282" y="659"/>
+                  <a:pt x="309" y="631"/>
+                  <a:pt x="316" y="597"/>
+                </a:cubicBezTo>
+                <a:cubicBezTo>
+                  <a:pt x="557" y="597"/>
+                  <a:pt x="557" y="597"/>
+                  <a:pt x="557" y="597"/>
+                </a:cubicBezTo>
+                <a:cubicBezTo>
+                  <a:pt x="557" y="756"/>
+                  <a:pt x="557" y="756"/>
+                  <a:pt x="557" y="756"/>
+                </a:cubicBezTo>
+                <a:cubicBezTo>
+                  <a:pt x="520" y="763"/>
+                  <a:pt x="491" y="792"/>
+                  <a:pt x="483" y="829"/>
+                </a:cubicBezTo>
+                <a:cubicBezTo>
+                  <a:pt x="284" y="829"/>
+                  <a:pt x="284" y="829"/>
+                  <a:pt x="284" y="829"/>
+                </a:cubicBezTo>
+                <a:cubicBezTo>
+                  <a:pt x="267" y="779"/>
+                  <a:pt x="255" y="725"/>
+                  <a:pt x="248" y="668"/>
+                </a:cubicBezTo>
+                <a:close/>
+                <a:moveTo>
+                  <a:pt x="669" y="829"/>
+                </a:moveTo>
+                <a:cubicBezTo>
+                  <a:pt x="662" y="792"/>
+                  <a:pt x="633" y="763"/>
+                  <a:pt x="596" y="756"/>
+                </a:cubicBezTo>
+                <a:cubicBezTo>
+                  <a:pt x="596" y="597"/>
+                  <a:pt x="596" y="597"/>
+                  <a:pt x="596" y="597"/>
+                </a:cubicBezTo>
+                <a:cubicBezTo>
+                  <a:pt x="909" y="597"/>
+                  <a:pt x="909" y="597"/>
+                  <a:pt x="909" y="597"/>
+                </a:cubicBezTo>
+                <a:cubicBezTo>
+                  <a:pt x="907" y="680"/>
+                  <a:pt x="893" y="759"/>
+                  <a:pt x="869" y="829"/>
+                </a:cubicBezTo>
+                <a:lnTo>
+                  <a:pt x="669" y="829"/>
+                </a:lnTo>
+                <a:close/>
+                <a:moveTo>
+                  <a:pt x="949" y="597"/>
+                </a:moveTo>
+                <a:cubicBezTo>
+                  <a:pt x="1086" y="597"/>
+                  <a:pt x="1086" y="597"/>
+                  <a:pt x="1086" y="597"/>
+                </a:cubicBezTo>
+                <a:cubicBezTo>
+                  <a:pt x="1083" y="681"/>
+                  <a:pt x="1059" y="760"/>
+                  <a:pt x="1020" y="829"/>
+                </a:cubicBezTo>
+                <a:cubicBezTo>
+                  <a:pt x="910" y="829"/>
+                  <a:pt x="910" y="829"/>
+                  <a:pt x="910" y="829"/>
+                </a:cubicBezTo>
+                <a:cubicBezTo>
+                  <a:pt x="933" y="758"/>
+                  <a:pt x="947" y="680"/>
+                  <a:pt x="949" y="597"/>
+                </a:cubicBezTo>
+                <a:close/>
+                <a:moveTo>
+                  <a:pt x="949" y="557"/>
+                </a:moveTo>
+                <a:cubicBezTo>
+                  <a:pt x="948" y="498"/>
+                  <a:pt x="940" y="441"/>
+                  <a:pt x="928" y="388"/>
+                </a:cubicBezTo>
+                <a:cubicBezTo>
+                  <a:pt x="952" y="375"/>
+                  <a:pt x="970" y="352"/>
+                  <a:pt x="975" y="325"/>
+                </a:cubicBezTo>
+                <a:cubicBezTo>
+                  <a:pt x="1020" y="325"/>
+                  <a:pt x="1020" y="325"/>
+                  <a:pt x="1020" y="325"/>
+                </a:cubicBezTo>
+                <a:cubicBezTo>
+                  <a:pt x="1059" y="394"/>
+                  <a:pt x="1083" y="473"/>
+                  <a:pt x="1086" y="557"/>
+                </a:cubicBezTo>
+                <a:lnTo>
+                  <a:pt x="949" y="557"/>
+                </a:lnTo>
+                <a:close/>
+                <a:moveTo>
+                  <a:pt x="995" y="285"/>
+                </a:moveTo>
+                <a:cubicBezTo>
+                  <a:pt x="975" y="285"/>
+                  <a:pt x="975" y="285"/>
+                  <a:pt x="975" y="285"/>
+                </a:cubicBezTo>
+                <a:cubicBezTo>
+                  <a:pt x="966" y="242"/>
+                  <a:pt x="928" y="210"/>
+                  <a:pt x="882" y="210"/>
+                </a:cubicBezTo>
+                <a:cubicBezTo>
+                  <a:pt x="875" y="210"/>
+                  <a:pt x="868" y="211"/>
+                  <a:pt x="861" y="212"/>
+                </a:cubicBezTo>
+                <a:cubicBezTo>
+                  <a:pt x="839" y="174"/>
+                  <a:pt x="815" y="141"/>
+                  <a:pt x="788" y="112"/>
+                </a:cubicBezTo>
+                <a:cubicBezTo>
+                  <a:pt x="871" y="151"/>
+                  <a:pt x="943" y="210"/>
+                  <a:pt x="995" y="285"/>
+                </a:cubicBezTo>
+                <a:close/>
+                <a:moveTo>
+                  <a:pt x="365" y="112"/>
+                </a:moveTo>
+                <a:cubicBezTo>
+                  <a:pt x="322" y="158"/>
+                  <a:pt x="285" y="217"/>
+                  <a:pt x="258" y="285"/>
+                </a:cubicBezTo>
+                <a:cubicBezTo>
+                  <a:pt x="158" y="285"/>
+                  <a:pt x="158" y="285"/>
+                  <a:pt x="158" y="285"/>
+                </a:cubicBezTo>
+                <a:cubicBezTo>
+                  <a:pt x="210" y="210"/>
+                  <a:pt x="282" y="151"/>
+                  <a:pt x="365" y="112"/>
+                </a:cubicBezTo>
+                <a:close/>
+                <a:moveTo>
+                  <a:pt x="158" y="868"/>
+                </a:moveTo>
+                <a:cubicBezTo>
+                  <a:pt x="258" y="868"/>
+                  <a:pt x="258" y="868"/>
+                  <a:pt x="258" y="868"/>
+                </a:cubicBezTo>
+                <a:cubicBezTo>
+                  <a:pt x="285" y="937"/>
+                  <a:pt x="322" y="996"/>
+                  <a:pt x="365" y="1041"/>
+                </a:cubicBezTo>
+                <a:cubicBezTo>
+                  <a:pt x="282" y="1003"/>
+                  <a:pt x="210" y="943"/>
+                  <a:pt x="158" y="868"/>
+                </a:cubicBezTo>
+                <a:close/>
+                <a:moveTo>
+                  <a:pt x="788" y="1041"/>
+                </a:moveTo>
+                <a:cubicBezTo>
+                  <a:pt x="831" y="996"/>
+                  <a:pt x="868" y="937"/>
+                  <a:pt x="895" y="868"/>
+                </a:cubicBezTo>
+                <a:cubicBezTo>
+                  <a:pt x="995" y="868"/>
+                  <a:pt x="995" y="868"/>
+                  <a:pt x="995" y="868"/>
+                </a:cubicBezTo>
+                <a:cubicBezTo>
+                  <a:pt x="943" y="943"/>
+                  <a:pt x="871" y="1003"/>
+                  <a:pt x="788" y="1041"/>
+                </a:cubicBezTo>
+                <a:close/>
+              </a:path>
+            </a:pathLst>
+          </a:custGeom>
+          <a:solidFill>
+            <a:schemeClr val="accent6"/>
+          </a:solidFill>
+          <a:ln>
+            <a:noFill/>
+          </a:ln>
+          <a:extLst/>
+        </p:spPr>
+        <p:txBody>
+          <a:bodyPr vert="horz" wrap="square" lIns="91440" tIns="45720" rIns="91440" bIns="45720" numCol="1" anchor="t" anchorCtr="0" compatLnSpc="1">
+            <a:prstTxWarp prst="textNoShape">
+              <a:avLst/>
+            </a:prstTxWarp>
+          </a:bodyPr>
+          <a:lstStyle/>
+          <a:p>
+            <a:endParaRPr lang="ja-JP" altLang="en-US"/>
+          </a:p>
+        </p:txBody>
+      </p:sp>
+      <p:sp>
+        <p:nvSpPr>
+          <p:cNvPr id="47" name="テキスト ボックス 46"/>
+          <p:cNvSpPr txBox="1"/>
+          <p:nvPr/>
+        </p:nvSpPr>
+        <p:spPr>
+          <a:xfrm>
+            <a:off x="8302727" y="8008119"/>
+            <a:ext cx="1279196" cy="348813"/>
+          </a:xfrm>
+          <a:prstGeom prst="rect">
+            <a:avLst/>
+          </a:prstGeom>
+          <a:noFill/>
+          <a:ln w="12700" cap="flat">
+            <a:noFill/>
+            <a:miter lim="400000"/>
+          </a:ln>
+          <a:effectLst/>
+          <a:sp3d/>
+        </p:spPr>
+        <p:style>
+          <a:lnRef idx="0">
+            <a:scrgbClr r="0" g="0" b="0"/>
+          </a:lnRef>
+          <a:fillRef idx="0">
+            <a:scrgbClr r="0" g="0" b="0"/>
+          </a:fillRef>
+          <a:effectRef idx="0">
+            <a:scrgbClr r="0" g="0" b="0"/>
+          </a:effectRef>
+          <a:fontRef idx="none"/>
+        </p:style>
+        <p:txBody>
+          <a:bodyPr rot="0" spcFirstLastPara="1" vertOverflow="overflow" horzOverflow="overflow" vert="horz" wrap="none" lIns="50800" tIns="50800" rIns="50800" bIns="50800" numCol="1" spcCol="38100" rtlCol="0" anchor="ctr">
+            <a:spAutoFit/>
+          </a:bodyPr>
+          <a:lstStyle/>
+          <a:p>
+            <a:pPr marL="0" marR="0" indent="0" algn="ctr" defTabSz="584200" rtl="0" fontAlgn="auto" latinLnBrk="0" hangingPunct="0">
+              <a:lnSpc>
+                <a:spcPct val="100000"/>
+              </a:lnSpc>
+              <a:spcBef>
+                <a:spcPts val="0"/>
+              </a:spcBef>
+              <a:spcAft>
+                <a:spcPts val="0"/>
+              </a:spcAft>
+              <a:buClrTx/>
+              <a:buSzTx/>
+              <a:buFontTx/>
+              <a:buNone/>
+              <a:tabLst/>
+            </a:pPr>
+            <a:r>
+              <a:rPr lang="ja-JP" altLang="en-US" sz="1600" dirty="0" smtClean="0"/>
+              <a:t>インターネット</a:t>
+            </a:r>
+            <a:endParaRPr kumimoji="0" lang="ja-JP" altLang="en-US" sz="1600" b="0" i="0" u="none" strike="noStrike" cap="none" spc="0" normalizeH="0" baseline="0" dirty="0">
+              <a:ln>
+                <a:noFill/>
+              </a:ln>
+              <a:solidFill>
+                <a:srgbClr val="414141"/>
+              </a:solidFill>
+              <a:effectLst/>
+              <a:uFillTx/>
+              <a:sym typeface="Palatino"/>
+            </a:endParaRPr>
+          </a:p>
+        </p:txBody>
+      </p:sp>
+      <p:cxnSp>
+        <p:nvCxnSpPr>
+          <p:cNvPr id="52" name="直線コネクタ 51"/>
+          <p:cNvCxnSpPr/>
+          <p:nvPr/>
+        </p:nvCxnSpPr>
+        <p:spPr>
+          <a:xfrm>
+            <a:off x="8086576" y="7755171"/>
+            <a:ext cx="536924" cy="2705"/>
+          </a:xfrm>
+          <a:prstGeom prst="line">
+            <a:avLst/>
+          </a:prstGeom>
+          <a:noFill/>
+          <a:ln w="25400" cap="flat">
+            <a:solidFill>
+              <a:schemeClr val="accent6"/>
+            </a:solidFill>
+            <a:prstDash val="solid"/>
+            <a:miter lim="400000"/>
+          </a:ln>
+          <a:effectLst/>
+          <a:sp3d/>
+        </p:spPr>
+        <p:style>
+          <a:lnRef idx="0">
+            <a:scrgbClr r="0" g="0" b="0"/>
+          </a:lnRef>
+          <a:fillRef idx="0">
+            <a:scrgbClr r="0" g="0" b="0"/>
+          </a:fillRef>
+          <a:effectRef idx="0">
+            <a:scrgbClr r="0" g="0" b="0"/>
+          </a:effectRef>
+          <a:fontRef idx="none"/>
+        </p:style>
+      </p:cxnSp>
+      <p:cxnSp>
+        <p:nvCxnSpPr>
+          <p:cNvPr id="53" name="直線コネクタ 52"/>
+          <p:cNvCxnSpPr/>
+          <p:nvPr/>
+        </p:nvCxnSpPr>
+        <p:spPr>
+          <a:xfrm>
+            <a:off x="9094688" y="7764260"/>
+            <a:ext cx="536924" cy="2705"/>
+          </a:xfrm>
+          <a:prstGeom prst="line">
+            <a:avLst/>
+          </a:prstGeom>
+          <a:noFill/>
+          <a:ln w="25400" cap="flat">
+            <a:solidFill>
+              <a:schemeClr val="accent6"/>
+            </a:solidFill>
+            <a:prstDash val="solid"/>
+            <a:miter lim="400000"/>
+          </a:ln>
+          <a:effectLst/>
+          <a:sp3d/>
+        </p:spPr>
+        <p:style>
+          <a:lnRef idx="0">
+            <a:scrgbClr r="0" g="0" b="0"/>
+          </a:lnRef>
+          <a:fillRef idx="0">
+            <a:scrgbClr r="0" g="0" b="0"/>
+          </a:fillRef>
+          <a:effectRef idx="0">
+            <a:scrgbClr r="0" g="0" b="0"/>
+          </a:effectRef>
+          <a:fontRef idx="none"/>
+        </p:style>
+      </p:cxnSp>
+      <p:grpSp>
+        <p:nvGrpSpPr>
+          <p:cNvPr id="56" name="グループ化 55"/>
+          <p:cNvGrpSpPr>
+            <a:grpSpLocks noChangeAspect="1"/>
+          </p:cNvGrpSpPr>
+          <p:nvPr/>
+        </p:nvGrpSpPr>
+        <p:grpSpPr bwMode="gray">
+          <a:xfrm>
+            <a:off x="10274793" y="7148185"/>
+            <a:ext cx="484187" cy="833438"/>
+            <a:chOff x="5936838" y="1169393"/>
+            <a:chExt cx="484187" cy="833438"/>
+          </a:xfrm>
+        </p:grpSpPr>
+        <p:sp>
+          <p:nvSpPr>
+            <p:cNvPr id="57" name="Freeform 22"/>
+            <p:cNvSpPr>
+              <a:spLocks noChangeAspect="1"/>
+            </p:cNvSpPr>
+            <p:nvPr/>
+          </p:nvSpPr>
+          <p:spPr bwMode="gray">
+            <a:xfrm>
+              <a:off x="5936838" y="1169393"/>
+              <a:ext cx="484187" cy="833438"/>
+            </a:xfrm>
+            <a:custGeom>
+              <a:avLst/>
+              <a:gdLst>
+                <a:gd name="T0" fmla="*/ 642 w 642"/>
+                <a:gd name="T1" fmla="*/ 1081 h 1107"/>
+                <a:gd name="T2" fmla="*/ 615 w 642"/>
+                <a:gd name="T3" fmla="*/ 1107 h 1107"/>
+                <a:gd name="T4" fmla="*/ 27 w 642"/>
+                <a:gd name="T5" fmla="*/ 1107 h 1107"/>
+                <a:gd name="T6" fmla="*/ 0 w 642"/>
+                <a:gd name="T7" fmla="*/ 1081 h 1107"/>
+                <a:gd name="T8" fmla="*/ 0 w 642"/>
+                <a:gd name="T9" fmla="*/ 27 h 1107"/>
+                <a:gd name="T10" fmla="*/ 27 w 642"/>
+                <a:gd name="T11" fmla="*/ 0 h 1107"/>
+                <a:gd name="T12" fmla="*/ 615 w 642"/>
+                <a:gd name="T13" fmla="*/ 0 h 1107"/>
+                <a:gd name="T14" fmla="*/ 642 w 642"/>
+                <a:gd name="T15" fmla="*/ 27 h 1107"/>
+                <a:gd name="T16" fmla="*/ 642 w 642"/>
+                <a:gd name="T17" fmla="*/ 1081 h 1107"/>
+              </a:gdLst>
+              <a:ahLst/>
+              <a:cxnLst>
+                <a:cxn ang="0">
+                  <a:pos x="T0" y="T1"/>
+                </a:cxn>
+                <a:cxn ang="0">
+                  <a:pos x="T2" y="T3"/>
+                </a:cxn>
+                <a:cxn ang="0">
+                  <a:pos x="T4" y="T5"/>
+                </a:cxn>
+                <a:cxn ang="0">
+                  <a:pos x="T6" y="T7"/>
+                </a:cxn>
+                <a:cxn ang="0">
+                  <a:pos x="T8" y="T9"/>
+                </a:cxn>
+                <a:cxn ang="0">
+                  <a:pos x="T10" y="T11"/>
+                </a:cxn>
+                <a:cxn ang="0">
+                  <a:pos x="T12" y="T13"/>
+                </a:cxn>
+                <a:cxn ang="0">
+                  <a:pos x="T14" y="T15"/>
+                </a:cxn>
+                <a:cxn ang="0">
+                  <a:pos x="T16" y="T17"/>
+                </a:cxn>
+              </a:cxnLst>
+              <a:rect l="0" t="0" r="r" b="b"/>
+              <a:pathLst>
+                <a:path w="642" h="1107">
+                  <a:moveTo>
+                    <a:pt x="642" y="1081"/>
+                  </a:moveTo>
+                  <a:cubicBezTo>
+                    <a:pt x="642" y="1095"/>
+                    <a:pt x="630" y="1107"/>
+                    <a:pt x="615" y="1107"/>
+                  </a:cubicBezTo>
+                  <a:cubicBezTo>
+                    <a:pt x="27" y="1107"/>
+                    <a:pt x="27" y="1107"/>
+                    <a:pt x="27" y="1107"/>
+                  </a:cubicBezTo>
+                  <a:cubicBezTo>
+                    <a:pt x="12" y="1107"/>
+                    <a:pt x="0" y="1095"/>
+                    <a:pt x="0" y="1081"/>
+                  </a:cubicBezTo>
+                  <a:cubicBezTo>
+                    <a:pt x="0" y="27"/>
+                    <a:pt x="0" y="27"/>
+                    <a:pt x="0" y="27"/>
+                  </a:cubicBezTo>
+                  <a:cubicBezTo>
+                    <a:pt x="0" y="12"/>
+                    <a:pt x="12" y="0"/>
+                    <a:pt x="27" y="0"/>
+                  </a:cubicBezTo>
+                  <a:cubicBezTo>
+                    <a:pt x="615" y="0"/>
+                    <a:pt x="615" y="0"/>
+                    <a:pt x="615" y="0"/>
+                  </a:cubicBezTo>
+                  <a:cubicBezTo>
+                    <a:pt x="630" y="0"/>
+                    <a:pt x="642" y="12"/>
+                    <a:pt x="642" y="27"/>
+                  </a:cubicBezTo>
+                  <a:lnTo>
+                    <a:pt x="642" y="1081"/>
+                  </a:lnTo>
+                  <a:close/>
+                </a:path>
+              </a:pathLst>
+            </a:custGeom>
+            <a:solidFill>
+              <a:schemeClr val="accent6"/>
+            </a:solidFill>
+            <a:ln>
+              <a:noFill/>
+            </a:ln>
+            <a:extLst>
+              <a:ext uri="{91240B29-F687-4F45-9708-019B960494DF}">
+                <a14:hiddenLine xmlns:a14="http://schemas.microsoft.com/office/drawing/2010/main" w="9525">
+                  <a:solidFill>
+                    <a:srgbClr val="000000"/>
+                  </a:solidFill>
+                  <a:round/>
+                  <a:headEnd/>
+                  <a:tailEnd/>
+                </a14:hiddenLine>
+              </a:ext>
+            </a:extLst>
+          </p:spPr>
+          <p:txBody>
+            <a:bodyPr vert="horz" wrap="square" lIns="91440" tIns="45720" rIns="91440" bIns="45720" numCol="1" anchor="t" anchorCtr="0" compatLnSpc="1">
+              <a:prstTxWarp prst="textNoShape">
+                <a:avLst/>
+              </a:prstTxWarp>
+            </a:bodyPr>
+            <a:lstStyle/>
+            <a:p>
+              <a:endParaRPr lang="ja-JP" altLang="en-US"/>
+            </a:p>
+          </p:txBody>
+        </p:sp>
+        <p:sp>
+          <p:nvSpPr>
+            <p:cNvPr id="58" name="フリーフォーム 57"/>
+            <p:cNvSpPr>
+              <a:spLocks noChangeAspect="1" noChangeArrowheads="1"/>
+            </p:cNvSpPr>
+            <p:nvPr/>
+          </p:nvSpPr>
+          <p:spPr bwMode="gray">
+            <a:xfrm>
+              <a:off x="6011450" y="1244006"/>
+              <a:ext cx="333375" cy="684213"/>
+            </a:xfrm>
+            <a:custGeom>
+              <a:avLst/>
+              <a:gdLst>
+                <a:gd name="connsiteX0" fmla="*/ 166688 w 333375"/>
+                <a:gd name="connsiteY0" fmla="*/ 600075 h 684213"/>
+                <a:gd name="connsiteX1" fmla="*/ 207963 w 333375"/>
+                <a:gd name="connsiteY1" fmla="*/ 642144 h 684213"/>
+                <a:gd name="connsiteX2" fmla="*/ 166688 w 333375"/>
+                <a:gd name="connsiteY2" fmla="*/ 684213 h 684213"/>
+                <a:gd name="connsiteX3" fmla="*/ 125413 w 333375"/>
+                <a:gd name="connsiteY3" fmla="*/ 642144 h 684213"/>
+                <a:gd name="connsiteX4" fmla="*/ 166688 w 333375"/>
+                <a:gd name="connsiteY4" fmla="*/ 600075 h 684213"/>
+                <a:gd name="connsiteX5" fmla="*/ 16665 w 333375"/>
+                <a:gd name="connsiteY5" fmla="*/ 485775 h 684213"/>
+                <a:gd name="connsiteX6" fmla="*/ 316711 w 333375"/>
+                <a:gd name="connsiteY6" fmla="*/ 485775 h 684213"/>
+                <a:gd name="connsiteX7" fmla="*/ 331788 w 333375"/>
+                <a:gd name="connsiteY7" fmla="*/ 499696 h 684213"/>
+                <a:gd name="connsiteX8" fmla="*/ 316711 w 333375"/>
+                <a:gd name="connsiteY8" fmla="*/ 514350 h 684213"/>
+                <a:gd name="connsiteX9" fmla="*/ 16665 w 333375"/>
+                <a:gd name="connsiteY9" fmla="*/ 514350 h 684213"/>
+                <a:gd name="connsiteX10" fmla="*/ 1588 w 333375"/>
+                <a:gd name="connsiteY10" fmla="*/ 499696 h 684213"/>
+                <a:gd name="connsiteX11" fmla="*/ 16665 w 333375"/>
+                <a:gd name="connsiteY11" fmla="*/ 485775 h 684213"/>
+                <a:gd name="connsiteX12" fmla="*/ 16665 w 333375"/>
+                <a:gd name="connsiteY12" fmla="*/ 419100 h 684213"/>
+                <a:gd name="connsiteX13" fmla="*/ 316711 w 333375"/>
+                <a:gd name="connsiteY13" fmla="*/ 419100 h 684213"/>
+                <a:gd name="connsiteX14" fmla="*/ 331788 w 333375"/>
+                <a:gd name="connsiteY14" fmla="*/ 433021 h 684213"/>
+                <a:gd name="connsiteX15" fmla="*/ 316711 w 333375"/>
+                <a:gd name="connsiteY15" fmla="*/ 447675 h 684213"/>
+                <a:gd name="connsiteX16" fmla="*/ 16665 w 333375"/>
+                <a:gd name="connsiteY16" fmla="*/ 447675 h 684213"/>
+                <a:gd name="connsiteX17" fmla="*/ 1588 w 333375"/>
+                <a:gd name="connsiteY17" fmla="*/ 433021 h 684213"/>
+                <a:gd name="connsiteX18" fmla="*/ 16665 w 333375"/>
+                <a:gd name="connsiteY18" fmla="*/ 419100 h 684213"/>
+                <a:gd name="connsiteX19" fmla="*/ 16665 w 333375"/>
+                <a:gd name="connsiteY19" fmla="*/ 350837 h 684213"/>
+                <a:gd name="connsiteX20" fmla="*/ 316711 w 333375"/>
+                <a:gd name="connsiteY20" fmla="*/ 350837 h 684213"/>
+                <a:gd name="connsiteX21" fmla="*/ 331788 w 333375"/>
+                <a:gd name="connsiteY21" fmla="*/ 366305 h 684213"/>
+                <a:gd name="connsiteX22" fmla="*/ 316711 w 333375"/>
+                <a:gd name="connsiteY22" fmla="*/ 381000 h 684213"/>
+                <a:gd name="connsiteX23" fmla="*/ 16665 w 333375"/>
+                <a:gd name="connsiteY23" fmla="*/ 381000 h 684213"/>
+                <a:gd name="connsiteX24" fmla="*/ 1588 w 333375"/>
+                <a:gd name="connsiteY24" fmla="*/ 366305 h 684213"/>
+                <a:gd name="connsiteX25" fmla="*/ 16665 w 333375"/>
+                <a:gd name="connsiteY25" fmla="*/ 350837 h 684213"/>
+                <a:gd name="connsiteX26" fmla="*/ 19610 w 333375"/>
+                <a:gd name="connsiteY26" fmla="*/ 166687 h 684213"/>
+                <a:gd name="connsiteX27" fmla="*/ 313765 w 333375"/>
+                <a:gd name="connsiteY27" fmla="*/ 166687 h 684213"/>
+                <a:gd name="connsiteX28" fmla="*/ 333375 w 333375"/>
+                <a:gd name="connsiteY28" fmla="*/ 186990 h 684213"/>
+                <a:gd name="connsiteX29" fmla="*/ 333375 w 333375"/>
+                <a:gd name="connsiteY29" fmla="*/ 246397 h 684213"/>
+                <a:gd name="connsiteX30" fmla="*/ 313765 w 333375"/>
+                <a:gd name="connsiteY30" fmla="*/ 266700 h 684213"/>
+                <a:gd name="connsiteX31" fmla="*/ 19610 w 333375"/>
+                <a:gd name="connsiteY31" fmla="*/ 266700 h 684213"/>
+                <a:gd name="connsiteX32" fmla="*/ 0 w 333375"/>
+                <a:gd name="connsiteY32" fmla="*/ 246397 h 684213"/>
+                <a:gd name="connsiteX33" fmla="*/ 0 w 333375"/>
+                <a:gd name="connsiteY33" fmla="*/ 186990 h 684213"/>
+                <a:gd name="connsiteX34" fmla="*/ 19610 w 333375"/>
+                <a:gd name="connsiteY34" fmla="*/ 166687 h 684213"/>
+                <a:gd name="connsiteX35" fmla="*/ 19610 w 333375"/>
+                <a:gd name="connsiteY35" fmla="*/ 0 h 684213"/>
+                <a:gd name="connsiteX36" fmla="*/ 313765 w 333375"/>
+                <a:gd name="connsiteY36" fmla="*/ 0 h 684213"/>
+                <a:gd name="connsiteX37" fmla="*/ 333375 w 333375"/>
+                <a:gd name="connsiteY37" fmla="*/ 19551 h 684213"/>
+                <a:gd name="connsiteX38" fmla="*/ 333375 w 333375"/>
+                <a:gd name="connsiteY38" fmla="*/ 79710 h 684213"/>
+                <a:gd name="connsiteX39" fmla="*/ 313765 w 333375"/>
+                <a:gd name="connsiteY39" fmla="*/ 100013 h 684213"/>
+                <a:gd name="connsiteX40" fmla="*/ 19610 w 333375"/>
+                <a:gd name="connsiteY40" fmla="*/ 100013 h 684213"/>
+                <a:gd name="connsiteX41" fmla="*/ 0 w 333375"/>
+                <a:gd name="connsiteY41" fmla="*/ 79710 h 684213"/>
+                <a:gd name="connsiteX42" fmla="*/ 0 w 333375"/>
+                <a:gd name="connsiteY42" fmla="*/ 19551 h 684213"/>
+                <a:gd name="connsiteX43" fmla="*/ 19610 w 333375"/>
+                <a:gd name="connsiteY43" fmla="*/ 0 h 684213"/>
+              </a:gdLst>
+              <a:ahLst/>
+              <a:cxnLst>
+                <a:cxn ang="0">
+                  <a:pos x="connsiteX0" y="connsiteY0"/>
+                </a:cxn>
+                <a:cxn ang="0">
+                  <a:pos x="connsiteX1" y="connsiteY1"/>
+                </a:cxn>
+                <a:cxn ang="0">
+                  <a:pos x="connsiteX2" y="connsiteY2"/>
+                </a:cxn>
+                <a:cxn ang="0">
+                  <a:pos x="connsiteX3" y="connsiteY3"/>
+                </a:cxn>
+                <a:cxn ang="0">
+                  <a:pos x="connsiteX4" y="connsiteY4"/>
+                </a:cxn>
+                <a:cxn ang="0">
+                  <a:pos x="connsiteX5" y="connsiteY5"/>
+                </a:cxn>
+                <a:cxn ang="0">
+                  <a:pos x="connsiteX6" y="connsiteY6"/>
+                </a:cxn>
+                <a:cxn ang="0">
+                  <a:pos x="connsiteX7" y="connsiteY7"/>
+                </a:cxn>
+                <a:cxn ang="0">
+                  <a:pos x="connsiteX8" y="connsiteY8"/>
+                </a:cxn>
+                <a:cxn ang="0">
+                  <a:pos x="connsiteX9" y="connsiteY9"/>
+                </a:cxn>
+                <a:cxn ang="0">
+                  <a:pos x="connsiteX10" y="connsiteY10"/>
+                </a:cxn>
+                <a:cxn ang="0">
+                  <a:pos x="connsiteX11" y="connsiteY11"/>
+                </a:cxn>
+                <a:cxn ang="0">
+                  <a:pos x="connsiteX12" y="connsiteY12"/>
+                </a:cxn>
+                <a:cxn ang="0">
+                  <a:pos x="connsiteX13" y="connsiteY13"/>
+                </a:cxn>
+                <a:cxn ang="0">
+                  <a:pos x="connsiteX14" y="connsiteY14"/>
+                </a:cxn>
+                <a:cxn ang="0">
+                  <a:pos x="connsiteX15" y="connsiteY15"/>
+                </a:cxn>
+                <a:cxn ang="0">
+                  <a:pos x="connsiteX16" y="connsiteY16"/>
+                </a:cxn>
+                <a:cxn ang="0">
+                  <a:pos x="connsiteX17" y="connsiteY17"/>
+                </a:cxn>
+                <a:cxn ang="0">
+                  <a:pos x="connsiteX18" y="connsiteY18"/>
+                </a:cxn>
+                <a:cxn ang="0">
+                  <a:pos x="connsiteX19" y="connsiteY19"/>
+                </a:cxn>
+                <a:cxn ang="0">
+                  <a:pos x="connsiteX20" y="connsiteY20"/>
+                </a:cxn>
+                <a:cxn ang="0">
+                  <a:pos x="connsiteX21" y="connsiteY21"/>
+                </a:cxn>
+                <a:cxn ang="0">
+                  <a:pos x="connsiteX22" y="connsiteY22"/>
+                </a:cxn>
+                <a:cxn ang="0">
+                  <a:pos x="connsiteX23" y="connsiteY23"/>
+                </a:cxn>
+                <a:cxn ang="0">
+                  <a:pos x="connsiteX24" y="connsiteY24"/>
+                </a:cxn>
+                <a:cxn ang="0">
+                  <a:pos x="connsiteX25" y="connsiteY25"/>
+                </a:cxn>
+                <a:cxn ang="0">
+                  <a:pos x="connsiteX26" y="connsiteY26"/>
+                </a:cxn>
+                <a:cxn ang="0">
+                  <a:pos x="connsiteX27" y="connsiteY27"/>
+                </a:cxn>
+                <a:cxn ang="0">
+                  <a:pos x="connsiteX28" y="connsiteY28"/>
+                </a:cxn>
+                <a:cxn ang="0">
+                  <a:pos x="connsiteX29" y="connsiteY29"/>
+                </a:cxn>
+                <a:cxn ang="0">
+                  <a:pos x="connsiteX30" y="connsiteY30"/>
+                </a:cxn>
+                <a:cxn ang="0">
+                  <a:pos x="connsiteX31" y="connsiteY31"/>
+                </a:cxn>
+                <a:cxn ang="0">
+                  <a:pos x="connsiteX32" y="connsiteY32"/>
+                </a:cxn>
+                <a:cxn ang="0">
+                  <a:pos x="connsiteX33" y="connsiteY33"/>
+                </a:cxn>
+                <a:cxn ang="0">
+                  <a:pos x="connsiteX34" y="connsiteY34"/>
+                </a:cxn>
+                <a:cxn ang="0">
+                  <a:pos x="connsiteX35" y="connsiteY35"/>
+                </a:cxn>
+                <a:cxn ang="0">
+                  <a:pos x="connsiteX36" y="connsiteY36"/>
+                </a:cxn>
+                <a:cxn ang="0">
+                  <a:pos x="connsiteX37" y="connsiteY37"/>
+                </a:cxn>
+                <a:cxn ang="0">
+                  <a:pos x="connsiteX38" y="connsiteY38"/>
+                </a:cxn>
+                <a:cxn ang="0">
+                  <a:pos x="connsiteX39" y="connsiteY39"/>
+                </a:cxn>
+                <a:cxn ang="0">
+                  <a:pos x="connsiteX40" y="connsiteY40"/>
+                </a:cxn>
+                <a:cxn ang="0">
+                  <a:pos x="connsiteX41" y="connsiteY41"/>
+                </a:cxn>
+                <a:cxn ang="0">
+                  <a:pos x="connsiteX42" y="connsiteY42"/>
+                </a:cxn>
+                <a:cxn ang="0">
+                  <a:pos x="connsiteX43" y="connsiteY43"/>
+                </a:cxn>
+              </a:cxnLst>
+              <a:rect l="l" t="t" r="r" b="b"/>
+              <a:pathLst>
+                <a:path w="333375" h="684213">
+                  <a:moveTo>
+                    <a:pt x="166688" y="600075"/>
+                  </a:moveTo>
+                  <a:cubicBezTo>
+                    <a:pt x="189484" y="600075"/>
+                    <a:pt x="207963" y="618910"/>
+                    <a:pt x="207963" y="642144"/>
+                  </a:cubicBezTo>
+                  <a:cubicBezTo>
+                    <a:pt x="207963" y="665378"/>
+                    <a:pt x="189484" y="684213"/>
+                    <a:pt x="166688" y="684213"/>
+                  </a:cubicBezTo>
+                  <a:cubicBezTo>
+                    <a:pt x="143892" y="684213"/>
+                    <a:pt x="125413" y="665378"/>
+                    <a:pt x="125413" y="642144"/>
+                  </a:cubicBezTo>
+                  <a:cubicBezTo>
+                    <a:pt x="125413" y="618910"/>
+                    <a:pt x="143892" y="600075"/>
+                    <a:pt x="166688" y="600075"/>
+                  </a:cubicBezTo>
+                  <a:close/>
+                  <a:moveTo>
+                    <a:pt x="16665" y="485775"/>
+                  </a:moveTo>
+                  <a:cubicBezTo>
+                    <a:pt x="16665" y="485775"/>
+                    <a:pt x="16665" y="485775"/>
+                    <a:pt x="316711" y="485775"/>
+                  </a:cubicBezTo>
+                  <a:cubicBezTo>
+                    <a:pt x="325003" y="485775"/>
+                    <a:pt x="331788" y="491636"/>
+                    <a:pt x="331788" y="499696"/>
+                  </a:cubicBezTo>
+                  <a:cubicBezTo>
+                    <a:pt x="331788" y="507756"/>
+                    <a:pt x="325003" y="514350"/>
+                    <a:pt x="316711" y="514350"/>
+                  </a:cubicBezTo>
+                  <a:cubicBezTo>
+                    <a:pt x="316711" y="514350"/>
+                    <a:pt x="316711" y="514350"/>
+                    <a:pt x="16665" y="514350"/>
+                  </a:cubicBezTo>
+                  <a:cubicBezTo>
+                    <a:pt x="8373" y="514350"/>
+                    <a:pt x="1588" y="507756"/>
+                    <a:pt x="1588" y="499696"/>
+                  </a:cubicBezTo>
+                  <a:cubicBezTo>
+                    <a:pt x="1588" y="491636"/>
+                    <a:pt x="8373" y="485775"/>
+                    <a:pt x="16665" y="485775"/>
+                  </a:cubicBezTo>
+                  <a:close/>
+                  <a:moveTo>
+                    <a:pt x="16665" y="419100"/>
+                  </a:moveTo>
+                  <a:cubicBezTo>
+                    <a:pt x="16665" y="419100"/>
+                    <a:pt x="16665" y="419100"/>
+                    <a:pt x="316711" y="419100"/>
+                  </a:cubicBezTo>
+                  <a:cubicBezTo>
+                    <a:pt x="325003" y="419100"/>
+                    <a:pt x="331788" y="425694"/>
+                    <a:pt x="331788" y="433021"/>
+                  </a:cubicBezTo>
+                  <a:cubicBezTo>
+                    <a:pt x="331788" y="441081"/>
+                    <a:pt x="325003" y="447675"/>
+                    <a:pt x="316711" y="447675"/>
+                  </a:cubicBezTo>
+                  <a:cubicBezTo>
+                    <a:pt x="316711" y="447675"/>
+                    <a:pt x="316711" y="447675"/>
+                    <a:pt x="16665" y="447675"/>
+                  </a:cubicBezTo>
+                  <a:cubicBezTo>
+                    <a:pt x="8373" y="447675"/>
+                    <a:pt x="1588" y="441081"/>
+                    <a:pt x="1588" y="433021"/>
+                  </a:cubicBezTo>
+                  <a:cubicBezTo>
+                    <a:pt x="1588" y="425694"/>
+                    <a:pt x="8373" y="419100"/>
+                    <a:pt x="16665" y="419100"/>
+                  </a:cubicBezTo>
+                  <a:close/>
+                  <a:moveTo>
+                    <a:pt x="16665" y="350837"/>
+                  </a:moveTo>
+                  <a:cubicBezTo>
+                    <a:pt x="16665" y="350837"/>
+                    <a:pt x="16665" y="350837"/>
+                    <a:pt x="316711" y="350837"/>
+                  </a:cubicBezTo>
+                  <a:cubicBezTo>
+                    <a:pt x="325003" y="350837"/>
+                    <a:pt x="331788" y="357798"/>
+                    <a:pt x="331788" y="366305"/>
+                  </a:cubicBezTo>
+                  <a:cubicBezTo>
+                    <a:pt x="331788" y="374813"/>
+                    <a:pt x="325003" y="381000"/>
+                    <a:pt x="316711" y="381000"/>
+                  </a:cubicBezTo>
+                  <a:cubicBezTo>
+                    <a:pt x="316711" y="381000"/>
+                    <a:pt x="316711" y="381000"/>
+                    <a:pt x="16665" y="381000"/>
+                  </a:cubicBezTo>
+                  <a:cubicBezTo>
+                    <a:pt x="8373" y="381000"/>
+                    <a:pt x="1588" y="374813"/>
+                    <a:pt x="1588" y="366305"/>
+                  </a:cubicBezTo>
+                  <a:cubicBezTo>
+                    <a:pt x="1588" y="357798"/>
+                    <a:pt x="8373" y="350837"/>
+                    <a:pt x="16665" y="350837"/>
+                  </a:cubicBezTo>
+                  <a:close/>
+                  <a:moveTo>
+                    <a:pt x="19610" y="166687"/>
+                  </a:moveTo>
+                  <a:cubicBezTo>
+                    <a:pt x="19610" y="166687"/>
+                    <a:pt x="19610" y="166687"/>
+                    <a:pt x="313765" y="166687"/>
+                  </a:cubicBezTo>
+                  <a:cubicBezTo>
+                    <a:pt x="324324" y="166687"/>
+                    <a:pt x="333375" y="175711"/>
+                    <a:pt x="333375" y="186990"/>
+                  </a:cubicBezTo>
+                  <a:cubicBezTo>
+                    <a:pt x="333375" y="186990"/>
+                    <a:pt x="333375" y="186990"/>
+                    <a:pt x="333375" y="246397"/>
+                  </a:cubicBezTo>
+                  <a:cubicBezTo>
+                    <a:pt x="333375" y="257676"/>
+                    <a:pt x="324324" y="266700"/>
+                    <a:pt x="313765" y="266700"/>
+                  </a:cubicBezTo>
+                  <a:cubicBezTo>
+                    <a:pt x="313765" y="266700"/>
+                    <a:pt x="313765" y="266700"/>
+                    <a:pt x="19610" y="266700"/>
+                  </a:cubicBezTo>
+                  <a:cubicBezTo>
+                    <a:pt x="9051" y="266700"/>
+                    <a:pt x="0" y="257676"/>
+                    <a:pt x="0" y="246397"/>
+                  </a:cubicBezTo>
+                  <a:cubicBezTo>
+                    <a:pt x="0" y="246397"/>
+                    <a:pt x="0" y="246397"/>
+                    <a:pt x="0" y="186990"/>
+                  </a:cubicBezTo>
+                  <a:cubicBezTo>
+                    <a:pt x="0" y="175711"/>
+                    <a:pt x="9051" y="166687"/>
+                    <a:pt x="19610" y="166687"/>
+                  </a:cubicBezTo>
+                  <a:close/>
+                  <a:moveTo>
+                    <a:pt x="19610" y="0"/>
+                  </a:moveTo>
+                  <a:cubicBezTo>
+                    <a:pt x="19610" y="0"/>
+                    <a:pt x="19610" y="0"/>
+                    <a:pt x="313765" y="0"/>
+                  </a:cubicBezTo>
+                  <a:cubicBezTo>
+                    <a:pt x="324324" y="0"/>
+                    <a:pt x="333375" y="9024"/>
+                    <a:pt x="333375" y="19551"/>
+                  </a:cubicBezTo>
+                  <a:cubicBezTo>
+                    <a:pt x="333375" y="19551"/>
+                    <a:pt x="333375" y="19551"/>
+                    <a:pt x="333375" y="79710"/>
+                  </a:cubicBezTo>
+                  <a:cubicBezTo>
+                    <a:pt x="333375" y="90989"/>
+                    <a:pt x="324324" y="100013"/>
+                    <a:pt x="313765" y="100013"/>
+                  </a:cubicBezTo>
+                  <a:cubicBezTo>
+                    <a:pt x="313765" y="100013"/>
+                    <a:pt x="313765" y="100013"/>
+                    <a:pt x="19610" y="100013"/>
+                  </a:cubicBezTo>
+                  <a:cubicBezTo>
+                    <a:pt x="9051" y="100013"/>
+                    <a:pt x="0" y="90989"/>
+                    <a:pt x="0" y="79710"/>
+                  </a:cubicBezTo>
+                  <a:cubicBezTo>
+                    <a:pt x="0" y="79710"/>
+                    <a:pt x="0" y="79710"/>
+                    <a:pt x="0" y="19551"/>
+                  </a:cubicBezTo>
+                  <a:cubicBezTo>
+                    <a:pt x="0" y="9024"/>
+                    <a:pt x="9051" y="0"/>
+                    <a:pt x="19610" y="0"/>
+                  </a:cubicBezTo>
+                  <a:close/>
+                </a:path>
+              </a:pathLst>
+            </a:custGeom>
+            <a:solidFill>
+              <a:srgbClr val="FFFFFF"/>
+            </a:solidFill>
+            <a:ln>
+              <a:noFill/>
+            </a:ln>
+            <a:extLst>
+              <a:ext uri="{91240B29-F687-4F45-9708-019B960494DF}">
+                <a14:hiddenLine xmlns:a14="http://schemas.microsoft.com/office/drawing/2010/main" w="9525">
+                  <a:solidFill>
+                    <a:srgbClr val="000000"/>
+                  </a:solidFill>
+                  <a:round/>
+                  <a:headEnd/>
+                  <a:tailEnd/>
+                </a14:hiddenLine>
+              </a:ext>
+            </a:extLst>
+          </p:spPr>
+          <p:txBody>
+            <a:bodyPr vert="horz" wrap="square" lIns="91440" tIns="45720" rIns="91440" bIns="45720" numCol="1" anchor="t" anchorCtr="0" compatLnSpc="1">
+              <a:prstTxWarp prst="textNoShape">
+                <a:avLst/>
+              </a:prstTxWarp>
+              <a:noAutofit/>
+            </a:bodyPr>
+            <a:lstStyle/>
+            <a:p>
+              <a:endParaRPr lang="ja-JP" altLang="en-US"/>
+            </a:p>
+          </p:txBody>
+        </p:sp>
+      </p:grpSp>
+      <p:sp>
+        <p:nvSpPr>
+          <p:cNvPr id="55" name="Oval 97"/>
+          <p:cNvSpPr>
+            <a:spLocks noChangeAspect="1" noChangeArrowheads="1"/>
+          </p:cNvSpPr>
+          <p:nvPr/>
+        </p:nvSpPr>
+        <p:spPr bwMode="gray">
+          <a:xfrm>
+            <a:off x="10794730" y="7724249"/>
+            <a:ext cx="401438" cy="389162"/>
+          </a:xfrm>
+          <a:custGeom>
+            <a:avLst/>
+            <a:gdLst/>
+            <a:ahLst/>
+            <a:cxnLst/>
+            <a:rect l="l" t="t" r="r" b="b"/>
+            <a:pathLst>
+              <a:path w="674688" h="654050">
+                <a:moveTo>
+                  <a:pt x="0" y="136525"/>
+                </a:moveTo>
+                <a:cubicBezTo>
+                  <a:pt x="60857" y="181035"/>
+                  <a:pt x="202106" y="205177"/>
+                  <a:pt x="337344" y="205177"/>
+                </a:cubicBezTo>
+                <a:cubicBezTo>
+                  <a:pt x="472582" y="205177"/>
+                  <a:pt x="614581" y="181035"/>
+                  <a:pt x="674687" y="136525"/>
+                </a:cubicBezTo>
+                <a:cubicBezTo>
+                  <a:pt x="674687" y="136525"/>
+                  <a:pt x="674687" y="136525"/>
+                  <a:pt x="673936" y="570311"/>
+                </a:cubicBezTo>
+                <a:cubicBezTo>
+                  <a:pt x="665671" y="606522"/>
+                  <a:pt x="539449" y="654050"/>
+                  <a:pt x="337344" y="654050"/>
+                </a:cubicBezTo>
+                <a:cubicBezTo>
+                  <a:pt x="135238" y="654050"/>
+                  <a:pt x="9016" y="606522"/>
+                  <a:pt x="752" y="570311"/>
+                </a:cubicBezTo>
+                <a:cubicBezTo>
+                  <a:pt x="752" y="570311"/>
+                  <a:pt x="752" y="570311"/>
+                  <a:pt x="0" y="136525"/>
+                </a:cubicBezTo>
+                <a:close/>
+                <a:moveTo>
+                  <a:pt x="337344" y="0"/>
+                </a:moveTo>
+                <a:cubicBezTo>
+                  <a:pt x="523654" y="0"/>
+                  <a:pt x="674688" y="39091"/>
+                  <a:pt x="674688" y="87313"/>
+                </a:cubicBezTo>
+                <a:cubicBezTo>
+                  <a:pt x="674688" y="135535"/>
+                  <a:pt x="523654" y="174626"/>
+                  <a:pt x="337344" y="174626"/>
+                </a:cubicBezTo>
+                <a:cubicBezTo>
+                  <a:pt x="151034" y="174626"/>
+                  <a:pt x="0" y="135535"/>
+                  <a:pt x="0" y="87313"/>
+                </a:cubicBezTo>
+                <a:cubicBezTo>
+                  <a:pt x="0" y="39091"/>
+                  <a:pt x="151034" y="0"/>
+                  <a:pt x="337344" y="0"/>
+                </a:cubicBezTo>
+                <a:close/>
+              </a:path>
+            </a:pathLst>
+          </a:custGeom>
+          <a:solidFill>
+            <a:schemeClr val="accent6"/>
+          </a:solidFill>
+          <a:ln>
+            <a:noFill/>
+          </a:ln>
+          <a:extLst/>
+        </p:spPr>
+        <p:txBody>
+          <a:bodyPr vert="horz" wrap="square" lIns="91440" tIns="45720" rIns="91440" bIns="45720" numCol="1" anchor="t" anchorCtr="0" compatLnSpc="1">
+            <a:prstTxWarp prst="textNoShape">
+              <a:avLst/>
+            </a:prstTxWarp>
+          </a:bodyPr>
+          <a:lstStyle/>
+          <a:p>
+            <a:endParaRPr lang="ja-JP" altLang="en-US" dirty="0"/>
+          </a:p>
+        </p:txBody>
+      </p:sp>
+      <p:sp>
+        <p:nvSpPr>
+          <p:cNvPr id="19" name="メモ 18"/>
+          <p:cNvSpPr/>
+          <p:nvPr/>
+        </p:nvSpPr>
+        <p:spPr>
+          <a:xfrm>
+            <a:off x="6573261" y="6716137"/>
+            <a:ext cx="505203" cy="648072"/>
+          </a:xfrm>
+          <a:prstGeom prst="foldedCorner">
+            <a:avLst/>
+          </a:prstGeom>
+          <a:solidFill>
+            <a:schemeClr val="accent5">
+              <a:lumMod val="40000"/>
+              <a:lumOff val="60000"/>
+            </a:schemeClr>
+          </a:solidFill>
+          <a:ln w="28575" cap="flat">
+            <a:solidFill>
+              <a:schemeClr val="tx1">
+                <a:lumMod val="40000"/>
+                <a:lumOff val="60000"/>
+              </a:schemeClr>
+            </a:solidFill>
+            <a:miter lim="400000"/>
+          </a:ln>
+          <a:effectLst/>
+          <a:sp3d/>
+        </p:spPr>
+        <p:style>
+          <a:lnRef idx="0">
+            <a:scrgbClr r="0" g="0" b="0"/>
+          </a:lnRef>
+          <a:fillRef idx="0">
+            <a:scrgbClr r="0" g="0" b="0"/>
+          </a:fillRef>
+          <a:effectRef idx="0">
+            <a:scrgbClr r="0" g="0" b="0"/>
+          </a:effectRef>
+          <a:fontRef idx="none"/>
+        </p:style>
+        <p:txBody>
+          <a:bodyPr rot="0" spcFirstLastPara="1" vertOverflow="overflow" horzOverflow="overflow" vert="horz" wrap="none" lIns="50800" tIns="50800" rIns="50800" bIns="50800" numCol="1" spcCol="38100" rtlCol="0" anchor="ctr">
+            <a:noAutofit/>
+          </a:bodyPr>
+          <a:lstStyle/>
+          <a:p>
+            <a:pPr marL="0" marR="0" indent="0" algn="ctr" defTabSz="584200" rtl="0" fontAlgn="auto" latinLnBrk="0" hangingPunct="0">
+              <a:lnSpc>
+                <a:spcPct val="100000"/>
+              </a:lnSpc>
+              <a:spcBef>
+                <a:spcPts val="0"/>
+              </a:spcBef>
+              <a:spcAft>
+                <a:spcPts val="0"/>
+              </a:spcAft>
+              <a:buClrTx/>
+              <a:buSzTx/>
+              <a:buFontTx/>
+              <a:buNone/>
+              <a:tabLst/>
+            </a:pPr>
+            <a:r>
+              <a:rPr kumimoji="0" lang="ja-JP" altLang="en-US" sz="1400" i="0" u="none" strike="noStrike" normalizeH="0" baseline="0" dirty="0" smtClean="0">
+                <a:solidFill>
+                  <a:schemeClr val="tx1"/>
+                </a:solidFill>
+                <a:uFillTx/>
+                <a:latin typeface="Palatino"/>
+                <a:ea typeface="Palatino"/>
+                <a:cs typeface="Palatino"/>
+                <a:sym typeface="Palatino"/>
+              </a:rPr>
+              <a:t>ログ</a:t>
+            </a:r>
+            <a:endParaRPr kumimoji="0" lang="en-US" altLang="ja-JP" sz="1400" i="0" u="none" strike="noStrike" normalizeH="0" baseline="0" dirty="0" smtClean="0">
+              <a:solidFill>
+                <a:schemeClr val="tx1"/>
+              </a:solidFill>
+              <a:uFillTx/>
+              <a:latin typeface="Palatino"/>
+              <a:ea typeface="Palatino"/>
+              <a:cs typeface="Palatino"/>
+              <a:sym typeface="Palatino"/>
+            </a:endParaRPr>
+          </a:p>
+          <a:p>
+            <a:pPr marL="0" marR="0" indent="0" algn="ctr" defTabSz="584200" rtl="0" fontAlgn="auto" latinLnBrk="0" hangingPunct="0">
+              <a:lnSpc>
+                <a:spcPct val="100000"/>
+              </a:lnSpc>
+              <a:spcBef>
+                <a:spcPts val="0"/>
+              </a:spcBef>
+              <a:spcAft>
+                <a:spcPts val="0"/>
+              </a:spcAft>
+              <a:buClrTx/>
+              <a:buSzTx/>
+              <a:buFontTx/>
+              <a:buNone/>
+              <a:tabLst/>
+            </a:pPr>
+            <a:r>
+              <a:rPr kumimoji="0" lang="ja-JP" altLang="en-US" sz="1400" i="0" u="none" strike="noStrike" normalizeH="0" baseline="0" dirty="0" smtClean="0">
+                <a:solidFill>
+                  <a:schemeClr val="tx1"/>
+                </a:solidFill>
+                <a:uFillTx/>
+                <a:latin typeface="Palatino"/>
+                <a:ea typeface="Palatino"/>
+                <a:cs typeface="Palatino"/>
+                <a:sym typeface="Palatino"/>
+              </a:rPr>
+              <a:t>ファイル</a:t>
+            </a:r>
+            <a:endParaRPr kumimoji="0" lang="ja-JP" altLang="en-US" sz="1400" i="0" u="none" strike="noStrike" normalizeH="0" baseline="0" dirty="0">
+              <a:solidFill>
+                <a:schemeClr val="tx1"/>
+              </a:solidFill>
+              <a:uFillTx/>
+              <a:latin typeface="Palatino"/>
+              <a:ea typeface="Palatino"/>
+              <a:cs typeface="Palatino"/>
+              <a:sym typeface="Palatino"/>
+            </a:endParaRPr>
+          </a:p>
+        </p:txBody>
+      </p:sp>
+      <p:sp>
+        <p:nvSpPr>
+          <p:cNvPr id="59" name="テキスト ボックス 58"/>
+          <p:cNvSpPr txBox="1"/>
+          <p:nvPr/>
+        </p:nvSpPr>
+        <p:spPr>
+          <a:xfrm>
+            <a:off x="3935760" y="7941012"/>
+            <a:ext cx="976381" cy="359301"/>
+          </a:xfrm>
+          <a:prstGeom prst="roundRect">
+            <a:avLst/>
+          </a:prstGeom>
+          <a:solidFill>
+            <a:schemeClr val="bg1">
+              <a:lumMod val="10000"/>
+              <a:lumOff val="90000"/>
+            </a:schemeClr>
+          </a:solidFill>
+          <a:ln w="28575" cap="flat">
+            <a:solidFill>
+              <a:schemeClr val="tx1">
+                <a:lumMod val="40000"/>
+                <a:lumOff val="60000"/>
+              </a:schemeClr>
+            </a:solidFill>
+            <a:miter lim="400000"/>
+          </a:ln>
+          <a:effectLst/>
+          <a:sp3d/>
+        </p:spPr>
+        <p:style>
+          <a:lnRef idx="0">
+            <a:scrgbClr r="0" g="0" b="0"/>
+          </a:lnRef>
+          <a:fillRef idx="0">
+            <a:scrgbClr r="0" g="0" b="0"/>
+          </a:fillRef>
+          <a:effectRef idx="0">
+            <a:scrgbClr r="0" g="0" b="0"/>
+          </a:effectRef>
+          <a:fontRef idx="none"/>
+        </p:style>
+        <p:txBody>
+          <a:bodyPr rot="0" spcFirstLastPara="1" vertOverflow="overflow" horzOverflow="overflow" vert="horz" wrap="none" lIns="50800" tIns="50800" rIns="50800" bIns="50800" numCol="1" spcCol="38100" rtlCol="0" anchor="ctr">
+            <a:noAutofit/>
+          </a:bodyPr>
+          <a:lstStyle/>
+          <a:p>
+            <a:pPr marL="0" marR="0" indent="0" algn="ctr" defTabSz="584200" rtl="0" fontAlgn="auto" latinLnBrk="0" hangingPunct="0">
+              <a:lnSpc>
+                <a:spcPct val="100000"/>
+              </a:lnSpc>
+              <a:spcBef>
+                <a:spcPts val="0"/>
+              </a:spcBef>
+              <a:spcAft>
+                <a:spcPts val="0"/>
+              </a:spcAft>
+              <a:buClrTx/>
+              <a:buSzTx/>
+              <a:buFontTx/>
+              <a:buNone/>
+              <a:tabLst/>
+            </a:pPr>
+            <a:r>
+              <a:rPr kumimoji="0" lang="en-US" altLang="ja-JP" sz="1200" b="0" i="0" u="none" strike="noStrike" cap="none" spc="0" normalizeH="0" baseline="0" dirty="0" smtClean="0">
+                <a:ln>
+                  <a:noFill/>
+                </a:ln>
+                <a:solidFill>
+                  <a:srgbClr val="414141"/>
+                </a:solidFill>
+                <a:effectLst/>
+                <a:uFillTx/>
+                <a:sym typeface="Palatino"/>
+              </a:rPr>
+              <a:t>REST</a:t>
+            </a:r>
+          </a:p>
+          <a:p>
+            <a:pPr marL="0" marR="0" indent="0" algn="ctr" defTabSz="584200" rtl="0" fontAlgn="auto" latinLnBrk="0" hangingPunct="0">
+              <a:lnSpc>
+                <a:spcPct val="100000"/>
+              </a:lnSpc>
+              <a:spcBef>
+                <a:spcPts val="0"/>
+              </a:spcBef>
+              <a:spcAft>
+                <a:spcPts val="0"/>
+              </a:spcAft>
+              <a:buClrTx/>
+              <a:buSzTx/>
+              <a:buFontTx/>
+              <a:buNone/>
+              <a:tabLst/>
+            </a:pPr>
+            <a:r>
+              <a:rPr kumimoji="0" lang="ja-JP" altLang="en-US" sz="1200" b="0" i="0" u="none" strike="noStrike" cap="none" spc="0" normalizeH="0" baseline="0" dirty="0" smtClean="0">
+                <a:ln>
+                  <a:noFill/>
+                </a:ln>
+                <a:solidFill>
+                  <a:srgbClr val="414141"/>
+                </a:solidFill>
+                <a:effectLst/>
+                <a:uFillTx/>
+                <a:sym typeface="Palatino"/>
+              </a:rPr>
+              <a:t>プログラム</a:t>
+            </a:r>
+            <a:endParaRPr kumimoji="0" lang="ja-JP" altLang="en-US" sz="1200" b="0" i="0" u="none" strike="noStrike" cap="none" spc="0" normalizeH="0" baseline="0" dirty="0">
+              <a:ln>
+                <a:noFill/>
+              </a:ln>
+              <a:solidFill>
+                <a:srgbClr val="414141"/>
+              </a:solidFill>
+              <a:effectLst/>
+              <a:uFillTx/>
+              <a:sym typeface="Palatino"/>
+            </a:endParaRPr>
+          </a:p>
+        </p:txBody>
+      </p:sp>
+      <p:sp>
+        <p:nvSpPr>
+          <p:cNvPr id="51" name="テキスト ボックス 50"/>
+          <p:cNvSpPr txBox="1"/>
+          <p:nvPr/>
+        </p:nvSpPr>
+        <p:spPr>
+          <a:xfrm>
+            <a:off x="10274793" y="199729"/>
+            <a:ext cx="2548286" cy="644475"/>
+          </a:xfrm>
+          <a:prstGeom prst="roundRect">
+            <a:avLst/>
+          </a:prstGeom>
+          <a:solidFill>
+            <a:srgbClr val="0070C0"/>
+          </a:solidFill>
+          <a:ln w="38100" cap="flat">
+            <a:solidFill>
+              <a:schemeClr val="tx1">
+                <a:lumMod val="40000"/>
+                <a:lumOff val="60000"/>
+              </a:schemeClr>
+            </a:solidFill>
+            <a:miter lim="400000"/>
+          </a:ln>
+          <a:effectLst/>
+          <a:sp3d/>
+        </p:spPr>
+        <p:style>
+          <a:lnRef idx="0">
+            <a:scrgbClr r="0" g="0" b="0"/>
+          </a:lnRef>
+          <a:fillRef idx="0">
+            <a:scrgbClr r="0" g="0" b="0"/>
+          </a:fillRef>
+          <a:effectRef idx="0">
+            <a:scrgbClr r="0" g="0" b="0"/>
+          </a:effectRef>
+          <a:fontRef idx="none"/>
+        </p:style>
+        <p:txBody>
+          <a:bodyPr rot="0" spcFirstLastPara="1" vertOverflow="overflow" horzOverflow="overflow" vert="horz" wrap="none" lIns="50800" tIns="50800" rIns="50800" bIns="50800" numCol="1" spcCol="38100" rtlCol="0" anchor="ctr">
+            <a:noAutofit/>
+          </a:bodyPr>
+          <a:lstStyle/>
+          <a:p>
+            <a:pPr marL="0" marR="0" indent="0" algn="ctr" defTabSz="584200" rtl="0" fontAlgn="auto" latinLnBrk="0" hangingPunct="0">
+              <a:lnSpc>
+                <a:spcPct val="100000"/>
+              </a:lnSpc>
+              <a:spcBef>
+                <a:spcPts val="0"/>
+              </a:spcBef>
+              <a:spcAft>
+                <a:spcPts val="0"/>
+              </a:spcAft>
+              <a:buClrTx/>
+              <a:buSzTx/>
+              <a:buFontTx/>
+              <a:buNone/>
+              <a:tabLst/>
+            </a:pPr>
+            <a:r>
+              <a:rPr kumimoji="0" lang="ja-JP" altLang="en-US" sz="3200" b="0" i="0" u="none" strike="noStrike" cap="none" spc="0" normalizeH="0" baseline="0" dirty="0" smtClean="0">
+                <a:ln>
+                  <a:noFill/>
+                </a:ln>
+                <a:solidFill>
+                  <a:schemeClr val="accent6">
+                    <a:lumMod val="20000"/>
+                    <a:lumOff val="80000"/>
+                  </a:schemeClr>
+                </a:solidFill>
+                <a:effectLst/>
+                <a:uFillTx/>
+                <a:sym typeface="Palatino"/>
+              </a:rPr>
+              <a:t>石井追記</a:t>
+            </a:r>
+            <a:endParaRPr kumimoji="0" lang="ja-JP" altLang="en-US" sz="3200" b="0" i="0" u="none" strike="noStrike" cap="none" spc="0" normalizeH="0" baseline="0" dirty="0">
+              <a:ln>
+                <a:noFill/>
+              </a:ln>
+              <a:solidFill>
+                <a:schemeClr val="accent6">
+                  <a:lumMod val="20000"/>
+                  <a:lumOff val="80000"/>
+                </a:schemeClr>
+              </a:solidFill>
+              <a:effectLst/>
+              <a:uFillTx/>
+              <a:sym typeface="Palatino"/>
+            </a:endParaRPr>
           </a:p>
         </p:txBody>
       </p:sp>
     </p:spTree>
+    <p:extLst>
+      <p:ext uri="{BB962C8B-B14F-4D97-AF65-F5344CB8AC3E}">
+        <p14:creationId xmlns:p14="http://schemas.microsoft.com/office/powerpoint/2010/main" val="2161985407"/>
+      </p:ext>
+    </p:extLst>
   </p:cSld>
   <p:clrMapOvr>
     <a:masterClrMapping/>
   </p:clrMapOvr>
-  <p:transition xmlns:p14="http://schemas.microsoft.com/office/powerpoint/2010/main" spd="med" advClick="1" p14:dur="1000"/>
+  <p:transition spd="med"/>
+  <p:timing>
+    <p:tnLst>
+      <p:par>
+        <p:cTn id="1" dur="indefinite" restart="never" nodeType="tmRoot"/>
+      </p:par>
+    </p:tnLst>
+  </p:timing>
 </p:sld>
 </file>
 
 <file path=ppt/slides/slide9.xml><?xml version="1.0" encoding="utf-8"?>
-<p:sld xmlns:a="http://schemas.openxmlformats.org/drawingml/2006/main" xmlns:r="http://schemas.openxmlformats.org/officeDocument/2006/relationships" xmlns:p="http://schemas.openxmlformats.org/presentationml/2006/main" showMasterSp="1" showMasterPhAnim="1">
+<p:sld xmlns:a="http://schemas.openxmlformats.org/drawingml/2006/main" xmlns:r="http://schemas.openxmlformats.org/officeDocument/2006/relationships" xmlns:p="http://schemas.openxmlformats.org/presentationml/2006/main">
   <p:cSld>
     <p:spTree>
       <p:nvGrpSpPr>
@@ -5926,60 +12206,310 @@
       </p:grpSpPr>
       <p:sp>
         <p:nvSpPr>
-          <p:cNvPr id="189" name="Shape 189"/>
-          <p:cNvSpPr/>
+          <p:cNvPr id="2" name="タイトル 1"/>
+          <p:cNvSpPr>
+            <a:spLocks noGrp="1"/>
+          </p:cNvSpPr>
           <p:nvPr>
             <p:ph type="title"/>
           </p:nvPr>
         </p:nvSpPr>
-        <p:spPr>
-          <a:prstGeom prst="rect">
-            <a:avLst/>
-          </a:prstGeom>
-        </p:spPr>
+        <p:spPr/>
         <p:txBody>
           <a:bodyPr/>
           <a:lstStyle/>
           <a:p>
-            <a:pPr/>
-            <a:r>
-              <a:t>リソース</a:t>
-            </a:r>
+            <a:r>
+              <a:rPr kumimoji="1" lang="en-US" altLang="ja-JP" dirty="0"/>
+              <a:t>Hackathon</a:t>
+            </a:r>
+            <a:r>
+              <a:rPr kumimoji="1" lang="ja-JP" altLang="en-US" dirty="0" smtClean="0"/>
+              <a:t>準備方針</a:t>
+            </a:r>
+            <a:r>
+              <a:rPr kumimoji="1" lang="ja-JP" altLang="en-US" dirty="0" smtClean="0"/>
+              <a:t>（案）</a:t>
+            </a:r>
+            <a:endParaRPr kumimoji="1" lang="ja-JP" altLang="en-US" dirty="0"/>
           </a:p>
         </p:txBody>
       </p:sp>
       <p:sp>
         <p:nvSpPr>
-          <p:cNvPr id="190" name="Shape 190"/>
-          <p:cNvSpPr/>
+          <p:cNvPr id="3" name="テキスト プレースホルダー 2"/>
+          <p:cNvSpPr>
+            <a:spLocks noGrp="1"/>
+          </p:cNvSpPr>
           <p:nvPr>
             <p:ph type="body" idx="1"/>
           </p:nvPr>
         </p:nvSpPr>
+        <p:spPr/>
+        <p:txBody>
+          <a:bodyPr anchor="t" anchorCtr="0">
+            <a:normAutofit/>
+          </a:bodyPr>
+          <a:lstStyle/>
+          <a:p>
+            <a:r>
+              <a:rPr kumimoji="1" lang="ja-JP" altLang="en-US" sz="3200" dirty="0" smtClean="0"/>
+              <a:t>参加者の準備作業を減らすため、以下の作業は、事前に、事務局が実施する</a:t>
+            </a:r>
+            <a:endParaRPr kumimoji="1" lang="en-US" altLang="ja-JP" sz="3200" dirty="0" smtClean="0"/>
+          </a:p>
+          <a:p>
+            <a:pPr lvl="1"/>
+            <a:r>
+              <a:rPr kumimoji="1" lang="en-US" altLang="ja-JP" sz="2800" dirty="0" err="1" smtClean="0"/>
+              <a:t>leJOS</a:t>
+            </a:r>
+            <a:r>
+              <a:rPr kumimoji="1" lang="ja-JP" altLang="en-US" sz="2800" dirty="0" smtClean="0"/>
+              <a:t>ブート用</a:t>
+            </a:r>
+            <a:r>
+              <a:rPr kumimoji="1" lang="en-US" altLang="ja-JP" sz="2800" dirty="0" smtClean="0"/>
+              <a:t>SD</a:t>
+            </a:r>
+            <a:r>
+              <a:rPr kumimoji="1" lang="ja-JP" altLang="en-US" sz="2800" dirty="0" smtClean="0"/>
+              <a:t>カード</a:t>
+            </a:r>
+            <a:r>
+              <a:rPr kumimoji="1" lang="ja-JP" altLang="en-US" sz="2800" dirty="0"/>
+              <a:t>の</a:t>
+            </a:r>
+            <a:r>
+              <a:rPr kumimoji="1" lang="ja-JP" altLang="en-US" sz="2800" dirty="0" smtClean="0"/>
+              <a:t>作成</a:t>
+            </a:r>
+            <a:endParaRPr kumimoji="1" lang="en-US" altLang="ja-JP" sz="2800" dirty="0" smtClean="0"/>
+          </a:p>
+          <a:p>
+            <a:pPr lvl="1"/>
+            <a:r>
+              <a:rPr kumimoji="1" lang="en-US" altLang="ja-JP" sz="2800" dirty="0"/>
+              <a:t>EV3</a:t>
+            </a:r>
+            <a:r>
+              <a:rPr kumimoji="1" lang="ja-JP" altLang="en-US" sz="2800" dirty="0" smtClean="0"/>
+              <a:t>識別</a:t>
+            </a:r>
+            <a:r>
+              <a:rPr kumimoji="1" lang="ja-JP" altLang="en-US" sz="2800" dirty="0"/>
+              <a:t>情報（デバイス名</a:t>
+            </a:r>
+            <a:r>
+              <a:rPr kumimoji="1" lang="ja-JP" altLang="en-US" sz="2800" dirty="0" smtClean="0"/>
+              <a:t>、</a:t>
+            </a:r>
+            <a:r>
+              <a:rPr kumimoji="1" lang="en-US" altLang="ja-JP" sz="2800" dirty="0" smtClean="0"/>
+              <a:t>PIN</a:t>
+            </a:r>
+            <a:r>
+              <a:rPr kumimoji="1" lang="ja-JP" altLang="en-US" sz="2800" dirty="0" smtClean="0"/>
+              <a:t>コード、</a:t>
+            </a:r>
+            <a:r>
+              <a:rPr kumimoji="1" lang="en-US" altLang="ja-JP" sz="2800" dirty="0"/>
+              <a:t>IP</a:t>
+            </a:r>
+            <a:r>
+              <a:rPr kumimoji="1" lang="ja-JP" altLang="en-US" sz="2800" dirty="0" smtClean="0"/>
+              <a:t>アドレス</a:t>
+            </a:r>
+            <a:r>
+              <a:rPr kumimoji="1" lang="ja-JP" altLang="en-US" sz="2800" dirty="0"/>
+              <a:t>）の</a:t>
+            </a:r>
+            <a:r>
+              <a:rPr kumimoji="1" lang="ja-JP" altLang="en-US" sz="2800" dirty="0" smtClean="0"/>
+              <a:t>変更</a:t>
+            </a:r>
+            <a:endParaRPr kumimoji="1" lang="en-US" altLang="ja-JP" sz="2800" dirty="0" smtClean="0"/>
+          </a:p>
+          <a:p>
+            <a:pPr lvl="1"/>
+            <a:r>
+              <a:rPr kumimoji="1" lang="ja-JP" altLang="en-US" sz="2800" dirty="0" smtClean="0"/>
+              <a:t>ロボット？　：　マニュアル有</a:t>
+            </a:r>
+            <a:endParaRPr kumimoji="1" lang="en-US" altLang="ja-JP" sz="2800" dirty="0" smtClean="0"/>
+          </a:p>
+          <a:p>
+            <a:endParaRPr kumimoji="1" lang="en-US" altLang="ja-JP" sz="3200" dirty="0" smtClean="0"/>
+          </a:p>
+          <a:p>
+            <a:r>
+              <a:rPr kumimoji="1" lang="ja-JP" altLang="en-US" sz="3200" dirty="0" smtClean="0"/>
+              <a:t>プログラム作成、データ分析しやすいように、</a:t>
+            </a:r>
+            <a:r>
+              <a:rPr kumimoji="1" lang="en-US" altLang="ja-JP" sz="3200" dirty="0" smtClean="0"/>
+              <a:t>EV3</a:t>
+            </a:r>
+            <a:r>
+              <a:rPr kumimoji="1" lang="ja-JP" altLang="en-US" sz="3200" dirty="0" smtClean="0"/>
+              <a:t>の</a:t>
+            </a:r>
+            <a:r>
+              <a:rPr kumimoji="1" lang="ja-JP" altLang="en-US" sz="3200" dirty="0" smtClean="0"/>
+              <a:t>ログデータのフォーマット</a:t>
+            </a:r>
+            <a:r>
+              <a:rPr kumimoji="1" lang="ja-JP" altLang="en-US" sz="3200" dirty="0" smtClean="0"/>
+              <a:t>は</a:t>
+            </a:r>
+            <a:r>
+              <a:rPr kumimoji="1" lang="ja-JP" altLang="en-US" sz="3200" dirty="0" smtClean="0"/>
+              <a:t>、定義</a:t>
+            </a:r>
+            <a:r>
+              <a:rPr kumimoji="1" lang="ja-JP" altLang="en-US" sz="3200" dirty="0" smtClean="0"/>
+              <a:t>して</a:t>
+            </a:r>
+            <a:r>
+              <a:rPr kumimoji="1" lang="ja-JP" altLang="en-US" sz="3200" dirty="0" smtClean="0"/>
+              <a:t>おく</a:t>
+            </a:r>
+            <a:endParaRPr kumimoji="1" lang="en-US" altLang="ja-JP" sz="3200" dirty="0" smtClean="0"/>
+          </a:p>
+          <a:p>
+            <a:pPr lvl="1"/>
+            <a:r>
+              <a:rPr kumimoji="1" lang="ja-JP" altLang="en-US" sz="2800" dirty="0"/>
+              <a:t>パラメータの最適化に必要</a:t>
+            </a:r>
+            <a:r>
+              <a:rPr kumimoji="1" lang="ja-JP" altLang="en-US" sz="2800" dirty="0" smtClean="0"/>
+              <a:t>なデータ項目？</a:t>
+            </a:r>
+            <a:endParaRPr kumimoji="1" lang="en-US" altLang="ja-JP" sz="2800" dirty="0" smtClean="0"/>
+          </a:p>
+        </p:txBody>
+      </p:sp>
+      <p:sp>
+        <p:nvSpPr>
+          <p:cNvPr id="4" name="テキスト ボックス 3"/>
+          <p:cNvSpPr txBox="1"/>
+          <p:nvPr/>
+        </p:nvSpPr>
         <p:spPr>
-          <a:prstGeom prst="rect">
+          <a:xfrm>
+            <a:off x="10274793" y="199729"/>
+            <a:ext cx="2548286" cy="644475"/>
+          </a:xfrm>
+          <a:prstGeom prst="roundRect">
             <a:avLst/>
           </a:prstGeom>
+          <a:solidFill>
+            <a:srgbClr val="0070C0"/>
+          </a:solidFill>
+          <a:ln w="38100" cap="flat">
+            <a:solidFill>
+              <a:schemeClr val="tx1">
+                <a:lumMod val="40000"/>
+                <a:lumOff val="60000"/>
+              </a:schemeClr>
+            </a:solidFill>
+            <a:miter lim="400000"/>
+          </a:ln>
+          <a:effectLst/>
+          <a:sp3d/>
         </p:spPr>
+        <p:style>
+          <a:lnRef idx="0">
+            <a:scrgbClr r="0" g="0" b="0"/>
+          </a:lnRef>
+          <a:fillRef idx="0">
+            <a:scrgbClr r="0" g="0" b="0"/>
+          </a:fillRef>
+          <a:effectRef idx="0">
+            <a:scrgbClr r="0" g="0" b="0"/>
+          </a:effectRef>
+          <a:fontRef idx="none"/>
+        </p:style>
         <p:txBody>
-          <a:bodyPr/>
+          <a:bodyPr rot="0" spcFirstLastPara="1" vertOverflow="overflow" horzOverflow="overflow" vert="horz" wrap="none" lIns="50800" tIns="50800" rIns="50800" bIns="50800" numCol="1" spcCol="38100" rtlCol="0" anchor="ctr">
+            <a:noAutofit/>
+          </a:bodyPr>
           <a:lstStyle/>
           <a:p>
-            <a:pPr/>
+            <a:pPr marL="0" marR="0" indent="0" algn="ctr" defTabSz="584200" rtl="0" fontAlgn="auto" latinLnBrk="0" hangingPunct="0">
+              <a:lnSpc>
+                <a:spcPct val="100000"/>
+              </a:lnSpc>
+              <a:spcBef>
+                <a:spcPts val="0"/>
+              </a:spcBef>
+              <a:spcAft>
+                <a:spcPts val="0"/>
+              </a:spcAft>
+              <a:buClrTx/>
+              <a:buSzTx/>
+              <a:buFontTx/>
+              <a:buNone/>
+              <a:tabLst/>
+            </a:pPr>
+            <a:r>
+              <a:rPr kumimoji="0" lang="ja-JP" altLang="en-US" sz="3200" b="0" i="0" u="none" strike="noStrike" cap="none" spc="0" normalizeH="0" baseline="0" dirty="0" smtClean="0">
+                <a:ln>
+                  <a:noFill/>
+                </a:ln>
+                <a:solidFill>
+                  <a:schemeClr val="accent6">
+                    <a:lumMod val="20000"/>
+                    <a:lumOff val="80000"/>
+                  </a:schemeClr>
+                </a:solidFill>
+                <a:effectLst/>
+                <a:uFillTx/>
+                <a:sym typeface="Palatino"/>
+              </a:rPr>
+              <a:t>石井追記</a:t>
+            </a:r>
+            <a:endParaRPr kumimoji="0" lang="ja-JP" altLang="en-US" sz="3200" b="0" i="0" u="none" strike="noStrike" cap="none" spc="0" normalizeH="0" baseline="0" dirty="0">
+              <a:ln>
+                <a:noFill/>
+              </a:ln>
+              <a:solidFill>
+                <a:schemeClr val="accent6">
+                  <a:lumMod val="20000"/>
+                  <a:lumOff val="80000"/>
+                </a:schemeClr>
+              </a:solidFill>
+              <a:effectLst/>
+              <a:uFillTx/>
+              <a:sym typeface="Palatino"/>
+            </a:endParaRPr>
           </a:p>
         </p:txBody>
       </p:sp>
     </p:spTree>
+    <p:extLst>
+      <p:ext uri="{BB962C8B-B14F-4D97-AF65-F5344CB8AC3E}">
+        <p14:creationId xmlns:p14="http://schemas.microsoft.com/office/powerpoint/2010/main" val="1510476249"/>
+      </p:ext>
+    </p:extLst>
   </p:cSld>
   <p:clrMapOvr>
     <a:masterClrMapping/>
   </p:clrMapOvr>
-  <p:transition xmlns:p14="http://schemas.microsoft.com/office/powerpoint/2010/main" spd="med" advClick="1" p14:dur="1000"/>
+  <p:transition spd="med"/>
+  <p:timing>
+    <p:tnLst>
+      <p:par>
+        <p:cTn id="1" dur="indefinite" restart="never" nodeType="tmRoot"/>
+      </p:par>
+    </p:tnLst>
+  </p:timing>
 </p:sld>
 </file>
 
 <file path=ppt/theme/theme1.xml><?xml version="1.0" encoding="utf-8"?>
-<a:theme xmlns:a="http://schemas.openxmlformats.org/drawingml/2006/main" xmlns:r="http://schemas.openxmlformats.org/officeDocument/2006/relationships" name="New_Template4">
+<a:theme xmlns:a="http://schemas.openxmlformats.org/drawingml/2006/main" name="New_Template4">
   <a:themeElements>
     <a:clrScheme name="New_Template4">
       <a:dk1>
@@ -6169,8 +12699,8 @@
     <a:spDef>
       <a:spPr>
         <a:blipFill rotWithShape="1">
-          <a:blip r:embed="rId1"/>
-          <a:srcRect l="0" t="0" r="0" b="0"/>
+          <a:blip xmlns:r="http://schemas.openxmlformats.org/officeDocument/2006/relationships" r:embed="rId1"/>
+          <a:srcRect/>
           <a:tile tx="0" ty="0" sx="100000" sy="100000" flip="none" algn="tl"/>
         </a:blipFill>
         <a:ln w="12700" cap="flat">
@@ -6180,7 +12710,7 @@
         <a:effectLst/>
         <a:sp3d/>
       </a:spPr>
-      <a:bodyPr rot="0" spcFirstLastPara="1" vertOverflow="overflow" horzOverflow="overflow" vert="horz" wrap="square" lIns="50800" tIns="50800" rIns="50800" bIns="50800" numCol="1" spcCol="38100" rtlCol="0" anchor="ctr" upright="0">
+      <a:bodyPr rot="0" spcFirstLastPara="1" vertOverflow="overflow" horzOverflow="overflow" vert="horz" wrap="square" lIns="50800" tIns="50800" rIns="50800" bIns="50800" numCol="1" spcCol="38100" rtlCol="0" anchor="ctr">
         <a:spAutoFit/>
       </a:bodyPr>
       <a:lstStyle>
@@ -6199,7 +12729,7 @@
           <a:buFontTx/>
           <a:buNone/>
           <a:tabLst/>
-          <a:defRPr b="0" baseline="0" cap="none" i="0" spc="0" strike="noStrike" sz="3200" u="none" kumimoji="0" normalizeH="0">
+          <a:defRPr kumimoji="0" sz="3200" b="0" i="0" u="none" strike="noStrike" cap="none" spc="0" normalizeH="0" baseline="0">
             <a:ln>
               <a:noFill/>
             </a:ln>
@@ -6207,7 +12737,7 @@
               <a:srgbClr val="FFFFFF"/>
             </a:solidFill>
             <a:effectLst>
-              <a:outerShdw sx="100000" sy="100000" kx="0" ky="0" algn="b" rotWithShape="0" blurRad="25400" dist="33948" dir="2700000">
+              <a:outerShdw blurRad="25400" dist="33948" dir="2700000" rotWithShape="0">
                 <a:srgbClr val="3B3936"/>
               </a:outerShdw>
             </a:effectLst>
@@ -6233,7 +12763,7 @@
           <a:buFontTx/>
           <a:buNone/>
           <a:tabLst/>
-          <a:defRPr b="0" baseline="0" cap="none" i="0" spc="0" strike="noStrike" sz="1800" u="none" kumimoji="0" normalizeH="0">
+          <a:defRPr kumimoji="0" sz="1800" b="0" i="0" u="none" strike="noStrike" cap="none" spc="0" normalizeH="0" baseline="0">
             <a:ln>
               <a:noFill/>
             </a:ln>
@@ -6259,7 +12789,7 @@
           <a:buFontTx/>
           <a:buNone/>
           <a:tabLst/>
-          <a:defRPr b="0" baseline="0" cap="none" i="0" spc="0" strike="noStrike" sz="1800" u="none" kumimoji="0" normalizeH="0">
+          <a:defRPr kumimoji="0" sz="1800" b="0" i="0" u="none" strike="noStrike" cap="none" spc="0" normalizeH="0" baseline="0">
             <a:ln>
               <a:noFill/>
             </a:ln>
@@ -6285,7 +12815,7 @@
           <a:buFontTx/>
           <a:buNone/>
           <a:tabLst/>
-          <a:defRPr b="0" baseline="0" cap="none" i="0" spc="0" strike="noStrike" sz="1800" u="none" kumimoji="0" normalizeH="0">
+          <a:defRPr kumimoji="0" sz="1800" b="0" i="0" u="none" strike="noStrike" cap="none" spc="0" normalizeH="0" baseline="0">
             <a:ln>
               <a:noFill/>
             </a:ln>
@@ -6311,7 +12841,7 @@
           <a:buFontTx/>
           <a:buNone/>
           <a:tabLst/>
-          <a:defRPr b="0" baseline="0" cap="none" i="0" spc="0" strike="noStrike" sz="1800" u="none" kumimoji="0" normalizeH="0">
+          <a:defRPr kumimoji="0" sz="1800" b="0" i="0" u="none" strike="noStrike" cap="none" spc="0" normalizeH="0" baseline="0">
             <a:ln>
               <a:noFill/>
             </a:ln>
@@ -6337,7 +12867,7 @@
           <a:buFontTx/>
           <a:buNone/>
           <a:tabLst/>
-          <a:defRPr b="0" baseline="0" cap="none" i="0" spc="0" strike="noStrike" sz="1800" u="none" kumimoji="0" normalizeH="0">
+          <a:defRPr kumimoji="0" sz="1800" b="0" i="0" u="none" strike="noStrike" cap="none" spc="0" normalizeH="0" baseline="0">
             <a:ln>
               <a:noFill/>
             </a:ln>
@@ -6363,7 +12893,7 @@
           <a:buFontTx/>
           <a:buNone/>
           <a:tabLst/>
-          <a:defRPr b="0" baseline="0" cap="none" i="0" spc="0" strike="noStrike" sz="1800" u="none" kumimoji="0" normalizeH="0">
+          <a:defRPr kumimoji="0" sz="1800" b="0" i="0" u="none" strike="noStrike" cap="none" spc="0" normalizeH="0" baseline="0">
             <a:ln>
               <a:noFill/>
             </a:ln>
@@ -6389,7 +12919,7 @@
           <a:buFontTx/>
           <a:buNone/>
           <a:tabLst/>
-          <a:defRPr b="0" baseline="0" cap="none" i="0" spc="0" strike="noStrike" sz="1800" u="none" kumimoji="0" normalizeH="0">
+          <a:defRPr kumimoji="0" sz="1800" b="0" i="0" u="none" strike="noStrike" cap="none" spc="0" normalizeH="0" baseline="0">
             <a:ln>
               <a:noFill/>
             </a:ln>
@@ -6415,7 +12945,7 @@
           <a:buFontTx/>
           <a:buNone/>
           <a:tabLst/>
-          <a:defRPr b="0" baseline="0" cap="none" i="0" spc="0" strike="noStrike" sz="1800" u="none" kumimoji="0" normalizeH="0">
+          <a:defRPr kumimoji="0" sz="1800" b="0" i="0" u="none" strike="noStrike" cap="none" spc="0" normalizeH="0" baseline="0">
             <a:ln>
               <a:noFill/>
             </a:ln>
@@ -6441,7 +12971,7 @@
           <a:buFontTx/>
           <a:buNone/>
           <a:tabLst/>
-          <a:defRPr b="0" baseline="0" cap="none" i="0" spc="0" strike="noStrike" sz="1800" u="none" kumimoji="0" normalizeH="0">
+          <a:defRPr kumimoji="0" sz="1800" b="0" i="0" u="none" strike="noStrike" cap="none" spc="0" normalizeH="0" baseline="0">
             <a:ln>
               <a:noFill/>
             </a:ln>
@@ -6454,9 +12984,15 @@
         </a:lvl9pPr>
       </a:lstStyle>
       <a:style>
-        <a:lnRef idx="0"/>
-        <a:fillRef idx="0"/>
-        <a:effectRef idx="0"/>
+        <a:lnRef idx="0">
+          <a:scrgbClr r="0" g="0" b="0"/>
+        </a:lnRef>
+        <a:fillRef idx="0">
+          <a:scrgbClr r="0" g="0" b="0"/>
+        </a:fillRef>
+        <a:effectRef idx="0">
+          <a:scrgbClr r="0" g="0" b="0"/>
+        </a:effectRef>
         <a:fontRef idx="none"/>
       </a:style>
     </a:spDef>
@@ -6473,7 +13009,7 @@
         <a:effectLst/>
         <a:sp3d/>
       </a:spPr>
-      <a:bodyPr rot="0" spcFirstLastPara="1" vertOverflow="overflow" horzOverflow="overflow" vert="horz" wrap="square" lIns="91439" tIns="45719" rIns="91439" bIns="45719" numCol="1" spcCol="38100" rtlCol="0" anchor="t" upright="0">
+      <a:bodyPr rot="0" spcFirstLastPara="1" vertOverflow="overflow" horzOverflow="overflow" vert="horz" wrap="square" lIns="91439" tIns="45719" rIns="91439" bIns="45719" numCol="1" spcCol="38100" rtlCol="0" anchor="t">
         <a:noAutofit/>
       </a:bodyPr>
       <a:lstStyle>
@@ -6492,7 +13028,7 @@
           <a:buFontTx/>
           <a:buNone/>
           <a:tabLst/>
-          <a:defRPr b="0" baseline="0" cap="none" i="0" spc="0" strike="noStrike" sz="1800" u="none" kumimoji="0" normalizeH="0">
+          <a:defRPr kumimoji="0" sz="1800" b="0" i="0" u="none" strike="noStrike" cap="none" spc="0" normalizeH="0" baseline="0">
             <a:ln>
               <a:noFill/>
             </a:ln>
@@ -6518,7 +13054,7 @@
           <a:buFontTx/>
           <a:buNone/>
           <a:tabLst/>
-          <a:defRPr b="0" baseline="0" cap="none" i="0" spc="0" strike="noStrike" sz="1800" u="none" kumimoji="0" normalizeH="0">
+          <a:defRPr kumimoji="0" sz="1800" b="0" i="0" u="none" strike="noStrike" cap="none" spc="0" normalizeH="0" baseline="0">
             <a:ln>
               <a:noFill/>
             </a:ln>
@@ -6544,7 +13080,7 @@
           <a:buFontTx/>
           <a:buNone/>
           <a:tabLst/>
-          <a:defRPr b="0" baseline="0" cap="none" i="0" spc="0" strike="noStrike" sz="1800" u="none" kumimoji="0" normalizeH="0">
+          <a:defRPr kumimoji="0" sz="1800" b="0" i="0" u="none" strike="noStrike" cap="none" spc="0" normalizeH="0" baseline="0">
             <a:ln>
               <a:noFill/>
             </a:ln>
@@ -6570,7 +13106,7 @@
           <a:buFontTx/>
           <a:buNone/>
           <a:tabLst/>
-          <a:defRPr b="0" baseline="0" cap="none" i="0" spc="0" strike="noStrike" sz="1800" u="none" kumimoji="0" normalizeH="0">
+          <a:defRPr kumimoji="0" sz="1800" b="0" i="0" u="none" strike="noStrike" cap="none" spc="0" normalizeH="0" baseline="0">
             <a:ln>
               <a:noFill/>
             </a:ln>
@@ -6596,7 +13132,7 @@
           <a:buFontTx/>
           <a:buNone/>
           <a:tabLst/>
-          <a:defRPr b="0" baseline="0" cap="none" i="0" spc="0" strike="noStrike" sz="1800" u="none" kumimoji="0" normalizeH="0">
+          <a:defRPr kumimoji="0" sz="1800" b="0" i="0" u="none" strike="noStrike" cap="none" spc="0" normalizeH="0" baseline="0">
             <a:ln>
               <a:noFill/>
             </a:ln>
@@ -6622,7 +13158,7 @@
           <a:buFontTx/>
           <a:buNone/>
           <a:tabLst/>
-          <a:defRPr b="0" baseline="0" cap="none" i="0" spc="0" strike="noStrike" sz="1800" u="none" kumimoji="0" normalizeH="0">
+          <a:defRPr kumimoji="0" sz="1800" b="0" i="0" u="none" strike="noStrike" cap="none" spc="0" normalizeH="0" baseline="0">
             <a:ln>
               <a:noFill/>
             </a:ln>
@@ -6648,7 +13184,7 @@
           <a:buFontTx/>
           <a:buNone/>
           <a:tabLst/>
-          <a:defRPr b="0" baseline="0" cap="none" i="0" spc="0" strike="noStrike" sz="1800" u="none" kumimoji="0" normalizeH="0">
+          <a:defRPr kumimoji="0" sz="1800" b="0" i="0" u="none" strike="noStrike" cap="none" spc="0" normalizeH="0" baseline="0">
             <a:ln>
               <a:noFill/>
             </a:ln>
@@ -6674,7 +13210,7 @@
           <a:buFontTx/>
           <a:buNone/>
           <a:tabLst/>
-          <a:defRPr b="0" baseline="0" cap="none" i="0" spc="0" strike="noStrike" sz="1800" u="none" kumimoji="0" normalizeH="0">
+          <a:defRPr kumimoji="0" sz="1800" b="0" i="0" u="none" strike="noStrike" cap="none" spc="0" normalizeH="0" baseline="0">
             <a:ln>
               <a:noFill/>
             </a:ln>
@@ -6700,7 +13236,7 @@
           <a:buFontTx/>
           <a:buNone/>
           <a:tabLst/>
-          <a:defRPr b="0" baseline="0" cap="none" i="0" spc="0" strike="noStrike" sz="1800" u="none" kumimoji="0" normalizeH="0">
+          <a:defRPr kumimoji="0" sz="1800" b="0" i="0" u="none" strike="noStrike" cap="none" spc="0" normalizeH="0" baseline="0">
             <a:ln>
               <a:noFill/>
             </a:ln>
@@ -6726,7 +13262,7 @@
           <a:buFontTx/>
           <a:buNone/>
           <a:tabLst/>
-          <a:defRPr b="0" baseline="0" cap="none" i="0" spc="0" strike="noStrike" sz="1800" u="none" kumimoji="0" normalizeH="0">
+          <a:defRPr kumimoji="0" sz="1800" b="0" i="0" u="none" strike="noStrike" cap="none" spc="0" normalizeH="0" baseline="0">
             <a:ln>
               <a:noFill/>
             </a:ln>
@@ -6739,9 +13275,15 @@
         </a:lvl9pPr>
       </a:lstStyle>
       <a:style>
-        <a:lnRef idx="0"/>
-        <a:fillRef idx="0"/>
-        <a:effectRef idx="0"/>
+        <a:lnRef idx="0">
+          <a:scrgbClr r="0" g="0" b="0"/>
+        </a:lnRef>
+        <a:fillRef idx="0">
+          <a:scrgbClr r="0" g="0" b="0"/>
+        </a:fillRef>
+        <a:effectRef idx="0">
+          <a:scrgbClr r="0" g="0" b="0"/>
+        </a:effectRef>
         <a:fontRef idx="none"/>
       </a:style>
     </a:lnDef>
@@ -6755,7 +13297,7 @@
         <a:effectLst/>
         <a:sp3d/>
       </a:spPr>
-      <a:bodyPr rot="0" spcFirstLastPara="1" vertOverflow="overflow" horzOverflow="overflow" vert="horz" wrap="square" lIns="50800" tIns="50800" rIns="50800" bIns="50800" numCol="1" spcCol="38100" rtlCol="0" anchor="ctr" upright="0">
+      <a:bodyPr rot="0" spcFirstLastPara="1" vertOverflow="overflow" horzOverflow="overflow" vert="horz" wrap="square" lIns="50800" tIns="50800" rIns="50800" bIns="50800" numCol="1" spcCol="38100" rtlCol="0" anchor="ctr">
         <a:spAutoFit/>
       </a:bodyPr>
       <a:lstStyle>
@@ -6774,7 +13316,7 @@
           <a:buFontTx/>
           <a:buNone/>
           <a:tabLst/>
-          <a:defRPr b="0" baseline="0" cap="none" i="0" spc="0" strike="noStrike" sz="2400" u="none" kumimoji="0" normalizeH="0">
+          <a:defRPr kumimoji="0" sz="2400" b="0" i="0" u="none" strike="noStrike" cap="none" spc="0" normalizeH="0" baseline="0">
             <a:ln>
               <a:noFill/>
             </a:ln>
@@ -6804,7 +13346,7 @@
           <a:buFontTx/>
           <a:buNone/>
           <a:tabLst/>
-          <a:defRPr b="0" baseline="0" cap="none" i="0" spc="0" strike="noStrike" sz="1800" u="none" kumimoji="0" normalizeH="0">
+          <a:defRPr kumimoji="0" sz="1800" b="0" i="0" u="none" strike="noStrike" cap="none" spc="0" normalizeH="0" baseline="0">
             <a:ln>
               <a:noFill/>
             </a:ln>
@@ -6830,7 +13372,7 @@
           <a:buFontTx/>
           <a:buNone/>
           <a:tabLst/>
-          <a:defRPr b="0" baseline="0" cap="none" i="0" spc="0" strike="noStrike" sz="1800" u="none" kumimoji="0" normalizeH="0">
+          <a:defRPr kumimoji="0" sz="1800" b="0" i="0" u="none" strike="noStrike" cap="none" spc="0" normalizeH="0" baseline="0">
             <a:ln>
               <a:noFill/>
             </a:ln>
@@ -6856,7 +13398,7 @@
           <a:buFontTx/>
           <a:buNone/>
           <a:tabLst/>
-          <a:defRPr b="0" baseline="0" cap="none" i="0" spc="0" strike="noStrike" sz="1800" u="none" kumimoji="0" normalizeH="0">
+          <a:defRPr kumimoji="0" sz="1800" b="0" i="0" u="none" strike="noStrike" cap="none" spc="0" normalizeH="0" baseline="0">
             <a:ln>
               <a:noFill/>
             </a:ln>
@@ -6882,7 +13424,7 @@
           <a:buFontTx/>
           <a:buNone/>
           <a:tabLst/>
-          <a:defRPr b="0" baseline="0" cap="none" i="0" spc="0" strike="noStrike" sz="1800" u="none" kumimoji="0" normalizeH="0">
+          <a:defRPr kumimoji="0" sz="1800" b="0" i="0" u="none" strike="noStrike" cap="none" spc="0" normalizeH="0" baseline="0">
             <a:ln>
               <a:noFill/>
             </a:ln>
@@ -6908,7 +13450,7 @@
           <a:buFontTx/>
           <a:buNone/>
           <a:tabLst/>
-          <a:defRPr b="0" baseline="0" cap="none" i="0" spc="0" strike="noStrike" sz="1800" u="none" kumimoji="0" normalizeH="0">
+          <a:defRPr kumimoji="0" sz="1800" b="0" i="0" u="none" strike="noStrike" cap="none" spc="0" normalizeH="0" baseline="0">
             <a:ln>
               <a:noFill/>
             </a:ln>
@@ -6934,7 +13476,7 @@
           <a:buFontTx/>
           <a:buNone/>
           <a:tabLst/>
-          <a:defRPr b="0" baseline="0" cap="none" i="0" spc="0" strike="noStrike" sz="1800" u="none" kumimoji="0" normalizeH="0">
+          <a:defRPr kumimoji="0" sz="1800" b="0" i="0" u="none" strike="noStrike" cap="none" spc="0" normalizeH="0" baseline="0">
             <a:ln>
               <a:noFill/>
             </a:ln>
@@ -6960,7 +13502,7 @@
           <a:buFontTx/>
           <a:buNone/>
           <a:tabLst/>
-          <a:defRPr b="0" baseline="0" cap="none" i="0" spc="0" strike="noStrike" sz="1800" u="none" kumimoji="0" normalizeH="0">
+          <a:defRPr kumimoji="0" sz="1800" b="0" i="0" u="none" strike="noStrike" cap="none" spc="0" normalizeH="0" baseline="0">
             <a:ln>
               <a:noFill/>
             </a:ln>
@@ -6986,7 +13528,7 @@
           <a:buFontTx/>
           <a:buNone/>
           <a:tabLst/>
-          <a:defRPr b="0" baseline="0" cap="none" i="0" spc="0" strike="noStrike" sz="1800" u="none" kumimoji="0" normalizeH="0">
+          <a:defRPr kumimoji="0" sz="1800" b="0" i="0" u="none" strike="noStrike" cap="none" spc="0" normalizeH="0" baseline="0">
             <a:ln>
               <a:noFill/>
             </a:ln>
@@ -7012,7 +13554,7 @@
           <a:buFontTx/>
           <a:buNone/>
           <a:tabLst/>
-          <a:defRPr b="0" baseline="0" cap="none" i="0" spc="0" strike="noStrike" sz="1800" u="none" kumimoji="0" normalizeH="0">
+          <a:defRPr kumimoji="0" sz="1800" b="0" i="0" u="none" strike="noStrike" cap="none" spc="0" normalizeH="0" baseline="0">
             <a:ln>
               <a:noFill/>
             </a:ln>
@@ -7025,18 +13567,25 @@
         </a:lvl9pPr>
       </a:lstStyle>
       <a:style>
-        <a:lnRef idx="0"/>
-        <a:fillRef idx="0"/>
-        <a:effectRef idx="0"/>
+        <a:lnRef idx="0">
+          <a:scrgbClr r="0" g="0" b="0"/>
+        </a:lnRef>
+        <a:fillRef idx="0">
+          <a:scrgbClr r="0" g="0" b="0"/>
+        </a:fillRef>
+        <a:effectRef idx="0">
+          <a:scrgbClr r="0" g="0" b="0"/>
+        </a:effectRef>
         <a:fontRef idx="none"/>
       </a:style>
     </a:txDef>
   </a:objectDefaults>
+  <a:extraClrSchemeLst/>
 </a:theme>
 </file>
 
 <file path=ppt/theme/theme2.xml><?xml version="1.0" encoding="utf-8"?>
-<a:theme xmlns:a="http://schemas.openxmlformats.org/drawingml/2006/main" xmlns:r="http://schemas.openxmlformats.org/officeDocument/2006/relationships" name="New_Template4">
+<a:theme xmlns:a="http://schemas.openxmlformats.org/drawingml/2006/main" name="New_Template4">
   <a:themeElements>
     <a:clrScheme name="New_Template4">
       <a:dk1>
@@ -7226,8 +13775,8 @@
     <a:spDef>
       <a:spPr>
         <a:blipFill rotWithShape="1">
-          <a:blip r:embed="rId1"/>
-          <a:srcRect l="0" t="0" r="0" b="0"/>
+          <a:blip xmlns:r="http://schemas.openxmlformats.org/officeDocument/2006/relationships" r:embed="rId1"/>
+          <a:srcRect/>
           <a:tile tx="0" ty="0" sx="100000" sy="100000" flip="none" algn="tl"/>
         </a:blipFill>
         <a:ln w="12700" cap="flat">
@@ -7237,7 +13786,7 @@
         <a:effectLst/>
         <a:sp3d/>
       </a:spPr>
-      <a:bodyPr rot="0" spcFirstLastPara="1" vertOverflow="overflow" horzOverflow="overflow" vert="horz" wrap="square" lIns="50800" tIns="50800" rIns="50800" bIns="50800" numCol="1" spcCol="38100" rtlCol="0" anchor="ctr" upright="0">
+      <a:bodyPr rot="0" spcFirstLastPara="1" vertOverflow="overflow" horzOverflow="overflow" vert="horz" wrap="square" lIns="50800" tIns="50800" rIns="50800" bIns="50800" numCol="1" spcCol="38100" rtlCol="0" anchor="ctr">
         <a:spAutoFit/>
       </a:bodyPr>
       <a:lstStyle>
@@ -7256,7 +13805,7 @@
           <a:buFontTx/>
           <a:buNone/>
           <a:tabLst/>
-          <a:defRPr b="0" baseline="0" cap="none" i="0" spc="0" strike="noStrike" sz="3200" u="none" kumimoji="0" normalizeH="0">
+          <a:defRPr kumimoji="0" sz="3200" b="0" i="0" u="none" strike="noStrike" cap="none" spc="0" normalizeH="0" baseline="0">
             <a:ln>
               <a:noFill/>
             </a:ln>
@@ -7264,7 +13813,7 @@
               <a:srgbClr val="FFFFFF"/>
             </a:solidFill>
             <a:effectLst>
-              <a:outerShdw sx="100000" sy="100000" kx="0" ky="0" algn="b" rotWithShape="0" blurRad="25400" dist="33948" dir="2700000">
+              <a:outerShdw blurRad="25400" dist="33948" dir="2700000" rotWithShape="0">
                 <a:srgbClr val="3B3936"/>
               </a:outerShdw>
             </a:effectLst>
@@ -7290,7 +13839,7 @@
           <a:buFontTx/>
           <a:buNone/>
           <a:tabLst/>
-          <a:defRPr b="0" baseline="0" cap="none" i="0" spc="0" strike="noStrike" sz="1800" u="none" kumimoji="0" normalizeH="0">
+          <a:defRPr kumimoji="0" sz="1800" b="0" i="0" u="none" strike="noStrike" cap="none" spc="0" normalizeH="0" baseline="0">
             <a:ln>
               <a:noFill/>
             </a:ln>
@@ -7316,7 +13865,7 @@
           <a:buFontTx/>
           <a:buNone/>
           <a:tabLst/>
-          <a:defRPr b="0" baseline="0" cap="none" i="0" spc="0" strike="noStrike" sz="1800" u="none" kumimoji="0" normalizeH="0">
+          <a:defRPr kumimoji="0" sz="1800" b="0" i="0" u="none" strike="noStrike" cap="none" spc="0" normalizeH="0" baseline="0">
             <a:ln>
               <a:noFill/>
             </a:ln>
@@ -7342,7 +13891,7 @@
           <a:buFontTx/>
           <a:buNone/>
           <a:tabLst/>
-          <a:defRPr b="0" baseline="0" cap="none" i="0" spc="0" strike="noStrike" sz="1800" u="none" kumimoji="0" normalizeH="0">
+          <a:defRPr kumimoji="0" sz="1800" b="0" i="0" u="none" strike="noStrike" cap="none" spc="0" normalizeH="0" baseline="0">
             <a:ln>
               <a:noFill/>
             </a:ln>
@@ -7368,7 +13917,7 @@
           <a:buFontTx/>
           <a:buNone/>
           <a:tabLst/>
-          <a:defRPr b="0" baseline="0" cap="none" i="0" spc="0" strike="noStrike" sz="1800" u="none" kumimoji="0" normalizeH="0">
+          <a:defRPr kumimoji="0" sz="1800" b="0" i="0" u="none" strike="noStrike" cap="none" spc="0" normalizeH="0" baseline="0">
             <a:ln>
               <a:noFill/>
             </a:ln>
@@ -7394,7 +13943,7 @@
           <a:buFontTx/>
           <a:buNone/>
           <a:tabLst/>
-          <a:defRPr b="0" baseline="0" cap="none" i="0" spc="0" strike="noStrike" sz="1800" u="none" kumimoji="0" normalizeH="0">
+          <a:defRPr kumimoji="0" sz="1800" b="0" i="0" u="none" strike="noStrike" cap="none" spc="0" normalizeH="0" baseline="0">
             <a:ln>
               <a:noFill/>
             </a:ln>
@@ -7420,7 +13969,7 @@
           <a:buFontTx/>
           <a:buNone/>
           <a:tabLst/>
-          <a:defRPr b="0" baseline="0" cap="none" i="0" spc="0" strike="noStrike" sz="1800" u="none" kumimoji="0" normalizeH="0">
+          <a:defRPr kumimoji="0" sz="1800" b="0" i="0" u="none" strike="noStrike" cap="none" spc="0" normalizeH="0" baseline="0">
             <a:ln>
               <a:noFill/>
             </a:ln>
@@ -7446,7 +13995,7 @@
           <a:buFontTx/>
           <a:buNone/>
           <a:tabLst/>
-          <a:defRPr b="0" baseline="0" cap="none" i="0" spc="0" strike="noStrike" sz="1800" u="none" kumimoji="0" normalizeH="0">
+          <a:defRPr kumimoji="0" sz="1800" b="0" i="0" u="none" strike="noStrike" cap="none" spc="0" normalizeH="0" baseline="0">
             <a:ln>
               <a:noFill/>
             </a:ln>
@@ -7472,7 +14021,7 @@
           <a:buFontTx/>
           <a:buNone/>
           <a:tabLst/>
-          <a:defRPr b="0" baseline="0" cap="none" i="0" spc="0" strike="noStrike" sz="1800" u="none" kumimoji="0" normalizeH="0">
+          <a:defRPr kumimoji="0" sz="1800" b="0" i="0" u="none" strike="noStrike" cap="none" spc="0" normalizeH="0" baseline="0">
             <a:ln>
               <a:noFill/>
             </a:ln>
@@ -7498,7 +14047,7 @@
           <a:buFontTx/>
           <a:buNone/>
           <a:tabLst/>
-          <a:defRPr b="0" baseline="0" cap="none" i="0" spc="0" strike="noStrike" sz="1800" u="none" kumimoji="0" normalizeH="0">
+          <a:defRPr kumimoji="0" sz="1800" b="0" i="0" u="none" strike="noStrike" cap="none" spc="0" normalizeH="0" baseline="0">
             <a:ln>
               <a:noFill/>
             </a:ln>
@@ -7511,9 +14060,15 @@
         </a:lvl9pPr>
       </a:lstStyle>
       <a:style>
-        <a:lnRef idx="0"/>
-        <a:fillRef idx="0"/>
-        <a:effectRef idx="0"/>
+        <a:lnRef idx="0">
+          <a:scrgbClr r="0" g="0" b="0"/>
+        </a:lnRef>
+        <a:fillRef idx="0">
+          <a:scrgbClr r="0" g="0" b="0"/>
+        </a:fillRef>
+        <a:effectRef idx="0">
+          <a:scrgbClr r="0" g="0" b="0"/>
+        </a:effectRef>
         <a:fontRef idx="none"/>
       </a:style>
     </a:spDef>
@@ -7530,7 +14085,7 @@
         <a:effectLst/>
         <a:sp3d/>
       </a:spPr>
-      <a:bodyPr rot="0" spcFirstLastPara="1" vertOverflow="overflow" horzOverflow="overflow" vert="horz" wrap="square" lIns="91439" tIns="45719" rIns="91439" bIns="45719" numCol="1" spcCol="38100" rtlCol="0" anchor="t" upright="0">
+      <a:bodyPr rot="0" spcFirstLastPara="1" vertOverflow="overflow" horzOverflow="overflow" vert="horz" wrap="square" lIns="91439" tIns="45719" rIns="91439" bIns="45719" numCol="1" spcCol="38100" rtlCol="0" anchor="t">
         <a:noAutofit/>
       </a:bodyPr>
       <a:lstStyle>
@@ -7549,7 +14104,7 @@
           <a:buFontTx/>
           <a:buNone/>
           <a:tabLst/>
-          <a:defRPr b="0" baseline="0" cap="none" i="0" spc="0" strike="noStrike" sz="1800" u="none" kumimoji="0" normalizeH="0">
+          <a:defRPr kumimoji="0" sz="1800" b="0" i="0" u="none" strike="noStrike" cap="none" spc="0" normalizeH="0" baseline="0">
             <a:ln>
               <a:noFill/>
             </a:ln>
@@ -7575,7 +14130,7 @@
           <a:buFontTx/>
           <a:buNone/>
           <a:tabLst/>
-          <a:defRPr b="0" baseline="0" cap="none" i="0" spc="0" strike="noStrike" sz="1800" u="none" kumimoji="0" normalizeH="0">
+          <a:defRPr kumimoji="0" sz="1800" b="0" i="0" u="none" strike="noStrike" cap="none" spc="0" normalizeH="0" baseline="0">
             <a:ln>
               <a:noFill/>
             </a:ln>
@@ -7601,7 +14156,7 @@
           <a:buFontTx/>
           <a:buNone/>
           <a:tabLst/>
-          <a:defRPr b="0" baseline="0" cap="none" i="0" spc="0" strike="noStrike" sz="1800" u="none" kumimoji="0" normalizeH="0">
+          <a:defRPr kumimoji="0" sz="1800" b="0" i="0" u="none" strike="noStrike" cap="none" spc="0" normalizeH="0" baseline="0">
             <a:ln>
               <a:noFill/>
             </a:ln>
@@ -7627,7 +14182,7 @@
           <a:buFontTx/>
           <a:buNone/>
           <a:tabLst/>
-          <a:defRPr b="0" baseline="0" cap="none" i="0" spc="0" strike="noStrike" sz="1800" u="none" kumimoji="0" normalizeH="0">
+          <a:defRPr kumimoji="0" sz="1800" b="0" i="0" u="none" strike="noStrike" cap="none" spc="0" normalizeH="0" baseline="0">
             <a:ln>
               <a:noFill/>
             </a:ln>
@@ -7653,7 +14208,7 @@
           <a:buFontTx/>
           <a:buNone/>
           <a:tabLst/>
-          <a:defRPr b="0" baseline="0" cap="none" i="0" spc="0" strike="noStrike" sz="1800" u="none" kumimoji="0" normalizeH="0">
+          <a:defRPr kumimoji="0" sz="1800" b="0" i="0" u="none" strike="noStrike" cap="none" spc="0" normalizeH="0" baseline="0">
             <a:ln>
               <a:noFill/>
             </a:ln>
@@ -7679,7 +14234,7 @@
           <a:buFontTx/>
           <a:buNone/>
           <a:tabLst/>
-          <a:defRPr b="0" baseline="0" cap="none" i="0" spc="0" strike="noStrike" sz="1800" u="none" kumimoji="0" normalizeH="0">
+          <a:defRPr kumimoji="0" sz="1800" b="0" i="0" u="none" strike="noStrike" cap="none" spc="0" normalizeH="0" baseline="0">
             <a:ln>
               <a:noFill/>
             </a:ln>
@@ -7705,7 +14260,7 @@
           <a:buFontTx/>
           <a:buNone/>
           <a:tabLst/>
-          <a:defRPr b="0" baseline="0" cap="none" i="0" spc="0" strike="noStrike" sz="1800" u="none" kumimoji="0" normalizeH="0">
+          <a:defRPr kumimoji="0" sz="1800" b="0" i="0" u="none" strike="noStrike" cap="none" spc="0" normalizeH="0" baseline="0">
             <a:ln>
               <a:noFill/>
             </a:ln>
@@ -7731,7 +14286,7 @@
           <a:buFontTx/>
           <a:buNone/>
           <a:tabLst/>
-          <a:defRPr b="0" baseline="0" cap="none" i="0" spc="0" strike="noStrike" sz="1800" u="none" kumimoji="0" normalizeH="0">
+          <a:defRPr kumimoji="0" sz="1800" b="0" i="0" u="none" strike="noStrike" cap="none" spc="0" normalizeH="0" baseline="0">
             <a:ln>
               <a:noFill/>
             </a:ln>
@@ -7757,7 +14312,7 @@
           <a:buFontTx/>
           <a:buNone/>
           <a:tabLst/>
-          <a:defRPr b="0" baseline="0" cap="none" i="0" spc="0" strike="noStrike" sz="1800" u="none" kumimoji="0" normalizeH="0">
+          <a:defRPr kumimoji="0" sz="1800" b="0" i="0" u="none" strike="noStrike" cap="none" spc="0" normalizeH="0" baseline="0">
             <a:ln>
               <a:noFill/>
             </a:ln>
@@ -7783,7 +14338,7 @@
           <a:buFontTx/>
           <a:buNone/>
           <a:tabLst/>
-          <a:defRPr b="0" baseline="0" cap="none" i="0" spc="0" strike="noStrike" sz="1800" u="none" kumimoji="0" normalizeH="0">
+          <a:defRPr kumimoji="0" sz="1800" b="0" i="0" u="none" strike="noStrike" cap="none" spc="0" normalizeH="0" baseline="0">
             <a:ln>
               <a:noFill/>
             </a:ln>
@@ -7796,9 +14351,15 @@
         </a:lvl9pPr>
       </a:lstStyle>
       <a:style>
-        <a:lnRef idx="0"/>
-        <a:fillRef idx="0"/>
-        <a:effectRef idx="0"/>
+        <a:lnRef idx="0">
+          <a:scrgbClr r="0" g="0" b="0"/>
+        </a:lnRef>
+        <a:fillRef idx="0">
+          <a:scrgbClr r="0" g="0" b="0"/>
+        </a:fillRef>
+        <a:effectRef idx="0">
+          <a:scrgbClr r="0" g="0" b="0"/>
+        </a:effectRef>
         <a:fontRef idx="none"/>
       </a:style>
     </a:lnDef>
@@ -7812,7 +14373,7 @@
         <a:effectLst/>
         <a:sp3d/>
       </a:spPr>
-      <a:bodyPr rot="0" spcFirstLastPara="1" vertOverflow="overflow" horzOverflow="overflow" vert="horz" wrap="square" lIns="50800" tIns="50800" rIns="50800" bIns="50800" numCol="1" spcCol="38100" rtlCol="0" anchor="ctr" upright="0">
+      <a:bodyPr rot="0" spcFirstLastPara="1" vertOverflow="overflow" horzOverflow="overflow" vert="horz" wrap="square" lIns="50800" tIns="50800" rIns="50800" bIns="50800" numCol="1" spcCol="38100" rtlCol="0" anchor="ctr">
         <a:spAutoFit/>
       </a:bodyPr>
       <a:lstStyle>
@@ -7831,7 +14392,7 @@
           <a:buFontTx/>
           <a:buNone/>
           <a:tabLst/>
-          <a:defRPr b="0" baseline="0" cap="none" i="0" spc="0" strike="noStrike" sz="2400" u="none" kumimoji="0" normalizeH="0">
+          <a:defRPr kumimoji="0" sz="2400" b="0" i="0" u="none" strike="noStrike" cap="none" spc="0" normalizeH="0" baseline="0">
             <a:ln>
               <a:noFill/>
             </a:ln>
@@ -7861,7 +14422,7 @@
           <a:buFontTx/>
           <a:buNone/>
           <a:tabLst/>
-          <a:defRPr b="0" baseline="0" cap="none" i="0" spc="0" strike="noStrike" sz="1800" u="none" kumimoji="0" normalizeH="0">
+          <a:defRPr kumimoji="0" sz="1800" b="0" i="0" u="none" strike="noStrike" cap="none" spc="0" normalizeH="0" baseline="0">
             <a:ln>
               <a:noFill/>
             </a:ln>
@@ -7887,7 +14448,7 @@
           <a:buFontTx/>
           <a:buNone/>
           <a:tabLst/>
-          <a:defRPr b="0" baseline="0" cap="none" i="0" spc="0" strike="noStrike" sz="1800" u="none" kumimoji="0" normalizeH="0">
+          <a:defRPr kumimoji="0" sz="1800" b="0" i="0" u="none" strike="noStrike" cap="none" spc="0" normalizeH="0" baseline="0">
             <a:ln>
               <a:noFill/>
             </a:ln>
@@ -7913,7 +14474,7 @@
           <a:buFontTx/>
           <a:buNone/>
           <a:tabLst/>
-          <a:defRPr b="0" baseline="0" cap="none" i="0" spc="0" strike="noStrike" sz="1800" u="none" kumimoji="0" normalizeH="0">
+          <a:defRPr kumimoji="0" sz="1800" b="0" i="0" u="none" strike="noStrike" cap="none" spc="0" normalizeH="0" baseline="0">
             <a:ln>
               <a:noFill/>
             </a:ln>
@@ -7939,7 +14500,7 @@
           <a:buFontTx/>
           <a:buNone/>
           <a:tabLst/>
-          <a:defRPr b="0" baseline="0" cap="none" i="0" spc="0" strike="noStrike" sz="1800" u="none" kumimoji="0" normalizeH="0">
+          <a:defRPr kumimoji="0" sz="1800" b="0" i="0" u="none" strike="noStrike" cap="none" spc="0" normalizeH="0" baseline="0">
             <a:ln>
               <a:noFill/>
             </a:ln>
@@ -7965,7 +14526,7 @@
           <a:buFontTx/>
           <a:buNone/>
           <a:tabLst/>
-          <a:defRPr b="0" baseline="0" cap="none" i="0" spc="0" strike="noStrike" sz="1800" u="none" kumimoji="0" normalizeH="0">
+          <a:defRPr kumimoji="0" sz="1800" b="0" i="0" u="none" strike="noStrike" cap="none" spc="0" normalizeH="0" baseline="0">
             <a:ln>
               <a:noFill/>
             </a:ln>
@@ -7991,7 +14552,7 @@
           <a:buFontTx/>
           <a:buNone/>
           <a:tabLst/>
-          <a:defRPr b="0" baseline="0" cap="none" i="0" spc="0" strike="noStrike" sz="1800" u="none" kumimoji="0" normalizeH="0">
+          <a:defRPr kumimoji="0" sz="1800" b="0" i="0" u="none" strike="noStrike" cap="none" spc="0" normalizeH="0" baseline="0">
             <a:ln>
               <a:noFill/>
             </a:ln>
@@ -8017,7 +14578,7 @@
           <a:buFontTx/>
           <a:buNone/>
           <a:tabLst/>
-          <a:defRPr b="0" baseline="0" cap="none" i="0" spc="0" strike="noStrike" sz="1800" u="none" kumimoji="0" normalizeH="0">
+          <a:defRPr kumimoji="0" sz="1800" b="0" i="0" u="none" strike="noStrike" cap="none" spc="0" normalizeH="0" baseline="0">
             <a:ln>
               <a:noFill/>
             </a:ln>
@@ -8043,7 +14604,7 @@
           <a:buFontTx/>
           <a:buNone/>
           <a:tabLst/>
-          <a:defRPr b="0" baseline="0" cap="none" i="0" spc="0" strike="noStrike" sz="1800" u="none" kumimoji="0" normalizeH="0">
+          <a:defRPr kumimoji="0" sz="1800" b="0" i="0" u="none" strike="noStrike" cap="none" spc="0" normalizeH="0" baseline="0">
             <a:ln>
               <a:noFill/>
             </a:ln>
@@ -8069,7 +14630,7 @@
           <a:buFontTx/>
           <a:buNone/>
           <a:tabLst/>
-          <a:defRPr b="0" baseline="0" cap="none" i="0" spc="0" strike="noStrike" sz="1800" u="none" kumimoji="0" normalizeH="0">
+          <a:defRPr kumimoji="0" sz="1800" b="0" i="0" u="none" strike="noStrike" cap="none" spc="0" normalizeH="0" baseline="0">
             <a:ln>
               <a:noFill/>
             </a:ln>
@@ -8082,12 +14643,19 @@
         </a:lvl9pPr>
       </a:lstStyle>
       <a:style>
-        <a:lnRef idx="0"/>
-        <a:fillRef idx="0"/>
-        <a:effectRef idx="0"/>
+        <a:lnRef idx="0">
+          <a:scrgbClr r="0" g="0" b="0"/>
+        </a:lnRef>
+        <a:fillRef idx="0">
+          <a:scrgbClr r="0" g="0" b="0"/>
+        </a:fillRef>
+        <a:effectRef idx="0">
+          <a:scrgbClr r="0" g="0" b="0"/>
+        </a:effectRef>
         <a:fontRef idx="none"/>
       </a:style>
     </a:txDef>
   </a:objectDefaults>
+  <a:extraClrSchemeLst/>
 </a:theme>
 </file>